--- a/theory/kinematik.pptx
+++ b/theory/kinematik.pptx
@@ -4,8 +4,12 @@
   <p:sldMasterIdLst>
     <p:sldMasterId id="2147483648" r:id="rId1"/>
   </p:sldMasterIdLst>
+  <p:notesMasterIdLst>
+    <p:notesMasterId r:id="rId4"/>
+  </p:notesMasterIdLst>
   <p:sldIdLst>
     <p:sldId id="257" r:id="rId2"/>
+    <p:sldId id="258" r:id="rId3"/>
   </p:sldIdLst>
   <p:sldSz cx="9144000" cy="6858000" type="screen4x3"/>
   <p:notesSz cx="6858000" cy="9144000"/>
@@ -123,6 +127,440 @@
 </p:presentation>
 </file>
 
+<file path=ppt/notesMasters/notesMaster1.xml><?xml version="1.0" encoding="utf-8"?>
+<p:notesMaster xmlns:a="http://schemas.openxmlformats.org/drawingml/2006/main" xmlns:r="http://schemas.openxmlformats.org/officeDocument/2006/relationships" xmlns:p="http://schemas.openxmlformats.org/presentationml/2006/main">
+  <p:cSld>
+    <p:bg>
+      <p:bgRef idx="1001">
+        <a:schemeClr val="bg1"/>
+      </p:bgRef>
+    </p:bg>
+    <p:spTree>
+      <p:nvGrpSpPr>
+        <p:cNvPr id="1" name=""/>
+        <p:cNvGrpSpPr/>
+        <p:nvPr/>
+      </p:nvGrpSpPr>
+      <p:grpSpPr>
+        <a:xfrm>
+          <a:off x="0" y="0"/>
+          <a:ext cx="0" cy="0"/>
+          <a:chOff x="0" y="0"/>
+          <a:chExt cx="0" cy="0"/>
+        </a:xfrm>
+      </p:grpSpPr>
+      <p:sp>
+        <p:nvSpPr>
+          <p:cNvPr id="2" name="Kopfzeilenplatzhalter 1"/>
+          <p:cNvSpPr>
+            <a:spLocks noGrp="1"/>
+          </p:cNvSpPr>
+          <p:nvPr>
+            <p:ph type="hdr" sz="quarter"/>
+          </p:nvPr>
+        </p:nvSpPr>
+        <p:spPr>
+          <a:xfrm>
+            <a:off x="0" y="0"/>
+            <a:ext cx="2971800" cy="458788"/>
+          </a:xfrm>
+          <a:prstGeom prst="rect">
+            <a:avLst/>
+          </a:prstGeom>
+        </p:spPr>
+        <p:txBody>
+          <a:bodyPr vert="horz" lIns="91440" tIns="45720" rIns="91440" bIns="45720" rtlCol="0"/>
+          <a:lstStyle>
+            <a:lvl1pPr algn="l">
+              <a:defRPr sz="1200"/>
+            </a:lvl1pPr>
+          </a:lstStyle>
+          <a:p>
+            <a:endParaRPr lang="de-DE"/>
+          </a:p>
+        </p:txBody>
+      </p:sp>
+      <p:sp>
+        <p:nvSpPr>
+          <p:cNvPr id="3" name="Datumsplatzhalter 2"/>
+          <p:cNvSpPr>
+            <a:spLocks noGrp="1"/>
+          </p:cNvSpPr>
+          <p:nvPr>
+            <p:ph type="dt" idx="1"/>
+          </p:nvPr>
+        </p:nvSpPr>
+        <p:spPr>
+          <a:xfrm>
+            <a:off x="3884613" y="0"/>
+            <a:ext cx="2971800" cy="458788"/>
+          </a:xfrm>
+          <a:prstGeom prst="rect">
+            <a:avLst/>
+          </a:prstGeom>
+        </p:spPr>
+        <p:txBody>
+          <a:bodyPr vert="horz" lIns="91440" tIns="45720" rIns="91440" bIns="45720" rtlCol="0"/>
+          <a:lstStyle>
+            <a:lvl1pPr algn="r">
+              <a:defRPr sz="1200"/>
+            </a:lvl1pPr>
+          </a:lstStyle>
+          <a:p>
+            <a:fld id="{24CAD8AF-FB06-4225-9C3C-63F205CE0062}" type="datetimeFigureOut">
+              <a:rPr lang="de-DE" smtClean="0"/>
+              <a:t>23.08.2016</a:t>
+            </a:fld>
+            <a:endParaRPr lang="de-DE"/>
+          </a:p>
+        </p:txBody>
+      </p:sp>
+      <p:sp>
+        <p:nvSpPr>
+          <p:cNvPr id="4" name="Folienbildplatzhalter 3"/>
+          <p:cNvSpPr>
+            <a:spLocks noGrp="1" noRot="1" noChangeAspect="1"/>
+          </p:cNvSpPr>
+          <p:nvPr>
+            <p:ph type="sldImg" idx="2"/>
+          </p:nvPr>
+        </p:nvSpPr>
+        <p:spPr>
+          <a:xfrm>
+            <a:off x="1371600" y="1143000"/>
+            <a:ext cx="4114800" cy="3086100"/>
+          </a:xfrm>
+          <a:prstGeom prst="rect">
+            <a:avLst/>
+          </a:prstGeom>
+          <a:noFill/>
+          <a:ln w="12700">
+            <a:solidFill>
+              <a:prstClr val="black"/>
+            </a:solidFill>
+          </a:ln>
+        </p:spPr>
+        <p:txBody>
+          <a:bodyPr vert="horz" lIns="91440" tIns="45720" rIns="91440" bIns="45720" rtlCol="0" anchor="ctr"/>
+          <a:lstStyle/>
+          <a:p>
+            <a:endParaRPr lang="de-DE"/>
+          </a:p>
+        </p:txBody>
+      </p:sp>
+      <p:sp>
+        <p:nvSpPr>
+          <p:cNvPr id="5" name="Notizenplatzhalter 4"/>
+          <p:cNvSpPr>
+            <a:spLocks noGrp="1"/>
+          </p:cNvSpPr>
+          <p:nvPr>
+            <p:ph type="body" sz="quarter" idx="3"/>
+          </p:nvPr>
+        </p:nvSpPr>
+        <p:spPr>
+          <a:xfrm>
+            <a:off x="685800" y="4400550"/>
+            <a:ext cx="5486400" cy="3600450"/>
+          </a:xfrm>
+          <a:prstGeom prst="rect">
+            <a:avLst/>
+          </a:prstGeom>
+        </p:spPr>
+        <p:txBody>
+          <a:bodyPr vert="horz" lIns="91440" tIns="45720" rIns="91440" bIns="45720" rtlCol="0"/>
+          <a:lstStyle/>
+          <a:p>
+            <a:pPr lvl="0"/>
+            <a:r>
+              <a:rPr lang="de-DE" smtClean="0"/>
+              <a:t>Textmasterformat bearbeiten</a:t>
+            </a:r>
+          </a:p>
+          <a:p>
+            <a:pPr lvl="1"/>
+            <a:r>
+              <a:rPr lang="de-DE" smtClean="0"/>
+              <a:t>Zweite Ebene</a:t>
+            </a:r>
+          </a:p>
+          <a:p>
+            <a:pPr lvl="2"/>
+            <a:r>
+              <a:rPr lang="de-DE" smtClean="0"/>
+              <a:t>Dritte Ebene</a:t>
+            </a:r>
+          </a:p>
+          <a:p>
+            <a:pPr lvl="3"/>
+            <a:r>
+              <a:rPr lang="de-DE" smtClean="0"/>
+              <a:t>Vierte Ebene</a:t>
+            </a:r>
+          </a:p>
+          <a:p>
+            <a:pPr lvl="4"/>
+            <a:r>
+              <a:rPr lang="de-DE" smtClean="0"/>
+              <a:t>Fünfte Ebene</a:t>
+            </a:r>
+            <a:endParaRPr lang="de-DE"/>
+          </a:p>
+        </p:txBody>
+      </p:sp>
+      <p:sp>
+        <p:nvSpPr>
+          <p:cNvPr id="6" name="Fußzeilenplatzhalter 5"/>
+          <p:cNvSpPr>
+            <a:spLocks noGrp="1"/>
+          </p:cNvSpPr>
+          <p:nvPr>
+            <p:ph type="ftr" sz="quarter" idx="4"/>
+          </p:nvPr>
+        </p:nvSpPr>
+        <p:spPr>
+          <a:xfrm>
+            <a:off x="0" y="8685213"/>
+            <a:ext cx="2971800" cy="458787"/>
+          </a:xfrm>
+          <a:prstGeom prst="rect">
+            <a:avLst/>
+          </a:prstGeom>
+        </p:spPr>
+        <p:txBody>
+          <a:bodyPr vert="horz" lIns="91440" tIns="45720" rIns="91440" bIns="45720" rtlCol="0" anchor="b"/>
+          <a:lstStyle>
+            <a:lvl1pPr algn="l">
+              <a:defRPr sz="1200"/>
+            </a:lvl1pPr>
+          </a:lstStyle>
+          <a:p>
+            <a:endParaRPr lang="de-DE"/>
+          </a:p>
+        </p:txBody>
+      </p:sp>
+      <p:sp>
+        <p:nvSpPr>
+          <p:cNvPr id="7" name="Foliennummernplatzhalter 6"/>
+          <p:cNvSpPr>
+            <a:spLocks noGrp="1"/>
+          </p:cNvSpPr>
+          <p:nvPr>
+            <p:ph type="sldNum" sz="quarter" idx="5"/>
+          </p:nvPr>
+        </p:nvSpPr>
+        <p:spPr>
+          <a:xfrm>
+            <a:off x="3884613" y="8685213"/>
+            <a:ext cx="2971800" cy="458787"/>
+          </a:xfrm>
+          <a:prstGeom prst="rect">
+            <a:avLst/>
+          </a:prstGeom>
+        </p:spPr>
+        <p:txBody>
+          <a:bodyPr vert="horz" lIns="91440" tIns="45720" rIns="91440" bIns="45720" rtlCol="0" anchor="b"/>
+          <a:lstStyle>
+            <a:lvl1pPr algn="r">
+              <a:defRPr sz="1200"/>
+            </a:lvl1pPr>
+          </a:lstStyle>
+          <a:p>
+            <a:fld id="{BD0E801E-6041-4EA5-AE00-3DEBC4681658}" type="slidenum">
+              <a:rPr lang="de-DE" smtClean="0"/>
+              <a:t>‹Nr.›</a:t>
+            </a:fld>
+            <a:endParaRPr lang="de-DE"/>
+          </a:p>
+        </p:txBody>
+      </p:sp>
+    </p:spTree>
+    <p:extLst>
+      <p:ext uri="{BB962C8B-B14F-4D97-AF65-F5344CB8AC3E}">
+        <p14:creationId xmlns:p14="http://schemas.microsoft.com/office/powerpoint/2010/main" val="2000762744"/>
+      </p:ext>
+    </p:extLst>
+  </p:cSld>
+  <p:clrMap bg1="lt1" tx1="dk1" bg2="lt2" tx2="dk2" accent1="accent1" accent2="accent2" accent3="accent3" accent4="accent4" accent5="accent5" accent6="accent6" hlink="hlink" folHlink="folHlink"/>
+  <p:notesStyle>
+    <a:lvl1pPr marL="0" algn="l" defTabSz="914400" rtl="0" eaLnBrk="1" latinLnBrk="0" hangingPunct="1">
+      <a:defRPr sz="1200" kern="1200">
+        <a:solidFill>
+          <a:schemeClr val="tx1"/>
+        </a:solidFill>
+        <a:latin typeface="+mn-lt"/>
+        <a:ea typeface="+mn-ea"/>
+        <a:cs typeface="+mn-cs"/>
+      </a:defRPr>
+    </a:lvl1pPr>
+    <a:lvl2pPr marL="457200" algn="l" defTabSz="914400" rtl="0" eaLnBrk="1" latinLnBrk="0" hangingPunct="1">
+      <a:defRPr sz="1200" kern="1200">
+        <a:solidFill>
+          <a:schemeClr val="tx1"/>
+        </a:solidFill>
+        <a:latin typeface="+mn-lt"/>
+        <a:ea typeface="+mn-ea"/>
+        <a:cs typeface="+mn-cs"/>
+      </a:defRPr>
+    </a:lvl2pPr>
+    <a:lvl3pPr marL="914400" algn="l" defTabSz="914400" rtl="0" eaLnBrk="1" latinLnBrk="0" hangingPunct="1">
+      <a:defRPr sz="1200" kern="1200">
+        <a:solidFill>
+          <a:schemeClr val="tx1"/>
+        </a:solidFill>
+        <a:latin typeface="+mn-lt"/>
+        <a:ea typeface="+mn-ea"/>
+        <a:cs typeface="+mn-cs"/>
+      </a:defRPr>
+    </a:lvl3pPr>
+    <a:lvl4pPr marL="1371600" algn="l" defTabSz="914400" rtl="0" eaLnBrk="1" latinLnBrk="0" hangingPunct="1">
+      <a:defRPr sz="1200" kern="1200">
+        <a:solidFill>
+          <a:schemeClr val="tx1"/>
+        </a:solidFill>
+        <a:latin typeface="+mn-lt"/>
+        <a:ea typeface="+mn-ea"/>
+        <a:cs typeface="+mn-cs"/>
+      </a:defRPr>
+    </a:lvl4pPr>
+    <a:lvl5pPr marL="1828800" algn="l" defTabSz="914400" rtl="0" eaLnBrk="1" latinLnBrk="0" hangingPunct="1">
+      <a:defRPr sz="1200" kern="1200">
+        <a:solidFill>
+          <a:schemeClr val="tx1"/>
+        </a:solidFill>
+        <a:latin typeface="+mn-lt"/>
+        <a:ea typeface="+mn-ea"/>
+        <a:cs typeface="+mn-cs"/>
+      </a:defRPr>
+    </a:lvl5pPr>
+    <a:lvl6pPr marL="2286000" algn="l" defTabSz="914400" rtl="0" eaLnBrk="1" latinLnBrk="0" hangingPunct="1">
+      <a:defRPr sz="1200" kern="1200">
+        <a:solidFill>
+          <a:schemeClr val="tx1"/>
+        </a:solidFill>
+        <a:latin typeface="+mn-lt"/>
+        <a:ea typeface="+mn-ea"/>
+        <a:cs typeface="+mn-cs"/>
+      </a:defRPr>
+    </a:lvl6pPr>
+    <a:lvl7pPr marL="2743200" algn="l" defTabSz="914400" rtl="0" eaLnBrk="1" latinLnBrk="0" hangingPunct="1">
+      <a:defRPr sz="1200" kern="1200">
+        <a:solidFill>
+          <a:schemeClr val="tx1"/>
+        </a:solidFill>
+        <a:latin typeface="+mn-lt"/>
+        <a:ea typeface="+mn-ea"/>
+        <a:cs typeface="+mn-cs"/>
+      </a:defRPr>
+    </a:lvl7pPr>
+    <a:lvl8pPr marL="3200400" algn="l" defTabSz="914400" rtl="0" eaLnBrk="1" latinLnBrk="0" hangingPunct="1">
+      <a:defRPr sz="1200" kern="1200">
+        <a:solidFill>
+          <a:schemeClr val="tx1"/>
+        </a:solidFill>
+        <a:latin typeface="+mn-lt"/>
+        <a:ea typeface="+mn-ea"/>
+        <a:cs typeface="+mn-cs"/>
+      </a:defRPr>
+    </a:lvl8pPr>
+    <a:lvl9pPr marL="3657600" algn="l" defTabSz="914400" rtl="0" eaLnBrk="1" latinLnBrk="0" hangingPunct="1">
+      <a:defRPr sz="1200" kern="1200">
+        <a:solidFill>
+          <a:schemeClr val="tx1"/>
+        </a:solidFill>
+        <a:latin typeface="+mn-lt"/>
+        <a:ea typeface="+mn-ea"/>
+        <a:cs typeface="+mn-cs"/>
+      </a:defRPr>
+    </a:lvl9pPr>
+  </p:notesStyle>
+</p:notesMaster>
+</file>
+
+<file path=ppt/notesSlides/notesSlide1.xml><?xml version="1.0" encoding="utf-8"?>
+<p:notes xmlns:a="http://schemas.openxmlformats.org/drawingml/2006/main" xmlns:r="http://schemas.openxmlformats.org/officeDocument/2006/relationships" xmlns:p="http://schemas.openxmlformats.org/presentationml/2006/main">
+  <p:cSld>
+    <p:spTree>
+      <p:nvGrpSpPr>
+        <p:cNvPr id="1" name=""/>
+        <p:cNvGrpSpPr/>
+        <p:nvPr/>
+      </p:nvGrpSpPr>
+      <p:grpSpPr>
+        <a:xfrm>
+          <a:off x="0" y="0"/>
+          <a:ext cx="0" cy="0"/>
+          <a:chOff x="0" y="0"/>
+          <a:chExt cx="0" cy="0"/>
+        </a:xfrm>
+      </p:grpSpPr>
+      <p:sp>
+        <p:nvSpPr>
+          <p:cNvPr id="2" name="Folienbildplatzhalter 1"/>
+          <p:cNvSpPr>
+            <a:spLocks noGrp="1" noRot="1" noChangeAspect="1"/>
+          </p:cNvSpPr>
+          <p:nvPr>
+            <p:ph type="sldImg"/>
+          </p:nvPr>
+        </p:nvSpPr>
+        <p:spPr/>
+      </p:sp>
+      <p:sp>
+        <p:nvSpPr>
+          <p:cNvPr id="3" name="Notizenplatzhalter 2"/>
+          <p:cNvSpPr>
+            <a:spLocks noGrp="1"/>
+          </p:cNvSpPr>
+          <p:nvPr>
+            <p:ph type="body" idx="1"/>
+          </p:nvPr>
+        </p:nvSpPr>
+        <p:spPr/>
+        <p:txBody>
+          <a:bodyPr/>
+          <a:lstStyle/>
+          <a:p>
+            <a:endParaRPr lang="de-DE" dirty="0"/>
+          </a:p>
+        </p:txBody>
+      </p:sp>
+      <p:sp>
+        <p:nvSpPr>
+          <p:cNvPr id="4" name="Foliennummernplatzhalter 3"/>
+          <p:cNvSpPr>
+            <a:spLocks noGrp="1"/>
+          </p:cNvSpPr>
+          <p:nvPr>
+            <p:ph type="sldNum" sz="quarter" idx="10"/>
+          </p:nvPr>
+        </p:nvSpPr>
+        <p:spPr/>
+        <p:txBody>
+          <a:bodyPr/>
+          <a:lstStyle/>
+          <a:p>
+            <a:fld id="{BD0E801E-6041-4EA5-AE00-3DEBC4681658}" type="slidenum">
+              <a:rPr lang="de-DE" smtClean="0"/>
+              <a:t>2</a:t>
+            </a:fld>
+            <a:endParaRPr lang="de-DE"/>
+          </a:p>
+        </p:txBody>
+      </p:sp>
+    </p:spTree>
+    <p:extLst>
+      <p:ext uri="{BB962C8B-B14F-4D97-AF65-F5344CB8AC3E}">
+        <p14:creationId xmlns:p14="http://schemas.microsoft.com/office/powerpoint/2010/main" val="375719472"/>
+      </p:ext>
+    </p:extLst>
+  </p:cSld>
+  <p:clrMapOvr>
+    <a:masterClrMapping/>
+  </p:clrMapOvr>
+</p:notes>
+</file>
+
 <file path=ppt/slideLayouts/slideLayout1.xml><?xml version="1.0" encoding="utf-8"?>
 <p:sldLayout xmlns:a="http://schemas.openxmlformats.org/drawingml/2006/main" xmlns:r="http://schemas.openxmlformats.org/officeDocument/2006/relationships" xmlns:p="http://schemas.openxmlformats.org/presentationml/2006/main" type="title" preserve="1">
   <p:cSld name="Titelfolie">
@@ -304,7 +742,7 @@
           <a:p>
             <a:fld id="{1BA50D42-C9CD-4801-B293-61D1F53EC57E}" type="datetimeFigureOut">
               <a:rPr lang="de-DE" smtClean="0"/>
-              <a:t>01.07.2016</a:t>
+              <a:t>23.08.2016</a:t>
             </a:fld>
             <a:endParaRPr lang="de-DE"/>
           </a:p>
@@ -469,7 +907,7 @@
           <a:p>
             <a:fld id="{1BA50D42-C9CD-4801-B293-61D1F53EC57E}" type="datetimeFigureOut">
               <a:rPr lang="de-DE" smtClean="0"/>
-              <a:t>01.07.2016</a:t>
+              <a:t>23.08.2016</a:t>
             </a:fld>
             <a:endParaRPr lang="de-DE"/>
           </a:p>
@@ -644,7 +1082,7 @@
           <a:p>
             <a:fld id="{1BA50D42-C9CD-4801-B293-61D1F53EC57E}" type="datetimeFigureOut">
               <a:rPr lang="de-DE" smtClean="0"/>
-              <a:t>01.07.2016</a:t>
+              <a:t>23.08.2016</a:t>
             </a:fld>
             <a:endParaRPr lang="de-DE"/>
           </a:p>
@@ -809,7 +1247,7 @@
           <a:p>
             <a:fld id="{1BA50D42-C9CD-4801-B293-61D1F53EC57E}" type="datetimeFigureOut">
               <a:rPr lang="de-DE" smtClean="0"/>
-              <a:t>01.07.2016</a:t>
+              <a:t>23.08.2016</a:t>
             </a:fld>
             <a:endParaRPr lang="de-DE"/>
           </a:p>
@@ -1050,7 +1488,7 @@
           <a:p>
             <a:fld id="{1BA50D42-C9CD-4801-B293-61D1F53EC57E}" type="datetimeFigureOut">
               <a:rPr lang="de-DE" smtClean="0"/>
-              <a:t>01.07.2016</a:t>
+              <a:t>23.08.2016</a:t>
             </a:fld>
             <a:endParaRPr lang="de-DE"/>
           </a:p>
@@ -1333,7 +1771,7 @@
           <a:p>
             <a:fld id="{1BA50D42-C9CD-4801-B293-61D1F53EC57E}" type="datetimeFigureOut">
               <a:rPr lang="de-DE" smtClean="0"/>
-              <a:t>01.07.2016</a:t>
+              <a:t>23.08.2016</a:t>
             </a:fld>
             <a:endParaRPr lang="de-DE"/>
           </a:p>
@@ -1750,7 +2188,7 @@
           <a:p>
             <a:fld id="{1BA50D42-C9CD-4801-B293-61D1F53EC57E}" type="datetimeFigureOut">
               <a:rPr lang="de-DE" smtClean="0"/>
-              <a:t>01.07.2016</a:t>
+              <a:t>23.08.2016</a:t>
             </a:fld>
             <a:endParaRPr lang="de-DE"/>
           </a:p>
@@ -1863,7 +2301,7 @@
           <a:p>
             <a:fld id="{1BA50D42-C9CD-4801-B293-61D1F53EC57E}" type="datetimeFigureOut">
               <a:rPr lang="de-DE" smtClean="0"/>
-              <a:t>01.07.2016</a:t>
+              <a:t>23.08.2016</a:t>
             </a:fld>
             <a:endParaRPr lang="de-DE"/>
           </a:p>
@@ -1953,7 +2391,7 @@
           <a:p>
             <a:fld id="{1BA50D42-C9CD-4801-B293-61D1F53EC57E}" type="datetimeFigureOut">
               <a:rPr lang="de-DE" smtClean="0"/>
-              <a:t>01.07.2016</a:t>
+              <a:t>23.08.2016</a:t>
             </a:fld>
             <a:endParaRPr lang="de-DE"/>
           </a:p>
@@ -2225,7 +2663,7 @@
           <a:p>
             <a:fld id="{1BA50D42-C9CD-4801-B293-61D1F53EC57E}" type="datetimeFigureOut">
               <a:rPr lang="de-DE" smtClean="0"/>
-              <a:t>01.07.2016</a:t>
+              <a:t>23.08.2016</a:t>
             </a:fld>
             <a:endParaRPr lang="de-DE"/>
           </a:p>
@@ -2473,7 +2911,7 @@
           <a:p>
             <a:fld id="{1BA50D42-C9CD-4801-B293-61D1F53EC57E}" type="datetimeFigureOut">
               <a:rPr lang="de-DE" smtClean="0"/>
-              <a:t>01.07.2016</a:t>
+              <a:t>23.08.2016</a:t>
             </a:fld>
             <a:endParaRPr lang="de-DE"/>
           </a:p>
@@ -2681,7 +3119,7 @@
           <a:p>
             <a:fld id="{1BA50D42-C9CD-4801-B293-61D1F53EC57E}" type="datetimeFigureOut">
               <a:rPr lang="de-DE" smtClean="0"/>
-              <a:t>01.07.2016</a:t>
+              <a:t>23.08.2016</a:t>
             </a:fld>
             <a:endParaRPr lang="de-DE"/>
           </a:p>
@@ -5271,6 +5709,7023 @@
 </p:sld>
 </file>
 
+<file path=ppt/slides/slide2.xml><?xml version="1.0" encoding="utf-8"?>
+<p:sld xmlns:a="http://schemas.openxmlformats.org/drawingml/2006/main" xmlns:r="http://schemas.openxmlformats.org/officeDocument/2006/relationships" xmlns:p="http://schemas.openxmlformats.org/presentationml/2006/main">
+  <p:cSld>
+    <p:spTree>
+      <p:nvGrpSpPr>
+        <p:cNvPr id="1" name=""/>
+        <p:cNvGrpSpPr/>
+        <p:nvPr/>
+      </p:nvGrpSpPr>
+      <p:grpSpPr>
+        <a:xfrm>
+          <a:off x="0" y="0"/>
+          <a:ext cx="0" cy="0"/>
+          <a:chOff x="0" y="0"/>
+          <a:chExt cx="0" cy="0"/>
+        </a:xfrm>
+      </p:grpSpPr>
+      <p:sp>
+        <p:nvSpPr>
+          <p:cNvPr id="230" name="Rechteck 229"/>
+          <p:cNvSpPr/>
+          <p:nvPr/>
+        </p:nvSpPr>
+        <p:spPr>
+          <a:xfrm>
+            <a:off x="1187625" y="764704"/>
+            <a:ext cx="5730310" cy="573794"/>
+          </a:xfrm>
+          <a:prstGeom prst="rect">
+            <a:avLst/>
+          </a:prstGeom>
+          <a:solidFill>
+            <a:schemeClr val="bg2"/>
+          </a:solidFill>
+          <a:ln>
+            <a:noFill/>
+          </a:ln>
+        </p:spPr>
+        <p:style>
+          <a:lnRef idx="2">
+            <a:schemeClr val="accent1">
+              <a:shade val="50000"/>
+            </a:schemeClr>
+          </a:lnRef>
+          <a:fillRef idx="1">
+            <a:schemeClr val="accent1"/>
+          </a:fillRef>
+          <a:effectRef idx="0">
+            <a:schemeClr val="accent1"/>
+          </a:effectRef>
+          <a:fontRef idx="minor">
+            <a:schemeClr val="lt1"/>
+          </a:fontRef>
+        </p:style>
+        <p:txBody>
+          <a:bodyPr rtlCol="0" anchor="ctr"/>
+          <a:lstStyle/>
+          <a:p>
+            <a:pPr algn="ctr"/>
+            <a:endParaRPr lang="de-DE"/>
+          </a:p>
+        </p:txBody>
+      </p:sp>
+      <p:sp>
+        <p:nvSpPr>
+          <p:cNvPr id="216" name="Rechteck 215"/>
+          <p:cNvSpPr/>
+          <p:nvPr/>
+        </p:nvSpPr>
+        <p:spPr>
+          <a:xfrm>
+            <a:off x="6994410" y="1482293"/>
+            <a:ext cx="2915079" cy="4721290"/>
+          </a:xfrm>
+          <a:prstGeom prst="rect">
+            <a:avLst/>
+          </a:prstGeom>
+          <a:solidFill>
+            <a:schemeClr val="bg2"/>
+          </a:solidFill>
+          <a:ln>
+            <a:noFill/>
+          </a:ln>
+        </p:spPr>
+        <p:style>
+          <a:lnRef idx="2">
+            <a:schemeClr val="accent1">
+              <a:shade val="50000"/>
+            </a:schemeClr>
+          </a:lnRef>
+          <a:fillRef idx="1">
+            <a:schemeClr val="accent1"/>
+          </a:fillRef>
+          <a:effectRef idx="0">
+            <a:schemeClr val="accent1"/>
+          </a:effectRef>
+          <a:fontRef idx="minor">
+            <a:schemeClr val="lt1"/>
+          </a:fontRef>
+        </p:style>
+        <p:txBody>
+          <a:bodyPr rtlCol="0" anchor="ctr"/>
+          <a:lstStyle/>
+          <a:p>
+            <a:pPr algn="ctr"/>
+            <a:endParaRPr lang="de-DE"/>
+          </a:p>
+        </p:txBody>
+      </p:sp>
+      <p:sp>
+        <p:nvSpPr>
+          <p:cNvPr id="214" name="Rechteck 213"/>
+          <p:cNvSpPr/>
+          <p:nvPr/>
+        </p:nvSpPr>
+        <p:spPr>
+          <a:xfrm>
+            <a:off x="1187624" y="1484784"/>
+            <a:ext cx="5730311" cy="4721290"/>
+          </a:xfrm>
+          <a:prstGeom prst="rect">
+            <a:avLst/>
+          </a:prstGeom>
+          <a:solidFill>
+            <a:schemeClr val="bg2"/>
+          </a:solidFill>
+          <a:ln>
+            <a:noFill/>
+          </a:ln>
+        </p:spPr>
+        <p:style>
+          <a:lnRef idx="2">
+            <a:schemeClr val="accent1">
+              <a:shade val="50000"/>
+            </a:schemeClr>
+          </a:lnRef>
+          <a:fillRef idx="1">
+            <a:schemeClr val="accent1"/>
+          </a:fillRef>
+          <a:effectRef idx="0">
+            <a:schemeClr val="accent1"/>
+          </a:effectRef>
+          <a:fontRef idx="minor">
+            <a:schemeClr val="lt1"/>
+          </a:fontRef>
+        </p:style>
+        <p:txBody>
+          <a:bodyPr rtlCol="0" anchor="ctr"/>
+          <a:lstStyle/>
+          <a:p>
+            <a:pPr algn="ctr"/>
+            <a:endParaRPr lang="de-DE"/>
+          </a:p>
+        </p:txBody>
+      </p:sp>
+      <p:sp>
+        <p:nvSpPr>
+          <p:cNvPr id="2" name="Rechteck 1"/>
+          <p:cNvSpPr/>
+          <p:nvPr/>
+        </p:nvSpPr>
+        <p:spPr>
+          <a:xfrm>
+            <a:off x="7128792" y="2084254"/>
+            <a:ext cx="1430520" cy="410344"/>
+          </a:xfrm>
+          <a:prstGeom prst="rect">
+            <a:avLst/>
+          </a:prstGeom>
+          <a:ln>
+            <a:noFill/>
+          </a:ln>
+        </p:spPr>
+        <p:style>
+          <a:lnRef idx="2">
+            <a:schemeClr val="accent1">
+              <a:shade val="50000"/>
+            </a:schemeClr>
+          </a:lnRef>
+          <a:fillRef idx="1">
+            <a:schemeClr val="accent1"/>
+          </a:fillRef>
+          <a:effectRef idx="0">
+            <a:schemeClr val="accent1"/>
+          </a:effectRef>
+          <a:fontRef idx="minor">
+            <a:schemeClr val="lt1"/>
+          </a:fontRef>
+        </p:style>
+        <p:txBody>
+          <a:bodyPr rtlCol="0" anchor="ctr"/>
+          <a:lstStyle/>
+          <a:p>
+            <a:pPr algn="ctr"/>
+            <a:r>
+              <a:rPr lang="de-DE" sz="1050" dirty="0" smtClean="0">
+                <a:latin typeface="Segoe UI" panose="020B0502040204020203" pitchFamily="34" charset="0"/>
+                <a:cs typeface="Segoe UI" panose="020B0502040204020203" pitchFamily="34" charset="0"/>
+              </a:rPr>
+              <a:t>Stepper Hip</a:t>
+            </a:r>
+          </a:p>
+          <a:p>
+            <a:pPr algn="ctr"/>
+            <a:r>
+              <a:rPr lang="de-DE" sz="1050" dirty="0" smtClean="0">
+                <a:cs typeface="Segoe UI" panose="020B0502040204020203" pitchFamily="34" charset="0"/>
+              </a:rPr>
+              <a:t>126 </a:t>
+            </a:r>
+            <a:r>
+              <a:rPr lang="de-DE" sz="1050" dirty="0" err="1" smtClean="0">
+                <a:cs typeface="Segoe UI" panose="020B0502040204020203" pitchFamily="34" charset="0"/>
+              </a:rPr>
+              <a:t>Ncm</a:t>
+            </a:r>
+            <a:r>
+              <a:rPr lang="de-DE" sz="1050" dirty="0" smtClean="0">
+                <a:cs typeface="Segoe UI" panose="020B0502040204020203" pitchFamily="34" charset="0"/>
+              </a:rPr>
+              <a:t>, 2.8A</a:t>
+            </a:r>
+            <a:endParaRPr lang="de-DE" sz="1050" dirty="0">
+              <a:cs typeface="Segoe UI" panose="020B0502040204020203" pitchFamily="34" charset="0"/>
+            </a:endParaRPr>
+          </a:p>
+        </p:txBody>
+      </p:sp>
+      <p:sp>
+        <p:nvSpPr>
+          <p:cNvPr id="57" name="Rechteck 56"/>
+          <p:cNvSpPr/>
+          <p:nvPr/>
+        </p:nvSpPr>
+        <p:spPr>
+          <a:xfrm>
+            <a:off x="7128792" y="2588310"/>
+            <a:ext cx="1430520" cy="410344"/>
+          </a:xfrm>
+          <a:prstGeom prst="rect">
+            <a:avLst/>
+          </a:prstGeom>
+          <a:ln>
+            <a:noFill/>
+          </a:ln>
+        </p:spPr>
+        <p:style>
+          <a:lnRef idx="2">
+            <a:schemeClr val="accent1">
+              <a:shade val="50000"/>
+            </a:schemeClr>
+          </a:lnRef>
+          <a:fillRef idx="1">
+            <a:schemeClr val="accent1"/>
+          </a:fillRef>
+          <a:effectRef idx="0">
+            <a:schemeClr val="accent1"/>
+          </a:effectRef>
+          <a:fontRef idx="minor">
+            <a:schemeClr val="lt1"/>
+          </a:fontRef>
+        </p:style>
+        <p:txBody>
+          <a:bodyPr rtlCol="0" anchor="ctr"/>
+          <a:lstStyle/>
+          <a:p>
+            <a:pPr algn="ctr"/>
+            <a:r>
+              <a:rPr lang="de-DE" sz="1050" dirty="0" smtClean="0">
+                <a:latin typeface="Segoe UI" panose="020B0502040204020203" pitchFamily="34" charset="0"/>
+                <a:cs typeface="Segoe UI" panose="020B0502040204020203" pitchFamily="34" charset="0"/>
+              </a:rPr>
+              <a:t>Stepper </a:t>
+            </a:r>
+            <a:r>
+              <a:rPr lang="de-DE" sz="1050" dirty="0" err="1" smtClean="0">
+                <a:latin typeface="Segoe UI" panose="020B0502040204020203" pitchFamily="34" charset="0"/>
+                <a:cs typeface="Segoe UI" panose="020B0502040204020203" pitchFamily="34" charset="0"/>
+              </a:rPr>
+              <a:t>Upperarm</a:t>
+            </a:r>
+            <a:endParaRPr lang="de-DE" sz="1050" dirty="0" smtClean="0">
+              <a:latin typeface="Segoe UI" panose="020B0502040204020203" pitchFamily="34" charset="0"/>
+              <a:cs typeface="Segoe UI" panose="020B0502040204020203" pitchFamily="34" charset="0"/>
+            </a:endParaRPr>
+          </a:p>
+          <a:p>
+            <a:pPr algn="ctr"/>
+            <a:r>
+              <a:rPr lang="de-DE" sz="1050" dirty="0" smtClean="0">
+                <a:cs typeface="Segoe UI" panose="020B0502040204020203" pitchFamily="34" charset="0"/>
+              </a:rPr>
+              <a:t>310 </a:t>
+            </a:r>
+            <a:r>
+              <a:rPr lang="de-DE" sz="1050" dirty="0" err="1" smtClean="0">
+                <a:cs typeface="Segoe UI" panose="020B0502040204020203" pitchFamily="34" charset="0"/>
+              </a:rPr>
+              <a:t>Ncm</a:t>
+            </a:r>
+            <a:r>
+              <a:rPr lang="de-DE" sz="1050" dirty="0" smtClean="0">
+                <a:cs typeface="Segoe UI" panose="020B0502040204020203" pitchFamily="34" charset="0"/>
+              </a:rPr>
+              <a:t>, 3.5A</a:t>
+            </a:r>
+            <a:endParaRPr lang="de-DE" sz="1050" dirty="0">
+              <a:cs typeface="Segoe UI" panose="020B0502040204020203" pitchFamily="34" charset="0"/>
+            </a:endParaRPr>
+          </a:p>
+        </p:txBody>
+      </p:sp>
+      <p:sp>
+        <p:nvSpPr>
+          <p:cNvPr id="58" name="Rechteck 57"/>
+          <p:cNvSpPr/>
+          <p:nvPr/>
+        </p:nvSpPr>
+        <p:spPr>
+          <a:xfrm>
+            <a:off x="7128792" y="3092366"/>
+            <a:ext cx="1430520" cy="410344"/>
+          </a:xfrm>
+          <a:prstGeom prst="rect">
+            <a:avLst/>
+          </a:prstGeom>
+          <a:ln>
+            <a:noFill/>
+          </a:ln>
+        </p:spPr>
+        <p:style>
+          <a:lnRef idx="2">
+            <a:schemeClr val="accent1">
+              <a:shade val="50000"/>
+            </a:schemeClr>
+          </a:lnRef>
+          <a:fillRef idx="1">
+            <a:schemeClr val="accent1"/>
+          </a:fillRef>
+          <a:effectRef idx="0">
+            <a:schemeClr val="accent1"/>
+          </a:effectRef>
+          <a:fontRef idx="minor">
+            <a:schemeClr val="lt1"/>
+          </a:fontRef>
+        </p:style>
+        <p:txBody>
+          <a:bodyPr rtlCol="0" anchor="ctr"/>
+          <a:lstStyle/>
+          <a:p>
+            <a:pPr algn="ctr"/>
+            <a:r>
+              <a:rPr lang="de-DE" sz="1050" dirty="0" smtClean="0">
+                <a:latin typeface="Segoe UI" panose="020B0502040204020203" pitchFamily="34" charset="0"/>
+                <a:cs typeface="Segoe UI" panose="020B0502040204020203" pitchFamily="34" charset="0"/>
+              </a:rPr>
+              <a:t>Stepper </a:t>
+            </a:r>
+            <a:r>
+              <a:rPr lang="de-DE" sz="1050" dirty="0" err="1" smtClean="0">
+                <a:latin typeface="Segoe UI" panose="020B0502040204020203" pitchFamily="34" charset="0"/>
+                <a:cs typeface="Segoe UI" panose="020B0502040204020203" pitchFamily="34" charset="0"/>
+              </a:rPr>
+              <a:t>Forearm</a:t>
+            </a:r>
+            <a:endParaRPr lang="de-DE" sz="1050" dirty="0" smtClean="0">
+              <a:latin typeface="Segoe UI" panose="020B0502040204020203" pitchFamily="34" charset="0"/>
+              <a:cs typeface="Segoe UI" panose="020B0502040204020203" pitchFamily="34" charset="0"/>
+            </a:endParaRPr>
+          </a:p>
+          <a:p>
+            <a:pPr algn="ctr"/>
+            <a:r>
+              <a:rPr lang="de-DE" sz="1050" dirty="0" smtClean="0">
+                <a:cs typeface="Segoe UI" panose="020B0502040204020203" pitchFamily="34" charset="0"/>
+              </a:rPr>
+              <a:t>190 </a:t>
+            </a:r>
+            <a:r>
+              <a:rPr lang="de-DE" sz="1050" dirty="0" err="1" smtClean="0">
+                <a:cs typeface="Segoe UI" panose="020B0502040204020203" pitchFamily="34" charset="0"/>
+              </a:rPr>
+              <a:t>Ncm</a:t>
+            </a:r>
+            <a:r>
+              <a:rPr lang="de-DE" sz="1050" dirty="0" smtClean="0">
+                <a:cs typeface="Segoe UI" panose="020B0502040204020203" pitchFamily="34" charset="0"/>
+              </a:rPr>
+              <a:t>, 1.4A</a:t>
+            </a:r>
+            <a:endParaRPr lang="de-DE" sz="1050" dirty="0">
+              <a:cs typeface="Segoe UI" panose="020B0502040204020203" pitchFamily="34" charset="0"/>
+            </a:endParaRPr>
+          </a:p>
+        </p:txBody>
+      </p:sp>
+      <p:sp>
+        <p:nvSpPr>
+          <p:cNvPr id="59" name="Rechteck 58"/>
+          <p:cNvSpPr/>
+          <p:nvPr/>
+        </p:nvSpPr>
+        <p:spPr>
+          <a:xfrm>
+            <a:off x="7128792" y="3602936"/>
+            <a:ext cx="1430520" cy="410344"/>
+          </a:xfrm>
+          <a:prstGeom prst="rect">
+            <a:avLst/>
+          </a:prstGeom>
+          <a:ln>
+            <a:noFill/>
+          </a:ln>
+        </p:spPr>
+        <p:style>
+          <a:lnRef idx="2">
+            <a:schemeClr val="accent1">
+              <a:shade val="50000"/>
+            </a:schemeClr>
+          </a:lnRef>
+          <a:fillRef idx="1">
+            <a:schemeClr val="accent1"/>
+          </a:fillRef>
+          <a:effectRef idx="0">
+            <a:schemeClr val="accent1"/>
+          </a:effectRef>
+          <a:fontRef idx="minor">
+            <a:schemeClr val="lt1"/>
+          </a:fontRef>
+        </p:style>
+        <p:txBody>
+          <a:bodyPr rtlCol="0" anchor="ctr"/>
+          <a:lstStyle/>
+          <a:p>
+            <a:pPr algn="ctr"/>
+            <a:r>
+              <a:rPr lang="de-DE" sz="1050" dirty="0" smtClean="0">
+                <a:latin typeface="Segoe UI" panose="020B0502040204020203" pitchFamily="34" charset="0"/>
+                <a:cs typeface="Segoe UI" panose="020B0502040204020203" pitchFamily="34" charset="0"/>
+              </a:rPr>
+              <a:t>Stepper </a:t>
+            </a:r>
+            <a:r>
+              <a:rPr lang="de-DE" sz="1050" dirty="0" err="1" smtClean="0">
+                <a:latin typeface="Segoe UI" panose="020B0502040204020203" pitchFamily="34" charset="0"/>
+                <a:cs typeface="Segoe UI" panose="020B0502040204020203" pitchFamily="34" charset="0"/>
+              </a:rPr>
+              <a:t>Ellbow</a:t>
+            </a:r>
+            <a:r>
+              <a:rPr lang="de-DE" sz="1050" dirty="0" smtClean="0">
+                <a:latin typeface="Segoe UI" panose="020B0502040204020203" pitchFamily="34" charset="0"/>
+                <a:cs typeface="Segoe UI" panose="020B0502040204020203" pitchFamily="34" charset="0"/>
+              </a:rPr>
+              <a:t/>
+            </a:r>
+            <a:br>
+              <a:rPr lang="de-DE" sz="1050" dirty="0" smtClean="0">
+                <a:latin typeface="Segoe UI" panose="020B0502040204020203" pitchFamily="34" charset="0"/>
+                <a:cs typeface="Segoe UI" panose="020B0502040204020203" pitchFamily="34" charset="0"/>
+              </a:rPr>
+            </a:br>
+            <a:r>
+              <a:rPr lang="de-DE" sz="1050" dirty="0" smtClean="0">
+                <a:cs typeface="Segoe UI" panose="020B0502040204020203" pitchFamily="34" charset="0"/>
+              </a:rPr>
+              <a:t>26 </a:t>
+            </a:r>
+            <a:r>
+              <a:rPr lang="de-DE" sz="1050" dirty="0" err="1" smtClean="0">
+                <a:cs typeface="Segoe UI" panose="020B0502040204020203" pitchFamily="34" charset="0"/>
+              </a:rPr>
+              <a:t>Ncm</a:t>
+            </a:r>
+            <a:r>
+              <a:rPr lang="de-DE" sz="1050" dirty="0" smtClean="0">
+                <a:cs typeface="Segoe UI" panose="020B0502040204020203" pitchFamily="34" charset="0"/>
+              </a:rPr>
+              <a:t>, 0,4A</a:t>
+            </a:r>
+            <a:endParaRPr lang="de-DE" sz="1050" dirty="0">
+              <a:cs typeface="Segoe UI" panose="020B0502040204020203" pitchFamily="34" charset="0"/>
+            </a:endParaRPr>
+          </a:p>
+        </p:txBody>
+      </p:sp>
+      <p:sp>
+        <p:nvSpPr>
+          <p:cNvPr id="60" name="Rechteck 59"/>
+          <p:cNvSpPr/>
+          <p:nvPr/>
+        </p:nvSpPr>
+        <p:spPr>
+          <a:xfrm>
+            <a:off x="7128792" y="4748550"/>
+            <a:ext cx="1080120" cy="410344"/>
+          </a:xfrm>
+          <a:prstGeom prst="rect">
+            <a:avLst/>
+          </a:prstGeom>
+          <a:ln>
+            <a:noFill/>
+          </a:ln>
+        </p:spPr>
+        <p:style>
+          <a:lnRef idx="2">
+            <a:schemeClr val="accent1">
+              <a:shade val="50000"/>
+            </a:schemeClr>
+          </a:lnRef>
+          <a:fillRef idx="1">
+            <a:schemeClr val="accent1"/>
+          </a:fillRef>
+          <a:effectRef idx="0">
+            <a:schemeClr val="accent1"/>
+          </a:effectRef>
+          <a:fontRef idx="minor">
+            <a:schemeClr val="lt1"/>
+          </a:fontRef>
+        </p:style>
+        <p:txBody>
+          <a:bodyPr rtlCol="0" anchor="ctr"/>
+          <a:lstStyle/>
+          <a:p>
+            <a:pPr algn="ctr"/>
+            <a:r>
+              <a:rPr lang="de-DE" sz="1050" dirty="0" err="1" smtClean="0">
+                <a:latin typeface="Segoe UI" panose="020B0502040204020203" pitchFamily="34" charset="0"/>
+                <a:cs typeface="Segoe UI" panose="020B0502040204020203" pitchFamily="34" charset="0"/>
+              </a:rPr>
+              <a:t>Servo</a:t>
+            </a:r>
+            <a:r>
+              <a:rPr lang="de-DE" sz="1050" dirty="0" smtClean="0">
+                <a:latin typeface="Segoe UI" panose="020B0502040204020203" pitchFamily="34" charset="0"/>
+                <a:cs typeface="Segoe UI" panose="020B0502040204020203" pitchFamily="34" charset="0"/>
+              </a:rPr>
+              <a:t> Hand</a:t>
+            </a:r>
+          </a:p>
+          <a:p>
+            <a:pPr algn="ctr"/>
+            <a:r>
+              <a:rPr lang="de-DE" sz="1050" dirty="0" smtClean="0">
+                <a:cs typeface="Segoe UI" panose="020B0502040204020203" pitchFamily="34" charset="0"/>
+              </a:rPr>
+              <a:t>DRS 101</a:t>
+            </a:r>
+            <a:endParaRPr lang="de-DE" sz="1050" dirty="0">
+              <a:cs typeface="Segoe UI" panose="020B0502040204020203" pitchFamily="34" charset="0"/>
+            </a:endParaRPr>
+          </a:p>
+        </p:txBody>
+      </p:sp>
+      <p:sp>
+        <p:nvSpPr>
+          <p:cNvPr id="61" name="Rechteck 60"/>
+          <p:cNvSpPr/>
+          <p:nvPr/>
+        </p:nvSpPr>
+        <p:spPr>
+          <a:xfrm>
+            <a:off x="7128792" y="5256944"/>
+            <a:ext cx="1080120" cy="410344"/>
+          </a:xfrm>
+          <a:prstGeom prst="rect">
+            <a:avLst/>
+          </a:prstGeom>
+          <a:ln>
+            <a:noFill/>
+          </a:ln>
+        </p:spPr>
+        <p:style>
+          <a:lnRef idx="2">
+            <a:schemeClr val="accent1">
+              <a:shade val="50000"/>
+            </a:schemeClr>
+          </a:lnRef>
+          <a:fillRef idx="1">
+            <a:schemeClr val="accent1"/>
+          </a:fillRef>
+          <a:effectRef idx="0">
+            <a:schemeClr val="accent1"/>
+          </a:effectRef>
+          <a:fontRef idx="minor">
+            <a:schemeClr val="lt1"/>
+          </a:fontRef>
+        </p:style>
+        <p:txBody>
+          <a:bodyPr rtlCol="0" anchor="ctr"/>
+          <a:lstStyle/>
+          <a:p>
+            <a:pPr algn="ctr"/>
+            <a:r>
+              <a:rPr lang="de-DE" sz="1050" dirty="0" err="1" smtClean="0">
+                <a:latin typeface="Segoe UI" panose="020B0502040204020203" pitchFamily="34" charset="0"/>
+                <a:cs typeface="Segoe UI" panose="020B0502040204020203" pitchFamily="34" charset="0"/>
+              </a:rPr>
+              <a:t>Servo</a:t>
+            </a:r>
+            <a:r>
+              <a:rPr lang="de-DE" sz="1050" dirty="0" smtClean="0">
+                <a:latin typeface="Segoe UI" panose="020B0502040204020203" pitchFamily="34" charset="0"/>
+                <a:cs typeface="Segoe UI" panose="020B0502040204020203" pitchFamily="34" charset="0"/>
+              </a:rPr>
+              <a:t> </a:t>
+            </a:r>
+            <a:r>
+              <a:rPr lang="de-DE" sz="1050" dirty="0" err="1" smtClean="0">
+                <a:latin typeface="Segoe UI" panose="020B0502040204020203" pitchFamily="34" charset="0"/>
+                <a:cs typeface="Segoe UI" panose="020B0502040204020203" pitchFamily="34" charset="0"/>
+              </a:rPr>
+              <a:t>Gripper</a:t>
+            </a:r>
+            <a:endParaRPr lang="de-DE" sz="1050" dirty="0" smtClean="0">
+              <a:latin typeface="Segoe UI" panose="020B0502040204020203" pitchFamily="34" charset="0"/>
+              <a:cs typeface="Segoe UI" panose="020B0502040204020203" pitchFamily="34" charset="0"/>
+            </a:endParaRPr>
+          </a:p>
+          <a:p>
+            <a:pPr algn="ctr"/>
+            <a:r>
+              <a:rPr lang="de-DE" sz="1050" dirty="0">
+                <a:cs typeface="Segoe UI" panose="020B0502040204020203" pitchFamily="34" charset="0"/>
+              </a:rPr>
+              <a:t>DRS </a:t>
+            </a:r>
+            <a:r>
+              <a:rPr lang="de-DE" sz="1050" dirty="0" smtClean="0">
+                <a:cs typeface="Segoe UI" panose="020B0502040204020203" pitchFamily="34" charset="0"/>
+              </a:rPr>
+              <a:t>101</a:t>
+            </a:r>
+            <a:endParaRPr lang="de-DE" sz="1050" dirty="0">
+              <a:cs typeface="Segoe UI" panose="020B0502040204020203" pitchFamily="34" charset="0"/>
+            </a:endParaRPr>
+          </a:p>
+        </p:txBody>
+      </p:sp>
+      <p:sp>
+        <p:nvSpPr>
+          <p:cNvPr id="62" name="Rechteck 61"/>
+          <p:cNvSpPr/>
+          <p:nvPr/>
+        </p:nvSpPr>
+        <p:spPr>
+          <a:xfrm>
+            <a:off x="7128792" y="4115776"/>
+            <a:ext cx="1430520" cy="410344"/>
+          </a:xfrm>
+          <a:prstGeom prst="rect">
+            <a:avLst/>
+          </a:prstGeom>
+          <a:ln>
+            <a:noFill/>
+          </a:ln>
+        </p:spPr>
+        <p:style>
+          <a:lnRef idx="2">
+            <a:schemeClr val="accent1">
+              <a:shade val="50000"/>
+            </a:schemeClr>
+          </a:lnRef>
+          <a:fillRef idx="1">
+            <a:schemeClr val="accent1"/>
+          </a:fillRef>
+          <a:effectRef idx="0">
+            <a:schemeClr val="accent1"/>
+          </a:effectRef>
+          <a:fontRef idx="minor">
+            <a:schemeClr val="lt1"/>
+          </a:fontRef>
+        </p:style>
+        <p:txBody>
+          <a:bodyPr rtlCol="0" anchor="ctr"/>
+          <a:lstStyle/>
+          <a:p>
+            <a:pPr algn="ctr"/>
+            <a:r>
+              <a:rPr lang="de-DE" sz="1050" dirty="0" smtClean="0">
+                <a:latin typeface="Segoe UI" panose="020B0502040204020203" pitchFamily="34" charset="0"/>
+                <a:cs typeface="Segoe UI" panose="020B0502040204020203" pitchFamily="34" charset="0"/>
+              </a:rPr>
+              <a:t>Stepper </a:t>
+            </a:r>
+            <a:r>
+              <a:rPr lang="de-DE" sz="1050" dirty="0" err="1" smtClean="0">
+                <a:latin typeface="Segoe UI" panose="020B0502040204020203" pitchFamily="34" charset="0"/>
+                <a:cs typeface="Segoe UI" panose="020B0502040204020203" pitchFamily="34" charset="0"/>
+              </a:rPr>
+              <a:t>Wrist</a:t>
+            </a:r>
+            <a:endParaRPr lang="de-DE" sz="1050" dirty="0" smtClean="0">
+              <a:latin typeface="Segoe UI" panose="020B0502040204020203" pitchFamily="34" charset="0"/>
+              <a:cs typeface="Segoe UI" panose="020B0502040204020203" pitchFamily="34" charset="0"/>
+            </a:endParaRPr>
+          </a:p>
+          <a:p>
+            <a:pPr algn="ctr"/>
+            <a:r>
+              <a:rPr lang="de-DE" sz="1050" dirty="0" smtClean="0">
+                <a:cs typeface="Segoe UI" panose="020B0502040204020203" pitchFamily="34" charset="0"/>
+              </a:rPr>
+              <a:t>40 </a:t>
+            </a:r>
+            <a:r>
+              <a:rPr lang="de-DE" sz="1050" dirty="0" err="1" smtClean="0">
+                <a:cs typeface="Segoe UI" panose="020B0502040204020203" pitchFamily="34" charset="0"/>
+              </a:rPr>
+              <a:t>Ncm</a:t>
+            </a:r>
+            <a:r>
+              <a:rPr lang="de-DE" sz="1050" dirty="0" smtClean="0">
+                <a:cs typeface="Segoe UI" panose="020B0502040204020203" pitchFamily="34" charset="0"/>
+              </a:rPr>
+              <a:t>, 0.4A</a:t>
+            </a:r>
+            <a:endParaRPr lang="de-DE" sz="1050" dirty="0">
+              <a:cs typeface="Segoe UI" panose="020B0502040204020203" pitchFamily="34" charset="0"/>
+            </a:endParaRPr>
+          </a:p>
+        </p:txBody>
+      </p:sp>
+      <p:cxnSp>
+        <p:nvCxnSpPr>
+          <p:cNvPr id="18" name="Gerader Verbinder 17"/>
+          <p:cNvCxnSpPr>
+            <a:stCxn id="64" idx="3"/>
+            <a:endCxn id="2" idx="1"/>
+          </p:cNvCxnSpPr>
+          <p:nvPr/>
+        </p:nvCxnSpPr>
+        <p:spPr>
+          <a:xfrm>
+            <a:off x="6662965" y="2289426"/>
+            <a:ext cx="465827" cy="0"/>
+          </a:xfrm>
+          <a:prstGeom prst="line">
+            <a:avLst/>
+          </a:prstGeom>
+        </p:spPr>
+        <p:style>
+          <a:lnRef idx="1">
+            <a:schemeClr val="accent1"/>
+          </a:lnRef>
+          <a:fillRef idx="0">
+            <a:schemeClr val="accent1"/>
+          </a:fillRef>
+          <a:effectRef idx="0">
+            <a:schemeClr val="accent1"/>
+          </a:effectRef>
+          <a:fontRef idx="minor">
+            <a:schemeClr val="tx1"/>
+          </a:fontRef>
+        </p:style>
+      </p:cxnSp>
+      <p:cxnSp>
+        <p:nvCxnSpPr>
+          <p:cNvPr id="81" name="Gerader Verbinder 80"/>
+          <p:cNvCxnSpPr>
+            <a:stCxn id="63" idx="3"/>
+            <a:endCxn id="57" idx="1"/>
+          </p:cNvCxnSpPr>
+          <p:nvPr/>
+        </p:nvCxnSpPr>
+        <p:spPr>
+          <a:xfrm>
+            <a:off x="6662965" y="2793482"/>
+            <a:ext cx="465827" cy="0"/>
+          </a:xfrm>
+          <a:prstGeom prst="line">
+            <a:avLst/>
+          </a:prstGeom>
+        </p:spPr>
+        <p:style>
+          <a:lnRef idx="1">
+            <a:schemeClr val="accent1"/>
+          </a:lnRef>
+          <a:fillRef idx="0">
+            <a:schemeClr val="accent1"/>
+          </a:fillRef>
+          <a:effectRef idx="0">
+            <a:schemeClr val="accent1"/>
+          </a:effectRef>
+          <a:fontRef idx="minor">
+            <a:schemeClr val="tx1"/>
+          </a:fontRef>
+        </p:style>
+      </p:cxnSp>
+      <p:cxnSp>
+        <p:nvCxnSpPr>
+          <p:cNvPr id="92" name="Gerader Verbinder 91"/>
+          <p:cNvCxnSpPr>
+            <a:stCxn id="66" idx="3"/>
+            <a:endCxn id="58" idx="1"/>
+          </p:cNvCxnSpPr>
+          <p:nvPr/>
+        </p:nvCxnSpPr>
+        <p:spPr>
+          <a:xfrm flipV="1">
+            <a:off x="6662965" y="3297538"/>
+            <a:ext cx="465827" cy="464"/>
+          </a:xfrm>
+          <a:prstGeom prst="line">
+            <a:avLst/>
+          </a:prstGeom>
+        </p:spPr>
+        <p:style>
+          <a:lnRef idx="1">
+            <a:schemeClr val="accent1"/>
+          </a:lnRef>
+          <a:fillRef idx="0">
+            <a:schemeClr val="accent1"/>
+          </a:fillRef>
+          <a:effectRef idx="0">
+            <a:schemeClr val="accent1"/>
+          </a:effectRef>
+          <a:fontRef idx="minor">
+            <a:schemeClr val="tx1"/>
+          </a:fontRef>
+        </p:style>
+      </p:cxnSp>
+      <p:cxnSp>
+        <p:nvCxnSpPr>
+          <p:cNvPr id="94" name="Gerader Verbinder 93"/>
+          <p:cNvCxnSpPr>
+            <a:stCxn id="69" idx="3"/>
+            <a:endCxn id="59" idx="1"/>
+          </p:cNvCxnSpPr>
+          <p:nvPr/>
+        </p:nvCxnSpPr>
+        <p:spPr>
+          <a:xfrm flipV="1">
+            <a:off x="6662965" y="3808108"/>
+            <a:ext cx="465827" cy="2034"/>
+          </a:xfrm>
+          <a:prstGeom prst="line">
+            <a:avLst/>
+          </a:prstGeom>
+        </p:spPr>
+        <p:style>
+          <a:lnRef idx="1">
+            <a:schemeClr val="accent1"/>
+          </a:lnRef>
+          <a:fillRef idx="0">
+            <a:schemeClr val="accent1"/>
+          </a:fillRef>
+          <a:effectRef idx="0">
+            <a:schemeClr val="accent1"/>
+          </a:effectRef>
+          <a:fontRef idx="minor">
+            <a:schemeClr val="tx1"/>
+          </a:fontRef>
+        </p:style>
+      </p:cxnSp>
+      <p:cxnSp>
+        <p:nvCxnSpPr>
+          <p:cNvPr id="95" name="Gerader Verbinder 94"/>
+          <p:cNvCxnSpPr/>
+          <p:nvPr/>
+        </p:nvCxnSpPr>
+        <p:spPr>
+          <a:xfrm flipH="1" flipV="1">
+            <a:off x="6132333" y="1268620"/>
+            <a:ext cx="1" cy="2336350"/>
+          </a:xfrm>
+          <a:prstGeom prst="line">
+            <a:avLst/>
+          </a:prstGeom>
+        </p:spPr>
+        <p:style>
+          <a:lnRef idx="1">
+            <a:schemeClr val="accent1"/>
+          </a:lnRef>
+          <a:fillRef idx="0">
+            <a:schemeClr val="accent1"/>
+          </a:fillRef>
+          <a:effectRef idx="0">
+            <a:schemeClr val="accent1"/>
+          </a:effectRef>
+          <a:fontRef idx="minor">
+            <a:schemeClr val="tx1"/>
+          </a:fontRef>
+        </p:style>
+      </p:cxnSp>
+      <p:sp>
+        <p:nvSpPr>
+          <p:cNvPr id="69" name="Rechteck 68"/>
+          <p:cNvSpPr/>
+          <p:nvPr/>
+        </p:nvSpPr>
+        <p:spPr>
+          <a:xfrm>
+            <a:off x="5582845" y="3604970"/>
+            <a:ext cx="1080120" cy="410344"/>
+          </a:xfrm>
+          <a:prstGeom prst="rect">
+            <a:avLst/>
+          </a:prstGeom>
+          <a:solidFill>
+            <a:schemeClr val="accent2"/>
+          </a:solidFill>
+          <a:ln>
+            <a:noFill/>
+          </a:ln>
+        </p:spPr>
+        <p:style>
+          <a:lnRef idx="2">
+            <a:schemeClr val="accent1">
+              <a:shade val="50000"/>
+            </a:schemeClr>
+          </a:lnRef>
+          <a:fillRef idx="1">
+            <a:schemeClr val="accent1"/>
+          </a:fillRef>
+          <a:effectRef idx="0">
+            <a:schemeClr val="accent1"/>
+          </a:effectRef>
+          <a:fontRef idx="minor">
+            <a:schemeClr val="lt1"/>
+          </a:fontRef>
+        </p:style>
+        <p:txBody>
+          <a:bodyPr rtlCol="0" anchor="ctr"/>
+          <a:lstStyle/>
+          <a:p>
+            <a:pPr algn="ctr"/>
+            <a:r>
+              <a:rPr lang="de-DE" sz="1050" dirty="0">
+                <a:latin typeface="Segoe UI" panose="020B0502040204020203" pitchFamily="34" charset="0"/>
+                <a:cs typeface="Segoe UI" panose="020B0502040204020203" pitchFamily="34" charset="0"/>
+              </a:rPr>
+              <a:t>Stepper </a:t>
+            </a:r>
+          </a:p>
+          <a:p>
+            <a:pPr algn="ctr"/>
+            <a:r>
+              <a:rPr lang="de-DE" sz="1050" dirty="0">
+                <a:latin typeface="Segoe UI" panose="020B0502040204020203" pitchFamily="34" charset="0"/>
+                <a:cs typeface="Segoe UI" panose="020B0502040204020203" pitchFamily="34" charset="0"/>
+              </a:rPr>
+              <a:t>Driver (</a:t>
+            </a:r>
+            <a:r>
+              <a:rPr lang="de-DE" sz="1050" dirty="0" err="1">
+                <a:latin typeface="Segoe UI" panose="020B0502040204020203" pitchFamily="34" charset="0"/>
+                <a:cs typeface="Segoe UI" panose="020B0502040204020203" pitchFamily="34" charset="0"/>
+              </a:rPr>
+              <a:t>PiBot</a:t>
+            </a:r>
+            <a:r>
+              <a:rPr lang="de-DE" sz="1050" dirty="0">
+                <a:latin typeface="Segoe UI" panose="020B0502040204020203" pitchFamily="34" charset="0"/>
+                <a:cs typeface="Segoe UI" panose="020B0502040204020203" pitchFamily="34" charset="0"/>
+              </a:rPr>
+              <a:t>)</a:t>
+            </a:r>
+          </a:p>
+        </p:txBody>
+      </p:sp>
+      <p:sp>
+        <p:nvSpPr>
+          <p:cNvPr id="63" name="Rechteck 62"/>
+          <p:cNvSpPr/>
+          <p:nvPr/>
+        </p:nvSpPr>
+        <p:spPr>
+          <a:xfrm>
+            <a:off x="5582845" y="2588310"/>
+            <a:ext cx="1080120" cy="410344"/>
+          </a:xfrm>
+          <a:prstGeom prst="rect">
+            <a:avLst/>
+          </a:prstGeom>
+          <a:solidFill>
+            <a:schemeClr val="accent2"/>
+          </a:solidFill>
+          <a:ln>
+            <a:noFill/>
+          </a:ln>
+        </p:spPr>
+        <p:style>
+          <a:lnRef idx="2">
+            <a:schemeClr val="accent1">
+              <a:shade val="50000"/>
+            </a:schemeClr>
+          </a:lnRef>
+          <a:fillRef idx="1">
+            <a:schemeClr val="accent1"/>
+          </a:fillRef>
+          <a:effectRef idx="0">
+            <a:schemeClr val="accent1"/>
+          </a:effectRef>
+          <a:fontRef idx="minor">
+            <a:schemeClr val="lt1"/>
+          </a:fontRef>
+        </p:style>
+        <p:txBody>
+          <a:bodyPr rtlCol="0" anchor="ctr"/>
+          <a:lstStyle/>
+          <a:p>
+            <a:pPr algn="ctr"/>
+            <a:r>
+              <a:rPr lang="de-DE" sz="1050" dirty="0">
+                <a:latin typeface="Segoe UI" panose="020B0502040204020203" pitchFamily="34" charset="0"/>
+                <a:cs typeface="Segoe UI" panose="020B0502040204020203" pitchFamily="34" charset="0"/>
+              </a:rPr>
+              <a:t>Stepper </a:t>
+            </a:r>
+          </a:p>
+          <a:p>
+            <a:pPr algn="ctr"/>
+            <a:r>
+              <a:rPr lang="de-DE" sz="1050" dirty="0">
+                <a:latin typeface="Segoe UI" panose="020B0502040204020203" pitchFamily="34" charset="0"/>
+                <a:cs typeface="Segoe UI" panose="020B0502040204020203" pitchFamily="34" charset="0"/>
+              </a:rPr>
+              <a:t>Driver (</a:t>
+            </a:r>
+            <a:r>
+              <a:rPr lang="de-DE" sz="1050" dirty="0" err="1">
+                <a:latin typeface="Segoe UI" panose="020B0502040204020203" pitchFamily="34" charset="0"/>
+                <a:cs typeface="Segoe UI" panose="020B0502040204020203" pitchFamily="34" charset="0"/>
+              </a:rPr>
+              <a:t>PiBot</a:t>
+            </a:r>
+            <a:r>
+              <a:rPr lang="de-DE" sz="1050" dirty="0">
+                <a:latin typeface="Segoe UI" panose="020B0502040204020203" pitchFamily="34" charset="0"/>
+                <a:cs typeface="Segoe UI" panose="020B0502040204020203" pitchFamily="34" charset="0"/>
+              </a:rPr>
+              <a:t>)</a:t>
+            </a:r>
+          </a:p>
+        </p:txBody>
+      </p:sp>
+      <p:sp>
+        <p:nvSpPr>
+          <p:cNvPr id="64" name="Rechteck 63"/>
+          <p:cNvSpPr/>
+          <p:nvPr/>
+        </p:nvSpPr>
+        <p:spPr>
+          <a:xfrm>
+            <a:off x="5582845" y="2084254"/>
+            <a:ext cx="1080120" cy="410344"/>
+          </a:xfrm>
+          <a:prstGeom prst="rect">
+            <a:avLst/>
+          </a:prstGeom>
+          <a:solidFill>
+            <a:schemeClr val="accent2"/>
+          </a:solidFill>
+          <a:ln>
+            <a:noFill/>
+          </a:ln>
+        </p:spPr>
+        <p:style>
+          <a:lnRef idx="2">
+            <a:schemeClr val="accent1">
+              <a:shade val="50000"/>
+            </a:schemeClr>
+          </a:lnRef>
+          <a:fillRef idx="1">
+            <a:schemeClr val="accent1"/>
+          </a:fillRef>
+          <a:effectRef idx="0">
+            <a:schemeClr val="accent1"/>
+          </a:effectRef>
+          <a:fontRef idx="minor">
+            <a:schemeClr val="lt1"/>
+          </a:fontRef>
+        </p:style>
+        <p:txBody>
+          <a:bodyPr rtlCol="0" anchor="ctr"/>
+          <a:lstStyle/>
+          <a:p>
+            <a:pPr algn="ctr"/>
+            <a:r>
+              <a:rPr lang="de-DE" sz="1050" dirty="0" smtClean="0">
+                <a:latin typeface="Segoe UI" panose="020B0502040204020203" pitchFamily="34" charset="0"/>
+                <a:cs typeface="Segoe UI" panose="020B0502040204020203" pitchFamily="34" charset="0"/>
+              </a:rPr>
+              <a:t>Stepper </a:t>
+            </a:r>
+          </a:p>
+          <a:p>
+            <a:pPr algn="ctr"/>
+            <a:r>
+              <a:rPr lang="de-DE" sz="1050" dirty="0" smtClean="0">
+                <a:latin typeface="Segoe UI" panose="020B0502040204020203" pitchFamily="34" charset="0"/>
+                <a:cs typeface="Segoe UI" panose="020B0502040204020203" pitchFamily="34" charset="0"/>
+              </a:rPr>
+              <a:t>Driver (</a:t>
+            </a:r>
+            <a:r>
+              <a:rPr lang="de-DE" sz="1050" dirty="0" err="1" smtClean="0">
+                <a:latin typeface="Segoe UI" panose="020B0502040204020203" pitchFamily="34" charset="0"/>
+                <a:cs typeface="Segoe UI" panose="020B0502040204020203" pitchFamily="34" charset="0"/>
+              </a:rPr>
+              <a:t>PiBot</a:t>
+            </a:r>
+            <a:r>
+              <a:rPr lang="de-DE" sz="1050" dirty="0" smtClean="0">
+                <a:latin typeface="Segoe UI" panose="020B0502040204020203" pitchFamily="34" charset="0"/>
+                <a:cs typeface="Segoe UI" panose="020B0502040204020203" pitchFamily="34" charset="0"/>
+              </a:rPr>
+              <a:t>)</a:t>
+            </a:r>
+          </a:p>
+        </p:txBody>
+      </p:sp>
+      <p:sp>
+        <p:nvSpPr>
+          <p:cNvPr id="66" name="Rechteck 65"/>
+          <p:cNvSpPr/>
+          <p:nvPr/>
+        </p:nvSpPr>
+        <p:spPr>
+          <a:xfrm>
+            <a:off x="5582845" y="3092830"/>
+            <a:ext cx="1080120" cy="410344"/>
+          </a:xfrm>
+          <a:prstGeom prst="rect">
+            <a:avLst/>
+          </a:prstGeom>
+          <a:solidFill>
+            <a:schemeClr val="accent2"/>
+          </a:solidFill>
+          <a:ln>
+            <a:noFill/>
+          </a:ln>
+        </p:spPr>
+        <p:style>
+          <a:lnRef idx="2">
+            <a:schemeClr val="accent1">
+              <a:shade val="50000"/>
+            </a:schemeClr>
+          </a:lnRef>
+          <a:fillRef idx="1">
+            <a:schemeClr val="accent1"/>
+          </a:fillRef>
+          <a:effectRef idx="0">
+            <a:schemeClr val="accent1"/>
+          </a:effectRef>
+          <a:fontRef idx="minor">
+            <a:schemeClr val="lt1"/>
+          </a:fontRef>
+        </p:style>
+        <p:txBody>
+          <a:bodyPr rtlCol="0" anchor="ctr"/>
+          <a:lstStyle/>
+          <a:p>
+            <a:pPr algn="ctr"/>
+            <a:r>
+              <a:rPr lang="de-DE" sz="1050" dirty="0">
+                <a:latin typeface="Segoe UI" panose="020B0502040204020203" pitchFamily="34" charset="0"/>
+                <a:cs typeface="Segoe UI" panose="020B0502040204020203" pitchFamily="34" charset="0"/>
+              </a:rPr>
+              <a:t>Stepper </a:t>
+            </a:r>
+          </a:p>
+          <a:p>
+            <a:pPr algn="ctr"/>
+            <a:r>
+              <a:rPr lang="de-DE" sz="1050" dirty="0">
+                <a:latin typeface="Segoe UI" panose="020B0502040204020203" pitchFamily="34" charset="0"/>
+                <a:cs typeface="Segoe UI" panose="020B0502040204020203" pitchFamily="34" charset="0"/>
+              </a:rPr>
+              <a:t>Driver (</a:t>
+            </a:r>
+            <a:r>
+              <a:rPr lang="de-DE" sz="1050" dirty="0" err="1">
+                <a:latin typeface="Segoe UI" panose="020B0502040204020203" pitchFamily="34" charset="0"/>
+                <a:cs typeface="Segoe UI" panose="020B0502040204020203" pitchFamily="34" charset="0"/>
+              </a:rPr>
+              <a:t>PiBot</a:t>
+            </a:r>
+            <a:r>
+              <a:rPr lang="de-DE" sz="1050" dirty="0">
+                <a:latin typeface="Segoe UI" panose="020B0502040204020203" pitchFamily="34" charset="0"/>
+                <a:cs typeface="Segoe UI" panose="020B0502040204020203" pitchFamily="34" charset="0"/>
+              </a:rPr>
+              <a:t>)</a:t>
+            </a:r>
+          </a:p>
+        </p:txBody>
+      </p:sp>
+      <p:cxnSp>
+        <p:nvCxnSpPr>
+          <p:cNvPr id="98" name="Gewinkelte Verbindung 97"/>
+          <p:cNvCxnSpPr>
+            <a:stCxn id="105" idx="3"/>
+            <a:endCxn id="64" idx="1"/>
+          </p:cNvCxnSpPr>
+          <p:nvPr/>
+        </p:nvCxnSpPr>
+        <p:spPr>
+          <a:xfrm flipV="1">
+            <a:off x="5186800" y="2289426"/>
+            <a:ext cx="396045" cy="473349"/>
+          </a:xfrm>
+          <a:prstGeom prst="bentConnector3">
+            <a:avLst>
+              <a:gd name="adj1" fmla="val 26912"/>
+            </a:avLst>
+          </a:prstGeom>
+        </p:spPr>
+        <p:style>
+          <a:lnRef idx="1">
+            <a:schemeClr val="accent1"/>
+          </a:lnRef>
+          <a:fillRef idx="0">
+            <a:schemeClr val="accent1"/>
+          </a:fillRef>
+          <a:effectRef idx="0">
+            <a:schemeClr val="accent1"/>
+          </a:effectRef>
+          <a:fontRef idx="minor">
+            <a:schemeClr val="tx1"/>
+          </a:fontRef>
+        </p:style>
+      </p:cxnSp>
+      <p:cxnSp>
+        <p:nvCxnSpPr>
+          <p:cNvPr id="101" name="Gewinkelte Verbindung 100"/>
+          <p:cNvCxnSpPr>
+            <a:stCxn id="108" idx="3"/>
+            <a:endCxn id="69" idx="1"/>
+          </p:cNvCxnSpPr>
+          <p:nvPr/>
+        </p:nvCxnSpPr>
+        <p:spPr>
+          <a:xfrm>
+            <a:off x="5186799" y="2978342"/>
+            <a:ext cx="396046" cy="831800"/>
+          </a:xfrm>
+          <a:prstGeom prst="bentConnector3">
+            <a:avLst>
+              <a:gd name="adj1" fmla="val 38456"/>
+            </a:avLst>
+          </a:prstGeom>
+        </p:spPr>
+        <p:style>
+          <a:lnRef idx="1">
+            <a:schemeClr val="accent1"/>
+          </a:lnRef>
+          <a:fillRef idx="0">
+            <a:schemeClr val="accent1"/>
+          </a:fillRef>
+          <a:effectRef idx="0">
+            <a:schemeClr val="accent1"/>
+          </a:effectRef>
+          <a:fontRef idx="minor">
+            <a:schemeClr val="tx1"/>
+          </a:fontRef>
+        </p:style>
+      </p:cxnSp>
+      <p:grpSp>
+        <p:nvGrpSpPr>
+          <p:cNvPr id="112" name="Gruppieren 111"/>
+          <p:cNvGrpSpPr/>
+          <p:nvPr/>
+        </p:nvGrpSpPr>
+        <p:grpSpPr>
+          <a:xfrm>
+            <a:off x="4825670" y="2658163"/>
+            <a:ext cx="361131" cy="568502"/>
+            <a:chOff x="3563886" y="3140968"/>
+            <a:chExt cx="361131" cy="1663968"/>
+          </a:xfrm>
+          <a:noFill/>
+        </p:grpSpPr>
+        <p:sp>
+          <p:nvSpPr>
+            <p:cNvPr id="104" name="Rechteck 103"/>
+            <p:cNvSpPr/>
+            <p:nvPr/>
+          </p:nvSpPr>
+          <p:spPr>
+            <a:xfrm>
+              <a:off x="3563888" y="3140968"/>
+              <a:ext cx="361129" cy="191754"/>
+            </a:xfrm>
+            <a:prstGeom prst="rect">
+              <a:avLst/>
+            </a:prstGeom>
+            <a:grpFill/>
+            <a:ln>
+              <a:noFill/>
+            </a:ln>
+          </p:spPr>
+          <p:style>
+            <a:lnRef idx="2">
+              <a:schemeClr val="accent1">
+                <a:shade val="50000"/>
+              </a:schemeClr>
+            </a:lnRef>
+            <a:fillRef idx="1">
+              <a:schemeClr val="accent1"/>
+            </a:fillRef>
+            <a:effectRef idx="0">
+              <a:schemeClr val="accent1"/>
+            </a:effectRef>
+            <a:fontRef idx="minor">
+              <a:schemeClr val="lt1"/>
+            </a:fontRef>
+          </p:style>
+          <p:txBody>
+            <a:bodyPr rtlCol="0" anchor="ctr"/>
+            <a:lstStyle/>
+            <a:p>
+              <a:pPr algn="ctr"/>
+              <a:endParaRPr lang="de-DE" sz="1400">
+                <a:latin typeface="Segoe UI" panose="020B0502040204020203" pitchFamily="34" charset="0"/>
+                <a:cs typeface="Segoe UI" panose="020B0502040204020203" pitchFamily="34" charset="0"/>
+              </a:endParaRPr>
+            </a:p>
+          </p:txBody>
+        </p:sp>
+        <p:sp>
+          <p:nvSpPr>
+            <p:cNvPr id="105" name="Rechteck 104"/>
+            <p:cNvSpPr/>
+            <p:nvPr/>
+          </p:nvSpPr>
+          <p:spPr>
+            <a:xfrm>
+              <a:off x="3563887" y="3351284"/>
+              <a:ext cx="361129" cy="191754"/>
+            </a:xfrm>
+            <a:prstGeom prst="rect">
+              <a:avLst/>
+            </a:prstGeom>
+            <a:grpFill/>
+            <a:ln>
+              <a:noFill/>
+            </a:ln>
+          </p:spPr>
+          <p:style>
+            <a:lnRef idx="2">
+              <a:schemeClr val="accent1">
+                <a:shade val="50000"/>
+              </a:schemeClr>
+            </a:lnRef>
+            <a:fillRef idx="1">
+              <a:schemeClr val="accent1"/>
+            </a:fillRef>
+            <a:effectRef idx="0">
+              <a:schemeClr val="accent1"/>
+            </a:effectRef>
+            <a:fontRef idx="minor">
+              <a:schemeClr val="lt1"/>
+            </a:fontRef>
+          </p:style>
+          <p:txBody>
+            <a:bodyPr rtlCol="0" anchor="ctr"/>
+            <a:lstStyle/>
+            <a:p>
+              <a:pPr algn="ctr"/>
+              <a:endParaRPr lang="de-DE" sz="1400">
+                <a:latin typeface="Segoe UI" panose="020B0502040204020203" pitchFamily="34" charset="0"/>
+                <a:cs typeface="Segoe UI" panose="020B0502040204020203" pitchFamily="34" charset="0"/>
+              </a:endParaRPr>
+            </a:p>
+          </p:txBody>
+        </p:sp>
+        <p:sp>
+          <p:nvSpPr>
+            <p:cNvPr id="106" name="Rechteck 105"/>
+            <p:cNvSpPr/>
+            <p:nvPr/>
+          </p:nvSpPr>
+          <p:spPr>
+            <a:xfrm>
+              <a:off x="3563887" y="3561600"/>
+              <a:ext cx="361129" cy="191754"/>
+            </a:xfrm>
+            <a:prstGeom prst="rect">
+              <a:avLst/>
+            </a:prstGeom>
+            <a:grpFill/>
+            <a:ln>
+              <a:noFill/>
+            </a:ln>
+          </p:spPr>
+          <p:style>
+            <a:lnRef idx="2">
+              <a:schemeClr val="accent1">
+                <a:shade val="50000"/>
+              </a:schemeClr>
+            </a:lnRef>
+            <a:fillRef idx="1">
+              <a:schemeClr val="accent1"/>
+            </a:fillRef>
+            <a:effectRef idx="0">
+              <a:schemeClr val="accent1"/>
+            </a:effectRef>
+            <a:fontRef idx="minor">
+              <a:schemeClr val="lt1"/>
+            </a:fontRef>
+          </p:style>
+          <p:txBody>
+            <a:bodyPr rtlCol="0" anchor="ctr"/>
+            <a:lstStyle/>
+            <a:p>
+              <a:pPr algn="ctr"/>
+              <a:endParaRPr lang="de-DE" sz="1400">
+                <a:latin typeface="Segoe UI" panose="020B0502040204020203" pitchFamily="34" charset="0"/>
+                <a:cs typeface="Segoe UI" panose="020B0502040204020203" pitchFamily="34" charset="0"/>
+              </a:endParaRPr>
+            </a:p>
+          </p:txBody>
+        </p:sp>
+        <p:sp>
+          <p:nvSpPr>
+            <p:cNvPr id="107" name="Rechteck 106"/>
+            <p:cNvSpPr/>
+            <p:nvPr/>
+          </p:nvSpPr>
+          <p:spPr>
+            <a:xfrm>
+              <a:off x="3563887" y="3771916"/>
+              <a:ext cx="361129" cy="191754"/>
+            </a:xfrm>
+            <a:prstGeom prst="rect">
+              <a:avLst/>
+            </a:prstGeom>
+            <a:grpFill/>
+            <a:ln>
+              <a:noFill/>
+            </a:ln>
+          </p:spPr>
+          <p:style>
+            <a:lnRef idx="2">
+              <a:schemeClr val="accent1">
+                <a:shade val="50000"/>
+              </a:schemeClr>
+            </a:lnRef>
+            <a:fillRef idx="1">
+              <a:schemeClr val="accent1"/>
+            </a:fillRef>
+            <a:effectRef idx="0">
+              <a:schemeClr val="accent1"/>
+            </a:effectRef>
+            <a:fontRef idx="minor">
+              <a:schemeClr val="lt1"/>
+            </a:fontRef>
+          </p:style>
+          <p:txBody>
+            <a:bodyPr rtlCol="0" anchor="ctr"/>
+            <a:lstStyle/>
+            <a:p>
+              <a:pPr algn="ctr"/>
+              <a:endParaRPr lang="de-DE" sz="1400">
+                <a:latin typeface="Segoe UI" panose="020B0502040204020203" pitchFamily="34" charset="0"/>
+                <a:cs typeface="Segoe UI" panose="020B0502040204020203" pitchFamily="34" charset="0"/>
+              </a:endParaRPr>
+            </a:p>
+          </p:txBody>
+        </p:sp>
+        <p:sp>
+          <p:nvSpPr>
+            <p:cNvPr id="108" name="Rechteck 107"/>
+            <p:cNvSpPr/>
+            <p:nvPr/>
+          </p:nvSpPr>
+          <p:spPr>
+            <a:xfrm>
+              <a:off x="3563886" y="3982232"/>
+              <a:ext cx="361129" cy="191754"/>
+            </a:xfrm>
+            <a:prstGeom prst="rect">
+              <a:avLst/>
+            </a:prstGeom>
+            <a:grpFill/>
+            <a:ln>
+              <a:noFill/>
+            </a:ln>
+          </p:spPr>
+          <p:style>
+            <a:lnRef idx="2">
+              <a:schemeClr val="accent1">
+                <a:shade val="50000"/>
+              </a:schemeClr>
+            </a:lnRef>
+            <a:fillRef idx="1">
+              <a:schemeClr val="accent1"/>
+            </a:fillRef>
+            <a:effectRef idx="0">
+              <a:schemeClr val="accent1"/>
+            </a:effectRef>
+            <a:fontRef idx="minor">
+              <a:schemeClr val="lt1"/>
+            </a:fontRef>
+          </p:style>
+          <p:txBody>
+            <a:bodyPr rtlCol="0" anchor="ctr"/>
+            <a:lstStyle/>
+            <a:p>
+              <a:pPr algn="ctr"/>
+              <a:endParaRPr lang="de-DE" sz="1400">
+                <a:latin typeface="Segoe UI" panose="020B0502040204020203" pitchFamily="34" charset="0"/>
+                <a:cs typeface="Segoe UI" panose="020B0502040204020203" pitchFamily="34" charset="0"/>
+              </a:endParaRPr>
+            </a:p>
+          </p:txBody>
+        </p:sp>
+        <p:sp>
+          <p:nvSpPr>
+            <p:cNvPr id="109" name="Rechteck 108"/>
+            <p:cNvSpPr/>
+            <p:nvPr/>
+          </p:nvSpPr>
+          <p:spPr>
+            <a:xfrm>
+              <a:off x="3563886" y="4192548"/>
+              <a:ext cx="361129" cy="191754"/>
+            </a:xfrm>
+            <a:prstGeom prst="rect">
+              <a:avLst/>
+            </a:prstGeom>
+            <a:grpFill/>
+            <a:ln>
+              <a:noFill/>
+            </a:ln>
+          </p:spPr>
+          <p:style>
+            <a:lnRef idx="2">
+              <a:schemeClr val="accent1">
+                <a:shade val="50000"/>
+              </a:schemeClr>
+            </a:lnRef>
+            <a:fillRef idx="1">
+              <a:schemeClr val="accent1"/>
+            </a:fillRef>
+            <a:effectRef idx="0">
+              <a:schemeClr val="accent1"/>
+            </a:effectRef>
+            <a:fontRef idx="minor">
+              <a:schemeClr val="lt1"/>
+            </a:fontRef>
+          </p:style>
+          <p:txBody>
+            <a:bodyPr rtlCol="0" anchor="ctr"/>
+            <a:lstStyle/>
+            <a:p>
+              <a:pPr algn="ctr"/>
+              <a:endParaRPr lang="de-DE" sz="1400">
+                <a:latin typeface="Segoe UI" panose="020B0502040204020203" pitchFamily="34" charset="0"/>
+                <a:cs typeface="Segoe UI" panose="020B0502040204020203" pitchFamily="34" charset="0"/>
+              </a:endParaRPr>
+            </a:p>
+          </p:txBody>
+        </p:sp>
+        <p:sp>
+          <p:nvSpPr>
+            <p:cNvPr id="110" name="Rechteck 109"/>
+            <p:cNvSpPr/>
+            <p:nvPr/>
+          </p:nvSpPr>
+          <p:spPr>
+            <a:xfrm>
+              <a:off x="3563886" y="4402864"/>
+              <a:ext cx="361129" cy="191754"/>
+            </a:xfrm>
+            <a:prstGeom prst="rect">
+              <a:avLst/>
+            </a:prstGeom>
+            <a:grpFill/>
+            <a:ln>
+              <a:noFill/>
+            </a:ln>
+          </p:spPr>
+          <p:style>
+            <a:lnRef idx="2">
+              <a:schemeClr val="accent1">
+                <a:shade val="50000"/>
+              </a:schemeClr>
+            </a:lnRef>
+            <a:fillRef idx="1">
+              <a:schemeClr val="accent1"/>
+            </a:fillRef>
+            <a:effectRef idx="0">
+              <a:schemeClr val="accent1"/>
+            </a:effectRef>
+            <a:fontRef idx="minor">
+              <a:schemeClr val="lt1"/>
+            </a:fontRef>
+          </p:style>
+          <p:txBody>
+            <a:bodyPr rtlCol="0" anchor="ctr"/>
+            <a:lstStyle/>
+            <a:p>
+              <a:pPr algn="ctr"/>
+              <a:endParaRPr lang="de-DE" sz="1400">
+                <a:latin typeface="Segoe UI" panose="020B0502040204020203" pitchFamily="34" charset="0"/>
+                <a:cs typeface="Segoe UI" panose="020B0502040204020203" pitchFamily="34" charset="0"/>
+              </a:endParaRPr>
+            </a:p>
+          </p:txBody>
+        </p:sp>
+        <p:sp>
+          <p:nvSpPr>
+            <p:cNvPr id="111" name="Rechteck 110"/>
+            <p:cNvSpPr/>
+            <p:nvPr/>
+          </p:nvSpPr>
+          <p:spPr>
+            <a:xfrm>
+              <a:off x="3563886" y="4613182"/>
+              <a:ext cx="361129" cy="191754"/>
+            </a:xfrm>
+            <a:prstGeom prst="rect">
+              <a:avLst/>
+            </a:prstGeom>
+            <a:grpFill/>
+            <a:ln>
+              <a:noFill/>
+            </a:ln>
+          </p:spPr>
+          <p:style>
+            <a:lnRef idx="2">
+              <a:schemeClr val="accent1">
+                <a:shade val="50000"/>
+              </a:schemeClr>
+            </a:lnRef>
+            <a:fillRef idx="1">
+              <a:schemeClr val="accent1"/>
+            </a:fillRef>
+            <a:effectRef idx="0">
+              <a:schemeClr val="accent1"/>
+            </a:effectRef>
+            <a:fontRef idx="minor">
+              <a:schemeClr val="lt1"/>
+            </a:fontRef>
+          </p:style>
+          <p:txBody>
+            <a:bodyPr rtlCol="0" anchor="ctr"/>
+            <a:lstStyle/>
+            <a:p>
+              <a:pPr algn="ctr"/>
+              <a:endParaRPr lang="de-DE" sz="1400">
+                <a:latin typeface="Segoe UI" panose="020B0502040204020203" pitchFamily="34" charset="0"/>
+                <a:cs typeface="Segoe UI" panose="020B0502040204020203" pitchFamily="34" charset="0"/>
+              </a:endParaRPr>
+            </a:p>
+          </p:txBody>
+        </p:sp>
+      </p:grpSp>
+      <p:cxnSp>
+        <p:nvCxnSpPr>
+          <p:cNvPr id="115" name="Gewinkelte Verbindung 114"/>
+          <p:cNvCxnSpPr>
+            <a:stCxn id="106" idx="3"/>
+            <a:endCxn id="63" idx="1"/>
+          </p:cNvCxnSpPr>
+          <p:nvPr/>
+        </p:nvCxnSpPr>
+        <p:spPr>
+          <a:xfrm flipV="1">
+            <a:off x="5186800" y="2793482"/>
+            <a:ext cx="396045" cy="41149"/>
+          </a:xfrm>
+          <a:prstGeom prst="bentConnector3">
+            <a:avLst/>
+          </a:prstGeom>
+        </p:spPr>
+        <p:style>
+          <a:lnRef idx="1">
+            <a:schemeClr val="accent1"/>
+          </a:lnRef>
+          <a:fillRef idx="0">
+            <a:schemeClr val="accent1"/>
+          </a:fillRef>
+          <a:effectRef idx="0">
+            <a:schemeClr val="accent1"/>
+          </a:effectRef>
+          <a:fontRef idx="minor">
+            <a:schemeClr val="tx1"/>
+          </a:fontRef>
+        </p:style>
+      </p:cxnSp>
+      <p:cxnSp>
+        <p:nvCxnSpPr>
+          <p:cNvPr id="117" name="Gewinkelte Verbindung 116"/>
+          <p:cNvCxnSpPr>
+            <a:stCxn id="107" idx="3"/>
+            <a:endCxn id="66" idx="1"/>
+          </p:cNvCxnSpPr>
+          <p:nvPr/>
+        </p:nvCxnSpPr>
+        <p:spPr>
+          <a:xfrm>
+            <a:off x="5186800" y="2906486"/>
+            <a:ext cx="396045" cy="391516"/>
+          </a:xfrm>
+          <a:prstGeom prst="bentConnector3">
+            <a:avLst>
+              <a:gd name="adj1" fmla="val 50000"/>
+            </a:avLst>
+          </a:prstGeom>
+        </p:spPr>
+        <p:style>
+          <a:lnRef idx="1">
+            <a:schemeClr val="accent1"/>
+          </a:lnRef>
+          <a:fillRef idx="0">
+            <a:schemeClr val="accent1"/>
+          </a:fillRef>
+          <a:effectRef idx="0">
+            <a:schemeClr val="accent1"/>
+          </a:effectRef>
+          <a:fontRef idx="minor">
+            <a:schemeClr val="tx1"/>
+          </a:fontRef>
+        </p:style>
+      </p:cxnSp>
+      <p:cxnSp>
+        <p:nvCxnSpPr>
+          <p:cNvPr id="129" name="Gewinkelte Verbindung 128"/>
+          <p:cNvCxnSpPr>
+            <a:stCxn id="109" idx="3"/>
+            <a:endCxn id="132" idx="1"/>
+          </p:cNvCxnSpPr>
+          <p:nvPr/>
+        </p:nvCxnSpPr>
+        <p:spPr>
+          <a:xfrm>
+            <a:off x="5186799" y="3050197"/>
+            <a:ext cx="384214" cy="1284730"/>
+          </a:xfrm>
+          <a:prstGeom prst="bentConnector3">
+            <a:avLst>
+              <a:gd name="adj1" fmla="val 30167"/>
+            </a:avLst>
+          </a:prstGeom>
+        </p:spPr>
+        <p:style>
+          <a:lnRef idx="1">
+            <a:schemeClr val="accent1"/>
+          </a:lnRef>
+          <a:fillRef idx="0">
+            <a:schemeClr val="accent1"/>
+          </a:fillRef>
+          <a:effectRef idx="0">
+            <a:schemeClr val="accent1"/>
+          </a:effectRef>
+          <a:fontRef idx="minor">
+            <a:schemeClr val="tx1"/>
+          </a:fontRef>
+        </p:style>
+      </p:cxnSp>
+      <p:sp>
+        <p:nvSpPr>
+          <p:cNvPr id="132" name="Rechteck 131"/>
+          <p:cNvSpPr/>
+          <p:nvPr/>
+        </p:nvSpPr>
+        <p:spPr>
+          <a:xfrm>
+            <a:off x="5571013" y="4129755"/>
+            <a:ext cx="1080120" cy="410344"/>
+          </a:xfrm>
+          <a:prstGeom prst="rect">
+            <a:avLst/>
+          </a:prstGeom>
+          <a:solidFill>
+            <a:schemeClr val="accent2"/>
+          </a:solidFill>
+          <a:ln>
+            <a:noFill/>
+          </a:ln>
+        </p:spPr>
+        <p:style>
+          <a:lnRef idx="2">
+            <a:schemeClr val="accent1">
+              <a:shade val="50000"/>
+            </a:schemeClr>
+          </a:lnRef>
+          <a:fillRef idx="1">
+            <a:schemeClr val="accent1"/>
+          </a:fillRef>
+          <a:effectRef idx="0">
+            <a:schemeClr val="accent1"/>
+          </a:effectRef>
+          <a:fontRef idx="minor">
+            <a:schemeClr val="lt1"/>
+          </a:fontRef>
+        </p:style>
+        <p:txBody>
+          <a:bodyPr rtlCol="0" anchor="ctr"/>
+          <a:lstStyle/>
+          <a:p>
+            <a:pPr algn="ctr"/>
+            <a:r>
+              <a:rPr lang="de-DE" sz="1050" dirty="0">
+                <a:latin typeface="Segoe UI" panose="020B0502040204020203" pitchFamily="34" charset="0"/>
+                <a:cs typeface="Segoe UI" panose="020B0502040204020203" pitchFamily="34" charset="0"/>
+              </a:rPr>
+              <a:t>Stepper </a:t>
+            </a:r>
+          </a:p>
+          <a:p>
+            <a:pPr algn="ctr"/>
+            <a:r>
+              <a:rPr lang="de-DE" sz="1050" dirty="0">
+                <a:latin typeface="Segoe UI" panose="020B0502040204020203" pitchFamily="34" charset="0"/>
+                <a:cs typeface="Segoe UI" panose="020B0502040204020203" pitchFamily="34" charset="0"/>
+              </a:rPr>
+              <a:t>Driver (</a:t>
+            </a:r>
+            <a:r>
+              <a:rPr lang="de-DE" sz="1050" dirty="0" err="1">
+                <a:latin typeface="Segoe UI" panose="020B0502040204020203" pitchFamily="34" charset="0"/>
+                <a:cs typeface="Segoe UI" panose="020B0502040204020203" pitchFamily="34" charset="0"/>
+              </a:rPr>
+              <a:t>PiBot</a:t>
+            </a:r>
+            <a:r>
+              <a:rPr lang="de-DE" sz="1050" dirty="0">
+                <a:latin typeface="Segoe UI" panose="020B0502040204020203" pitchFamily="34" charset="0"/>
+                <a:cs typeface="Segoe UI" panose="020B0502040204020203" pitchFamily="34" charset="0"/>
+              </a:rPr>
+              <a:t>)</a:t>
+            </a:r>
+          </a:p>
+        </p:txBody>
+      </p:sp>
+      <p:cxnSp>
+        <p:nvCxnSpPr>
+          <p:cNvPr id="133" name="Gerader Verbinder 132"/>
+          <p:cNvCxnSpPr>
+            <a:endCxn id="62" idx="1"/>
+          </p:cNvCxnSpPr>
+          <p:nvPr/>
+        </p:nvCxnSpPr>
+        <p:spPr>
+          <a:xfrm>
+            <a:off x="6682092" y="4320886"/>
+            <a:ext cx="446700" cy="62"/>
+          </a:xfrm>
+          <a:prstGeom prst="line">
+            <a:avLst/>
+          </a:prstGeom>
+        </p:spPr>
+        <p:style>
+          <a:lnRef idx="1">
+            <a:schemeClr val="accent1"/>
+          </a:lnRef>
+          <a:fillRef idx="0">
+            <a:schemeClr val="accent1"/>
+          </a:fillRef>
+          <a:effectRef idx="0">
+            <a:schemeClr val="accent1"/>
+          </a:effectRef>
+          <a:fontRef idx="minor">
+            <a:schemeClr val="tx1"/>
+          </a:fontRef>
+        </p:style>
+      </p:cxnSp>
+      <p:cxnSp>
+        <p:nvCxnSpPr>
+          <p:cNvPr id="136" name="Gewinkelte Verbindung 135"/>
+          <p:cNvCxnSpPr>
+            <a:stCxn id="110" idx="3"/>
+            <a:endCxn id="60" idx="1"/>
+          </p:cNvCxnSpPr>
+          <p:nvPr/>
+        </p:nvCxnSpPr>
+        <p:spPr>
+          <a:xfrm>
+            <a:off x="5186799" y="3122052"/>
+            <a:ext cx="1941993" cy="1831670"/>
+          </a:xfrm>
+          <a:prstGeom prst="bentConnector3">
+            <a:avLst>
+              <a:gd name="adj1" fmla="val 3400"/>
+            </a:avLst>
+          </a:prstGeom>
+        </p:spPr>
+        <p:style>
+          <a:lnRef idx="1">
+            <a:schemeClr val="accent1"/>
+          </a:lnRef>
+          <a:fillRef idx="0">
+            <a:schemeClr val="accent1"/>
+          </a:fillRef>
+          <a:effectRef idx="0">
+            <a:schemeClr val="accent1"/>
+          </a:effectRef>
+          <a:fontRef idx="minor">
+            <a:schemeClr val="tx1"/>
+          </a:fontRef>
+        </p:style>
+      </p:cxnSp>
+      <p:cxnSp>
+        <p:nvCxnSpPr>
+          <p:cNvPr id="139" name="Gewinkelte Verbindung 138"/>
+          <p:cNvCxnSpPr>
+            <a:stCxn id="111" idx="3"/>
+            <a:endCxn id="61" idx="1"/>
+          </p:cNvCxnSpPr>
+          <p:nvPr/>
+        </p:nvCxnSpPr>
+        <p:spPr>
+          <a:xfrm>
+            <a:off x="5186799" y="3193908"/>
+            <a:ext cx="1941993" cy="2268208"/>
+          </a:xfrm>
+          <a:prstGeom prst="bentConnector3">
+            <a:avLst>
+              <a:gd name="adj1" fmla="val 1458"/>
+            </a:avLst>
+          </a:prstGeom>
+        </p:spPr>
+        <p:style>
+          <a:lnRef idx="1">
+            <a:schemeClr val="accent1"/>
+          </a:lnRef>
+          <a:fillRef idx="0">
+            <a:schemeClr val="accent1"/>
+          </a:fillRef>
+          <a:effectRef idx="0">
+            <a:schemeClr val="accent1"/>
+          </a:effectRef>
+          <a:fontRef idx="minor">
+            <a:schemeClr val="tx1"/>
+          </a:fontRef>
+        </p:style>
+      </p:cxnSp>
+      <p:sp>
+        <p:nvSpPr>
+          <p:cNvPr id="149" name="Textfeld 148"/>
+          <p:cNvSpPr txBox="1"/>
+          <p:nvPr/>
+        </p:nvSpPr>
+        <p:spPr>
+          <a:xfrm>
+            <a:off x="5300879" y="4736001"/>
+            <a:ext cx="1257075" cy="215444"/>
+          </a:xfrm>
+          <a:prstGeom prst="rect">
+            <a:avLst/>
+          </a:prstGeom>
+          <a:noFill/>
+        </p:spPr>
+        <p:txBody>
+          <a:bodyPr wrap="none" rtlCol="0">
+            <a:spAutoFit/>
+          </a:bodyPr>
+          <a:lstStyle/>
+          <a:p>
+            <a:r>
+              <a:rPr lang="de-DE" sz="800" dirty="0" smtClean="0">
+                <a:latin typeface="Segoe UI" panose="020B0502040204020203" pitchFamily="34" charset="0"/>
+                <a:cs typeface="Segoe UI" panose="020B0502040204020203" pitchFamily="34" charset="0"/>
+              </a:rPr>
+              <a:t>Serial </a:t>
+            </a:r>
+            <a:r>
+              <a:rPr lang="de-DE" sz="800" dirty="0" err="1" smtClean="0">
+                <a:latin typeface="Segoe UI" panose="020B0502040204020203" pitchFamily="34" charset="0"/>
+                <a:cs typeface="Segoe UI" panose="020B0502040204020203" pitchFamily="34" charset="0"/>
+              </a:rPr>
+              <a:t>herkulex</a:t>
+            </a:r>
+            <a:r>
+              <a:rPr lang="de-DE" sz="800" dirty="0" smtClean="0">
+                <a:latin typeface="Segoe UI" panose="020B0502040204020203" pitchFamily="34" charset="0"/>
+                <a:cs typeface="Segoe UI" panose="020B0502040204020203" pitchFamily="34" charset="0"/>
+              </a:rPr>
+              <a:t> </a:t>
+            </a:r>
+            <a:r>
+              <a:rPr lang="de-DE" sz="800" dirty="0" err="1" smtClean="0">
+                <a:latin typeface="Segoe UI" panose="020B0502040204020203" pitchFamily="34" charset="0"/>
+                <a:cs typeface="Segoe UI" panose="020B0502040204020203" pitchFamily="34" charset="0"/>
+              </a:rPr>
+              <a:t>protocol</a:t>
+            </a:r>
+            <a:endParaRPr lang="de-DE" sz="800" dirty="0">
+              <a:latin typeface="Segoe UI" panose="020B0502040204020203" pitchFamily="34" charset="0"/>
+              <a:cs typeface="Segoe UI" panose="020B0502040204020203" pitchFamily="34" charset="0"/>
+            </a:endParaRPr>
+          </a:p>
+        </p:txBody>
+      </p:sp>
+      <p:sp>
+        <p:nvSpPr>
+          <p:cNvPr id="150" name="Textfeld 149"/>
+          <p:cNvSpPr txBox="1"/>
+          <p:nvPr/>
+        </p:nvSpPr>
+        <p:spPr>
+          <a:xfrm>
+            <a:off x="5303617" y="5244553"/>
+            <a:ext cx="1257075" cy="215444"/>
+          </a:xfrm>
+          <a:prstGeom prst="rect">
+            <a:avLst/>
+          </a:prstGeom>
+          <a:noFill/>
+        </p:spPr>
+        <p:txBody>
+          <a:bodyPr wrap="none" rtlCol="0">
+            <a:spAutoFit/>
+          </a:bodyPr>
+          <a:lstStyle/>
+          <a:p>
+            <a:r>
+              <a:rPr lang="de-DE" sz="800" dirty="0">
+                <a:latin typeface="Segoe UI" panose="020B0502040204020203" pitchFamily="34" charset="0"/>
+                <a:cs typeface="Segoe UI" panose="020B0502040204020203" pitchFamily="34" charset="0"/>
+              </a:rPr>
+              <a:t>Serial </a:t>
+            </a:r>
+            <a:r>
+              <a:rPr lang="de-DE" sz="800" dirty="0" err="1">
+                <a:latin typeface="Segoe UI" panose="020B0502040204020203" pitchFamily="34" charset="0"/>
+                <a:cs typeface="Segoe UI" panose="020B0502040204020203" pitchFamily="34" charset="0"/>
+              </a:rPr>
+              <a:t>herkulex</a:t>
+            </a:r>
+            <a:r>
+              <a:rPr lang="de-DE" sz="800" dirty="0">
+                <a:latin typeface="Segoe UI" panose="020B0502040204020203" pitchFamily="34" charset="0"/>
+                <a:cs typeface="Segoe UI" panose="020B0502040204020203" pitchFamily="34" charset="0"/>
+              </a:rPr>
+              <a:t> </a:t>
+            </a:r>
+            <a:r>
+              <a:rPr lang="de-DE" sz="800" dirty="0" err="1">
+                <a:latin typeface="Segoe UI" panose="020B0502040204020203" pitchFamily="34" charset="0"/>
+                <a:cs typeface="Segoe UI" panose="020B0502040204020203" pitchFamily="34" charset="0"/>
+              </a:rPr>
+              <a:t>protocol</a:t>
+            </a:r>
+            <a:endParaRPr lang="de-DE" sz="800" dirty="0">
+              <a:latin typeface="Segoe UI" panose="020B0502040204020203" pitchFamily="34" charset="0"/>
+              <a:cs typeface="Segoe UI" panose="020B0502040204020203" pitchFamily="34" charset="0"/>
+            </a:endParaRPr>
+          </a:p>
+        </p:txBody>
+      </p:sp>
+      <p:sp>
+        <p:nvSpPr>
+          <p:cNvPr id="153" name="Textfeld 152"/>
+          <p:cNvSpPr txBox="1"/>
+          <p:nvPr/>
+        </p:nvSpPr>
+        <p:spPr>
+          <a:xfrm>
+            <a:off x="1724280" y="1850593"/>
+            <a:ext cx="1188317" cy="577081"/>
+          </a:xfrm>
+          <a:prstGeom prst="rect">
+            <a:avLst/>
+          </a:prstGeom>
+          <a:solidFill>
+            <a:srgbClr val="FFFFFF">
+              <a:alpha val="50196"/>
+            </a:srgbClr>
+          </a:solidFill>
+        </p:spPr>
+        <p:txBody>
+          <a:bodyPr wrap="square" rtlCol="0">
+            <a:spAutoFit/>
+          </a:bodyPr>
+          <a:lstStyle>
+            <a:defPPr>
+              <a:defRPr lang="de-DE"/>
+            </a:defPPr>
+            <a:lvl1pPr algn="ctr">
+              <a:defRPr sz="1050" i="1">
+                <a:latin typeface="Segoe UI" panose="020B0502040204020203" pitchFamily="34" charset="0"/>
+                <a:cs typeface="Segoe UI" panose="020B0502040204020203" pitchFamily="34" charset="0"/>
+              </a:defRPr>
+            </a:lvl1pPr>
+          </a:lstStyle>
+          <a:p>
+            <a:r>
+              <a:rPr lang="de-DE" dirty="0" err="1"/>
+              <a:t>Trajectory</a:t>
+            </a:r>
+            <a:r>
+              <a:rPr lang="de-DE" dirty="0"/>
+              <a:t> </a:t>
+            </a:r>
+          </a:p>
+          <a:p>
+            <a:r>
+              <a:rPr lang="de-DE" dirty="0" err="1"/>
+              <a:t>Execution</a:t>
+            </a:r>
+            <a:endParaRPr lang="de-DE" dirty="0"/>
+          </a:p>
+          <a:p>
+            <a:r>
+              <a:rPr lang="de-DE" dirty="0" err="1"/>
+              <a:t>Kinematics</a:t>
+            </a:r>
+            <a:endParaRPr lang="de-DE" dirty="0"/>
+          </a:p>
+        </p:txBody>
+      </p:sp>
+      <p:sp>
+        <p:nvSpPr>
+          <p:cNvPr id="158" name="Textfeld 157"/>
+          <p:cNvSpPr txBox="1"/>
+          <p:nvPr/>
+        </p:nvSpPr>
+        <p:spPr>
+          <a:xfrm>
+            <a:off x="2972030" y="2221513"/>
+            <a:ext cx="891591" cy="461665"/>
+          </a:xfrm>
+          <a:prstGeom prst="rect">
+            <a:avLst/>
+          </a:prstGeom>
+          <a:noFill/>
+        </p:spPr>
+        <p:txBody>
+          <a:bodyPr wrap="none" rtlCol="0">
+            <a:spAutoFit/>
+          </a:bodyPr>
+          <a:lstStyle/>
+          <a:p>
+            <a:r>
+              <a:rPr lang="de-DE" sz="800" dirty="0" smtClean="0">
+                <a:latin typeface="Segoe UI" panose="020B0502040204020203" pitchFamily="34" charset="0"/>
+                <a:cs typeface="Segoe UI" panose="020B0502040204020203" pitchFamily="34" charset="0"/>
+              </a:rPr>
+              <a:t>Command </a:t>
+            </a:r>
+            <a:r>
+              <a:rPr lang="de-DE" sz="800" dirty="0" err="1" smtClean="0">
+                <a:latin typeface="Segoe UI" panose="020B0502040204020203" pitchFamily="34" charset="0"/>
+                <a:cs typeface="Segoe UI" panose="020B0502040204020203" pitchFamily="34" charset="0"/>
+              </a:rPr>
+              <a:t>shell</a:t>
+            </a:r>
+            <a:endParaRPr lang="de-DE" sz="800" dirty="0" smtClean="0">
+              <a:latin typeface="Segoe UI" panose="020B0502040204020203" pitchFamily="34" charset="0"/>
+              <a:cs typeface="Segoe UI" panose="020B0502040204020203" pitchFamily="34" charset="0"/>
+            </a:endParaRPr>
+          </a:p>
+          <a:p>
+            <a:r>
+              <a:rPr lang="de-DE" sz="800" dirty="0" err="1">
+                <a:latin typeface="Segoe UI" panose="020B0502040204020203" pitchFamily="34" charset="0"/>
+                <a:cs typeface="Segoe UI" panose="020B0502040204020203" pitchFamily="34" charset="0"/>
+              </a:rPr>
+              <a:t>s</a:t>
+            </a:r>
+            <a:r>
+              <a:rPr lang="de-DE" sz="800" dirty="0" err="1" smtClean="0">
+                <a:latin typeface="Segoe UI" panose="020B0502040204020203" pitchFamily="34" charset="0"/>
+                <a:cs typeface="Segoe UI" panose="020B0502040204020203" pitchFamily="34" charset="0"/>
+              </a:rPr>
+              <a:t>erial</a:t>
+            </a:r>
+            <a:r>
+              <a:rPr lang="de-DE" sz="800" dirty="0" smtClean="0">
+                <a:latin typeface="Segoe UI" panose="020B0502040204020203" pitchFamily="34" charset="0"/>
+                <a:cs typeface="Segoe UI" panose="020B0502040204020203" pitchFamily="34" charset="0"/>
+              </a:rPr>
+              <a:t> via USB</a:t>
+            </a:r>
+          </a:p>
+          <a:p>
+            <a:r>
+              <a:rPr lang="de-DE" sz="800" dirty="0" err="1" smtClean="0">
+                <a:latin typeface="Segoe UI" panose="020B0502040204020203" pitchFamily="34" charset="0"/>
+                <a:cs typeface="Segoe UI" panose="020B0502040204020203" pitchFamily="34" charset="0"/>
+              </a:rPr>
+              <a:t>angles</a:t>
+            </a:r>
+            <a:r>
+              <a:rPr lang="de-DE" sz="800" dirty="0" smtClean="0">
+                <a:latin typeface="Segoe UI" panose="020B0502040204020203" pitchFamily="34" charset="0"/>
+                <a:cs typeface="Segoe UI" panose="020B0502040204020203" pitchFamily="34" charset="0"/>
+              </a:rPr>
+              <a:t> at 20Hz </a:t>
+            </a:r>
+            <a:endParaRPr lang="de-DE" sz="800" dirty="0">
+              <a:latin typeface="Segoe UI" panose="020B0502040204020203" pitchFamily="34" charset="0"/>
+              <a:cs typeface="Segoe UI" panose="020B0502040204020203" pitchFamily="34" charset="0"/>
+            </a:endParaRPr>
+          </a:p>
+        </p:txBody>
+      </p:sp>
+      <p:sp>
+        <p:nvSpPr>
+          <p:cNvPr id="159" name="Textfeld 158"/>
+          <p:cNvSpPr txBox="1"/>
+          <p:nvPr/>
+        </p:nvSpPr>
+        <p:spPr>
+          <a:xfrm>
+            <a:off x="2962114" y="3206185"/>
+            <a:ext cx="933269" cy="215444"/>
+          </a:xfrm>
+          <a:prstGeom prst="rect">
+            <a:avLst/>
+          </a:prstGeom>
+          <a:noFill/>
+        </p:spPr>
+        <p:txBody>
+          <a:bodyPr wrap="none" rtlCol="0">
+            <a:spAutoFit/>
+          </a:bodyPr>
+          <a:lstStyle/>
+          <a:p>
+            <a:r>
+              <a:rPr lang="de-DE" sz="800" dirty="0" smtClean="0">
+                <a:latin typeface="Segoe UI" panose="020B0502040204020203" pitchFamily="34" charset="0"/>
+                <a:cs typeface="Segoe UI" panose="020B0502040204020203" pitchFamily="34" charset="0"/>
+              </a:rPr>
+              <a:t>Log/</a:t>
+            </a:r>
+            <a:r>
+              <a:rPr lang="de-DE" sz="800" dirty="0" err="1" smtClean="0">
+                <a:latin typeface="Segoe UI" panose="020B0502040204020203" pitchFamily="34" charset="0"/>
+                <a:cs typeface="Segoe UI" panose="020B0502040204020203" pitchFamily="34" charset="0"/>
+              </a:rPr>
+              <a:t>txt</a:t>
+            </a:r>
+            <a:r>
+              <a:rPr lang="de-DE" sz="800" dirty="0" smtClean="0">
+                <a:latin typeface="Segoe UI" panose="020B0502040204020203" pitchFamily="34" charset="0"/>
+                <a:cs typeface="Segoe UI" panose="020B0502040204020203" pitchFamily="34" charset="0"/>
+              </a:rPr>
+              <a:t> via </a:t>
+            </a:r>
+            <a:r>
+              <a:rPr lang="de-DE" sz="800" dirty="0" err="1" smtClean="0">
+                <a:latin typeface="Segoe UI" panose="020B0502040204020203" pitchFamily="34" charset="0"/>
+                <a:cs typeface="Segoe UI" panose="020B0502040204020203" pitchFamily="34" charset="0"/>
+              </a:rPr>
+              <a:t>serial</a:t>
+            </a:r>
+            <a:endParaRPr lang="de-DE" sz="800" dirty="0">
+              <a:latin typeface="Segoe UI" panose="020B0502040204020203" pitchFamily="34" charset="0"/>
+              <a:cs typeface="Segoe UI" panose="020B0502040204020203" pitchFamily="34" charset="0"/>
+            </a:endParaRPr>
+          </a:p>
+        </p:txBody>
+      </p:sp>
+      <p:cxnSp>
+        <p:nvCxnSpPr>
+          <p:cNvPr id="161" name="Gerade Verbindung mit Pfeil 160"/>
+          <p:cNvCxnSpPr/>
+          <p:nvPr/>
+        </p:nvCxnSpPr>
+        <p:spPr>
+          <a:xfrm>
+            <a:off x="2912597" y="2690920"/>
+            <a:ext cx="1122076" cy="0"/>
+          </a:xfrm>
+          <a:prstGeom prst="straightConnector1">
+            <a:avLst/>
+          </a:prstGeom>
+          <a:ln>
+            <a:tailEnd type="triangle"/>
+          </a:ln>
+        </p:spPr>
+        <p:style>
+          <a:lnRef idx="1">
+            <a:schemeClr val="accent1"/>
+          </a:lnRef>
+          <a:fillRef idx="0">
+            <a:schemeClr val="accent1"/>
+          </a:fillRef>
+          <a:effectRef idx="0">
+            <a:schemeClr val="accent1"/>
+          </a:effectRef>
+          <a:fontRef idx="minor">
+            <a:schemeClr val="tx1"/>
+          </a:fontRef>
+        </p:style>
+      </p:cxnSp>
+      <p:cxnSp>
+        <p:nvCxnSpPr>
+          <p:cNvPr id="163" name="Gerade Verbindung mit Pfeil 162"/>
+          <p:cNvCxnSpPr/>
+          <p:nvPr/>
+        </p:nvCxnSpPr>
+        <p:spPr>
+          <a:xfrm flipH="1">
+            <a:off x="2882545" y="3223117"/>
+            <a:ext cx="1117211" cy="3548"/>
+          </a:xfrm>
+          <a:prstGeom prst="straightConnector1">
+            <a:avLst/>
+          </a:prstGeom>
+          <a:ln>
+            <a:tailEnd type="triangle"/>
+          </a:ln>
+        </p:spPr>
+        <p:style>
+          <a:lnRef idx="1">
+            <a:schemeClr val="accent1"/>
+          </a:lnRef>
+          <a:fillRef idx="0">
+            <a:schemeClr val="accent1"/>
+          </a:fillRef>
+          <a:effectRef idx="0">
+            <a:schemeClr val="accent1"/>
+          </a:effectRef>
+          <a:fontRef idx="minor">
+            <a:schemeClr val="tx1"/>
+          </a:fontRef>
+        </p:style>
+      </p:cxnSp>
+      <p:cxnSp>
+        <p:nvCxnSpPr>
+          <p:cNvPr id="169" name="Gerader Verbinder 168"/>
+          <p:cNvCxnSpPr/>
+          <p:nvPr/>
+        </p:nvCxnSpPr>
+        <p:spPr>
+          <a:xfrm>
+            <a:off x="2770301" y="1276949"/>
+            <a:ext cx="0" cy="1217649"/>
+          </a:xfrm>
+          <a:prstGeom prst="line">
+            <a:avLst/>
+          </a:prstGeom>
+        </p:spPr>
+        <p:style>
+          <a:lnRef idx="1">
+            <a:schemeClr val="accent1"/>
+          </a:lnRef>
+          <a:fillRef idx="0">
+            <a:schemeClr val="accent1"/>
+          </a:fillRef>
+          <a:effectRef idx="0">
+            <a:schemeClr val="accent1"/>
+          </a:effectRef>
+          <a:fontRef idx="minor">
+            <a:schemeClr val="tx1"/>
+          </a:fontRef>
+        </p:style>
+      </p:cxnSp>
+      <p:cxnSp>
+        <p:nvCxnSpPr>
+          <p:cNvPr id="172" name="Gerader Verbinder 171"/>
+          <p:cNvCxnSpPr/>
+          <p:nvPr/>
+        </p:nvCxnSpPr>
+        <p:spPr>
+          <a:xfrm>
+            <a:off x="4521791" y="1370661"/>
+            <a:ext cx="0" cy="1217649"/>
+          </a:xfrm>
+          <a:prstGeom prst="line">
+            <a:avLst/>
+          </a:prstGeom>
+        </p:spPr>
+        <p:style>
+          <a:lnRef idx="1">
+            <a:schemeClr val="accent1"/>
+          </a:lnRef>
+          <a:fillRef idx="0">
+            <a:schemeClr val="accent1"/>
+          </a:fillRef>
+          <a:effectRef idx="0">
+            <a:schemeClr val="accent1"/>
+          </a:effectRef>
+          <a:fontRef idx="minor">
+            <a:schemeClr val="tx1"/>
+          </a:fontRef>
+        </p:style>
+      </p:cxnSp>
+      <p:sp>
+        <p:nvSpPr>
+          <p:cNvPr id="151" name="Rechteck 150"/>
+          <p:cNvSpPr/>
+          <p:nvPr/>
+        </p:nvSpPr>
+        <p:spPr>
+          <a:xfrm>
+            <a:off x="1726666" y="2486269"/>
+            <a:ext cx="1231638" cy="892379"/>
+          </a:xfrm>
+          <a:prstGeom prst="rect">
+            <a:avLst/>
+          </a:prstGeom>
+          <a:solidFill>
+            <a:schemeClr val="tx1">
+              <a:lumMod val="50000"/>
+              <a:lumOff val="50000"/>
+            </a:schemeClr>
+          </a:solidFill>
+          <a:ln>
+            <a:noFill/>
+          </a:ln>
+        </p:spPr>
+        <p:style>
+          <a:lnRef idx="2">
+            <a:schemeClr val="accent1">
+              <a:shade val="50000"/>
+            </a:schemeClr>
+          </a:lnRef>
+          <a:fillRef idx="1">
+            <a:schemeClr val="accent1"/>
+          </a:fillRef>
+          <a:effectRef idx="0">
+            <a:schemeClr val="accent1"/>
+          </a:effectRef>
+          <a:fontRef idx="minor">
+            <a:schemeClr val="lt1"/>
+          </a:fontRef>
+        </p:style>
+        <p:txBody>
+          <a:bodyPr rtlCol="0" anchor="ctr"/>
+          <a:lstStyle/>
+          <a:p>
+            <a:pPr algn="ctr"/>
+            <a:r>
+              <a:rPr lang="de-DE" sz="1050" dirty="0" err="1" smtClean="0">
+                <a:latin typeface="Segoe UI" panose="020B0502040204020203" pitchFamily="34" charset="0"/>
+                <a:cs typeface="Segoe UI" panose="020B0502040204020203" pitchFamily="34" charset="0"/>
+              </a:rPr>
+              <a:t>Trajectory</a:t>
+            </a:r>
+            <a:r>
+              <a:rPr lang="de-DE" sz="1050" dirty="0" smtClean="0">
+                <a:latin typeface="Segoe UI" panose="020B0502040204020203" pitchFamily="34" charset="0"/>
+                <a:cs typeface="Segoe UI" panose="020B0502040204020203" pitchFamily="34" charset="0"/>
+              </a:rPr>
+              <a:t> Board</a:t>
+            </a:r>
+          </a:p>
+          <a:p>
+            <a:pPr algn="ctr"/>
+            <a:r>
+              <a:rPr lang="de-DE" sz="1050" dirty="0" err="1" smtClean="0">
+                <a:latin typeface="Segoe UI" panose="020B0502040204020203" pitchFamily="34" charset="0"/>
+                <a:cs typeface="Segoe UI" panose="020B0502040204020203" pitchFamily="34" charset="0"/>
+              </a:rPr>
+              <a:t>Odroid</a:t>
+            </a:r>
+            <a:r>
+              <a:rPr lang="de-DE" sz="1050" dirty="0" smtClean="0">
+                <a:latin typeface="Segoe UI" panose="020B0502040204020203" pitchFamily="34" charset="0"/>
+                <a:cs typeface="Segoe UI" panose="020B0502040204020203" pitchFamily="34" charset="0"/>
+              </a:rPr>
+              <a:t> XU4</a:t>
+            </a:r>
+          </a:p>
+          <a:p>
+            <a:pPr algn="ctr"/>
+            <a:r>
+              <a:rPr lang="de-DE" sz="1050" dirty="0" smtClean="0">
+                <a:latin typeface="Segoe UI" panose="020B0502040204020203" pitchFamily="34" charset="0"/>
+                <a:cs typeface="Segoe UI" panose="020B0502040204020203" pitchFamily="34" charset="0"/>
+              </a:rPr>
+              <a:t>High-Level C++</a:t>
+            </a:r>
+            <a:endParaRPr lang="de-DE" sz="1050" dirty="0">
+              <a:latin typeface="Segoe UI" panose="020B0502040204020203" pitchFamily="34" charset="0"/>
+              <a:cs typeface="Segoe UI" panose="020B0502040204020203" pitchFamily="34" charset="0"/>
+            </a:endParaRPr>
+          </a:p>
+        </p:txBody>
+      </p:sp>
+      <p:grpSp>
+        <p:nvGrpSpPr>
+          <p:cNvPr id="185" name="Gruppieren 184"/>
+          <p:cNvGrpSpPr/>
+          <p:nvPr/>
+        </p:nvGrpSpPr>
+        <p:grpSpPr>
+          <a:xfrm>
+            <a:off x="7662990" y="1510177"/>
+            <a:ext cx="384883" cy="548222"/>
+            <a:chOff x="-278511" y="1554950"/>
+            <a:chExt cx="2557702" cy="3778467"/>
+          </a:xfrm>
+        </p:grpSpPr>
+        <p:grpSp>
+          <p:nvGrpSpPr>
+            <p:cNvPr id="174" name="Gruppieren 173"/>
+            <p:cNvGrpSpPr/>
+            <p:nvPr/>
+          </p:nvGrpSpPr>
+          <p:grpSpPr>
+            <a:xfrm flipH="1">
+              <a:off x="-278511" y="1554950"/>
+              <a:ext cx="2557702" cy="3778467"/>
+              <a:chOff x="3656880" y="1432091"/>
+              <a:chExt cx="2557702" cy="3778467"/>
+            </a:xfrm>
+          </p:grpSpPr>
+          <p:sp>
+            <p:nvSpPr>
+              <p:cNvPr id="176" name="Ellipse 175"/>
+              <p:cNvSpPr/>
+              <p:nvPr/>
+            </p:nvSpPr>
+            <p:spPr>
+              <a:xfrm>
+                <a:off x="4499992" y="1432091"/>
+                <a:ext cx="914400" cy="914400"/>
+              </a:xfrm>
+              <a:prstGeom prst="ellipse">
+                <a:avLst/>
+              </a:prstGeom>
+              <a:solidFill>
+                <a:schemeClr val="tx1"/>
+              </a:solidFill>
+              <a:ln>
+                <a:noFill/>
+              </a:ln>
+            </p:spPr>
+            <p:style>
+              <a:lnRef idx="2">
+                <a:schemeClr val="accent1">
+                  <a:shade val="50000"/>
+                </a:schemeClr>
+              </a:lnRef>
+              <a:fillRef idx="1">
+                <a:schemeClr val="accent1"/>
+              </a:fillRef>
+              <a:effectRef idx="0">
+                <a:schemeClr val="accent1"/>
+              </a:effectRef>
+              <a:fontRef idx="minor">
+                <a:schemeClr val="lt1"/>
+              </a:fontRef>
+            </p:style>
+            <p:txBody>
+              <a:bodyPr rtlCol="0" anchor="ctr"/>
+              <a:lstStyle/>
+              <a:p>
+                <a:pPr algn="ctr"/>
+                <a:endParaRPr lang="de-DE"/>
+              </a:p>
+            </p:txBody>
+          </p:sp>
+          <p:sp>
+            <p:nvSpPr>
+              <p:cNvPr id="177" name="Trapezoid 176"/>
+              <p:cNvSpPr/>
+              <p:nvPr/>
+            </p:nvSpPr>
+            <p:spPr>
+              <a:xfrm flipV="1">
+                <a:off x="4730333" y="1988840"/>
+                <a:ext cx="453718" cy="1232120"/>
+              </a:xfrm>
+              <a:prstGeom prst="trapezoid">
+                <a:avLst/>
+              </a:prstGeom>
+              <a:solidFill>
+                <a:schemeClr val="tx1"/>
+              </a:solidFill>
+              <a:ln>
+                <a:noFill/>
+              </a:ln>
+            </p:spPr>
+            <p:style>
+              <a:lnRef idx="2">
+                <a:schemeClr val="accent1">
+                  <a:shade val="50000"/>
+                </a:schemeClr>
+              </a:lnRef>
+              <a:fillRef idx="1">
+                <a:schemeClr val="accent1"/>
+              </a:fillRef>
+              <a:effectRef idx="0">
+                <a:schemeClr val="accent1"/>
+              </a:effectRef>
+              <a:fontRef idx="minor">
+                <a:schemeClr val="lt1"/>
+              </a:fontRef>
+            </p:style>
+            <p:txBody>
+              <a:bodyPr rtlCol="0" anchor="ctr"/>
+              <a:lstStyle/>
+              <a:p>
+                <a:pPr algn="ctr"/>
+                <a:endParaRPr lang="de-DE"/>
+              </a:p>
+            </p:txBody>
+          </p:sp>
+          <p:sp>
+            <p:nvSpPr>
+              <p:cNvPr id="178" name="Ellipse 177"/>
+              <p:cNvSpPr/>
+              <p:nvPr/>
+            </p:nvSpPr>
+            <p:spPr>
+              <a:xfrm>
+                <a:off x="4550296" y="2924944"/>
+                <a:ext cx="813792" cy="770384"/>
+              </a:xfrm>
+              <a:prstGeom prst="ellipse">
+                <a:avLst/>
+              </a:prstGeom>
+              <a:solidFill>
+                <a:schemeClr val="tx1"/>
+              </a:solidFill>
+              <a:ln>
+                <a:noFill/>
+              </a:ln>
+            </p:spPr>
+            <p:style>
+              <a:lnRef idx="2">
+                <a:schemeClr val="accent1">
+                  <a:shade val="50000"/>
+                </a:schemeClr>
+              </a:lnRef>
+              <a:fillRef idx="1">
+                <a:schemeClr val="accent1"/>
+              </a:fillRef>
+              <a:effectRef idx="0">
+                <a:schemeClr val="accent1"/>
+              </a:effectRef>
+              <a:fontRef idx="minor">
+                <a:schemeClr val="lt1"/>
+              </a:fontRef>
+            </p:style>
+            <p:txBody>
+              <a:bodyPr rtlCol="0" anchor="ctr"/>
+              <a:lstStyle/>
+              <a:p>
+                <a:pPr algn="ctr"/>
+                <a:endParaRPr lang="de-DE"/>
+              </a:p>
+            </p:txBody>
+          </p:sp>
+          <p:sp>
+            <p:nvSpPr>
+              <p:cNvPr id="179" name="Freihandform 178"/>
+              <p:cNvSpPr/>
+              <p:nvPr/>
+            </p:nvSpPr>
+            <p:spPr>
+              <a:xfrm rot="20443580">
+                <a:off x="5066352" y="3173424"/>
+                <a:ext cx="1148230" cy="2005216"/>
+              </a:xfrm>
+              <a:custGeom>
+                <a:avLst/>
+                <a:gdLst>
+                  <a:gd name="connsiteX0" fmla="*/ 0 w 1804985"/>
+                  <a:gd name="connsiteY0" fmla="*/ 263950 h 3039970"/>
+                  <a:gd name="connsiteX1" fmla="*/ 659877 w 1804985"/>
+                  <a:gd name="connsiteY1" fmla="*/ 876692 h 3039970"/>
+                  <a:gd name="connsiteX2" fmla="*/ 763572 w 1804985"/>
+                  <a:gd name="connsiteY2" fmla="*/ 2677212 h 3039970"/>
+                  <a:gd name="connsiteX3" fmla="*/ 1611984 w 1804985"/>
+                  <a:gd name="connsiteY3" fmla="*/ 2875175 h 3039970"/>
+                  <a:gd name="connsiteX4" fmla="*/ 1677972 w 1804985"/>
+                  <a:gd name="connsiteY4" fmla="*/ 772998 h 3039970"/>
+                  <a:gd name="connsiteX5" fmla="*/ 141402 w 1804985"/>
+                  <a:gd name="connsiteY5" fmla="*/ 18853 h 3039970"/>
+                  <a:gd name="connsiteX6" fmla="*/ 141402 w 1804985"/>
+                  <a:gd name="connsiteY6" fmla="*/ 18853 h 3039970"/>
+                  <a:gd name="connsiteX7" fmla="*/ 150829 w 1804985"/>
+                  <a:gd name="connsiteY7" fmla="*/ 0 h 3039970"/>
+                  <a:gd name="connsiteX0" fmla="*/ 0 w 1804985"/>
+                  <a:gd name="connsiteY0" fmla="*/ 263950 h 2977663"/>
+                  <a:gd name="connsiteX1" fmla="*/ 659877 w 1804985"/>
+                  <a:gd name="connsiteY1" fmla="*/ 876692 h 2977663"/>
+                  <a:gd name="connsiteX2" fmla="*/ 763572 w 1804985"/>
+                  <a:gd name="connsiteY2" fmla="*/ 2677212 h 2977663"/>
+                  <a:gd name="connsiteX3" fmla="*/ 1611984 w 1804985"/>
+                  <a:gd name="connsiteY3" fmla="*/ 2875175 h 2977663"/>
+                  <a:gd name="connsiteX4" fmla="*/ 1677972 w 1804985"/>
+                  <a:gd name="connsiteY4" fmla="*/ 772998 h 2977663"/>
+                  <a:gd name="connsiteX5" fmla="*/ 141402 w 1804985"/>
+                  <a:gd name="connsiteY5" fmla="*/ 18853 h 2977663"/>
+                  <a:gd name="connsiteX6" fmla="*/ 141402 w 1804985"/>
+                  <a:gd name="connsiteY6" fmla="*/ 18853 h 2977663"/>
+                  <a:gd name="connsiteX7" fmla="*/ 150829 w 1804985"/>
+                  <a:gd name="connsiteY7" fmla="*/ 0 h 2977663"/>
+                  <a:gd name="connsiteX0" fmla="*/ 0 w 1804985"/>
+                  <a:gd name="connsiteY0" fmla="*/ 263950 h 2977663"/>
+                  <a:gd name="connsiteX1" fmla="*/ 659877 w 1804985"/>
+                  <a:gd name="connsiteY1" fmla="*/ 876692 h 2977663"/>
+                  <a:gd name="connsiteX2" fmla="*/ 763572 w 1804985"/>
+                  <a:gd name="connsiteY2" fmla="*/ 2677212 h 2977663"/>
+                  <a:gd name="connsiteX3" fmla="*/ 1611984 w 1804985"/>
+                  <a:gd name="connsiteY3" fmla="*/ 2875175 h 2977663"/>
+                  <a:gd name="connsiteX4" fmla="*/ 1677972 w 1804985"/>
+                  <a:gd name="connsiteY4" fmla="*/ 772998 h 2977663"/>
+                  <a:gd name="connsiteX5" fmla="*/ 141402 w 1804985"/>
+                  <a:gd name="connsiteY5" fmla="*/ 18853 h 2977663"/>
+                  <a:gd name="connsiteX6" fmla="*/ 141402 w 1804985"/>
+                  <a:gd name="connsiteY6" fmla="*/ 18853 h 2977663"/>
+                  <a:gd name="connsiteX7" fmla="*/ 150829 w 1804985"/>
+                  <a:gd name="connsiteY7" fmla="*/ 0 h 2977663"/>
+                  <a:gd name="connsiteX0" fmla="*/ 0 w 1804985"/>
+                  <a:gd name="connsiteY0" fmla="*/ 263950 h 2977663"/>
+                  <a:gd name="connsiteX1" fmla="*/ 659877 w 1804985"/>
+                  <a:gd name="connsiteY1" fmla="*/ 876692 h 2977663"/>
+                  <a:gd name="connsiteX2" fmla="*/ 763572 w 1804985"/>
+                  <a:gd name="connsiteY2" fmla="*/ 2677212 h 2977663"/>
+                  <a:gd name="connsiteX3" fmla="*/ 1611984 w 1804985"/>
+                  <a:gd name="connsiteY3" fmla="*/ 2875175 h 2977663"/>
+                  <a:gd name="connsiteX4" fmla="*/ 1677972 w 1804985"/>
+                  <a:gd name="connsiteY4" fmla="*/ 772998 h 2977663"/>
+                  <a:gd name="connsiteX5" fmla="*/ 141402 w 1804985"/>
+                  <a:gd name="connsiteY5" fmla="*/ 18853 h 2977663"/>
+                  <a:gd name="connsiteX6" fmla="*/ 141402 w 1804985"/>
+                  <a:gd name="connsiteY6" fmla="*/ 18853 h 2977663"/>
+                  <a:gd name="connsiteX7" fmla="*/ 150829 w 1804985"/>
+                  <a:gd name="connsiteY7" fmla="*/ 0 h 2977663"/>
+                  <a:gd name="connsiteX0" fmla="*/ 0 w 1738812"/>
+                  <a:gd name="connsiteY0" fmla="*/ 263950 h 2677212"/>
+                  <a:gd name="connsiteX1" fmla="*/ 659877 w 1738812"/>
+                  <a:gd name="connsiteY1" fmla="*/ 876692 h 2677212"/>
+                  <a:gd name="connsiteX2" fmla="*/ 763572 w 1738812"/>
+                  <a:gd name="connsiteY2" fmla="*/ 2677212 h 2677212"/>
+                  <a:gd name="connsiteX3" fmla="*/ 1366887 w 1738812"/>
+                  <a:gd name="connsiteY3" fmla="*/ 1762813 h 2677212"/>
+                  <a:gd name="connsiteX4" fmla="*/ 1677972 w 1738812"/>
+                  <a:gd name="connsiteY4" fmla="*/ 772998 h 2677212"/>
+                  <a:gd name="connsiteX5" fmla="*/ 141402 w 1738812"/>
+                  <a:gd name="connsiteY5" fmla="*/ 18853 h 2677212"/>
+                  <a:gd name="connsiteX6" fmla="*/ 141402 w 1738812"/>
+                  <a:gd name="connsiteY6" fmla="*/ 18853 h 2677212"/>
+                  <a:gd name="connsiteX7" fmla="*/ 150829 w 1738812"/>
+                  <a:gd name="connsiteY7" fmla="*/ 0 h 2677212"/>
+                  <a:gd name="connsiteX0" fmla="*/ 0 w 1725317"/>
+                  <a:gd name="connsiteY0" fmla="*/ 263950 h 2677212"/>
+                  <a:gd name="connsiteX1" fmla="*/ 659877 w 1725317"/>
+                  <a:gd name="connsiteY1" fmla="*/ 876692 h 2677212"/>
+                  <a:gd name="connsiteX2" fmla="*/ 763572 w 1725317"/>
+                  <a:gd name="connsiteY2" fmla="*/ 2677212 h 2677212"/>
+                  <a:gd name="connsiteX3" fmla="*/ 1366887 w 1725317"/>
+                  <a:gd name="connsiteY3" fmla="*/ 1762813 h 2677212"/>
+                  <a:gd name="connsiteX4" fmla="*/ 1677972 w 1725317"/>
+                  <a:gd name="connsiteY4" fmla="*/ 772998 h 2677212"/>
+                  <a:gd name="connsiteX5" fmla="*/ 141402 w 1725317"/>
+                  <a:gd name="connsiteY5" fmla="*/ 18853 h 2677212"/>
+                  <a:gd name="connsiteX6" fmla="*/ 141402 w 1725317"/>
+                  <a:gd name="connsiteY6" fmla="*/ 18853 h 2677212"/>
+                  <a:gd name="connsiteX7" fmla="*/ 150829 w 1725317"/>
+                  <a:gd name="connsiteY7" fmla="*/ 0 h 2677212"/>
+                  <a:gd name="connsiteX0" fmla="*/ 0 w 1720699"/>
+                  <a:gd name="connsiteY0" fmla="*/ 263950 h 2677212"/>
+                  <a:gd name="connsiteX1" fmla="*/ 659877 w 1720699"/>
+                  <a:gd name="connsiteY1" fmla="*/ 876692 h 2677212"/>
+                  <a:gd name="connsiteX2" fmla="*/ 763572 w 1720699"/>
+                  <a:gd name="connsiteY2" fmla="*/ 2677212 h 2677212"/>
+                  <a:gd name="connsiteX3" fmla="*/ 1329180 w 1720699"/>
+                  <a:gd name="connsiteY3" fmla="*/ 1611984 h 2677212"/>
+                  <a:gd name="connsiteX4" fmla="*/ 1677972 w 1720699"/>
+                  <a:gd name="connsiteY4" fmla="*/ 772998 h 2677212"/>
+                  <a:gd name="connsiteX5" fmla="*/ 141402 w 1720699"/>
+                  <a:gd name="connsiteY5" fmla="*/ 18853 h 2677212"/>
+                  <a:gd name="connsiteX6" fmla="*/ 141402 w 1720699"/>
+                  <a:gd name="connsiteY6" fmla="*/ 18853 h 2677212"/>
+                  <a:gd name="connsiteX7" fmla="*/ 150829 w 1720699"/>
+                  <a:gd name="connsiteY7" fmla="*/ 0 h 2677212"/>
+                  <a:gd name="connsiteX0" fmla="*/ 0 w 1329794"/>
+                  <a:gd name="connsiteY0" fmla="*/ 263950 h 2677212"/>
+                  <a:gd name="connsiteX1" fmla="*/ 659877 w 1329794"/>
+                  <a:gd name="connsiteY1" fmla="*/ 876692 h 2677212"/>
+                  <a:gd name="connsiteX2" fmla="*/ 763572 w 1329794"/>
+                  <a:gd name="connsiteY2" fmla="*/ 2677212 h 2677212"/>
+                  <a:gd name="connsiteX3" fmla="*/ 1329180 w 1329794"/>
+                  <a:gd name="connsiteY3" fmla="*/ 1611984 h 2677212"/>
+                  <a:gd name="connsiteX4" fmla="*/ 857840 w 1329794"/>
+                  <a:gd name="connsiteY4" fmla="*/ 395926 h 2677212"/>
+                  <a:gd name="connsiteX5" fmla="*/ 141402 w 1329794"/>
+                  <a:gd name="connsiteY5" fmla="*/ 18853 h 2677212"/>
+                  <a:gd name="connsiteX6" fmla="*/ 141402 w 1329794"/>
+                  <a:gd name="connsiteY6" fmla="*/ 18853 h 2677212"/>
+                  <a:gd name="connsiteX7" fmla="*/ 150829 w 1329794"/>
+                  <a:gd name="connsiteY7" fmla="*/ 0 h 2677212"/>
+                  <a:gd name="connsiteX0" fmla="*/ 0 w 1329856"/>
+                  <a:gd name="connsiteY0" fmla="*/ 263950 h 2677212"/>
+                  <a:gd name="connsiteX1" fmla="*/ 659877 w 1329856"/>
+                  <a:gd name="connsiteY1" fmla="*/ 876692 h 2677212"/>
+                  <a:gd name="connsiteX2" fmla="*/ 763572 w 1329856"/>
+                  <a:gd name="connsiteY2" fmla="*/ 2677212 h 2677212"/>
+                  <a:gd name="connsiteX3" fmla="*/ 1329180 w 1329856"/>
+                  <a:gd name="connsiteY3" fmla="*/ 1611984 h 2677212"/>
+                  <a:gd name="connsiteX4" fmla="*/ 857840 w 1329856"/>
+                  <a:gd name="connsiteY4" fmla="*/ 395926 h 2677212"/>
+                  <a:gd name="connsiteX5" fmla="*/ 141402 w 1329856"/>
+                  <a:gd name="connsiteY5" fmla="*/ 18853 h 2677212"/>
+                  <a:gd name="connsiteX6" fmla="*/ 141402 w 1329856"/>
+                  <a:gd name="connsiteY6" fmla="*/ 18853 h 2677212"/>
+                  <a:gd name="connsiteX7" fmla="*/ 150829 w 1329856"/>
+                  <a:gd name="connsiteY7" fmla="*/ 0 h 2677212"/>
+                  <a:gd name="connsiteX0" fmla="*/ 0 w 1331198"/>
+                  <a:gd name="connsiteY0" fmla="*/ 263950 h 2677212"/>
+                  <a:gd name="connsiteX1" fmla="*/ 659877 w 1331198"/>
+                  <a:gd name="connsiteY1" fmla="*/ 876692 h 2677212"/>
+                  <a:gd name="connsiteX2" fmla="*/ 763572 w 1331198"/>
+                  <a:gd name="connsiteY2" fmla="*/ 2677212 h 2677212"/>
+                  <a:gd name="connsiteX3" fmla="*/ 1329180 w 1331198"/>
+                  <a:gd name="connsiteY3" fmla="*/ 1611984 h 2677212"/>
+                  <a:gd name="connsiteX4" fmla="*/ 914401 w 1331198"/>
+                  <a:gd name="connsiteY4" fmla="*/ 518474 h 2677212"/>
+                  <a:gd name="connsiteX5" fmla="*/ 141402 w 1331198"/>
+                  <a:gd name="connsiteY5" fmla="*/ 18853 h 2677212"/>
+                  <a:gd name="connsiteX6" fmla="*/ 141402 w 1331198"/>
+                  <a:gd name="connsiteY6" fmla="*/ 18853 h 2677212"/>
+                  <a:gd name="connsiteX7" fmla="*/ 150829 w 1331198"/>
+                  <a:gd name="connsiteY7" fmla="*/ 0 h 2677212"/>
+                  <a:gd name="connsiteX0" fmla="*/ 0 w 1331198"/>
+                  <a:gd name="connsiteY0" fmla="*/ 263950 h 2677212"/>
+                  <a:gd name="connsiteX1" fmla="*/ 791852 w 1331198"/>
+                  <a:gd name="connsiteY1" fmla="*/ 1018094 h 2677212"/>
+                  <a:gd name="connsiteX2" fmla="*/ 763572 w 1331198"/>
+                  <a:gd name="connsiteY2" fmla="*/ 2677212 h 2677212"/>
+                  <a:gd name="connsiteX3" fmla="*/ 1329180 w 1331198"/>
+                  <a:gd name="connsiteY3" fmla="*/ 1611984 h 2677212"/>
+                  <a:gd name="connsiteX4" fmla="*/ 914401 w 1331198"/>
+                  <a:gd name="connsiteY4" fmla="*/ 518474 h 2677212"/>
+                  <a:gd name="connsiteX5" fmla="*/ 141402 w 1331198"/>
+                  <a:gd name="connsiteY5" fmla="*/ 18853 h 2677212"/>
+                  <a:gd name="connsiteX6" fmla="*/ 141402 w 1331198"/>
+                  <a:gd name="connsiteY6" fmla="*/ 18853 h 2677212"/>
+                  <a:gd name="connsiteX7" fmla="*/ 150829 w 1331198"/>
+                  <a:gd name="connsiteY7" fmla="*/ 0 h 2677212"/>
+                  <a:gd name="connsiteX0" fmla="*/ 0 w 1331198"/>
+                  <a:gd name="connsiteY0" fmla="*/ 263950 h 2677212"/>
+                  <a:gd name="connsiteX1" fmla="*/ 791852 w 1331198"/>
+                  <a:gd name="connsiteY1" fmla="*/ 1018094 h 2677212"/>
+                  <a:gd name="connsiteX2" fmla="*/ 763572 w 1331198"/>
+                  <a:gd name="connsiteY2" fmla="*/ 2677212 h 2677212"/>
+                  <a:gd name="connsiteX3" fmla="*/ 1329180 w 1331198"/>
+                  <a:gd name="connsiteY3" fmla="*/ 1611984 h 2677212"/>
+                  <a:gd name="connsiteX4" fmla="*/ 914401 w 1331198"/>
+                  <a:gd name="connsiteY4" fmla="*/ 518474 h 2677212"/>
+                  <a:gd name="connsiteX5" fmla="*/ 141402 w 1331198"/>
+                  <a:gd name="connsiteY5" fmla="*/ 18853 h 2677212"/>
+                  <a:gd name="connsiteX6" fmla="*/ 141402 w 1331198"/>
+                  <a:gd name="connsiteY6" fmla="*/ 18853 h 2677212"/>
+                  <a:gd name="connsiteX7" fmla="*/ 150829 w 1331198"/>
+                  <a:gd name="connsiteY7" fmla="*/ 0 h 2677212"/>
+                  <a:gd name="connsiteX0" fmla="*/ 0 w 1331198"/>
+                  <a:gd name="connsiteY0" fmla="*/ 263950 h 2677212"/>
+                  <a:gd name="connsiteX1" fmla="*/ 820132 w 1331198"/>
+                  <a:gd name="connsiteY1" fmla="*/ 1272617 h 2677212"/>
+                  <a:gd name="connsiteX2" fmla="*/ 763572 w 1331198"/>
+                  <a:gd name="connsiteY2" fmla="*/ 2677212 h 2677212"/>
+                  <a:gd name="connsiteX3" fmla="*/ 1329180 w 1331198"/>
+                  <a:gd name="connsiteY3" fmla="*/ 1611984 h 2677212"/>
+                  <a:gd name="connsiteX4" fmla="*/ 914401 w 1331198"/>
+                  <a:gd name="connsiteY4" fmla="*/ 518474 h 2677212"/>
+                  <a:gd name="connsiteX5" fmla="*/ 141402 w 1331198"/>
+                  <a:gd name="connsiteY5" fmla="*/ 18853 h 2677212"/>
+                  <a:gd name="connsiteX6" fmla="*/ 141402 w 1331198"/>
+                  <a:gd name="connsiteY6" fmla="*/ 18853 h 2677212"/>
+                  <a:gd name="connsiteX7" fmla="*/ 150829 w 1331198"/>
+                  <a:gd name="connsiteY7" fmla="*/ 0 h 2677212"/>
+                  <a:gd name="connsiteX0" fmla="*/ 0 w 1331198"/>
+                  <a:gd name="connsiteY0" fmla="*/ 263950 h 2680286"/>
+                  <a:gd name="connsiteX1" fmla="*/ 820132 w 1331198"/>
+                  <a:gd name="connsiteY1" fmla="*/ 1272617 h 2680286"/>
+                  <a:gd name="connsiteX2" fmla="*/ 801280 w 1331198"/>
+                  <a:gd name="connsiteY2" fmla="*/ 1913642 h 2680286"/>
+                  <a:gd name="connsiteX3" fmla="*/ 763572 w 1331198"/>
+                  <a:gd name="connsiteY3" fmla="*/ 2677212 h 2680286"/>
+                  <a:gd name="connsiteX4" fmla="*/ 1329180 w 1331198"/>
+                  <a:gd name="connsiteY4" fmla="*/ 1611984 h 2680286"/>
+                  <a:gd name="connsiteX5" fmla="*/ 914401 w 1331198"/>
+                  <a:gd name="connsiteY5" fmla="*/ 518474 h 2680286"/>
+                  <a:gd name="connsiteX6" fmla="*/ 141402 w 1331198"/>
+                  <a:gd name="connsiteY6" fmla="*/ 18853 h 2680286"/>
+                  <a:gd name="connsiteX7" fmla="*/ 141402 w 1331198"/>
+                  <a:gd name="connsiteY7" fmla="*/ 18853 h 2680286"/>
+                  <a:gd name="connsiteX8" fmla="*/ 150829 w 1331198"/>
+                  <a:gd name="connsiteY8" fmla="*/ 0 h 2680286"/>
+                  <a:gd name="connsiteX0" fmla="*/ 0 w 1331198"/>
+                  <a:gd name="connsiteY0" fmla="*/ 263950 h 2680151"/>
+                  <a:gd name="connsiteX1" fmla="*/ 820132 w 1331198"/>
+                  <a:gd name="connsiteY1" fmla="*/ 1272617 h 2680151"/>
+                  <a:gd name="connsiteX2" fmla="*/ 1112364 w 1331198"/>
+                  <a:gd name="connsiteY2" fmla="*/ 1885362 h 2680151"/>
+                  <a:gd name="connsiteX3" fmla="*/ 763572 w 1331198"/>
+                  <a:gd name="connsiteY3" fmla="*/ 2677212 h 2680151"/>
+                  <a:gd name="connsiteX4" fmla="*/ 1329180 w 1331198"/>
+                  <a:gd name="connsiteY4" fmla="*/ 1611984 h 2680151"/>
+                  <a:gd name="connsiteX5" fmla="*/ 914401 w 1331198"/>
+                  <a:gd name="connsiteY5" fmla="*/ 518474 h 2680151"/>
+                  <a:gd name="connsiteX6" fmla="*/ 141402 w 1331198"/>
+                  <a:gd name="connsiteY6" fmla="*/ 18853 h 2680151"/>
+                  <a:gd name="connsiteX7" fmla="*/ 141402 w 1331198"/>
+                  <a:gd name="connsiteY7" fmla="*/ 18853 h 2680151"/>
+                  <a:gd name="connsiteX8" fmla="*/ 150829 w 1331198"/>
+                  <a:gd name="connsiteY8" fmla="*/ 0 h 2680151"/>
+                  <a:gd name="connsiteX0" fmla="*/ 0 w 1331198"/>
+                  <a:gd name="connsiteY0" fmla="*/ 263950 h 2680151"/>
+                  <a:gd name="connsiteX1" fmla="*/ 782425 w 1331198"/>
+                  <a:gd name="connsiteY1" fmla="*/ 1253764 h 2680151"/>
+                  <a:gd name="connsiteX2" fmla="*/ 1112364 w 1331198"/>
+                  <a:gd name="connsiteY2" fmla="*/ 1885362 h 2680151"/>
+                  <a:gd name="connsiteX3" fmla="*/ 763572 w 1331198"/>
+                  <a:gd name="connsiteY3" fmla="*/ 2677212 h 2680151"/>
+                  <a:gd name="connsiteX4" fmla="*/ 1329180 w 1331198"/>
+                  <a:gd name="connsiteY4" fmla="*/ 1611984 h 2680151"/>
+                  <a:gd name="connsiteX5" fmla="*/ 914401 w 1331198"/>
+                  <a:gd name="connsiteY5" fmla="*/ 518474 h 2680151"/>
+                  <a:gd name="connsiteX6" fmla="*/ 141402 w 1331198"/>
+                  <a:gd name="connsiteY6" fmla="*/ 18853 h 2680151"/>
+                  <a:gd name="connsiteX7" fmla="*/ 141402 w 1331198"/>
+                  <a:gd name="connsiteY7" fmla="*/ 18853 h 2680151"/>
+                  <a:gd name="connsiteX8" fmla="*/ 150829 w 1331198"/>
+                  <a:gd name="connsiteY8" fmla="*/ 0 h 2680151"/>
+                  <a:gd name="connsiteX0" fmla="*/ 0 w 1331198"/>
+                  <a:gd name="connsiteY0" fmla="*/ 263950 h 2680151"/>
+                  <a:gd name="connsiteX1" fmla="*/ 782425 w 1331198"/>
+                  <a:gd name="connsiteY1" fmla="*/ 1253764 h 2680151"/>
+                  <a:gd name="connsiteX2" fmla="*/ 1112364 w 1331198"/>
+                  <a:gd name="connsiteY2" fmla="*/ 1885362 h 2680151"/>
+                  <a:gd name="connsiteX3" fmla="*/ 763572 w 1331198"/>
+                  <a:gd name="connsiteY3" fmla="*/ 2677212 h 2680151"/>
+                  <a:gd name="connsiteX4" fmla="*/ 1329180 w 1331198"/>
+                  <a:gd name="connsiteY4" fmla="*/ 1611984 h 2680151"/>
+                  <a:gd name="connsiteX5" fmla="*/ 914401 w 1331198"/>
+                  <a:gd name="connsiteY5" fmla="*/ 518474 h 2680151"/>
+                  <a:gd name="connsiteX6" fmla="*/ 141402 w 1331198"/>
+                  <a:gd name="connsiteY6" fmla="*/ 18853 h 2680151"/>
+                  <a:gd name="connsiteX7" fmla="*/ 141402 w 1331198"/>
+                  <a:gd name="connsiteY7" fmla="*/ 18853 h 2680151"/>
+                  <a:gd name="connsiteX8" fmla="*/ 150829 w 1331198"/>
+                  <a:gd name="connsiteY8" fmla="*/ 0 h 2680151"/>
+                  <a:gd name="connsiteX0" fmla="*/ 0 w 1331198"/>
+                  <a:gd name="connsiteY0" fmla="*/ 263950 h 2680151"/>
+                  <a:gd name="connsiteX1" fmla="*/ 782425 w 1331198"/>
+                  <a:gd name="connsiteY1" fmla="*/ 1253764 h 2680151"/>
+                  <a:gd name="connsiteX2" fmla="*/ 1112364 w 1331198"/>
+                  <a:gd name="connsiteY2" fmla="*/ 1885362 h 2680151"/>
+                  <a:gd name="connsiteX3" fmla="*/ 763572 w 1331198"/>
+                  <a:gd name="connsiteY3" fmla="*/ 2677212 h 2680151"/>
+                  <a:gd name="connsiteX4" fmla="*/ 1329180 w 1331198"/>
+                  <a:gd name="connsiteY4" fmla="*/ 1611984 h 2680151"/>
+                  <a:gd name="connsiteX5" fmla="*/ 914401 w 1331198"/>
+                  <a:gd name="connsiteY5" fmla="*/ 518474 h 2680151"/>
+                  <a:gd name="connsiteX6" fmla="*/ 141402 w 1331198"/>
+                  <a:gd name="connsiteY6" fmla="*/ 18853 h 2680151"/>
+                  <a:gd name="connsiteX7" fmla="*/ 141402 w 1331198"/>
+                  <a:gd name="connsiteY7" fmla="*/ 18853 h 2680151"/>
+                  <a:gd name="connsiteX8" fmla="*/ 150829 w 1331198"/>
+                  <a:gd name="connsiteY8" fmla="*/ 0 h 2680151"/>
+                  <a:gd name="connsiteX0" fmla="*/ 0 w 1331198"/>
+                  <a:gd name="connsiteY0" fmla="*/ 263950 h 2702429"/>
+                  <a:gd name="connsiteX1" fmla="*/ 782425 w 1331198"/>
+                  <a:gd name="connsiteY1" fmla="*/ 1253764 h 2702429"/>
+                  <a:gd name="connsiteX2" fmla="*/ 1112364 w 1331198"/>
+                  <a:gd name="connsiteY2" fmla="*/ 1885362 h 2702429"/>
+                  <a:gd name="connsiteX3" fmla="*/ 933255 w 1331198"/>
+                  <a:gd name="connsiteY3" fmla="*/ 2328422 h 2702429"/>
+                  <a:gd name="connsiteX4" fmla="*/ 763572 w 1331198"/>
+                  <a:gd name="connsiteY4" fmla="*/ 2677212 h 2702429"/>
+                  <a:gd name="connsiteX5" fmla="*/ 1329180 w 1331198"/>
+                  <a:gd name="connsiteY5" fmla="*/ 1611984 h 2702429"/>
+                  <a:gd name="connsiteX6" fmla="*/ 914401 w 1331198"/>
+                  <a:gd name="connsiteY6" fmla="*/ 518474 h 2702429"/>
+                  <a:gd name="connsiteX7" fmla="*/ 141402 w 1331198"/>
+                  <a:gd name="connsiteY7" fmla="*/ 18853 h 2702429"/>
+                  <a:gd name="connsiteX8" fmla="*/ 141402 w 1331198"/>
+                  <a:gd name="connsiteY8" fmla="*/ 18853 h 2702429"/>
+                  <a:gd name="connsiteX9" fmla="*/ 150829 w 1331198"/>
+                  <a:gd name="connsiteY9" fmla="*/ 0 h 2702429"/>
+                  <a:gd name="connsiteX0" fmla="*/ 0 w 1331198"/>
+                  <a:gd name="connsiteY0" fmla="*/ 263950 h 2706932"/>
+                  <a:gd name="connsiteX1" fmla="*/ 782425 w 1331198"/>
+                  <a:gd name="connsiteY1" fmla="*/ 1253764 h 2706932"/>
+                  <a:gd name="connsiteX2" fmla="*/ 1112364 w 1331198"/>
+                  <a:gd name="connsiteY2" fmla="*/ 1885362 h 2706932"/>
+                  <a:gd name="connsiteX3" fmla="*/ 791853 w 1331198"/>
+                  <a:gd name="connsiteY3" fmla="*/ 2394410 h 2706932"/>
+                  <a:gd name="connsiteX4" fmla="*/ 763572 w 1331198"/>
+                  <a:gd name="connsiteY4" fmla="*/ 2677212 h 2706932"/>
+                  <a:gd name="connsiteX5" fmla="*/ 1329180 w 1331198"/>
+                  <a:gd name="connsiteY5" fmla="*/ 1611984 h 2706932"/>
+                  <a:gd name="connsiteX6" fmla="*/ 914401 w 1331198"/>
+                  <a:gd name="connsiteY6" fmla="*/ 518474 h 2706932"/>
+                  <a:gd name="connsiteX7" fmla="*/ 141402 w 1331198"/>
+                  <a:gd name="connsiteY7" fmla="*/ 18853 h 2706932"/>
+                  <a:gd name="connsiteX8" fmla="*/ 141402 w 1331198"/>
+                  <a:gd name="connsiteY8" fmla="*/ 18853 h 2706932"/>
+                  <a:gd name="connsiteX9" fmla="*/ 150829 w 1331198"/>
+                  <a:gd name="connsiteY9" fmla="*/ 0 h 2706932"/>
+                  <a:gd name="connsiteX0" fmla="*/ 0 w 1331198"/>
+                  <a:gd name="connsiteY0" fmla="*/ 263950 h 2706932"/>
+                  <a:gd name="connsiteX1" fmla="*/ 782425 w 1331198"/>
+                  <a:gd name="connsiteY1" fmla="*/ 1253764 h 2706932"/>
+                  <a:gd name="connsiteX2" fmla="*/ 1112364 w 1331198"/>
+                  <a:gd name="connsiteY2" fmla="*/ 1885362 h 2706932"/>
+                  <a:gd name="connsiteX3" fmla="*/ 791853 w 1331198"/>
+                  <a:gd name="connsiteY3" fmla="*/ 2394410 h 2706932"/>
+                  <a:gd name="connsiteX4" fmla="*/ 763572 w 1331198"/>
+                  <a:gd name="connsiteY4" fmla="*/ 2677212 h 2706932"/>
+                  <a:gd name="connsiteX5" fmla="*/ 1329180 w 1331198"/>
+                  <a:gd name="connsiteY5" fmla="*/ 1611984 h 2706932"/>
+                  <a:gd name="connsiteX6" fmla="*/ 914401 w 1331198"/>
+                  <a:gd name="connsiteY6" fmla="*/ 518474 h 2706932"/>
+                  <a:gd name="connsiteX7" fmla="*/ 141402 w 1331198"/>
+                  <a:gd name="connsiteY7" fmla="*/ 18853 h 2706932"/>
+                  <a:gd name="connsiteX8" fmla="*/ 141402 w 1331198"/>
+                  <a:gd name="connsiteY8" fmla="*/ 18853 h 2706932"/>
+                  <a:gd name="connsiteX9" fmla="*/ 150829 w 1331198"/>
+                  <a:gd name="connsiteY9" fmla="*/ 0 h 2706932"/>
+                  <a:gd name="connsiteX0" fmla="*/ 0 w 1331198"/>
+                  <a:gd name="connsiteY0" fmla="*/ 263950 h 2708403"/>
+                  <a:gd name="connsiteX1" fmla="*/ 782425 w 1331198"/>
+                  <a:gd name="connsiteY1" fmla="*/ 1253764 h 2708403"/>
+                  <a:gd name="connsiteX2" fmla="*/ 1112364 w 1331198"/>
+                  <a:gd name="connsiteY2" fmla="*/ 1885362 h 2708403"/>
+                  <a:gd name="connsiteX3" fmla="*/ 791853 w 1331198"/>
+                  <a:gd name="connsiteY3" fmla="*/ 2394410 h 2708403"/>
+                  <a:gd name="connsiteX4" fmla="*/ 763572 w 1331198"/>
+                  <a:gd name="connsiteY4" fmla="*/ 2677212 h 2708403"/>
+                  <a:gd name="connsiteX5" fmla="*/ 1329180 w 1331198"/>
+                  <a:gd name="connsiteY5" fmla="*/ 1611984 h 2708403"/>
+                  <a:gd name="connsiteX6" fmla="*/ 914401 w 1331198"/>
+                  <a:gd name="connsiteY6" fmla="*/ 518474 h 2708403"/>
+                  <a:gd name="connsiteX7" fmla="*/ 141402 w 1331198"/>
+                  <a:gd name="connsiteY7" fmla="*/ 18853 h 2708403"/>
+                  <a:gd name="connsiteX8" fmla="*/ 141402 w 1331198"/>
+                  <a:gd name="connsiteY8" fmla="*/ 18853 h 2708403"/>
+                  <a:gd name="connsiteX9" fmla="*/ 150829 w 1331198"/>
+                  <a:gd name="connsiteY9" fmla="*/ 0 h 2708403"/>
+                  <a:gd name="connsiteX0" fmla="*/ 0 w 1331198"/>
+                  <a:gd name="connsiteY0" fmla="*/ 263950 h 2710674"/>
+                  <a:gd name="connsiteX1" fmla="*/ 782425 w 1331198"/>
+                  <a:gd name="connsiteY1" fmla="*/ 1253764 h 2710674"/>
+                  <a:gd name="connsiteX2" fmla="*/ 1112364 w 1331198"/>
+                  <a:gd name="connsiteY2" fmla="*/ 1885362 h 2710674"/>
+                  <a:gd name="connsiteX3" fmla="*/ 734134 w 1331198"/>
+                  <a:gd name="connsiteY3" fmla="*/ 2418713 h 2710674"/>
+                  <a:gd name="connsiteX4" fmla="*/ 763572 w 1331198"/>
+                  <a:gd name="connsiteY4" fmla="*/ 2677212 h 2710674"/>
+                  <a:gd name="connsiteX5" fmla="*/ 1329180 w 1331198"/>
+                  <a:gd name="connsiteY5" fmla="*/ 1611984 h 2710674"/>
+                  <a:gd name="connsiteX6" fmla="*/ 914401 w 1331198"/>
+                  <a:gd name="connsiteY6" fmla="*/ 518474 h 2710674"/>
+                  <a:gd name="connsiteX7" fmla="*/ 141402 w 1331198"/>
+                  <a:gd name="connsiteY7" fmla="*/ 18853 h 2710674"/>
+                  <a:gd name="connsiteX8" fmla="*/ 141402 w 1331198"/>
+                  <a:gd name="connsiteY8" fmla="*/ 18853 h 2710674"/>
+                  <a:gd name="connsiteX9" fmla="*/ 150829 w 1331198"/>
+                  <a:gd name="connsiteY9" fmla="*/ 0 h 2710674"/>
+                  <a:gd name="connsiteX0" fmla="*/ 0 w 1331198"/>
+                  <a:gd name="connsiteY0" fmla="*/ 263950 h 2710957"/>
+                  <a:gd name="connsiteX1" fmla="*/ 782425 w 1331198"/>
+                  <a:gd name="connsiteY1" fmla="*/ 1253764 h 2710957"/>
+                  <a:gd name="connsiteX2" fmla="*/ 1112364 w 1331198"/>
+                  <a:gd name="connsiteY2" fmla="*/ 1885362 h 2710957"/>
+                  <a:gd name="connsiteX3" fmla="*/ 734134 w 1331198"/>
+                  <a:gd name="connsiteY3" fmla="*/ 2418713 h 2710957"/>
+                  <a:gd name="connsiteX4" fmla="*/ 763572 w 1331198"/>
+                  <a:gd name="connsiteY4" fmla="*/ 2677212 h 2710957"/>
+                  <a:gd name="connsiteX5" fmla="*/ 1329180 w 1331198"/>
+                  <a:gd name="connsiteY5" fmla="*/ 1611984 h 2710957"/>
+                  <a:gd name="connsiteX6" fmla="*/ 914401 w 1331198"/>
+                  <a:gd name="connsiteY6" fmla="*/ 518474 h 2710957"/>
+                  <a:gd name="connsiteX7" fmla="*/ 141402 w 1331198"/>
+                  <a:gd name="connsiteY7" fmla="*/ 18853 h 2710957"/>
+                  <a:gd name="connsiteX8" fmla="*/ 141402 w 1331198"/>
+                  <a:gd name="connsiteY8" fmla="*/ 18853 h 2710957"/>
+                  <a:gd name="connsiteX9" fmla="*/ 150829 w 1331198"/>
+                  <a:gd name="connsiteY9" fmla="*/ 0 h 2710957"/>
+                  <a:gd name="connsiteX0" fmla="*/ 0 w 1331198"/>
+                  <a:gd name="connsiteY0" fmla="*/ 263950 h 2708652"/>
+                  <a:gd name="connsiteX1" fmla="*/ 782425 w 1331198"/>
+                  <a:gd name="connsiteY1" fmla="*/ 1253764 h 2708652"/>
+                  <a:gd name="connsiteX2" fmla="*/ 1112364 w 1331198"/>
+                  <a:gd name="connsiteY2" fmla="*/ 1885362 h 2708652"/>
+                  <a:gd name="connsiteX3" fmla="*/ 764513 w 1331198"/>
+                  <a:gd name="connsiteY3" fmla="*/ 2394410 h 2708652"/>
+                  <a:gd name="connsiteX4" fmla="*/ 763572 w 1331198"/>
+                  <a:gd name="connsiteY4" fmla="*/ 2677212 h 2708652"/>
+                  <a:gd name="connsiteX5" fmla="*/ 1329180 w 1331198"/>
+                  <a:gd name="connsiteY5" fmla="*/ 1611984 h 2708652"/>
+                  <a:gd name="connsiteX6" fmla="*/ 914401 w 1331198"/>
+                  <a:gd name="connsiteY6" fmla="*/ 518474 h 2708652"/>
+                  <a:gd name="connsiteX7" fmla="*/ 141402 w 1331198"/>
+                  <a:gd name="connsiteY7" fmla="*/ 18853 h 2708652"/>
+                  <a:gd name="connsiteX8" fmla="*/ 141402 w 1331198"/>
+                  <a:gd name="connsiteY8" fmla="*/ 18853 h 2708652"/>
+                  <a:gd name="connsiteX9" fmla="*/ 150829 w 1331198"/>
+                  <a:gd name="connsiteY9" fmla="*/ 0 h 2708652"/>
+                  <a:gd name="connsiteX0" fmla="*/ 0 w 1331198"/>
+                  <a:gd name="connsiteY0" fmla="*/ 263950 h 2677212"/>
+                  <a:gd name="connsiteX1" fmla="*/ 782425 w 1331198"/>
+                  <a:gd name="connsiteY1" fmla="*/ 1253764 h 2677212"/>
+                  <a:gd name="connsiteX2" fmla="*/ 1112364 w 1331198"/>
+                  <a:gd name="connsiteY2" fmla="*/ 1885362 h 2677212"/>
+                  <a:gd name="connsiteX3" fmla="*/ 764513 w 1331198"/>
+                  <a:gd name="connsiteY3" fmla="*/ 2394410 h 2677212"/>
+                  <a:gd name="connsiteX4" fmla="*/ 763572 w 1331198"/>
+                  <a:gd name="connsiteY4" fmla="*/ 2677212 h 2677212"/>
+                  <a:gd name="connsiteX5" fmla="*/ 1329180 w 1331198"/>
+                  <a:gd name="connsiteY5" fmla="*/ 1611984 h 2677212"/>
+                  <a:gd name="connsiteX6" fmla="*/ 914401 w 1331198"/>
+                  <a:gd name="connsiteY6" fmla="*/ 518474 h 2677212"/>
+                  <a:gd name="connsiteX7" fmla="*/ 141402 w 1331198"/>
+                  <a:gd name="connsiteY7" fmla="*/ 18853 h 2677212"/>
+                  <a:gd name="connsiteX8" fmla="*/ 141402 w 1331198"/>
+                  <a:gd name="connsiteY8" fmla="*/ 18853 h 2677212"/>
+                  <a:gd name="connsiteX9" fmla="*/ 150829 w 1331198"/>
+                  <a:gd name="connsiteY9" fmla="*/ 0 h 2677212"/>
+                  <a:gd name="connsiteX0" fmla="*/ 0 w 1331198"/>
+                  <a:gd name="connsiteY0" fmla="*/ 263950 h 2677212"/>
+                  <a:gd name="connsiteX1" fmla="*/ 782425 w 1331198"/>
+                  <a:gd name="connsiteY1" fmla="*/ 1253764 h 2677212"/>
+                  <a:gd name="connsiteX2" fmla="*/ 1112364 w 1331198"/>
+                  <a:gd name="connsiteY2" fmla="*/ 1885362 h 2677212"/>
+                  <a:gd name="connsiteX3" fmla="*/ 764513 w 1331198"/>
+                  <a:gd name="connsiteY3" fmla="*/ 2394410 h 2677212"/>
+                  <a:gd name="connsiteX4" fmla="*/ 763572 w 1331198"/>
+                  <a:gd name="connsiteY4" fmla="*/ 2677212 h 2677212"/>
+                  <a:gd name="connsiteX5" fmla="*/ 1329180 w 1331198"/>
+                  <a:gd name="connsiteY5" fmla="*/ 1611984 h 2677212"/>
+                  <a:gd name="connsiteX6" fmla="*/ 914401 w 1331198"/>
+                  <a:gd name="connsiteY6" fmla="*/ 518474 h 2677212"/>
+                  <a:gd name="connsiteX7" fmla="*/ 141402 w 1331198"/>
+                  <a:gd name="connsiteY7" fmla="*/ 18853 h 2677212"/>
+                  <a:gd name="connsiteX8" fmla="*/ 141402 w 1331198"/>
+                  <a:gd name="connsiteY8" fmla="*/ 18853 h 2677212"/>
+                  <a:gd name="connsiteX9" fmla="*/ 150829 w 1331198"/>
+                  <a:gd name="connsiteY9" fmla="*/ 0 h 2677212"/>
+                  <a:gd name="connsiteX0" fmla="*/ 0 w 1331198"/>
+                  <a:gd name="connsiteY0" fmla="*/ 263950 h 2677212"/>
+                  <a:gd name="connsiteX1" fmla="*/ 782425 w 1331198"/>
+                  <a:gd name="connsiteY1" fmla="*/ 1253764 h 2677212"/>
+                  <a:gd name="connsiteX2" fmla="*/ 887562 w 1331198"/>
+                  <a:gd name="connsiteY2" fmla="*/ 1967385 h 2677212"/>
+                  <a:gd name="connsiteX3" fmla="*/ 764513 w 1331198"/>
+                  <a:gd name="connsiteY3" fmla="*/ 2394410 h 2677212"/>
+                  <a:gd name="connsiteX4" fmla="*/ 763572 w 1331198"/>
+                  <a:gd name="connsiteY4" fmla="*/ 2677212 h 2677212"/>
+                  <a:gd name="connsiteX5" fmla="*/ 1329180 w 1331198"/>
+                  <a:gd name="connsiteY5" fmla="*/ 1611984 h 2677212"/>
+                  <a:gd name="connsiteX6" fmla="*/ 914401 w 1331198"/>
+                  <a:gd name="connsiteY6" fmla="*/ 518474 h 2677212"/>
+                  <a:gd name="connsiteX7" fmla="*/ 141402 w 1331198"/>
+                  <a:gd name="connsiteY7" fmla="*/ 18853 h 2677212"/>
+                  <a:gd name="connsiteX8" fmla="*/ 141402 w 1331198"/>
+                  <a:gd name="connsiteY8" fmla="*/ 18853 h 2677212"/>
+                  <a:gd name="connsiteX9" fmla="*/ 150829 w 1331198"/>
+                  <a:gd name="connsiteY9" fmla="*/ 0 h 2677212"/>
+                  <a:gd name="connsiteX0" fmla="*/ 0 w 1331198"/>
+                  <a:gd name="connsiteY0" fmla="*/ 263950 h 2677212"/>
+                  <a:gd name="connsiteX1" fmla="*/ 782425 w 1331198"/>
+                  <a:gd name="connsiteY1" fmla="*/ 1253764 h 2677212"/>
+                  <a:gd name="connsiteX2" fmla="*/ 887562 w 1331198"/>
+                  <a:gd name="connsiteY2" fmla="*/ 1967385 h 2677212"/>
+                  <a:gd name="connsiteX3" fmla="*/ 764513 w 1331198"/>
+                  <a:gd name="connsiteY3" fmla="*/ 2394410 h 2677212"/>
+                  <a:gd name="connsiteX4" fmla="*/ 763572 w 1331198"/>
+                  <a:gd name="connsiteY4" fmla="*/ 2677212 h 2677212"/>
+                  <a:gd name="connsiteX5" fmla="*/ 1329180 w 1331198"/>
+                  <a:gd name="connsiteY5" fmla="*/ 1611984 h 2677212"/>
+                  <a:gd name="connsiteX6" fmla="*/ 914401 w 1331198"/>
+                  <a:gd name="connsiteY6" fmla="*/ 518474 h 2677212"/>
+                  <a:gd name="connsiteX7" fmla="*/ 141402 w 1331198"/>
+                  <a:gd name="connsiteY7" fmla="*/ 18853 h 2677212"/>
+                  <a:gd name="connsiteX8" fmla="*/ 141402 w 1331198"/>
+                  <a:gd name="connsiteY8" fmla="*/ 18853 h 2677212"/>
+                  <a:gd name="connsiteX9" fmla="*/ 150829 w 1331198"/>
+                  <a:gd name="connsiteY9" fmla="*/ 0 h 2677212"/>
+                  <a:gd name="connsiteX0" fmla="*/ 0 w 1331198"/>
+                  <a:gd name="connsiteY0" fmla="*/ 263950 h 2677212"/>
+                  <a:gd name="connsiteX1" fmla="*/ 782425 w 1331198"/>
+                  <a:gd name="connsiteY1" fmla="*/ 1253764 h 2677212"/>
+                  <a:gd name="connsiteX2" fmla="*/ 887562 w 1331198"/>
+                  <a:gd name="connsiteY2" fmla="*/ 1967385 h 2677212"/>
+                  <a:gd name="connsiteX3" fmla="*/ 764513 w 1331198"/>
+                  <a:gd name="connsiteY3" fmla="*/ 2394410 h 2677212"/>
+                  <a:gd name="connsiteX4" fmla="*/ 763572 w 1331198"/>
+                  <a:gd name="connsiteY4" fmla="*/ 2677212 h 2677212"/>
+                  <a:gd name="connsiteX5" fmla="*/ 1329180 w 1331198"/>
+                  <a:gd name="connsiteY5" fmla="*/ 1611984 h 2677212"/>
+                  <a:gd name="connsiteX6" fmla="*/ 914401 w 1331198"/>
+                  <a:gd name="connsiteY6" fmla="*/ 518474 h 2677212"/>
+                  <a:gd name="connsiteX7" fmla="*/ 141402 w 1331198"/>
+                  <a:gd name="connsiteY7" fmla="*/ 18853 h 2677212"/>
+                  <a:gd name="connsiteX8" fmla="*/ 141402 w 1331198"/>
+                  <a:gd name="connsiteY8" fmla="*/ 18853 h 2677212"/>
+                  <a:gd name="connsiteX9" fmla="*/ 150829 w 1331198"/>
+                  <a:gd name="connsiteY9" fmla="*/ 0 h 2677212"/>
+                  <a:gd name="connsiteX0" fmla="*/ 0 w 1331198"/>
+                  <a:gd name="connsiteY0" fmla="*/ 263950 h 2677212"/>
+                  <a:gd name="connsiteX1" fmla="*/ 782425 w 1331198"/>
+                  <a:gd name="connsiteY1" fmla="*/ 1253764 h 2677212"/>
+                  <a:gd name="connsiteX2" fmla="*/ 887562 w 1331198"/>
+                  <a:gd name="connsiteY2" fmla="*/ 1967385 h 2677212"/>
+                  <a:gd name="connsiteX3" fmla="*/ 764513 w 1331198"/>
+                  <a:gd name="connsiteY3" fmla="*/ 2394410 h 2677212"/>
+                  <a:gd name="connsiteX4" fmla="*/ 763572 w 1331198"/>
+                  <a:gd name="connsiteY4" fmla="*/ 2677212 h 2677212"/>
+                  <a:gd name="connsiteX5" fmla="*/ 1329180 w 1331198"/>
+                  <a:gd name="connsiteY5" fmla="*/ 1611984 h 2677212"/>
+                  <a:gd name="connsiteX6" fmla="*/ 914401 w 1331198"/>
+                  <a:gd name="connsiteY6" fmla="*/ 518474 h 2677212"/>
+                  <a:gd name="connsiteX7" fmla="*/ 141402 w 1331198"/>
+                  <a:gd name="connsiteY7" fmla="*/ 18853 h 2677212"/>
+                  <a:gd name="connsiteX8" fmla="*/ 141402 w 1331198"/>
+                  <a:gd name="connsiteY8" fmla="*/ 18853 h 2677212"/>
+                  <a:gd name="connsiteX9" fmla="*/ 150829 w 1331198"/>
+                  <a:gd name="connsiteY9" fmla="*/ 0 h 2677212"/>
+                  <a:gd name="connsiteX0" fmla="*/ 0 w 1331198"/>
+                  <a:gd name="connsiteY0" fmla="*/ 263950 h 2677212"/>
+                  <a:gd name="connsiteX1" fmla="*/ 782425 w 1331198"/>
+                  <a:gd name="connsiteY1" fmla="*/ 1253764 h 2677212"/>
+                  <a:gd name="connsiteX2" fmla="*/ 887562 w 1331198"/>
+                  <a:gd name="connsiteY2" fmla="*/ 1967385 h 2677212"/>
+                  <a:gd name="connsiteX3" fmla="*/ 764513 w 1331198"/>
+                  <a:gd name="connsiteY3" fmla="*/ 2394410 h 2677212"/>
+                  <a:gd name="connsiteX4" fmla="*/ 763572 w 1331198"/>
+                  <a:gd name="connsiteY4" fmla="*/ 2677212 h 2677212"/>
+                  <a:gd name="connsiteX5" fmla="*/ 1329180 w 1331198"/>
+                  <a:gd name="connsiteY5" fmla="*/ 1611984 h 2677212"/>
+                  <a:gd name="connsiteX6" fmla="*/ 914401 w 1331198"/>
+                  <a:gd name="connsiteY6" fmla="*/ 518474 h 2677212"/>
+                  <a:gd name="connsiteX7" fmla="*/ 141402 w 1331198"/>
+                  <a:gd name="connsiteY7" fmla="*/ 18853 h 2677212"/>
+                  <a:gd name="connsiteX8" fmla="*/ 141402 w 1331198"/>
+                  <a:gd name="connsiteY8" fmla="*/ 18853 h 2677212"/>
+                  <a:gd name="connsiteX9" fmla="*/ 150829 w 1331198"/>
+                  <a:gd name="connsiteY9" fmla="*/ 0 h 2677212"/>
+                  <a:gd name="connsiteX0" fmla="*/ 0 w 1331198"/>
+                  <a:gd name="connsiteY0" fmla="*/ 263950 h 2677212"/>
+                  <a:gd name="connsiteX1" fmla="*/ 752046 w 1331198"/>
+                  <a:gd name="connsiteY1" fmla="*/ 1463378 h 2677212"/>
+                  <a:gd name="connsiteX2" fmla="*/ 887562 w 1331198"/>
+                  <a:gd name="connsiteY2" fmla="*/ 1967385 h 2677212"/>
+                  <a:gd name="connsiteX3" fmla="*/ 764513 w 1331198"/>
+                  <a:gd name="connsiteY3" fmla="*/ 2394410 h 2677212"/>
+                  <a:gd name="connsiteX4" fmla="*/ 763572 w 1331198"/>
+                  <a:gd name="connsiteY4" fmla="*/ 2677212 h 2677212"/>
+                  <a:gd name="connsiteX5" fmla="*/ 1329180 w 1331198"/>
+                  <a:gd name="connsiteY5" fmla="*/ 1611984 h 2677212"/>
+                  <a:gd name="connsiteX6" fmla="*/ 914401 w 1331198"/>
+                  <a:gd name="connsiteY6" fmla="*/ 518474 h 2677212"/>
+                  <a:gd name="connsiteX7" fmla="*/ 141402 w 1331198"/>
+                  <a:gd name="connsiteY7" fmla="*/ 18853 h 2677212"/>
+                  <a:gd name="connsiteX8" fmla="*/ 141402 w 1331198"/>
+                  <a:gd name="connsiteY8" fmla="*/ 18853 h 2677212"/>
+                  <a:gd name="connsiteX9" fmla="*/ 150829 w 1331198"/>
+                  <a:gd name="connsiteY9" fmla="*/ 0 h 2677212"/>
+                  <a:gd name="connsiteX0" fmla="*/ 0 w 1331198"/>
+                  <a:gd name="connsiteY0" fmla="*/ 263950 h 2677212"/>
+                  <a:gd name="connsiteX1" fmla="*/ 752046 w 1331198"/>
+                  <a:gd name="connsiteY1" fmla="*/ 1463378 h 2677212"/>
+                  <a:gd name="connsiteX2" fmla="*/ 887562 w 1331198"/>
+                  <a:gd name="connsiteY2" fmla="*/ 1967385 h 2677212"/>
+                  <a:gd name="connsiteX3" fmla="*/ 764513 w 1331198"/>
+                  <a:gd name="connsiteY3" fmla="*/ 2394410 h 2677212"/>
+                  <a:gd name="connsiteX4" fmla="*/ 763572 w 1331198"/>
+                  <a:gd name="connsiteY4" fmla="*/ 2677212 h 2677212"/>
+                  <a:gd name="connsiteX5" fmla="*/ 1329180 w 1331198"/>
+                  <a:gd name="connsiteY5" fmla="*/ 1611984 h 2677212"/>
+                  <a:gd name="connsiteX6" fmla="*/ 914401 w 1331198"/>
+                  <a:gd name="connsiteY6" fmla="*/ 518474 h 2677212"/>
+                  <a:gd name="connsiteX7" fmla="*/ 141402 w 1331198"/>
+                  <a:gd name="connsiteY7" fmla="*/ 18853 h 2677212"/>
+                  <a:gd name="connsiteX8" fmla="*/ 141402 w 1331198"/>
+                  <a:gd name="connsiteY8" fmla="*/ 18853 h 2677212"/>
+                  <a:gd name="connsiteX9" fmla="*/ 150829 w 1331198"/>
+                  <a:gd name="connsiteY9" fmla="*/ 0 h 2677212"/>
+                  <a:gd name="connsiteX0" fmla="*/ 0 w 1331198"/>
+                  <a:gd name="connsiteY0" fmla="*/ 263950 h 2677212"/>
+                  <a:gd name="connsiteX1" fmla="*/ 752046 w 1331198"/>
+                  <a:gd name="connsiteY1" fmla="*/ 1463378 h 2677212"/>
+                  <a:gd name="connsiteX2" fmla="*/ 893637 w 1331198"/>
+                  <a:gd name="connsiteY2" fmla="*/ 1897514 h 2677212"/>
+                  <a:gd name="connsiteX3" fmla="*/ 764513 w 1331198"/>
+                  <a:gd name="connsiteY3" fmla="*/ 2394410 h 2677212"/>
+                  <a:gd name="connsiteX4" fmla="*/ 763572 w 1331198"/>
+                  <a:gd name="connsiteY4" fmla="*/ 2677212 h 2677212"/>
+                  <a:gd name="connsiteX5" fmla="*/ 1329180 w 1331198"/>
+                  <a:gd name="connsiteY5" fmla="*/ 1611984 h 2677212"/>
+                  <a:gd name="connsiteX6" fmla="*/ 914401 w 1331198"/>
+                  <a:gd name="connsiteY6" fmla="*/ 518474 h 2677212"/>
+                  <a:gd name="connsiteX7" fmla="*/ 141402 w 1331198"/>
+                  <a:gd name="connsiteY7" fmla="*/ 18853 h 2677212"/>
+                  <a:gd name="connsiteX8" fmla="*/ 141402 w 1331198"/>
+                  <a:gd name="connsiteY8" fmla="*/ 18853 h 2677212"/>
+                  <a:gd name="connsiteX9" fmla="*/ 150829 w 1331198"/>
+                  <a:gd name="connsiteY9" fmla="*/ 0 h 2677212"/>
+                  <a:gd name="connsiteX0" fmla="*/ 0 w 1330172"/>
+                  <a:gd name="connsiteY0" fmla="*/ 263950 h 2677212"/>
+                  <a:gd name="connsiteX1" fmla="*/ 752046 w 1330172"/>
+                  <a:gd name="connsiteY1" fmla="*/ 1463378 h 2677212"/>
+                  <a:gd name="connsiteX2" fmla="*/ 893637 w 1330172"/>
+                  <a:gd name="connsiteY2" fmla="*/ 1897514 h 2677212"/>
+                  <a:gd name="connsiteX3" fmla="*/ 764513 w 1330172"/>
+                  <a:gd name="connsiteY3" fmla="*/ 2394410 h 2677212"/>
+                  <a:gd name="connsiteX4" fmla="*/ 763572 w 1330172"/>
+                  <a:gd name="connsiteY4" fmla="*/ 2677212 h 2677212"/>
+                  <a:gd name="connsiteX5" fmla="*/ 1329180 w 1330172"/>
+                  <a:gd name="connsiteY5" fmla="*/ 1611984 h 2677212"/>
+                  <a:gd name="connsiteX6" fmla="*/ 875212 w 1330172"/>
+                  <a:gd name="connsiteY6" fmla="*/ 753605 h 2677212"/>
+                  <a:gd name="connsiteX7" fmla="*/ 141402 w 1330172"/>
+                  <a:gd name="connsiteY7" fmla="*/ 18853 h 2677212"/>
+                  <a:gd name="connsiteX8" fmla="*/ 141402 w 1330172"/>
+                  <a:gd name="connsiteY8" fmla="*/ 18853 h 2677212"/>
+                  <a:gd name="connsiteX9" fmla="*/ 150829 w 1330172"/>
+                  <a:gd name="connsiteY9" fmla="*/ 0 h 2677212"/>
+                  <a:gd name="connsiteX0" fmla="*/ 0 w 1330172"/>
+                  <a:gd name="connsiteY0" fmla="*/ 245097 h 2658359"/>
+                  <a:gd name="connsiteX1" fmla="*/ 752046 w 1330172"/>
+                  <a:gd name="connsiteY1" fmla="*/ 1444525 h 2658359"/>
+                  <a:gd name="connsiteX2" fmla="*/ 893637 w 1330172"/>
+                  <a:gd name="connsiteY2" fmla="*/ 1878661 h 2658359"/>
+                  <a:gd name="connsiteX3" fmla="*/ 764513 w 1330172"/>
+                  <a:gd name="connsiteY3" fmla="*/ 2375557 h 2658359"/>
+                  <a:gd name="connsiteX4" fmla="*/ 763572 w 1330172"/>
+                  <a:gd name="connsiteY4" fmla="*/ 2658359 h 2658359"/>
+                  <a:gd name="connsiteX5" fmla="*/ 1329180 w 1330172"/>
+                  <a:gd name="connsiteY5" fmla="*/ 1593131 h 2658359"/>
+                  <a:gd name="connsiteX6" fmla="*/ 875212 w 1330172"/>
+                  <a:gd name="connsiteY6" fmla="*/ 734752 h 2658359"/>
+                  <a:gd name="connsiteX7" fmla="*/ 141402 w 1330172"/>
+                  <a:gd name="connsiteY7" fmla="*/ 0 h 2658359"/>
+                  <a:gd name="connsiteX8" fmla="*/ 141402 w 1330172"/>
+                  <a:gd name="connsiteY8" fmla="*/ 0 h 2658359"/>
+                  <a:gd name="connsiteX9" fmla="*/ 59389 w 1330172"/>
+                  <a:gd name="connsiteY9" fmla="*/ 79118 h 2658359"/>
+                  <a:gd name="connsiteX0" fmla="*/ 0 w 1330172"/>
+                  <a:gd name="connsiteY0" fmla="*/ 276282 h 2689544"/>
+                  <a:gd name="connsiteX1" fmla="*/ 752046 w 1330172"/>
+                  <a:gd name="connsiteY1" fmla="*/ 1475710 h 2689544"/>
+                  <a:gd name="connsiteX2" fmla="*/ 893637 w 1330172"/>
+                  <a:gd name="connsiteY2" fmla="*/ 1909846 h 2689544"/>
+                  <a:gd name="connsiteX3" fmla="*/ 764513 w 1330172"/>
+                  <a:gd name="connsiteY3" fmla="*/ 2406742 h 2689544"/>
+                  <a:gd name="connsiteX4" fmla="*/ 763572 w 1330172"/>
+                  <a:gd name="connsiteY4" fmla="*/ 2689544 h 2689544"/>
+                  <a:gd name="connsiteX5" fmla="*/ 1329180 w 1330172"/>
+                  <a:gd name="connsiteY5" fmla="*/ 1624316 h 2689544"/>
+                  <a:gd name="connsiteX6" fmla="*/ 875212 w 1330172"/>
+                  <a:gd name="connsiteY6" fmla="*/ 765937 h 2689544"/>
+                  <a:gd name="connsiteX7" fmla="*/ 141402 w 1330172"/>
+                  <a:gd name="connsiteY7" fmla="*/ 31185 h 2689544"/>
+                  <a:gd name="connsiteX8" fmla="*/ 121808 w 1330172"/>
+                  <a:gd name="connsiteY8" fmla="*/ 148750 h 2689544"/>
+                  <a:gd name="connsiteX9" fmla="*/ 59389 w 1330172"/>
+                  <a:gd name="connsiteY9" fmla="*/ 110303 h 2689544"/>
+                  <a:gd name="connsiteX0" fmla="*/ 20962 w 1351107"/>
+                  <a:gd name="connsiteY0" fmla="*/ 204121 h 2617383"/>
+                  <a:gd name="connsiteX1" fmla="*/ 773008 w 1351107"/>
+                  <a:gd name="connsiteY1" fmla="*/ 1403549 h 2617383"/>
+                  <a:gd name="connsiteX2" fmla="*/ 914599 w 1351107"/>
+                  <a:gd name="connsiteY2" fmla="*/ 1837685 h 2617383"/>
+                  <a:gd name="connsiteX3" fmla="*/ 785475 w 1351107"/>
+                  <a:gd name="connsiteY3" fmla="*/ 2334581 h 2617383"/>
+                  <a:gd name="connsiteX4" fmla="*/ 784534 w 1351107"/>
+                  <a:gd name="connsiteY4" fmla="*/ 2617383 h 2617383"/>
+                  <a:gd name="connsiteX5" fmla="*/ 1350142 w 1351107"/>
+                  <a:gd name="connsiteY5" fmla="*/ 1552155 h 2617383"/>
+                  <a:gd name="connsiteX6" fmla="*/ 896174 w 1351107"/>
+                  <a:gd name="connsiteY6" fmla="*/ 693776 h 2617383"/>
+                  <a:gd name="connsiteX7" fmla="*/ 38267 w 1351107"/>
+                  <a:gd name="connsiteY7" fmla="*/ 37401 h 2617383"/>
+                  <a:gd name="connsiteX8" fmla="*/ 142770 w 1351107"/>
+                  <a:gd name="connsiteY8" fmla="*/ 76589 h 2617383"/>
+                  <a:gd name="connsiteX9" fmla="*/ 80351 w 1351107"/>
+                  <a:gd name="connsiteY9" fmla="*/ 38142 h 2617383"/>
+                  <a:gd name="connsiteX0" fmla="*/ 35348 w 1365493"/>
+                  <a:gd name="connsiteY0" fmla="*/ 215127 h 2628389"/>
+                  <a:gd name="connsiteX1" fmla="*/ 787394 w 1365493"/>
+                  <a:gd name="connsiteY1" fmla="*/ 1414555 h 2628389"/>
+                  <a:gd name="connsiteX2" fmla="*/ 928985 w 1365493"/>
+                  <a:gd name="connsiteY2" fmla="*/ 1848691 h 2628389"/>
+                  <a:gd name="connsiteX3" fmla="*/ 799861 w 1365493"/>
+                  <a:gd name="connsiteY3" fmla="*/ 2345587 h 2628389"/>
+                  <a:gd name="connsiteX4" fmla="*/ 798920 w 1365493"/>
+                  <a:gd name="connsiteY4" fmla="*/ 2628389 h 2628389"/>
+                  <a:gd name="connsiteX5" fmla="*/ 1364528 w 1365493"/>
+                  <a:gd name="connsiteY5" fmla="*/ 1563161 h 2628389"/>
+                  <a:gd name="connsiteX6" fmla="*/ 910560 w 1365493"/>
+                  <a:gd name="connsiteY6" fmla="*/ 704782 h 2628389"/>
+                  <a:gd name="connsiteX7" fmla="*/ 52653 w 1365493"/>
+                  <a:gd name="connsiteY7" fmla="*/ 48407 h 2628389"/>
+                  <a:gd name="connsiteX8" fmla="*/ 94737 w 1365493"/>
+                  <a:gd name="connsiteY8" fmla="*/ 49148 h 2628389"/>
+                  <a:gd name="connsiteX0" fmla="*/ 0 w 1330145"/>
+                  <a:gd name="connsiteY0" fmla="*/ 166720 h 2579982"/>
+                  <a:gd name="connsiteX1" fmla="*/ 752046 w 1330145"/>
+                  <a:gd name="connsiteY1" fmla="*/ 1366148 h 2579982"/>
+                  <a:gd name="connsiteX2" fmla="*/ 893637 w 1330145"/>
+                  <a:gd name="connsiteY2" fmla="*/ 1800284 h 2579982"/>
+                  <a:gd name="connsiteX3" fmla="*/ 764513 w 1330145"/>
+                  <a:gd name="connsiteY3" fmla="*/ 2297180 h 2579982"/>
+                  <a:gd name="connsiteX4" fmla="*/ 763572 w 1330145"/>
+                  <a:gd name="connsiteY4" fmla="*/ 2579982 h 2579982"/>
+                  <a:gd name="connsiteX5" fmla="*/ 1329180 w 1330145"/>
+                  <a:gd name="connsiteY5" fmla="*/ 1514754 h 2579982"/>
+                  <a:gd name="connsiteX6" fmla="*/ 875212 w 1330145"/>
+                  <a:gd name="connsiteY6" fmla="*/ 656375 h 2579982"/>
+                  <a:gd name="connsiteX7" fmla="*/ 17305 w 1330145"/>
+                  <a:gd name="connsiteY7" fmla="*/ 0 h 2579982"/>
+                  <a:gd name="connsiteX0" fmla="*/ 0 w 1330058"/>
+                  <a:gd name="connsiteY0" fmla="*/ 107937 h 2521199"/>
+                  <a:gd name="connsiteX1" fmla="*/ 752046 w 1330058"/>
+                  <a:gd name="connsiteY1" fmla="*/ 1307365 h 2521199"/>
+                  <a:gd name="connsiteX2" fmla="*/ 893637 w 1330058"/>
+                  <a:gd name="connsiteY2" fmla="*/ 1741501 h 2521199"/>
+                  <a:gd name="connsiteX3" fmla="*/ 764513 w 1330058"/>
+                  <a:gd name="connsiteY3" fmla="*/ 2238397 h 2521199"/>
+                  <a:gd name="connsiteX4" fmla="*/ 763572 w 1330058"/>
+                  <a:gd name="connsiteY4" fmla="*/ 2521199 h 2521199"/>
+                  <a:gd name="connsiteX5" fmla="*/ 1329180 w 1330058"/>
+                  <a:gd name="connsiteY5" fmla="*/ 1455971 h 2521199"/>
+                  <a:gd name="connsiteX6" fmla="*/ 875212 w 1330058"/>
+                  <a:gd name="connsiteY6" fmla="*/ 597592 h 2521199"/>
+                  <a:gd name="connsiteX7" fmla="*/ 180591 w 1330058"/>
+                  <a:gd name="connsiteY7" fmla="*/ 0 h 2521199"/>
+                  <a:gd name="connsiteX0" fmla="*/ 0 w 1330058"/>
+                  <a:gd name="connsiteY0" fmla="*/ 107937 h 2521199"/>
+                  <a:gd name="connsiteX1" fmla="*/ 752046 w 1330058"/>
+                  <a:gd name="connsiteY1" fmla="*/ 1307365 h 2521199"/>
+                  <a:gd name="connsiteX2" fmla="*/ 893637 w 1330058"/>
+                  <a:gd name="connsiteY2" fmla="*/ 1741501 h 2521199"/>
+                  <a:gd name="connsiteX3" fmla="*/ 764513 w 1330058"/>
+                  <a:gd name="connsiteY3" fmla="*/ 2238397 h 2521199"/>
+                  <a:gd name="connsiteX4" fmla="*/ 763572 w 1330058"/>
+                  <a:gd name="connsiteY4" fmla="*/ 2521199 h 2521199"/>
+                  <a:gd name="connsiteX5" fmla="*/ 1329180 w 1330058"/>
+                  <a:gd name="connsiteY5" fmla="*/ 1455971 h 2521199"/>
+                  <a:gd name="connsiteX6" fmla="*/ 875212 w 1330058"/>
+                  <a:gd name="connsiteY6" fmla="*/ 597592 h 2521199"/>
+                  <a:gd name="connsiteX7" fmla="*/ 180591 w 1330058"/>
+                  <a:gd name="connsiteY7" fmla="*/ 0 h 2521199"/>
+                  <a:gd name="connsiteX0" fmla="*/ 0 w 1330058"/>
+                  <a:gd name="connsiteY0" fmla="*/ 107937 h 2521199"/>
+                  <a:gd name="connsiteX1" fmla="*/ 752046 w 1330058"/>
+                  <a:gd name="connsiteY1" fmla="*/ 1307365 h 2521199"/>
+                  <a:gd name="connsiteX2" fmla="*/ 893637 w 1330058"/>
+                  <a:gd name="connsiteY2" fmla="*/ 1741501 h 2521199"/>
+                  <a:gd name="connsiteX3" fmla="*/ 764513 w 1330058"/>
+                  <a:gd name="connsiteY3" fmla="*/ 2238397 h 2521199"/>
+                  <a:gd name="connsiteX4" fmla="*/ 763572 w 1330058"/>
+                  <a:gd name="connsiteY4" fmla="*/ 2521199 h 2521199"/>
+                  <a:gd name="connsiteX5" fmla="*/ 1329180 w 1330058"/>
+                  <a:gd name="connsiteY5" fmla="*/ 1455971 h 2521199"/>
+                  <a:gd name="connsiteX6" fmla="*/ 875212 w 1330058"/>
+                  <a:gd name="connsiteY6" fmla="*/ 597592 h 2521199"/>
+                  <a:gd name="connsiteX7" fmla="*/ 180591 w 1330058"/>
+                  <a:gd name="connsiteY7" fmla="*/ 0 h 2521199"/>
+                  <a:gd name="connsiteX0" fmla="*/ 0 w 1334270"/>
+                  <a:gd name="connsiteY0" fmla="*/ 107937 h 2521199"/>
+                  <a:gd name="connsiteX1" fmla="*/ 752046 w 1334270"/>
+                  <a:gd name="connsiteY1" fmla="*/ 1307365 h 2521199"/>
+                  <a:gd name="connsiteX2" fmla="*/ 893637 w 1334270"/>
+                  <a:gd name="connsiteY2" fmla="*/ 1741501 h 2521199"/>
+                  <a:gd name="connsiteX3" fmla="*/ 764513 w 1334270"/>
+                  <a:gd name="connsiteY3" fmla="*/ 2238397 h 2521199"/>
+                  <a:gd name="connsiteX4" fmla="*/ 763572 w 1334270"/>
+                  <a:gd name="connsiteY4" fmla="*/ 2521199 h 2521199"/>
+                  <a:gd name="connsiteX5" fmla="*/ 1329180 w 1334270"/>
+                  <a:gd name="connsiteY5" fmla="*/ 1455971 h 2521199"/>
+                  <a:gd name="connsiteX6" fmla="*/ 992778 w 1334270"/>
+                  <a:gd name="connsiteY6" fmla="*/ 669437 h 2521199"/>
+                  <a:gd name="connsiteX7" fmla="*/ 180591 w 1334270"/>
+                  <a:gd name="connsiteY7" fmla="*/ 0 h 2521199"/>
+                  <a:gd name="connsiteX0" fmla="*/ 0 w 1329832"/>
+                  <a:gd name="connsiteY0" fmla="*/ 107937 h 2521199"/>
+                  <a:gd name="connsiteX1" fmla="*/ 752046 w 1329832"/>
+                  <a:gd name="connsiteY1" fmla="*/ 1307365 h 2521199"/>
+                  <a:gd name="connsiteX2" fmla="*/ 893637 w 1329832"/>
+                  <a:gd name="connsiteY2" fmla="*/ 1741501 h 2521199"/>
+                  <a:gd name="connsiteX3" fmla="*/ 764513 w 1329832"/>
+                  <a:gd name="connsiteY3" fmla="*/ 2238397 h 2521199"/>
+                  <a:gd name="connsiteX4" fmla="*/ 763572 w 1329832"/>
+                  <a:gd name="connsiteY4" fmla="*/ 2521199 h 2521199"/>
+                  <a:gd name="connsiteX5" fmla="*/ 1329180 w 1329832"/>
+                  <a:gd name="connsiteY5" fmla="*/ 1455971 h 2521199"/>
+                  <a:gd name="connsiteX6" fmla="*/ 992778 w 1329832"/>
+                  <a:gd name="connsiteY6" fmla="*/ 669437 h 2521199"/>
+                  <a:gd name="connsiteX7" fmla="*/ 180591 w 1329832"/>
+                  <a:gd name="connsiteY7" fmla="*/ 0 h 2521199"/>
+                  <a:gd name="connsiteX0" fmla="*/ 0 w 1351205"/>
+                  <a:gd name="connsiteY0" fmla="*/ 107937 h 2521199"/>
+                  <a:gd name="connsiteX1" fmla="*/ 752046 w 1351205"/>
+                  <a:gd name="connsiteY1" fmla="*/ 1307365 h 2521199"/>
+                  <a:gd name="connsiteX2" fmla="*/ 893637 w 1351205"/>
+                  <a:gd name="connsiteY2" fmla="*/ 1741501 h 2521199"/>
+                  <a:gd name="connsiteX3" fmla="*/ 764513 w 1351205"/>
+                  <a:gd name="connsiteY3" fmla="*/ 2238397 h 2521199"/>
+                  <a:gd name="connsiteX4" fmla="*/ 763572 w 1351205"/>
+                  <a:gd name="connsiteY4" fmla="*/ 2521199 h 2521199"/>
+                  <a:gd name="connsiteX5" fmla="*/ 1329180 w 1351205"/>
+                  <a:gd name="connsiteY5" fmla="*/ 1455971 h 2521199"/>
+                  <a:gd name="connsiteX6" fmla="*/ 180591 w 1351205"/>
+                  <a:gd name="connsiteY6" fmla="*/ 0 h 2521199"/>
+                  <a:gd name="connsiteX0" fmla="*/ 0 w 1332387"/>
+                  <a:gd name="connsiteY0" fmla="*/ 107937 h 2521199"/>
+                  <a:gd name="connsiteX1" fmla="*/ 752046 w 1332387"/>
+                  <a:gd name="connsiteY1" fmla="*/ 1307365 h 2521199"/>
+                  <a:gd name="connsiteX2" fmla="*/ 893637 w 1332387"/>
+                  <a:gd name="connsiteY2" fmla="*/ 1741501 h 2521199"/>
+                  <a:gd name="connsiteX3" fmla="*/ 764513 w 1332387"/>
+                  <a:gd name="connsiteY3" fmla="*/ 2238397 h 2521199"/>
+                  <a:gd name="connsiteX4" fmla="*/ 763572 w 1332387"/>
+                  <a:gd name="connsiteY4" fmla="*/ 2521199 h 2521199"/>
+                  <a:gd name="connsiteX5" fmla="*/ 1329180 w 1332387"/>
+                  <a:gd name="connsiteY5" fmla="*/ 1455971 h 2521199"/>
+                  <a:gd name="connsiteX6" fmla="*/ 180591 w 1332387"/>
+                  <a:gd name="connsiteY6" fmla="*/ 0 h 2521199"/>
+                  <a:gd name="connsiteX0" fmla="*/ 0 w 1329223"/>
+                  <a:gd name="connsiteY0" fmla="*/ 107937 h 2521199"/>
+                  <a:gd name="connsiteX1" fmla="*/ 752046 w 1329223"/>
+                  <a:gd name="connsiteY1" fmla="*/ 1307365 h 2521199"/>
+                  <a:gd name="connsiteX2" fmla="*/ 893637 w 1329223"/>
+                  <a:gd name="connsiteY2" fmla="*/ 1741501 h 2521199"/>
+                  <a:gd name="connsiteX3" fmla="*/ 764513 w 1329223"/>
+                  <a:gd name="connsiteY3" fmla="*/ 2238397 h 2521199"/>
+                  <a:gd name="connsiteX4" fmla="*/ 763572 w 1329223"/>
+                  <a:gd name="connsiteY4" fmla="*/ 2521199 h 2521199"/>
+                  <a:gd name="connsiteX5" fmla="*/ 1329180 w 1329223"/>
+                  <a:gd name="connsiteY5" fmla="*/ 1455971 h 2521199"/>
+                  <a:gd name="connsiteX6" fmla="*/ 180591 w 1329223"/>
+                  <a:gd name="connsiteY6" fmla="*/ 0 h 2521199"/>
+                  <a:gd name="connsiteX0" fmla="*/ 0 w 1322693"/>
+                  <a:gd name="connsiteY0" fmla="*/ 107937 h 2521199"/>
+                  <a:gd name="connsiteX1" fmla="*/ 752046 w 1322693"/>
+                  <a:gd name="connsiteY1" fmla="*/ 1307365 h 2521199"/>
+                  <a:gd name="connsiteX2" fmla="*/ 893637 w 1322693"/>
+                  <a:gd name="connsiteY2" fmla="*/ 1741501 h 2521199"/>
+                  <a:gd name="connsiteX3" fmla="*/ 764513 w 1322693"/>
+                  <a:gd name="connsiteY3" fmla="*/ 2238397 h 2521199"/>
+                  <a:gd name="connsiteX4" fmla="*/ 763572 w 1322693"/>
+                  <a:gd name="connsiteY4" fmla="*/ 2521199 h 2521199"/>
+                  <a:gd name="connsiteX5" fmla="*/ 1322649 w 1322693"/>
+                  <a:gd name="connsiteY5" fmla="*/ 1743354 h 2521199"/>
+                  <a:gd name="connsiteX6" fmla="*/ 180591 w 1322693"/>
+                  <a:gd name="connsiteY6" fmla="*/ 0 h 2521199"/>
+                  <a:gd name="connsiteX0" fmla="*/ 80666 w 1142102"/>
+                  <a:gd name="connsiteY0" fmla="*/ 532480 h 2521199"/>
+                  <a:gd name="connsiteX1" fmla="*/ 571455 w 1142102"/>
+                  <a:gd name="connsiteY1" fmla="*/ 1307365 h 2521199"/>
+                  <a:gd name="connsiteX2" fmla="*/ 713046 w 1142102"/>
+                  <a:gd name="connsiteY2" fmla="*/ 1741501 h 2521199"/>
+                  <a:gd name="connsiteX3" fmla="*/ 583922 w 1142102"/>
+                  <a:gd name="connsiteY3" fmla="*/ 2238397 h 2521199"/>
+                  <a:gd name="connsiteX4" fmla="*/ 582981 w 1142102"/>
+                  <a:gd name="connsiteY4" fmla="*/ 2521199 h 2521199"/>
+                  <a:gd name="connsiteX5" fmla="*/ 1142058 w 1142102"/>
+                  <a:gd name="connsiteY5" fmla="*/ 1743354 h 2521199"/>
+                  <a:gd name="connsiteX6" fmla="*/ 0 w 1142102"/>
+                  <a:gd name="connsiteY6" fmla="*/ 0 h 2521199"/>
+                  <a:gd name="connsiteX0" fmla="*/ 0 w 1074566"/>
+                  <a:gd name="connsiteY0" fmla="*/ 114469 h 2103188"/>
+                  <a:gd name="connsiteX1" fmla="*/ 490789 w 1074566"/>
+                  <a:gd name="connsiteY1" fmla="*/ 889354 h 2103188"/>
+                  <a:gd name="connsiteX2" fmla="*/ 632380 w 1074566"/>
+                  <a:gd name="connsiteY2" fmla="*/ 1323490 h 2103188"/>
+                  <a:gd name="connsiteX3" fmla="*/ 503256 w 1074566"/>
+                  <a:gd name="connsiteY3" fmla="*/ 1820386 h 2103188"/>
+                  <a:gd name="connsiteX4" fmla="*/ 502315 w 1074566"/>
+                  <a:gd name="connsiteY4" fmla="*/ 2103188 h 2103188"/>
+                  <a:gd name="connsiteX5" fmla="*/ 1061392 w 1074566"/>
+                  <a:gd name="connsiteY5" fmla="*/ 1325343 h 2103188"/>
+                  <a:gd name="connsiteX6" fmla="*/ 95683 w 1074566"/>
+                  <a:gd name="connsiteY6" fmla="*/ 0 h 2103188"/>
+                  <a:gd name="connsiteX0" fmla="*/ 0 w 1074566"/>
+                  <a:gd name="connsiteY0" fmla="*/ 114469 h 2103188"/>
+                  <a:gd name="connsiteX1" fmla="*/ 490789 w 1074566"/>
+                  <a:gd name="connsiteY1" fmla="*/ 889354 h 2103188"/>
+                  <a:gd name="connsiteX2" fmla="*/ 632380 w 1074566"/>
+                  <a:gd name="connsiteY2" fmla="*/ 1323490 h 2103188"/>
+                  <a:gd name="connsiteX3" fmla="*/ 503256 w 1074566"/>
+                  <a:gd name="connsiteY3" fmla="*/ 1820386 h 2103188"/>
+                  <a:gd name="connsiteX4" fmla="*/ 502315 w 1074566"/>
+                  <a:gd name="connsiteY4" fmla="*/ 2103188 h 2103188"/>
+                  <a:gd name="connsiteX5" fmla="*/ 1061392 w 1074566"/>
+                  <a:gd name="connsiteY5" fmla="*/ 1325343 h 2103188"/>
+                  <a:gd name="connsiteX6" fmla="*/ 95683 w 1074566"/>
+                  <a:gd name="connsiteY6" fmla="*/ 0 h 2103188"/>
+                  <a:gd name="connsiteX0" fmla="*/ 0 w 1074566"/>
+                  <a:gd name="connsiteY0" fmla="*/ 114469 h 2103188"/>
+                  <a:gd name="connsiteX1" fmla="*/ 490789 w 1074566"/>
+                  <a:gd name="connsiteY1" fmla="*/ 889354 h 2103188"/>
+                  <a:gd name="connsiteX2" fmla="*/ 632380 w 1074566"/>
+                  <a:gd name="connsiteY2" fmla="*/ 1323490 h 2103188"/>
+                  <a:gd name="connsiteX3" fmla="*/ 503256 w 1074566"/>
+                  <a:gd name="connsiteY3" fmla="*/ 1820386 h 2103188"/>
+                  <a:gd name="connsiteX4" fmla="*/ 502315 w 1074566"/>
+                  <a:gd name="connsiteY4" fmla="*/ 2103188 h 2103188"/>
+                  <a:gd name="connsiteX5" fmla="*/ 1061392 w 1074566"/>
+                  <a:gd name="connsiteY5" fmla="*/ 1325343 h 2103188"/>
+                  <a:gd name="connsiteX6" fmla="*/ 95683 w 1074566"/>
+                  <a:gd name="connsiteY6" fmla="*/ 0 h 2103188"/>
+                  <a:gd name="connsiteX0" fmla="*/ 0 w 959608"/>
+                  <a:gd name="connsiteY0" fmla="*/ 114469 h 2103188"/>
+                  <a:gd name="connsiteX1" fmla="*/ 490789 w 959608"/>
+                  <a:gd name="connsiteY1" fmla="*/ 889354 h 2103188"/>
+                  <a:gd name="connsiteX2" fmla="*/ 632380 w 959608"/>
+                  <a:gd name="connsiteY2" fmla="*/ 1323490 h 2103188"/>
+                  <a:gd name="connsiteX3" fmla="*/ 503256 w 959608"/>
+                  <a:gd name="connsiteY3" fmla="*/ 1820386 h 2103188"/>
+                  <a:gd name="connsiteX4" fmla="*/ 502315 w 959608"/>
+                  <a:gd name="connsiteY4" fmla="*/ 2103188 h 2103188"/>
+                  <a:gd name="connsiteX5" fmla="*/ 937295 w 959608"/>
+                  <a:gd name="connsiteY5" fmla="*/ 1358000 h 2103188"/>
+                  <a:gd name="connsiteX6" fmla="*/ 95683 w 959608"/>
+                  <a:gd name="connsiteY6" fmla="*/ 0 h 2103188"/>
+                  <a:gd name="connsiteX0" fmla="*/ 0 w 937436"/>
+                  <a:gd name="connsiteY0" fmla="*/ 114469 h 2103188"/>
+                  <a:gd name="connsiteX1" fmla="*/ 490789 w 937436"/>
+                  <a:gd name="connsiteY1" fmla="*/ 889354 h 2103188"/>
+                  <a:gd name="connsiteX2" fmla="*/ 632380 w 937436"/>
+                  <a:gd name="connsiteY2" fmla="*/ 1323490 h 2103188"/>
+                  <a:gd name="connsiteX3" fmla="*/ 503256 w 937436"/>
+                  <a:gd name="connsiteY3" fmla="*/ 1820386 h 2103188"/>
+                  <a:gd name="connsiteX4" fmla="*/ 502315 w 937436"/>
+                  <a:gd name="connsiteY4" fmla="*/ 2103188 h 2103188"/>
+                  <a:gd name="connsiteX5" fmla="*/ 937295 w 937436"/>
+                  <a:gd name="connsiteY5" fmla="*/ 1358000 h 2103188"/>
+                  <a:gd name="connsiteX6" fmla="*/ 95683 w 937436"/>
+                  <a:gd name="connsiteY6" fmla="*/ 0 h 2103188"/>
+                  <a:gd name="connsiteX0" fmla="*/ 0 w 904788"/>
+                  <a:gd name="connsiteY0" fmla="*/ 114469 h 2103188"/>
+                  <a:gd name="connsiteX1" fmla="*/ 490789 w 904788"/>
+                  <a:gd name="connsiteY1" fmla="*/ 889354 h 2103188"/>
+                  <a:gd name="connsiteX2" fmla="*/ 632380 w 904788"/>
+                  <a:gd name="connsiteY2" fmla="*/ 1323490 h 2103188"/>
+                  <a:gd name="connsiteX3" fmla="*/ 503256 w 904788"/>
+                  <a:gd name="connsiteY3" fmla="*/ 1820386 h 2103188"/>
+                  <a:gd name="connsiteX4" fmla="*/ 502315 w 904788"/>
+                  <a:gd name="connsiteY4" fmla="*/ 2103188 h 2103188"/>
+                  <a:gd name="connsiteX5" fmla="*/ 904638 w 904788"/>
+                  <a:gd name="connsiteY5" fmla="*/ 1364531 h 2103188"/>
+                  <a:gd name="connsiteX6" fmla="*/ 95683 w 904788"/>
+                  <a:gd name="connsiteY6" fmla="*/ 0 h 2103188"/>
+                  <a:gd name="connsiteX0" fmla="*/ 0 w 905800"/>
+                  <a:gd name="connsiteY0" fmla="*/ 114469 h 2103188"/>
+                  <a:gd name="connsiteX1" fmla="*/ 490789 w 905800"/>
+                  <a:gd name="connsiteY1" fmla="*/ 889354 h 2103188"/>
+                  <a:gd name="connsiteX2" fmla="*/ 632380 w 905800"/>
+                  <a:gd name="connsiteY2" fmla="*/ 1323490 h 2103188"/>
+                  <a:gd name="connsiteX3" fmla="*/ 503256 w 905800"/>
+                  <a:gd name="connsiteY3" fmla="*/ 1820386 h 2103188"/>
+                  <a:gd name="connsiteX4" fmla="*/ 502315 w 905800"/>
+                  <a:gd name="connsiteY4" fmla="*/ 2103188 h 2103188"/>
+                  <a:gd name="connsiteX5" fmla="*/ 904638 w 905800"/>
+                  <a:gd name="connsiteY5" fmla="*/ 1364531 h 2103188"/>
+                  <a:gd name="connsiteX6" fmla="*/ 95683 w 905800"/>
+                  <a:gd name="connsiteY6" fmla="*/ 0 h 2103188"/>
+                  <a:gd name="connsiteX0" fmla="*/ 0 w 1139790"/>
+                  <a:gd name="connsiteY0" fmla="*/ 114469 h 2103188"/>
+                  <a:gd name="connsiteX1" fmla="*/ 490789 w 1139790"/>
+                  <a:gd name="connsiteY1" fmla="*/ 889354 h 2103188"/>
+                  <a:gd name="connsiteX2" fmla="*/ 632380 w 1139790"/>
+                  <a:gd name="connsiteY2" fmla="*/ 1323490 h 2103188"/>
+                  <a:gd name="connsiteX3" fmla="*/ 503256 w 1139790"/>
+                  <a:gd name="connsiteY3" fmla="*/ 1820386 h 2103188"/>
+                  <a:gd name="connsiteX4" fmla="*/ 502315 w 1139790"/>
+                  <a:gd name="connsiteY4" fmla="*/ 2103188 h 2103188"/>
+                  <a:gd name="connsiteX5" fmla="*/ 1139769 w 1139790"/>
+                  <a:gd name="connsiteY5" fmla="*/ 1292685 h 2103188"/>
+                  <a:gd name="connsiteX6" fmla="*/ 95683 w 1139790"/>
+                  <a:gd name="connsiteY6" fmla="*/ 0 h 2103188"/>
+                  <a:gd name="connsiteX0" fmla="*/ 0 w 1148230"/>
+                  <a:gd name="connsiteY0" fmla="*/ 16497 h 2005216"/>
+                  <a:gd name="connsiteX1" fmla="*/ 490789 w 1148230"/>
+                  <a:gd name="connsiteY1" fmla="*/ 791382 h 2005216"/>
+                  <a:gd name="connsiteX2" fmla="*/ 632380 w 1148230"/>
+                  <a:gd name="connsiteY2" fmla="*/ 1225518 h 2005216"/>
+                  <a:gd name="connsiteX3" fmla="*/ 503256 w 1148230"/>
+                  <a:gd name="connsiteY3" fmla="*/ 1722414 h 2005216"/>
+                  <a:gd name="connsiteX4" fmla="*/ 502315 w 1148230"/>
+                  <a:gd name="connsiteY4" fmla="*/ 2005216 h 2005216"/>
+                  <a:gd name="connsiteX5" fmla="*/ 1139769 w 1148230"/>
+                  <a:gd name="connsiteY5" fmla="*/ 1194713 h 2005216"/>
+                  <a:gd name="connsiteX6" fmla="*/ 141403 w 1148230"/>
+                  <a:gd name="connsiteY6" fmla="*/ 0 h 2005216"/>
+                </a:gdLst>
+                <a:ahLst/>
+                <a:cxnLst>
+                  <a:cxn ang="0">
+                    <a:pos x="connsiteX0" y="connsiteY0"/>
+                  </a:cxn>
+                  <a:cxn ang="0">
+                    <a:pos x="connsiteX1" y="connsiteY1"/>
+                  </a:cxn>
+                  <a:cxn ang="0">
+                    <a:pos x="connsiteX2" y="connsiteY2"/>
+                  </a:cxn>
+                  <a:cxn ang="0">
+                    <a:pos x="connsiteX3" y="connsiteY3"/>
+                  </a:cxn>
+                  <a:cxn ang="0">
+                    <a:pos x="connsiteX4" y="connsiteY4"/>
+                  </a:cxn>
+                  <a:cxn ang="0">
+                    <a:pos x="connsiteX5" y="connsiteY5"/>
+                  </a:cxn>
+                  <a:cxn ang="0">
+                    <a:pos x="connsiteX6" y="connsiteY6"/>
+                  </a:cxn>
+                </a:cxnLst>
+                <a:rect l="l" t="t" r="r" b="b"/>
+                <a:pathLst>
+                  <a:path w="1148230" h="2005216">
+                    <a:moveTo>
+                      <a:pt x="0" y="16497"/>
+                    </a:moveTo>
+                    <a:cubicBezTo>
+                      <a:pt x="266307" y="121763"/>
+                      <a:pt x="503358" y="464586"/>
+                      <a:pt x="490789" y="791382"/>
+                    </a:cubicBezTo>
+                    <a:cubicBezTo>
+                      <a:pt x="605810" y="951095"/>
+                      <a:pt x="630302" y="1070346"/>
+                      <a:pt x="632380" y="1225518"/>
+                    </a:cubicBezTo>
+                    <a:cubicBezTo>
+                      <a:pt x="634458" y="1380690"/>
+                      <a:pt x="592300" y="1548441"/>
+                      <a:pt x="503256" y="1722414"/>
+                    </a:cubicBezTo>
+                    <a:cubicBezTo>
+                      <a:pt x="509013" y="1876281"/>
+                      <a:pt x="500124" y="1723622"/>
+                      <a:pt x="502315" y="2005216"/>
+                    </a:cubicBezTo>
+                    <a:cubicBezTo>
+                      <a:pt x="934377" y="1998932"/>
+                      <a:pt x="1199921" y="1528916"/>
+                      <a:pt x="1139769" y="1194713"/>
+                    </a:cubicBezTo>
+                    <a:cubicBezTo>
+                      <a:pt x="1079617" y="860510"/>
+                      <a:pt x="406818" y="22476"/>
+                      <a:pt x="141403" y="0"/>
+                    </a:cubicBezTo>
+                  </a:path>
+                </a:pathLst>
+              </a:custGeom>
+              <a:solidFill>
+                <a:schemeClr val="tx1"/>
+              </a:solidFill>
+              <a:ln>
+                <a:noFill/>
+              </a:ln>
+            </p:spPr>
+            <p:style>
+              <a:lnRef idx="2">
+                <a:schemeClr val="accent1">
+                  <a:shade val="50000"/>
+                </a:schemeClr>
+              </a:lnRef>
+              <a:fillRef idx="1">
+                <a:schemeClr val="accent1"/>
+              </a:fillRef>
+              <a:effectRef idx="0">
+                <a:schemeClr val="accent1"/>
+              </a:effectRef>
+              <a:fontRef idx="minor">
+                <a:schemeClr val="lt1"/>
+              </a:fontRef>
+            </p:style>
+            <p:txBody>
+              <a:bodyPr rtlCol="0" anchor="ctr"/>
+              <a:lstStyle/>
+              <a:p>
+                <a:pPr algn="ctr"/>
+                <a:endParaRPr lang="de-DE"/>
+              </a:p>
+            </p:txBody>
+          </p:sp>
+          <p:sp>
+            <p:nvSpPr>
+              <p:cNvPr id="180" name="Freihandform 179"/>
+              <p:cNvSpPr/>
+              <p:nvPr/>
+            </p:nvSpPr>
+            <p:spPr>
+              <a:xfrm rot="1151452" flipH="1">
+                <a:off x="3656880" y="3205342"/>
+                <a:ext cx="1117956" cy="2005216"/>
+              </a:xfrm>
+              <a:custGeom>
+                <a:avLst/>
+                <a:gdLst>
+                  <a:gd name="connsiteX0" fmla="*/ 0 w 1804985"/>
+                  <a:gd name="connsiteY0" fmla="*/ 263950 h 3039970"/>
+                  <a:gd name="connsiteX1" fmla="*/ 659877 w 1804985"/>
+                  <a:gd name="connsiteY1" fmla="*/ 876692 h 3039970"/>
+                  <a:gd name="connsiteX2" fmla="*/ 763572 w 1804985"/>
+                  <a:gd name="connsiteY2" fmla="*/ 2677212 h 3039970"/>
+                  <a:gd name="connsiteX3" fmla="*/ 1611984 w 1804985"/>
+                  <a:gd name="connsiteY3" fmla="*/ 2875175 h 3039970"/>
+                  <a:gd name="connsiteX4" fmla="*/ 1677972 w 1804985"/>
+                  <a:gd name="connsiteY4" fmla="*/ 772998 h 3039970"/>
+                  <a:gd name="connsiteX5" fmla="*/ 141402 w 1804985"/>
+                  <a:gd name="connsiteY5" fmla="*/ 18853 h 3039970"/>
+                  <a:gd name="connsiteX6" fmla="*/ 141402 w 1804985"/>
+                  <a:gd name="connsiteY6" fmla="*/ 18853 h 3039970"/>
+                  <a:gd name="connsiteX7" fmla="*/ 150829 w 1804985"/>
+                  <a:gd name="connsiteY7" fmla="*/ 0 h 3039970"/>
+                  <a:gd name="connsiteX0" fmla="*/ 0 w 1804985"/>
+                  <a:gd name="connsiteY0" fmla="*/ 263950 h 2977663"/>
+                  <a:gd name="connsiteX1" fmla="*/ 659877 w 1804985"/>
+                  <a:gd name="connsiteY1" fmla="*/ 876692 h 2977663"/>
+                  <a:gd name="connsiteX2" fmla="*/ 763572 w 1804985"/>
+                  <a:gd name="connsiteY2" fmla="*/ 2677212 h 2977663"/>
+                  <a:gd name="connsiteX3" fmla="*/ 1611984 w 1804985"/>
+                  <a:gd name="connsiteY3" fmla="*/ 2875175 h 2977663"/>
+                  <a:gd name="connsiteX4" fmla="*/ 1677972 w 1804985"/>
+                  <a:gd name="connsiteY4" fmla="*/ 772998 h 2977663"/>
+                  <a:gd name="connsiteX5" fmla="*/ 141402 w 1804985"/>
+                  <a:gd name="connsiteY5" fmla="*/ 18853 h 2977663"/>
+                  <a:gd name="connsiteX6" fmla="*/ 141402 w 1804985"/>
+                  <a:gd name="connsiteY6" fmla="*/ 18853 h 2977663"/>
+                  <a:gd name="connsiteX7" fmla="*/ 150829 w 1804985"/>
+                  <a:gd name="connsiteY7" fmla="*/ 0 h 2977663"/>
+                  <a:gd name="connsiteX0" fmla="*/ 0 w 1804985"/>
+                  <a:gd name="connsiteY0" fmla="*/ 263950 h 2977663"/>
+                  <a:gd name="connsiteX1" fmla="*/ 659877 w 1804985"/>
+                  <a:gd name="connsiteY1" fmla="*/ 876692 h 2977663"/>
+                  <a:gd name="connsiteX2" fmla="*/ 763572 w 1804985"/>
+                  <a:gd name="connsiteY2" fmla="*/ 2677212 h 2977663"/>
+                  <a:gd name="connsiteX3" fmla="*/ 1611984 w 1804985"/>
+                  <a:gd name="connsiteY3" fmla="*/ 2875175 h 2977663"/>
+                  <a:gd name="connsiteX4" fmla="*/ 1677972 w 1804985"/>
+                  <a:gd name="connsiteY4" fmla="*/ 772998 h 2977663"/>
+                  <a:gd name="connsiteX5" fmla="*/ 141402 w 1804985"/>
+                  <a:gd name="connsiteY5" fmla="*/ 18853 h 2977663"/>
+                  <a:gd name="connsiteX6" fmla="*/ 141402 w 1804985"/>
+                  <a:gd name="connsiteY6" fmla="*/ 18853 h 2977663"/>
+                  <a:gd name="connsiteX7" fmla="*/ 150829 w 1804985"/>
+                  <a:gd name="connsiteY7" fmla="*/ 0 h 2977663"/>
+                  <a:gd name="connsiteX0" fmla="*/ 0 w 1804985"/>
+                  <a:gd name="connsiteY0" fmla="*/ 263950 h 2977663"/>
+                  <a:gd name="connsiteX1" fmla="*/ 659877 w 1804985"/>
+                  <a:gd name="connsiteY1" fmla="*/ 876692 h 2977663"/>
+                  <a:gd name="connsiteX2" fmla="*/ 763572 w 1804985"/>
+                  <a:gd name="connsiteY2" fmla="*/ 2677212 h 2977663"/>
+                  <a:gd name="connsiteX3" fmla="*/ 1611984 w 1804985"/>
+                  <a:gd name="connsiteY3" fmla="*/ 2875175 h 2977663"/>
+                  <a:gd name="connsiteX4" fmla="*/ 1677972 w 1804985"/>
+                  <a:gd name="connsiteY4" fmla="*/ 772998 h 2977663"/>
+                  <a:gd name="connsiteX5" fmla="*/ 141402 w 1804985"/>
+                  <a:gd name="connsiteY5" fmla="*/ 18853 h 2977663"/>
+                  <a:gd name="connsiteX6" fmla="*/ 141402 w 1804985"/>
+                  <a:gd name="connsiteY6" fmla="*/ 18853 h 2977663"/>
+                  <a:gd name="connsiteX7" fmla="*/ 150829 w 1804985"/>
+                  <a:gd name="connsiteY7" fmla="*/ 0 h 2977663"/>
+                  <a:gd name="connsiteX0" fmla="*/ 0 w 1738812"/>
+                  <a:gd name="connsiteY0" fmla="*/ 263950 h 2677212"/>
+                  <a:gd name="connsiteX1" fmla="*/ 659877 w 1738812"/>
+                  <a:gd name="connsiteY1" fmla="*/ 876692 h 2677212"/>
+                  <a:gd name="connsiteX2" fmla="*/ 763572 w 1738812"/>
+                  <a:gd name="connsiteY2" fmla="*/ 2677212 h 2677212"/>
+                  <a:gd name="connsiteX3" fmla="*/ 1366887 w 1738812"/>
+                  <a:gd name="connsiteY3" fmla="*/ 1762813 h 2677212"/>
+                  <a:gd name="connsiteX4" fmla="*/ 1677972 w 1738812"/>
+                  <a:gd name="connsiteY4" fmla="*/ 772998 h 2677212"/>
+                  <a:gd name="connsiteX5" fmla="*/ 141402 w 1738812"/>
+                  <a:gd name="connsiteY5" fmla="*/ 18853 h 2677212"/>
+                  <a:gd name="connsiteX6" fmla="*/ 141402 w 1738812"/>
+                  <a:gd name="connsiteY6" fmla="*/ 18853 h 2677212"/>
+                  <a:gd name="connsiteX7" fmla="*/ 150829 w 1738812"/>
+                  <a:gd name="connsiteY7" fmla="*/ 0 h 2677212"/>
+                  <a:gd name="connsiteX0" fmla="*/ 0 w 1725317"/>
+                  <a:gd name="connsiteY0" fmla="*/ 263950 h 2677212"/>
+                  <a:gd name="connsiteX1" fmla="*/ 659877 w 1725317"/>
+                  <a:gd name="connsiteY1" fmla="*/ 876692 h 2677212"/>
+                  <a:gd name="connsiteX2" fmla="*/ 763572 w 1725317"/>
+                  <a:gd name="connsiteY2" fmla="*/ 2677212 h 2677212"/>
+                  <a:gd name="connsiteX3" fmla="*/ 1366887 w 1725317"/>
+                  <a:gd name="connsiteY3" fmla="*/ 1762813 h 2677212"/>
+                  <a:gd name="connsiteX4" fmla="*/ 1677972 w 1725317"/>
+                  <a:gd name="connsiteY4" fmla="*/ 772998 h 2677212"/>
+                  <a:gd name="connsiteX5" fmla="*/ 141402 w 1725317"/>
+                  <a:gd name="connsiteY5" fmla="*/ 18853 h 2677212"/>
+                  <a:gd name="connsiteX6" fmla="*/ 141402 w 1725317"/>
+                  <a:gd name="connsiteY6" fmla="*/ 18853 h 2677212"/>
+                  <a:gd name="connsiteX7" fmla="*/ 150829 w 1725317"/>
+                  <a:gd name="connsiteY7" fmla="*/ 0 h 2677212"/>
+                  <a:gd name="connsiteX0" fmla="*/ 0 w 1720699"/>
+                  <a:gd name="connsiteY0" fmla="*/ 263950 h 2677212"/>
+                  <a:gd name="connsiteX1" fmla="*/ 659877 w 1720699"/>
+                  <a:gd name="connsiteY1" fmla="*/ 876692 h 2677212"/>
+                  <a:gd name="connsiteX2" fmla="*/ 763572 w 1720699"/>
+                  <a:gd name="connsiteY2" fmla="*/ 2677212 h 2677212"/>
+                  <a:gd name="connsiteX3" fmla="*/ 1329180 w 1720699"/>
+                  <a:gd name="connsiteY3" fmla="*/ 1611984 h 2677212"/>
+                  <a:gd name="connsiteX4" fmla="*/ 1677972 w 1720699"/>
+                  <a:gd name="connsiteY4" fmla="*/ 772998 h 2677212"/>
+                  <a:gd name="connsiteX5" fmla="*/ 141402 w 1720699"/>
+                  <a:gd name="connsiteY5" fmla="*/ 18853 h 2677212"/>
+                  <a:gd name="connsiteX6" fmla="*/ 141402 w 1720699"/>
+                  <a:gd name="connsiteY6" fmla="*/ 18853 h 2677212"/>
+                  <a:gd name="connsiteX7" fmla="*/ 150829 w 1720699"/>
+                  <a:gd name="connsiteY7" fmla="*/ 0 h 2677212"/>
+                  <a:gd name="connsiteX0" fmla="*/ 0 w 1329794"/>
+                  <a:gd name="connsiteY0" fmla="*/ 263950 h 2677212"/>
+                  <a:gd name="connsiteX1" fmla="*/ 659877 w 1329794"/>
+                  <a:gd name="connsiteY1" fmla="*/ 876692 h 2677212"/>
+                  <a:gd name="connsiteX2" fmla="*/ 763572 w 1329794"/>
+                  <a:gd name="connsiteY2" fmla="*/ 2677212 h 2677212"/>
+                  <a:gd name="connsiteX3" fmla="*/ 1329180 w 1329794"/>
+                  <a:gd name="connsiteY3" fmla="*/ 1611984 h 2677212"/>
+                  <a:gd name="connsiteX4" fmla="*/ 857840 w 1329794"/>
+                  <a:gd name="connsiteY4" fmla="*/ 395926 h 2677212"/>
+                  <a:gd name="connsiteX5" fmla="*/ 141402 w 1329794"/>
+                  <a:gd name="connsiteY5" fmla="*/ 18853 h 2677212"/>
+                  <a:gd name="connsiteX6" fmla="*/ 141402 w 1329794"/>
+                  <a:gd name="connsiteY6" fmla="*/ 18853 h 2677212"/>
+                  <a:gd name="connsiteX7" fmla="*/ 150829 w 1329794"/>
+                  <a:gd name="connsiteY7" fmla="*/ 0 h 2677212"/>
+                  <a:gd name="connsiteX0" fmla="*/ 0 w 1329856"/>
+                  <a:gd name="connsiteY0" fmla="*/ 263950 h 2677212"/>
+                  <a:gd name="connsiteX1" fmla="*/ 659877 w 1329856"/>
+                  <a:gd name="connsiteY1" fmla="*/ 876692 h 2677212"/>
+                  <a:gd name="connsiteX2" fmla="*/ 763572 w 1329856"/>
+                  <a:gd name="connsiteY2" fmla="*/ 2677212 h 2677212"/>
+                  <a:gd name="connsiteX3" fmla="*/ 1329180 w 1329856"/>
+                  <a:gd name="connsiteY3" fmla="*/ 1611984 h 2677212"/>
+                  <a:gd name="connsiteX4" fmla="*/ 857840 w 1329856"/>
+                  <a:gd name="connsiteY4" fmla="*/ 395926 h 2677212"/>
+                  <a:gd name="connsiteX5" fmla="*/ 141402 w 1329856"/>
+                  <a:gd name="connsiteY5" fmla="*/ 18853 h 2677212"/>
+                  <a:gd name="connsiteX6" fmla="*/ 141402 w 1329856"/>
+                  <a:gd name="connsiteY6" fmla="*/ 18853 h 2677212"/>
+                  <a:gd name="connsiteX7" fmla="*/ 150829 w 1329856"/>
+                  <a:gd name="connsiteY7" fmla="*/ 0 h 2677212"/>
+                  <a:gd name="connsiteX0" fmla="*/ 0 w 1331198"/>
+                  <a:gd name="connsiteY0" fmla="*/ 263950 h 2677212"/>
+                  <a:gd name="connsiteX1" fmla="*/ 659877 w 1331198"/>
+                  <a:gd name="connsiteY1" fmla="*/ 876692 h 2677212"/>
+                  <a:gd name="connsiteX2" fmla="*/ 763572 w 1331198"/>
+                  <a:gd name="connsiteY2" fmla="*/ 2677212 h 2677212"/>
+                  <a:gd name="connsiteX3" fmla="*/ 1329180 w 1331198"/>
+                  <a:gd name="connsiteY3" fmla="*/ 1611984 h 2677212"/>
+                  <a:gd name="connsiteX4" fmla="*/ 914401 w 1331198"/>
+                  <a:gd name="connsiteY4" fmla="*/ 518474 h 2677212"/>
+                  <a:gd name="connsiteX5" fmla="*/ 141402 w 1331198"/>
+                  <a:gd name="connsiteY5" fmla="*/ 18853 h 2677212"/>
+                  <a:gd name="connsiteX6" fmla="*/ 141402 w 1331198"/>
+                  <a:gd name="connsiteY6" fmla="*/ 18853 h 2677212"/>
+                  <a:gd name="connsiteX7" fmla="*/ 150829 w 1331198"/>
+                  <a:gd name="connsiteY7" fmla="*/ 0 h 2677212"/>
+                  <a:gd name="connsiteX0" fmla="*/ 0 w 1331198"/>
+                  <a:gd name="connsiteY0" fmla="*/ 263950 h 2677212"/>
+                  <a:gd name="connsiteX1" fmla="*/ 791852 w 1331198"/>
+                  <a:gd name="connsiteY1" fmla="*/ 1018094 h 2677212"/>
+                  <a:gd name="connsiteX2" fmla="*/ 763572 w 1331198"/>
+                  <a:gd name="connsiteY2" fmla="*/ 2677212 h 2677212"/>
+                  <a:gd name="connsiteX3" fmla="*/ 1329180 w 1331198"/>
+                  <a:gd name="connsiteY3" fmla="*/ 1611984 h 2677212"/>
+                  <a:gd name="connsiteX4" fmla="*/ 914401 w 1331198"/>
+                  <a:gd name="connsiteY4" fmla="*/ 518474 h 2677212"/>
+                  <a:gd name="connsiteX5" fmla="*/ 141402 w 1331198"/>
+                  <a:gd name="connsiteY5" fmla="*/ 18853 h 2677212"/>
+                  <a:gd name="connsiteX6" fmla="*/ 141402 w 1331198"/>
+                  <a:gd name="connsiteY6" fmla="*/ 18853 h 2677212"/>
+                  <a:gd name="connsiteX7" fmla="*/ 150829 w 1331198"/>
+                  <a:gd name="connsiteY7" fmla="*/ 0 h 2677212"/>
+                  <a:gd name="connsiteX0" fmla="*/ 0 w 1331198"/>
+                  <a:gd name="connsiteY0" fmla="*/ 263950 h 2677212"/>
+                  <a:gd name="connsiteX1" fmla="*/ 791852 w 1331198"/>
+                  <a:gd name="connsiteY1" fmla="*/ 1018094 h 2677212"/>
+                  <a:gd name="connsiteX2" fmla="*/ 763572 w 1331198"/>
+                  <a:gd name="connsiteY2" fmla="*/ 2677212 h 2677212"/>
+                  <a:gd name="connsiteX3" fmla="*/ 1329180 w 1331198"/>
+                  <a:gd name="connsiteY3" fmla="*/ 1611984 h 2677212"/>
+                  <a:gd name="connsiteX4" fmla="*/ 914401 w 1331198"/>
+                  <a:gd name="connsiteY4" fmla="*/ 518474 h 2677212"/>
+                  <a:gd name="connsiteX5" fmla="*/ 141402 w 1331198"/>
+                  <a:gd name="connsiteY5" fmla="*/ 18853 h 2677212"/>
+                  <a:gd name="connsiteX6" fmla="*/ 141402 w 1331198"/>
+                  <a:gd name="connsiteY6" fmla="*/ 18853 h 2677212"/>
+                  <a:gd name="connsiteX7" fmla="*/ 150829 w 1331198"/>
+                  <a:gd name="connsiteY7" fmla="*/ 0 h 2677212"/>
+                  <a:gd name="connsiteX0" fmla="*/ 0 w 1331198"/>
+                  <a:gd name="connsiteY0" fmla="*/ 263950 h 2677212"/>
+                  <a:gd name="connsiteX1" fmla="*/ 820132 w 1331198"/>
+                  <a:gd name="connsiteY1" fmla="*/ 1272617 h 2677212"/>
+                  <a:gd name="connsiteX2" fmla="*/ 763572 w 1331198"/>
+                  <a:gd name="connsiteY2" fmla="*/ 2677212 h 2677212"/>
+                  <a:gd name="connsiteX3" fmla="*/ 1329180 w 1331198"/>
+                  <a:gd name="connsiteY3" fmla="*/ 1611984 h 2677212"/>
+                  <a:gd name="connsiteX4" fmla="*/ 914401 w 1331198"/>
+                  <a:gd name="connsiteY4" fmla="*/ 518474 h 2677212"/>
+                  <a:gd name="connsiteX5" fmla="*/ 141402 w 1331198"/>
+                  <a:gd name="connsiteY5" fmla="*/ 18853 h 2677212"/>
+                  <a:gd name="connsiteX6" fmla="*/ 141402 w 1331198"/>
+                  <a:gd name="connsiteY6" fmla="*/ 18853 h 2677212"/>
+                  <a:gd name="connsiteX7" fmla="*/ 150829 w 1331198"/>
+                  <a:gd name="connsiteY7" fmla="*/ 0 h 2677212"/>
+                  <a:gd name="connsiteX0" fmla="*/ 0 w 1331198"/>
+                  <a:gd name="connsiteY0" fmla="*/ 263950 h 2680286"/>
+                  <a:gd name="connsiteX1" fmla="*/ 820132 w 1331198"/>
+                  <a:gd name="connsiteY1" fmla="*/ 1272617 h 2680286"/>
+                  <a:gd name="connsiteX2" fmla="*/ 801280 w 1331198"/>
+                  <a:gd name="connsiteY2" fmla="*/ 1913642 h 2680286"/>
+                  <a:gd name="connsiteX3" fmla="*/ 763572 w 1331198"/>
+                  <a:gd name="connsiteY3" fmla="*/ 2677212 h 2680286"/>
+                  <a:gd name="connsiteX4" fmla="*/ 1329180 w 1331198"/>
+                  <a:gd name="connsiteY4" fmla="*/ 1611984 h 2680286"/>
+                  <a:gd name="connsiteX5" fmla="*/ 914401 w 1331198"/>
+                  <a:gd name="connsiteY5" fmla="*/ 518474 h 2680286"/>
+                  <a:gd name="connsiteX6" fmla="*/ 141402 w 1331198"/>
+                  <a:gd name="connsiteY6" fmla="*/ 18853 h 2680286"/>
+                  <a:gd name="connsiteX7" fmla="*/ 141402 w 1331198"/>
+                  <a:gd name="connsiteY7" fmla="*/ 18853 h 2680286"/>
+                  <a:gd name="connsiteX8" fmla="*/ 150829 w 1331198"/>
+                  <a:gd name="connsiteY8" fmla="*/ 0 h 2680286"/>
+                  <a:gd name="connsiteX0" fmla="*/ 0 w 1331198"/>
+                  <a:gd name="connsiteY0" fmla="*/ 263950 h 2680151"/>
+                  <a:gd name="connsiteX1" fmla="*/ 820132 w 1331198"/>
+                  <a:gd name="connsiteY1" fmla="*/ 1272617 h 2680151"/>
+                  <a:gd name="connsiteX2" fmla="*/ 1112364 w 1331198"/>
+                  <a:gd name="connsiteY2" fmla="*/ 1885362 h 2680151"/>
+                  <a:gd name="connsiteX3" fmla="*/ 763572 w 1331198"/>
+                  <a:gd name="connsiteY3" fmla="*/ 2677212 h 2680151"/>
+                  <a:gd name="connsiteX4" fmla="*/ 1329180 w 1331198"/>
+                  <a:gd name="connsiteY4" fmla="*/ 1611984 h 2680151"/>
+                  <a:gd name="connsiteX5" fmla="*/ 914401 w 1331198"/>
+                  <a:gd name="connsiteY5" fmla="*/ 518474 h 2680151"/>
+                  <a:gd name="connsiteX6" fmla="*/ 141402 w 1331198"/>
+                  <a:gd name="connsiteY6" fmla="*/ 18853 h 2680151"/>
+                  <a:gd name="connsiteX7" fmla="*/ 141402 w 1331198"/>
+                  <a:gd name="connsiteY7" fmla="*/ 18853 h 2680151"/>
+                  <a:gd name="connsiteX8" fmla="*/ 150829 w 1331198"/>
+                  <a:gd name="connsiteY8" fmla="*/ 0 h 2680151"/>
+                  <a:gd name="connsiteX0" fmla="*/ 0 w 1331198"/>
+                  <a:gd name="connsiteY0" fmla="*/ 263950 h 2680151"/>
+                  <a:gd name="connsiteX1" fmla="*/ 782425 w 1331198"/>
+                  <a:gd name="connsiteY1" fmla="*/ 1253764 h 2680151"/>
+                  <a:gd name="connsiteX2" fmla="*/ 1112364 w 1331198"/>
+                  <a:gd name="connsiteY2" fmla="*/ 1885362 h 2680151"/>
+                  <a:gd name="connsiteX3" fmla="*/ 763572 w 1331198"/>
+                  <a:gd name="connsiteY3" fmla="*/ 2677212 h 2680151"/>
+                  <a:gd name="connsiteX4" fmla="*/ 1329180 w 1331198"/>
+                  <a:gd name="connsiteY4" fmla="*/ 1611984 h 2680151"/>
+                  <a:gd name="connsiteX5" fmla="*/ 914401 w 1331198"/>
+                  <a:gd name="connsiteY5" fmla="*/ 518474 h 2680151"/>
+                  <a:gd name="connsiteX6" fmla="*/ 141402 w 1331198"/>
+                  <a:gd name="connsiteY6" fmla="*/ 18853 h 2680151"/>
+                  <a:gd name="connsiteX7" fmla="*/ 141402 w 1331198"/>
+                  <a:gd name="connsiteY7" fmla="*/ 18853 h 2680151"/>
+                  <a:gd name="connsiteX8" fmla="*/ 150829 w 1331198"/>
+                  <a:gd name="connsiteY8" fmla="*/ 0 h 2680151"/>
+                  <a:gd name="connsiteX0" fmla="*/ 0 w 1331198"/>
+                  <a:gd name="connsiteY0" fmla="*/ 263950 h 2680151"/>
+                  <a:gd name="connsiteX1" fmla="*/ 782425 w 1331198"/>
+                  <a:gd name="connsiteY1" fmla="*/ 1253764 h 2680151"/>
+                  <a:gd name="connsiteX2" fmla="*/ 1112364 w 1331198"/>
+                  <a:gd name="connsiteY2" fmla="*/ 1885362 h 2680151"/>
+                  <a:gd name="connsiteX3" fmla="*/ 763572 w 1331198"/>
+                  <a:gd name="connsiteY3" fmla="*/ 2677212 h 2680151"/>
+                  <a:gd name="connsiteX4" fmla="*/ 1329180 w 1331198"/>
+                  <a:gd name="connsiteY4" fmla="*/ 1611984 h 2680151"/>
+                  <a:gd name="connsiteX5" fmla="*/ 914401 w 1331198"/>
+                  <a:gd name="connsiteY5" fmla="*/ 518474 h 2680151"/>
+                  <a:gd name="connsiteX6" fmla="*/ 141402 w 1331198"/>
+                  <a:gd name="connsiteY6" fmla="*/ 18853 h 2680151"/>
+                  <a:gd name="connsiteX7" fmla="*/ 141402 w 1331198"/>
+                  <a:gd name="connsiteY7" fmla="*/ 18853 h 2680151"/>
+                  <a:gd name="connsiteX8" fmla="*/ 150829 w 1331198"/>
+                  <a:gd name="connsiteY8" fmla="*/ 0 h 2680151"/>
+                  <a:gd name="connsiteX0" fmla="*/ 0 w 1331198"/>
+                  <a:gd name="connsiteY0" fmla="*/ 263950 h 2680151"/>
+                  <a:gd name="connsiteX1" fmla="*/ 782425 w 1331198"/>
+                  <a:gd name="connsiteY1" fmla="*/ 1253764 h 2680151"/>
+                  <a:gd name="connsiteX2" fmla="*/ 1112364 w 1331198"/>
+                  <a:gd name="connsiteY2" fmla="*/ 1885362 h 2680151"/>
+                  <a:gd name="connsiteX3" fmla="*/ 763572 w 1331198"/>
+                  <a:gd name="connsiteY3" fmla="*/ 2677212 h 2680151"/>
+                  <a:gd name="connsiteX4" fmla="*/ 1329180 w 1331198"/>
+                  <a:gd name="connsiteY4" fmla="*/ 1611984 h 2680151"/>
+                  <a:gd name="connsiteX5" fmla="*/ 914401 w 1331198"/>
+                  <a:gd name="connsiteY5" fmla="*/ 518474 h 2680151"/>
+                  <a:gd name="connsiteX6" fmla="*/ 141402 w 1331198"/>
+                  <a:gd name="connsiteY6" fmla="*/ 18853 h 2680151"/>
+                  <a:gd name="connsiteX7" fmla="*/ 141402 w 1331198"/>
+                  <a:gd name="connsiteY7" fmla="*/ 18853 h 2680151"/>
+                  <a:gd name="connsiteX8" fmla="*/ 150829 w 1331198"/>
+                  <a:gd name="connsiteY8" fmla="*/ 0 h 2680151"/>
+                  <a:gd name="connsiteX0" fmla="*/ 0 w 1331198"/>
+                  <a:gd name="connsiteY0" fmla="*/ 263950 h 2702429"/>
+                  <a:gd name="connsiteX1" fmla="*/ 782425 w 1331198"/>
+                  <a:gd name="connsiteY1" fmla="*/ 1253764 h 2702429"/>
+                  <a:gd name="connsiteX2" fmla="*/ 1112364 w 1331198"/>
+                  <a:gd name="connsiteY2" fmla="*/ 1885362 h 2702429"/>
+                  <a:gd name="connsiteX3" fmla="*/ 933255 w 1331198"/>
+                  <a:gd name="connsiteY3" fmla="*/ 2328422 h 2702429"/>
+                  <a:gd name="connsiteX4" fmla="*/ 763572 w 1331198"/>
+                  <a:gd name="connsiteY4" fmla="*/ 2677212 h 2702429"/>
+                  <a:gd name="connsiteX5" fmla="*/ 1329180 w 1331198"/>
+                  <a:gd name="connsiteY5" fmla="*/ 1611984 h 2702429"/>
+                  <a:gd name="connsiteX6" fmla="*/ 914401 w 1331198"/>
+                  <a:gd name="connsiteY6" fmla="*/ 518474 h 2702429"/>
+                  <a:gd name="connsiteX7" fmla="*/ 141402 w 1331198"/>
+                  <a:gd name="connsiteY7" fmla="*/ 18853 h 2702429"/>
+                  <a:gd name="connsiteX8" fmla="*/ 141402 w 1331198"/>
+                  <a:gd name="connsiteY8" fmla="*/ 18853 h 2702429"/>
+                  <a:gd name="connsiteX9" fmla="*/ 150829 w 1331198"/>
+                  <a:gd name="connsiteY9" fmla="*/ 0 h 2702429"/>
+                  <a:gd name="connsiteX0" fmla="*/ 0 w 1331198"/>
+                  <a:gd name="connsiteY0" fmla="*/ 263950 h 2706932"/>
+                  <a:gd name="connsiteX1" fmla="*/ 782425 w 1331198"/>
+                  <a:gd name="connsiteY1" fmla="*/ 1253764 h 2706932"/>
+                  <a:gd name="connsiteX2" fmla="*/ 1112364 w 1331198"/>
+                  <a:gd name="connsiteY2" fmla="*/ 1885362 h 2706932"/>
+                  <a:gd name="connsiteX3" fmla="*/ 791853 w 1331198"/>
+                  <a:gd name="connsiteY3" fmla="*/ 2394410 h 2706932"/>
+                  <a:gd name="connsiteX4" fmla="*/ 763572 w 1331198"/>
+                  <a:gd name="connsiteY4" fmla="*/ 2677212 h 2706932"/>
+                  <a:gd name="connsiteX5" fmla="*/ 1329180 w 1331198"/>
+                  <a:gd name="connsiteY5" fmla="*/ 1611984 h 2706932"/>
+                  <a:gd name="connsiteX6" fmla="*/ 914401 w 1331198"/>
+                  <a:gd name="connsiteY6" fmla="*/ 518474 h 2706932"/>
+                  <a:gd name="connsiteX7" fmla="*/ 141402 w 1331198"/>
+                  <a:gd name="connsiteY7" fmla="*/ 18853 h 2706932"/>
+                  <a:gd name="connsiteX8" fmla="*/ 141402 w 1331198"/>
+                  <a:gd name="connsiteY8" fmla="*/ 18853 h 2706932"/>
+                  <a:gd name="connsiteX9" fmla="*/ 150829 w 1331198"/>
+                  <a:gd name="connsiteY9" fmla="*/ 0 h 2706932"/>
+                  <a:gd name="connsiteX0" fmla="*/ 0 w 1331198"/>
+                  <a:gd name="connsiteY0" fmla="*/ 263950 h 2706932"/>
+                  <a:gd name="connsiteX1" fmla="*/ 782425 w 1331198"/>
+                  <a:gd name="connsiteY1" fmla="*/ 1253764 h 2706932"/>
+                  <a:gd name="connsiteX2" fmla="*/ 1112364 w 1331198"/>
+                  <a:gd name="connsiteY2" fmla="*/ 1885362 h 2706932"/>
+                  <a:gd name="connsiteX3" fmla="*/ 791853 w 1331198"/>
+                  <a:gd name="connsiteY3" fmla="*/ 2394410 h 2706932"/>
+                  <a:gd name="connsiteX4" fmla="*/ 763572 w 1331198"/>
+                  <a:gd name="connsiteY4" fmla="*/ 2677212 h 2706932"/>
+                  <a:gd name="connsiteX5" fmla="*/ 1329180 w 1331198"/>
+                  <a:gd name="connsiteY5" fmla="*/ 1611984 h 2706932"/>
+                  <a:gd name="connsiteX6" fmla="*/ 914401 w 1331198"/>
+                  <a:gd name="connsiteY6" fmla="*/ 518474 h 2706932"/>
+                  <a:gd name="connsiteX7" fmla="*/ 141402 w 1331198"/>
+                  <a:gd name="connsiteY7" fmla="*/ 18853 h 2706932"/>
+                  <a:gd name="connsiteX8" fmla="*/ 141402 w 1331198"/>
+                  <a:gd name="connsiteY8" fmla="*/ 18853 h 2706932"/>
+                  <a:gd name="connsiteX9" fmla="*/ 150829 w 1331198"/>
+                  <a:gd name="connsiteY9" fmla="*/ 0 h 2706932"/>
+                  <a:gd name="connsiteX0" fmla="*/ 0 w 1331198"/>
+                  <a:gd name="connsiteY0" fmla="*/ 263950 h 2708403"/>
+                  <a:gd name="connsiteX1" fmla="*/ 782425 w 1331198"/>
+                  <a:gd name="connsiteY1" fmla="*/ 1253764 h 2708403"/>
+                  <a:gd name="connsiteX2" fmla="*/ 1112364 w 1331198"/>
+                  <a:gd name="connsiteY2" fmla="*/ 1885362 h 2708403"/>
+                  <a:gd name="connsiteX3" fmla="*/ 791853 w 1331198"/>
+                  <a:gd name="connsiteY3" fmla="*/ 2394410 h 2708403"/>
+                  <a:gd name="connsiteX4" fmla="*/ 763572 w 1331198"/>
+                  <a:gd name="connsiteY4" fmla="*/ 2677212 h 2708403"/>
+                  <a:gd name="connsiteX5" fmla="*/ 1329180 w 1331198"/>
+                  <a:gd name="connsiteY5" fmla="*/ 1611984 h 2708403"/>
+                  <a:gd name="connsiteX6" fmla="*/ 914401 w 1331198"/>
+                  <a:gd name="connsiteY6" fmla="*/ 518474 h 2708403"/>
+                  <a:gd name="connsiteX7" fmla="*/ 141402 w 1331198"/>
+                  <a:gd name="connsiteY7" fmla="*/ 18853 h 2708403"/>
+                  <a:gd name="connsiteX8" fmla="*/ 141402 w 1331198"/>
+                  <a:gd name="connsiteY8" fmla="*/ 18853 h 2708403"/>
+                  <a:gd name="connsiteX9" fmla="*/ 150829 w 1331198"/>
+                  <a:gd name="connsiteY9" fmla="*/ 0 h 2708403"/>
+                  <a:gd name="connsiteX0" fmla="*/ 0 w 1331198"/>
+                  <a:gd name="connsiteY0" fmla="*/ 263950 h 2710674"/>
+                  <a:gd name="connsiteX1" fmla="*/ 782425 w 1331198"/>
+                  <a:gd name="connsiteY1" fmla="*/ 1253764 h 2710674"/>
+                  <a:gd name="connsiteX2" fmla="*/ 1112364 w 1331198"/>
+                  <a:gd name="connsiteY2" fmla="*/ 1885362 h 2710674"/>
+                  <a:gd name="connsiteX3" fmla="*/ 734134 w 1331198"/>
+                  <a:gd name="connsiteY3" fmla="*/ 2418713 h 2710674"/>
+                  <a:gd name="connsiteX4" fmla="*/ 763572 w 1331198"/>
+                  <a:gd name="connsiteY4" fmla="*/ 2677212 h 2710674"/>
+                  <a:gd name="connsiteX5" fmla="*/ 1329180 w 1331198"/>
+                  <a:gd name="connsiteY5" fmla="*/ 1611984 h 2710674"/>
+                  <a:gd name="connsiteX6" fmla="*/ 914401 w 1331198"/>
+                  <a:gd name="connsiteY6" fmla="*/ 518474 h 2710674"/>
+                  <a:gd name="connsiteX7" fmla="*/ 141402 w 1331198"/>
+                  <a:gd name="connsiteY7" fmla="*/ 18853 h 2710674"/>
+                  <a:gd name="connsiteX8" fmla="*/ 141402 w 1331198"/>
+                  <a:gd name="connsiteY8" fmla="*/ 18853 h 2710674"/>
+                  <a:gd name="connsiteX9" fmla="*/ 150829 w 1331198"/>
+                  <a:gd name="connsiteY9" fmla="*/ 0 h 2710674"/>
+                  <a:gd name="connsiteX0" fmla="*/ 0 w 1331198"/>
+                  <a:gd name="connsiteY0" fmla="*/ 263950 h 2710957"/>
+                  <a:gd name="connsiteX1" fmla="*/ 782425 w 1331198"/>
+                  <a:gd name="connsiteY1" fmla="*/ 1253764 h 2710957"/>
+                  <a:gd name="connsiteX2" fmla="*/ 1112364 w 1331198"/>
+                  <a:gd name="connsiteY2" fmla="*/ 1885362 h 2710957"/>
+                  <a:gd name="connsiteX3" fmla="*/ 734134 w 1331198"/>
+                  <a:gd name="connsiteY3" fmla="*/ 2418713 h 2710957"/>
+                  <a:gd name="connsiteX4" fmla="*/ 763572 w 1331198"/>
+                  <a:gd name="connsiteY4" fmla="*/ 2677212 h 2710957"/>
+                  <a:gd name="connsiteX5" fmla="*/ 1329180 w 1331198"/>
+                  <a:gd name="connsiteY5" fmla="*/ 1611984 h 2710957"/>
+                  <a:gd name="connsiteX6" fmla="*/ 914401 w 1331198"/>
+                  <a:gd name="connsiteY6" fmla="*/ 518474 h 2710957"/>
+                  <a:gd name="connsiteX7" fmla="*/ 141402 w 1331198"/>
+                  <a:gd name="connsiteY7" fmla="*/ 18853 h 2710957"/>
+                  <a:gd name="connsiteX8" fmla="*/ 141402 w 1331198"/>
+                  <a:gd name="connsiteY8" fmla="*/ 18853 h 2710957"/>
+                  <a:gd name="connsiteX9" fmla="*/ 150829 w 1331198"/>
+                  <a:gd name="connsiteY9" fmla="*/ 0 h 2710957"/>
+                  <a:gd name="connsiteX0" fmla="*/ 0 w 1331198"/>
+                  <a:gd name="connsiteY0" fmla="*/ 263950 h 2708652"/>
+                  <a:gd name="connsiteX1" fmla="*/ 782425 w 1331198"/>
+                  <a:gd name="connsiteY1" fmla="*/ 1253764 h 2708652"/>
+                  <a:gd name="connsiteX2" fmla="*/ 1112364 w 1331198"/>
+                  <a:gd name="connsiteY2" fmla="*/ 1885362 h 2708652"/>
+                  <a:gd name="connsiteX3" fmla="*/ 764513 w 1331198"/>
+                  <a:gd name="connsiteY3" fmla="*/ 2394410 h 2708652"/>
+                  <a:gd name="connsiteX4" fmla="*/ 763572 w 1331198"/>
+                  <a:gd name="connsiteY4" fmla="*/ 2677212 h 2708652"/>
+                  <a:gd name="connsiteX5" fmla="*/ 1329180 w 1331198"/>
+                  <a:gd name="connsiteY5" fmla="*/ 1611984 h 2708652"/>
+                  <a:gd name="connsiteX6" fmla="*/ 914401 w 1331198"/>
+                  <a:gd name="connsiteY6" fmla="*/ 518474 h 2708652"/>
+                  <a:gd name="connsiteX7" fmla="*/ 141402 w 1331198"/>
+                  <a:gd name="connsiteY7" fmla="*/ 18853 h 2708652"/>
+                  <a:gd name="connsiteX8" fmla="*/ 141402 w 1331198"/>
+                  <a:gd name="connsiteY8" fmla="*/ 18853 h 2708652"/>
+                  <a:gd name="connsiteX9" fmla="*/ 150829 w 1331198"/>
+                  <a:gd name="connsiteY9" fmla="*/ 0 h 2708652"/>
+                  <a:gd name="connsiteX0" fmla="*/ 0 w 1331198"/>
+                  <a:gd name="connsiteY0" fmla="*/ 263950 h 2677212"/>
+                  <a:gd name="connsiteX1" fmla="*/ 782425 w 1331198"/>
+                  <a:gd name="connsiteY1" fmla="*/ 1253764 h 2677212"/>
+                  <a:gd name="connsiteX2" fmla="*/ 1112364 w 1331198"/>
+                  <a:gd name="connsiteY2" fmla="*/ 1885362 h 2677212"/>
+                  <a:gd name="connsiteX3" fmla="*/ 764513 w 1331198"/>
+                  <a:gd name="connsiteY3" fmla="*/ 2394410 h 2677212"/>
+                  <a:gd name="connsiteX4" fmla="*/ 763572 w 1331198"/>
+                  <a:gd name="connsiteY4" fmla="*/ 2677212 h 2677212"/>
+                  <a:gd name="connsiteX5" fmla="*/ 1329180 w 1331198"/>
+                  <a:gd name="connsiteY5" fmla="*/ 1611984 h 2677212"/>
+                  <a:gd name="connsiteX6" fmla="*/ 914401 w 1331198"/>
+                  <a:gd name="connsiteY6" fmla="*/ 518474 h 2677212"/>
+                  <a:gd name="connsiteX7" fmla="*/ 141402 w 1331198"/>
+                  <a:gd name="connsiteY7" fmla="*/ 18853 h 2677212"/>
+                  <a:gd name="connsiteX8" fmla="*/ 141402 w 1331198"/>
+                  <a:gd name="connsiteY8" fmla="*/ 18853 h 2677212"/>
+                  <a:gd name="connsiteX9" fmla="*/ 150829 w 1331198"/>
+                  <a:gd name="connsiteY9" fmla="*/ 0 h 2677212"/>
+                  <a:gd name="connsiteX0" fmla="*/ 0 w 1331198"/>
+                  <a:gd name="connsiteY0" fmla="*/ 263950 h 2677212"/>
+                  <a:gd name="connsiteX1" fmla="*/ 782425 w 1331198"/>
+                  <a:gd name="connsiteY1" fmla="*/ 1253764 h 2677212"/>
+                  <a:gd name="connsiteX2" fmla="*/ 1112364 w 1331198"/>
+                  <a:gd name="connsiteY2" fmla="*/ 1885362 h 2677212"/>
+                  <a:gd name="connsiteX3" fmla="*/ 764513 w 1331198"/>
+                  <a:gd name="connsiteY3" fmla="*/ 2394410 h 2677212"/>
+                  <a:gd name="connsiteX4" fmla="*/ 763572 w 1331198"/>
+                  <a:gd name="connsiteY4" fmla="*/ 2677212 h 2677212"/>
+                  <a:gd name="connsiteX5" fmla="*/ 1329180 w 1331198"/>
+                  <a:gd name="connsiteY5" fmla="*/ 1611984 h 2677212"/>
+                  <a:gd name="connsiteX6" fmla="*/ 914401 w 1331198"/>
+                  <a:gd name="connsiteY6" fmla="*/ 518474 h 2677212"/>
+                  <a:gd name="connsiteX7" fmla="*/ 141402 w 1331198"/>
+                  <a:gd name="connsiteY7" fmla="*/ 18853 h 2677212"/>
+                  <a:gd name="connsiteX8" fmla="*/ 141402 w 1331198"/>
+                  <a:gd name="connsiteY8" fmla="*/ 18853 h 2677212"/>
+                  <a:gd name="connsiteX9" fmla="*/ 150829 w 1331198"/>
+                  <a:gd name="connsiteY9" fmla="*/ 0 h 2677212"/>
+                  <a:gd name="connsiteX0" fmla="*/ 0 w 1331198"/>
+                  <a:gd name="connsiteY0" fmla="*/ 263950 h 2677212"/>
+                  <a:gd name="connsiteX1" fmla="*/ 782425 w 1331198"/>
+                  <a:gd name="connsiteY1" fmla="*/ 1253764 h 2677212"/>
+                  <a:gd name="connsiteX2" fmla="*/ 887562 w 1331198"/>
+                  <a:gd name="connsiteY2" fmla="*/ 1967385 h 2677212"/>
+                  <a:gd name="connsiteX3" fmla="*/ 764513 w 1331198"/>
+                  <a:gd name="connsiteY3" fmla="*/ 2394410 h 2677212"/>
+                  <a:gd name="connsiteX4" fmla="*/ 763572 w 1331198"/>
+                  <a:gd name="connsiteY4" fmla="*/ 2677212 h 2677212"/>
+                  <a:gd name="connsiteX5" fmla="*/ 1329180 w 1331198"/>
+                  <a:gd name="connsiteY5" fmla="*/ 1611984 h 2677212"/>
+                  <a:gd name="connsiteX6" fmla="*/ 914401 w 1331198"/>
+                  <a:gd name="connsiteY6" fmla="*/ 518474 h 2677212"/>
+                  <a:gd name="connsiteX7" fmla="*/ 141402 w 1331198"/>
+                  <a:gd name="connsiteY7" fmla="*/ 18853 h 2677212"/>
+                  <a:gd name="connsiteX8" fmla="*/ 141402 w 1331198"/>
+                  <a:gd name="connsiteY8" fmla="*/ 18853 h 2677212"/>
+                  <a:gd name="connsiteX9" fmla="*/ 150829 w 1331198"/>
+                  <a:gd name="connsiteY9" fmla="*/ 0 h 2677212"/>
+                  <a:gd name="connsiteX0" fmla="*/ 0 w 1331198"/>
+                  <a:gd name="connsiteY0" fmla="*/ 263950 h 2677212"/>
+                  <a:gd name="connsiteX1" fmla="*/ 782425 w 1331198"/>
+                  <a:gd name="connsiteY1" fmla="*/ 1253764 h 2677212"/>
+                  <a:gd name="connsiteX2" fmla="*/ 887562 w 1331198"/>
+                  <a:gd name="connsiteY2" fmla="*/ 1967385 h 2677212"/>
+                  <a:gd name="connsiteX3" fmla="*/ 764513 w 1331198"/>
+                  <a:gd name="connsiteY3" fmla="*/ 2394410 h 2677212"/>
+                  <a:gd name="connsiteX4" fmla="*/ 763572 w 1331198"/>
+                  <a:gd name="connsiteY4" fmla="*/ 2677212 h 2677212"/>
+                  <a:gd name="connsiteX5" fmla="*/ 1329180 w 1331198"/>
+                  <a:gd name="connsiteY5" fmla="*/ 1611984 h 2677212"/>
+                  <a:gd name="connsiteX6" fmla="*/ 914401 w 1331198"/>
+                  <a:gd name="connsiteY6" fmla="*/ 518474 h 2677212"/>
+                  <a:gd name="connsiteX7" fmla="*/ 141402 w 1331198"/>
+                  <a:gd name="connsiteY7" fmla="*/ 18853 h 2677212"/>
+                  <a:gd name="connsiteX8" fmla="*/ 141402 w 1331198"/>
+                  <a:gd name="connsiteY8" fmla="*/ 18853 h 2677212"/>
+                  <a:gd name="connsiteX9" fmla="*/ 150829 w 1331198"/>
+                  <a:gd name="connsiteY9" fmla="*/ 0 h 2677212"/>
+                  <a:gd name="connsiteX0" fmla="*/ 0 w 1331198"/>
+                  <a:gd name="connsiteY0" fmla="*/ 263950 h 2677212"/>
+                  <a:gd name="connsiteX1" fmla="*/ 782425 w 1331198"/>
+                  <a:gd name="connsiteY1" fmla="*/ 1253764 h 2677212"/>
+                  <a:gd name="connsiteX2" fmla="*/ 887562 w 1331198"/>
+                  <a:gd name="connsiteY2" fmla="*/ 1967385 h 2677212"/>
+                  <a:gd name="connsiteX3" fmla="*/ 764513 w 1331198"/>
+                  <a:gd name="connsiteY3" fmla="*/ 2394410 h 2677212"/>
+                  <a:gd name="connsiteX4" fmla="*/ 763572 w 1331198"/>
+                  <a:gd name="connsiteY4" fmla="*/ 2677212 h 2677212"/>
+                  <a:gd name="connsiteX5" fmla="*/ 1329180 w 1331198"/>
+                  <a:gd name="connsiteY5" fmla="*/ 1611984 h 2677212"/>
+                  <a:gd name="connsiteX6" fmla="*/ 914401 w 1331198"/>
+                  <a:gd name="connsiteY6" fmla="*/ 518474 h 2677212"/>
+                  <a:gd name="connsiteX7" fmla="*/ 141402 w 1331198"/>
+                  <a:gd name="connsiteY7" fmla="*/ 18853 h 2677212"/>
+                  <a:gd name="connsiteX8" fmla="*/ 141402 w 1331198"/>
+                  <a:gd name="connsiteY8" fmla="*/ 18853 h 2677212"/>
+                  <a:gd name="connsiteX9" fmla="*/ 150829 w 1331198"/>
+                  <a:gd name="connsiteY9" fmla="*/ 0 h 2677212"/>
+                  <a:gd name="connsiteX0" fmla="*/ 0 w 1331198"/>
+                  <a:gd name="connsiteY0" fmla="*/ 263950 h 2677212"/>
+                  <a:gd name="connsiteX1" fmla="*/ 782425 w 1331198"/>
+                  <a:gd name="connsiteY1" fmla="*/ 1253764 h 2677212"/>
+                  <a:gd name="connsiteX2" fmla="*/ 887562 w 1331198"/>
+                  <a:gd name="connsiteY2" fmla="*/ 1967385 h 2677212"/>
+                  <a:gd name="connsiteX3" fmla="*/ 764513 w 1331198"/>
+                  <a:gd name="connsiteY3" fmla="*/ 2394410 h 2677212"/>
+                  <a:gd name="connsiteX4" fmla="*/ 763572 w 1331198"/>
+                  <a:gd name="connsiteY4" fmla="*/ 2677212 h 2677212"/>
+                  <a:gd name="connsiteX5" fmla="*/ 1329180 w 1331198"/>
+                  <a:gd name="connsiteY5" fmla="*/ 1611984 h 2677212"/>
+                  <a:gd name="connsiteX6" fmla="*/ 914401 w 1331198"/>
+                  <a:gd name="connsiteY6" fmla="*/ 518474 h 2677212"/>
+                  <a:gd name="connsiteX7" fmla="*/ 141402 w 1331198"/>
+                  <a:gd name="connsiteY7" fmla="*/ 18853 h 2677212"/>
+                  <a:gd name="connsiteX8" fmla="*/ 141402 w 1331198"/>
+                  <a:gd name="connsiteY8" fmla="*/ 18853 h 2677212"/>
+                  <a:gd name="connsiteX9" fmla="*/ 150829 w 1331198"/>
+                  <a:gd name="connsiteY9" fmla="*/ 0 h 2677212"/>
+                  <a:gd name="connsiteX0" fmla="*/ 0 w 1331198"/>
+                  <a:gd name="connsiteY0" fmla="*/ 263950 h 2677212"/>
+                  <a:gd name="connsiteX1" fmla="*/ 782425 w 1331198"/>
+                  <a:gd name="connsiteY1" fmla="*/ 1253764 h 2677212"/>
+                  <a:gd name="connsiteX2" fmla="*/ 887562 w 1331198"/>
+                  <a:gd name="connsiteY2" fmla="*/ 1967385 h 2677212"/>
+                  <a:gd name="connsiteX3" fmla="*/ 764513 w 1331198"/>
+                  <a:gd name="connsiteY3" fmla="*/ 2394410 h 2677212"/>
+                  <a:gd name="connsiteX4" fmla="*/ 763572 w 1331198"/>
+                  <a:gd name="connsiteY4" fmla="*/ 2677212 h 2677212"/>
+                  <a:gd name="connsiteX5" fmla="*/ 1329180 w 1331198"/>
+                  <a:gd name="connsiteY5" fmla="*/ 1611984 h 2677212"/>
+                  <a:gd name="connsiteX6" fmla="*/ 914401 w 1331198"/>
+                  <a:gd name="connsiteY6" fmla="*/ 518474 h 2677212"/>
+                  <a:gd name="connsiteX7" fmla="*/ 141402 w 1331198"/>
+                  <a:gd name="connsiteY7" fmla="*/ 18853 h 2677212"/>
+                  <a:gd name="connsiteX8" fmla="*/ 141402 w 1331198"/>
+                  <a:gd name="connsiteY8" fmla="*/ 18853 h 2677212"/>
+                  <a:gd name="connsiteX9" fmla="*/ 150829 w 1331198"/>
+                  <a:gd name="connsiteY9" fmla="*/ 0 h 2677212"/>
+                  <a:gd name="connsiteX0" fmla="*/ 0 w 1331198"/>
+                  <a:gd name="connsiteY0" fmla="*/ 263950 h 2677212"/>
+                  <a:gd name="connsiteX1" fmla="*/ 752046 w 1331198"/>
+                  <a:gd name="connsiteY1" fmla="*/ 1463378 h 2677212"/>
+                  <a:gd name="connsiteX2" fmla="*/ 887562 w 1331198"/>
+                  <a:gd name="connsiteY2" fmla="*/ 1967385 h 2677212"/>
+                  <a:gd name="connsiteX3" fmla="*/ 764513 w 1331198"/>
+                  <a:gd name="connsiteY3" fmla="*/ 2394410 h 2677212"/>
+                  <a:gd name="connsiteX4" fmla="*/ 763572 w 1331198"/>
+                  <a:gd name="connsiteY4" fmla="*/ 2677212 h 2677212"/>
+                  <a:gd name="connsiteX5" fmla="*/ 1329180 w 1331198"/>
+                  <a:gd name="connsiteY5" fmla="*/ 1611984 h 2677212"/>
+                  <a:gd name="connsiteX6" fmla="*/ 914401 w 1331198"/>
+                  <a:gd name="connsiteY6" fmla="*/ 518474 h 2677212"/>
+                  <a:gd name="connsiteX7" fmla="*/ 141402 w 1331198"/>
+                  <a:gd name="connsiteY7" fmla="*/ 18853 h 2677212"/>
+                  <a:gd name="connsiteX8" fmla="*/ 141402 w 1331198"/>
+                  <a:gd name="connsiteY8" fmla="*/ 18853 h 2677212"/>
+                  <a:gd name="connsiteX9" fmla="*/ 150829 w 1331198"/>
+                  <a:gd name="connsiteY9" fmla="*/ 0 h 2677212"/>
+                  <a:gd name="connsiteX0" fmla="*/ 0 w 1331198"/>
+                  <a:gd name="connsiteY0" fmla="*/ 263950 h 2677212"/>
+                  <a:gd name="connsiteX1" fmla="*/ 752046 w 1331198"/>
+                  <a:gd name="connsiteY1" fmla="*/ 1463378 h 2677212"/>
+                  <a:gd name="connsiteX2" fmla="*/ 887562 w 1331198"/>
+                  <a:gd name="connsiteY2" fmla="*/ 1967385 h 2677212"/>
+                  <a:gd name="connsiteX3" fmla="*/ 764513 w 1331198"/>
+                  <a:gd name="connsiteY3" fmla="*/ 2394410 h 2677212"/>
+                  <a:gd name="connsiteX4" fmla="*/ 763572 w 1331198"/>
+                  <a:gd name="connsiteY4" fmla="*/ 2677212 h 2677212"/>
+                  <a:gd name="connsiteX5" fmla="*/ 1329180 w 1331198"/>
+                  <a:gd name="connsiteY5" fmla="*/ 1611984 h 2677212"/>
+                  <a:gd name="connsiteX6" fmla="*/ 914401 w 1331198"/>
+                  <a:gd name="connsiteY6" fmla="*/ 518474 h 2677212"/>
+                  <a:gd name="connsiteX7" fmla="*/ 141402 w 1331198"/>
+                  <a:gd name="connsiteY7" fmla="*/ 18853 h 2677212"/>
+                  <a:gd name="connsiteX8" fmla="*/ 141402 w 1331198"/>
+                  <a:gd name="connsiteY8" fmla="*/ 18853 h 2677212"/>
+                  <a:gd name="connsiteX9" fmla="*/ 150829 w 1331198"/>
+                  <a:gd name="connsiteY9" fmla="*/ 0 h 2677212"/>
+                  <a:gd name="connsiteX0" fmla="*/ 0 w 1331198"/>
+                  <a:gd name="connsiteY0" fmla="*/ 263950 h 2677212"/>
+                  <a:gd name="connsiteX1" fmla="*/ 752046 w 1331198"/>
+                  <a:gd name="connsiteY1" fmla="*/ 1463378 h 2677212"/>
+                  <a:gd name="connsiteX2" fmla="*/ 893637 w 1331198"/>
+                  <a:gd name="connsiteY2" fmla="*/ 1897514 h 2677212"/>
+                  <a:gd name="connsiteX3" fmla="*/ 764513 w 1331198"/>
+                  <a:gd name="connsiteY3" fmla="*/ 2394410 h 2677212"/>
+                  <a:gd name="connsiteX4" fmla="*/ 763572 w 1331198"/>
+                  <a:gd name="connsiteY4" fmla="*/ 2677212 h 2677212"/>
+                  <a:gd name="connsiteX5" fmla="*/ 1329180 w 1331198"/>
+                  <a:gd name="connsiteY5" fmla="*/ 1611984 h 2677212"/>
+                  <a:gd name="connsiteX6" fmla="*/ 914401 w 1331198"/>
+                  <a:gd name="connsiteY6" fmla="*/ 518474 h 2677212"/>
+                  <a:gd name="connsiteX7" fmla="*/ 141402 w 1331198"/>
+                  <a:gd name="connsiteY7" fmla="*/ 18853 h 2677212"/>
+                  <a:gd name="connsiteX8" fmla="*/ 141402 w 1331198"/>
+                  <a:gd name="connsiteY8" fmla="*/ 18853 h 2677212"/>
+                  <a:gd name="connsiteX9" fmla="*/ 150829 w 1331198"/>
+                  <a:gd name="connsiteY9" fmla="*/ 0 h 2677212"/>
+                  <a:gd name="connsiteX0" fmla="*/ 0 w 1330172"/>
+                  <a:gd name="connsiteY0" fmla="*/ 263950 h 2677212"/>
+                  <a:gd name="connsiteX1" fmla="*/ 752046 w 1330172"/>
+                  <a:gd name="connsiteY1" fmla="*/ 1463378 h 2677212"/>
+                  <a:gd name="connsiteX2" fmla="*/ 893637 w 1330172"/>
+                  <a:gd name="connsiteY2" fmla="*/ 1897514 h 2677212"/>
+                  <a:gd name="connsiteX3" fmla="*/ 764513 w 1330172"/>
+                  <a:gd name="connsiteY3" fmla="*/ 2394410 h 2677212"/>
+                  <a:gd name="connsiteX4" fmla="*/ 763572 w 1330172"/>
+                  <a:gd name="connsiteY4" fmla="*/ 2677212 h 2677212"/>
+                  <a:gd name="connsiteX5" fmla="*/ 1329180 w 1330172"/>
+                  <a:gd name="connsiteY5" fmla="*/ 1611984 h 2677212"/>
+                  <a:gd name="connsiteX6" fmla="*/ 875212 w 1330172"/>
+                  <a:gd name="connsiteY6" fmla="*/ 753605 h 2677212"/>
+                  <a:gd name="connsiteX7" fmla="*/ 141402 w 1330172"/>
+                  <a:gd name="connsiteY7" fmla="*/ 18853 h 2677212"/>
+                  <a:gd name="connsiteX8" fmla="*/ 141402 w 1330172"/>
+                  <a:gd name="connsiteY8" fmla="*/ 18853 h 2677212"/>
+                  <a:gd name="connsiteX9" fmla="*/ 150829 w 1330172"/>
+                  <a:gd name="connsiteY9" fmla="*/ 0 h 2677212"/>
+                  <a:gd name="connsiteX0" fmla="*/ 0 w 1330172"/>
+                  <a:gd name="connsiteY0" fmla="*/ 245097 h 2658359"/>
+                  <a:gd name="connsiteX1" fmla="*/ 752046 w 1330172"/>
+                  <a:gd name="connsiteY1" fmla="*/ 1444525 h 2658359"/>
+                  <a:gd name="connsiteX2" fmla="*/ 893637 w 1330172"/>
+                  <a:gd name="connsiteY2" fmla="*/ 1878661 h 2658359"/>
+                  <a:gd name="connsiteX3" fmla="*/ 764513 w 1330172"/>
+                  <a:gd name="connsiteY3" fmla="*/ 2375557 h 2658359"/>
+                  <a:gd name="connsiteX4" fmla="*/ 763572 w 1330172"/>
+                  <a:gd name="connsiteY4" fmla="*/ 2658359 h 2658359"/>
+                  <a:gd name="connsiteX5" fmla="*/ 1329180 w 1330172"/>
+                  <a:gd name="connsiteY5" fmla="*/ 1593131 h 2658359"/>
+                  <a:gd name="connsiteX6" fmla="*/ 875212 w 1330172"/>
+                  <a:gd name="connsiteY6" fmla="*/ 734752 h 2658359"/>
+                  <a:gd name="connsiteX7" fmla="*/ 141402 w 1330172"/>
+                  <a:gd name="connsiteY7" fmla="*/ 0 h 2658359"/>
+                  <a:gd name="connsiteX8" fmla="*/ 141402 w 1330172"/>
+                  <a:gd name="connsiteY8" fmla="*/ 0 h 2658359"/>
+                  <a:gd name="connsiteX9" fmla="*/ 59389 w 1330172"/>
+                  <a:gd name="connsiteY9" fmla="*/ 79118 h 2658359"/>
+                  <a:gd name="connsiteX0" fmla="*/ 0 w 1330172"/>
+                  <a:gd name="connsiteY0" fmla="*/ 276282 h 2689544"/>
+                  <a:gd name="connsiteX1" fmla="*/ 752046 w 1330172"/>
+                  <a:gd name="connsiteY1" fmla="*/ 1475710 h 2689544"/>
+                  <a:gd name="connsiteX2" fmla="*/ 893637 w 1330172"/>
+                  <a:gd name="connsiteY2" fmla="*/ 1909846 h 2689544"/>
+                  <a:gd name="connsiteX3" fmla="*/ 764513 w 1330172"/>
+                  <a:gd name="connsiteY3" fmla="*/ 2406742 h 2689544"/>
+                  <a:gd name="connsiteX4" fmla="*/ 763572 w 1330172"/>
+                  <a:gd name="connsiteY4" fmla="*/ 2689544 h 2689544"/>
+                  <a:gd name="connsiteX5" fmla="*/ 1329180 w 1330172"/>
+                  <a:gd name="connsiteY5" fmla="*/ 1624316 h 2689544"/>
+                  <a:gd name="connsiteX6" fmla="*/ 875212 w 1330172"/>
+                  <a:gd name="connsiteY6" fmla="*/ 765937 h 2689544"/>
+                  <a:gd name="connsiteX7" fmla="*/ 141402 w 1330172"/>
+                  <a:gd name="connsiteY7" fmla="*/ 31185 h 2689544"/>
+                  <a:gd name="connsiteX8" fmla="*/ 121808 w 1330172"/>
+                  <a:gd name="connsiteY8" fmla="*/ 148750 h 2689544"/>
+                  <a:gd name="connsiteX9" fmla="*/ 59389 w 1330172"/>
+                  <a:gd name="connsiteY9" fmla="*/ 110303 h 2689544"/>
+                  <a:gd name="connsiteX0" fmla="*/ 20962 w 1351107"/>
+                  <a:gd name="connsiteY0" fmla="*/ 204121 h 2617383"/>
+                  <a:gd name="connsiteX1" fmla="*/ 773008 w 1351107"/>
+                  <a:gd name="connsiteY1" fmla="*/ 1403549 h 2617383"/>
+                  <a:gd name="connsiteX2" fmla="*/ 914599 w 1351107"/>
+                  <a:gd name="connsiteY2" fmla="*/ 1837685 h 2617383"/>
+                  <a:gd name="connsiteX3" fmla="*/ 785475 w 1351107"/>
+                  <a:gd name="connsiteY3" fmla="*/ 2334581 h 2617383"/>
+                  <a:gd name="connsiteX4" fmla="*/ 784534 w 1351107"/>
+                  <a:gd name="connsiteY4" fmla="*/ 2617383 h 2617383"/>
+                  <a:gd name="connsiteX5" fmla="*/ 1350142 w 1351107"/>
+                  <a:gd name="connsiteY5" fmla="*/ 1552155 h 2617383"/>
+                  <a:gd name="connsiteX6" fmla="*/ 896174 w 1351107"/>
+                  <a:gd name="connsiteY6" fmla="*/ 693776 h 2617383"/>
+                  <a:gd name="connsiteX7" fmla="*/ 38267 w 1351107"/>
+                  <a:gd name="connsiteY7" fmla="*/ 37401 h 2617383"/>
+                  <a:gd name="connsiteX8" fmla="*/ 142770 w 1351107"/>
+                  <a:gd name="connsiteY8" fmla="*/ 76589 h 2617383"/>
+                  <a:gd name="connsiteX9" fmla="*/ 80351 w 1351107"/>
+                  <a:gd name="connsiteY9" fmla="*/ 38142 h 2617383"/>
+                  <a:gd name="connsiteX0" fmla="*/ 35348 w 1365493"/>
+                  <a:gd name="connsiteY0" fmla="*/ 215127 h 2628389"/>
+                  <a:gd name="connsiteX1" fmla="*/ 787394 w 1365493"/>
+                  <a:gd name="connsiteY1" fmla="*/ 1414555 h 2628389"/>
+                  <a:gd name="connsiteX2" fmla="*/ 928985 w 1365493"/>
+                  <a:gd name="connsiteY2" fmla="*/ 1848691 h 2628389"/>
+                  <a:gd name="connsiteX3" fmla="*/ 799861 w 1365493"/>
+                  <a:gd name="connsiteY3" fmla="*/ 2345587 h 2628389"/>
+                  <a:gd name="connsiteX4" fmla="*/ 798920 w 1365493"/>
+                  <a:gd name="connsiteY4" fmla="*/ 2628389 h 2628389"/>
+                  <a:gd name="connsiteX5" fmla="*/ 1364528 w 1365493"/>
+                  <a:gd name="connsiteY5" fmla="*/ 1563161 h 2628389"/>
+                  <a:gd name="connsiteX6" fmla="*/ 910560 w 1365493"/>
+                  <a:gd name="connsiteY6" fmla="*/ 704782 h 2628389"/>
+                  <a:gd name="connsiteX7" fmla="*/ 52653 w 1365493"/>
+                  <a:gd name="connsiteY7" fmla="*/ 48407 h 2628389"/>
+                  <a:gd name="connsiteX8" fmla="*/ 94737 w 1365493"/>
+                  <a:gd name="connsiteY8" fmla="*/ 49148 h 2628389"/>
+                  <a:gd name="connsiteX0" fmla="*/ 0 w 1330145"/>
+                  <a:gd name="connsiteY0" fmla="*/ 166720 h 2579982"/>
+                  <a:gd name="connsiteX1" fmla="*/ 752046 w 1330145"/>
+                  <a:gd name="connsiteY1" fmla="*/ 1366148 h 2579982"/>
+                  <a:gd name="connsiteX2" fmla="*/ 893637 w 1330145"/>
+                  <a:gd name="connsiteY2" fmla="*/ 1800284 h 2579982"/>
+                  <a:gd name="connsiteX3" fmla="*/ 764513 w 1330145"/>
+                  <a:gd name="connsiteY3" fmla="*/ 2297180 h 2579982"/>
+                  <a:gd name="connsiteX4" fmla="*/ 763572 w 1330145"/>
+                  <a:gd name="connsiteY4" fmla="*/ 2579982 h 2579982"/>
+                  <a:gd name="connsiteX5" fmla="*/ 1329180 w 1330145"/>
+                  <a:gd name="connsiteY5" fmla="*/ 1514754 h 2579982"/>
+                  <a:gd name="connsiteX6" fmla="*/ 875212 w 1330145"/>
+                  <a:gd name="connsiteY6" fmla="*/ 656375 h 2579982"/>
+                  <a:gd name="connsiteX7" fmla="*/ 17305 w 1330145"/>
+                  <a:gd name="connsiteY7" fmla="*/ 0 h 2579982"/>
+                  <a:gd name="connsiteX0" fmla="*/ 0 w 1330058"/>
+                  <a:gd name="connsiteY0" fmla="*/ 107937 h 2521199"/>
+                  <a:gd name="connsiteX1" fmla="*/ 752046 w 1330058"/>
+                  <a:gd name="connsiteY1" fmla="*/ 1307365 h 2521199"/>
+                  <a:gd name="connsiteX2" fmla="*/ 893637 w 1330058"/>
+                  <a:gd name="connsiteY2" fmla="*/ 1741501 h 2521199"/>
+                  <a:gd name="connsiteX3" fmla="*/ 764513 w 1330058"/>
+                  <a:gd name="connsiteY3" fmla="*/ 2238397 h 2521199"/>
+                  <a:gd name="connsiteX4" fmla="*/ 763572 w 1330058"/>
+                  <a:gd name="connsiteY4" fmla="*/ 2521199 h 2521199"/>
+                  <a:gd name="connsiteX5" fmla="*/ 1329180 w 1330058"/>
+                  <a:gd name="connsiteY5" fmla="*/ 1455971 h 2521199"/>
+                  <a:gd name="connsiteX6" fmla="*/ 875212 w 1330058"/>
+                  <a:gd name="connsiteY6" fmla="*/ 597592 h 2521199"/>
+                  <a:gd name="connsiteX7" fmla="*/ 180591 w 1330058"/>
+                  <a:gd name="connsiteY7" fmla="*/ 0 h 2521199"/>
+                  <a:gd name="connsiteX0" fmla="*/ 0 w 1330058"/>
+                  <a:gd name="connsiteY0" fmla="*/ 107937 h 2521199"/>
+                  <a:gd name="connsiteX1" fmla="*/ 752046 w 1330058"/>
+                  <a:gd name="connsiteY1" fmla="*/ 1307365 h 2521199"/>
+                  <a:gd name="connsiteX2" fmla="*/ 893637 w 1330058"/>
+                  <a:gd name="connsiteY2" fmla="*/ 1741501 h 2521199"/>
+                  <a:gd name="connsiteX3" fmla="*/ 764513 w 1330058"/>
+                  <a:gd name="connsiteY3" fmla="*/ 2238397 h 2521199"/>
+                  <a:gd name="connsiteX4" fmla="*/ 763572 w 1330058"/>
+                  <a:gd name="connsiteY4" fmla="*/ 2521199 h 2521199"/>
+                  <a:gd name="connsiteX5" fmla="*/ 1329180 w 1330058"/>
+                  <a:gd name="connsiteY5" fmla="*/ 1455971 h 2521199"/>
+                  <a:gd name="connsiteX6" fmla="*/ 875212 w 1330058"/>
+                  <a:gd name="connsiteY6" fmla="*/ 597592 h 2521199"/>
+                  <a:gd name="connsiteX7" fmla="*/ 180591 w 1330058"/>
+                  <a:gd name="connsiteY7" fmla="*/ 0 h 2521199"/>
+                  <a:gd name="connsiteX0" fmla="*/ 0 w 1330058"/>
+                  <a:gd name="connsiteY0" fmla="*/ 107937 h 2521199"/>
+                  <a:gd name="connsiteX1" fmla="*/ 752046 w 1330058"/>
+                  <a:gd name="connsiteY1" fmla="*/ 1307365 h 2521199"/>
+                  <a:gd name="connsiteX2" fmla="*/ 893637 w 1330058"/>
+                  <a:gd name="connsiteY2" fmla="*/ 1741501 h 2521199"/>
+                  <a:gd name="connsiteX3" fmla="*/ 764513 w 1330058"/>
+                  <a:gd name="connsiteY3" fmla="*/ 2238397 h 2521199"/>
+                  <a:gd name="connsiteX4" fmla="*/ 763572 w 1330058"/>
+                  <a:gd name="connsiteY4" fmla="*/ 2521199 h 2521199"/>
+                  <a:gd name="connsiteX5" fmla="*/ 1329180 w 1330058"/>
+                  <a:gd name="connsiteY5" fmla="*/ 1455971 h 2521199"/>
+                  <a:gd name="connsiteX6" fmla="*/ 875212 w 1330058"/>
+                  <a:gd name="connsiteY6" fmla="*/ 597592 h 2521199"/>
+                  <a:gd name="connsiteX7" fmla="*/ 180591 w 1330058"/>
+                  <a:gd name="connsiteY7" fmla="*/ 0 h 2521199"/>
+                  <a:gd name="connsiteX0" fmla="*/ 0 w 1334270"/>
+                  <a:gd name="connsiteY0" fmla="*/ 107937 h 2521199"/>
+                  <a:gd name="connsiteX1" fmla="*/ 752046 w 1334270"/>
+                  <a:gd name="connsiteY1" fmla="*/ 1307365 h 2521199"/>
+                  <a:gd name="connsiteX2" fmla="*/ 893637 w 1334270"/>
+                  <a:gd name="connsiteY2" fmla="*/ 1741501 h 2521199"/>
+                  <a:gd name="connsiteX3" fmla="*/ 764513 w 1334270"/>
+                  <a:gd name="connsiteY3" fmla="*/ 2238397 h 2521199"/>
+                  <a:gd name="connsiteX4" fmla="*/ 763572 w 1334270"/>
+                  <a:gd name="connsiteY4" fmla="*/ 2521199 h 2521199"/>
+                  <a:gd name="connsiteX5" fmla="*/ 1329180 w 1334270"/>
+                  <a:gd name="connsiteY5" fmla="*/ 1455971 h 2521199"/>
+                  <a:gd name="connsiteX6" fmla="*/ 992778 w 1334270"/>
+                  <a:gd name="connsiteY6" fmla="*/ 669437 h 2521199"/>
+                  <a:gd name="connsiteX7" fmla="*/ 180591 w 1334270"/>
+                  <a:gd name="connsiteY7" fmla="*/ 0 h 2521199"/>
+                  <a:gd name="connsiteX0" fmla="*/ 0 w 1329832"/>
+                  <a:gd name="connsiteY0" fmla="*/ 107937 h 2521199"/>
+                  <a:gd name="connsiteX1" fmla="*/ 752046 w 1329832"/>
+                  <a:gd name="connsiteY1" fmla="*/ 1307365 h 2521199"/>
+                  <a:gd name="connsiteX2" fmla="*/ 893637 w 1329832"/>
+                  <a:gd name="connsiteY2" fmla="*/ 1741501 h 2521199"/>
+                  <a:gd name="connsiteX3" fmla="*/ 764513 w 1329832"/>
+                  <a:gd name="connsiteY3" fmla="*/ 2238397 h 2521199"/>
+                  <a:gd name="connsiteX4" fmla="*/ 763572 w 1329832"/>
+                  <a:gd name="connsiteY4" fmla="*/ 2521199 h 2521199"/>
+                  <a:gd name="connsiteX5" fmla="*/ 1329180 w 1329832"/>
+                  <a:gd name="connsiteY5" fmla="*/ 1455971 h 2521199"/>
+                  <a:gd name="connsiteX6" fmla="*/ 992778 w 1329832"/>
+                  <a:gd name="connsiteY6" fmla="*/ 669437 h 2521199"/>
+                  <a:gd name="connsiteX7" fmla="*/ 180591 w 1329832"/>
+                  <a:gd name="connsiteY7" fmla="*/ 0 h 2521199"/>
+                  <a:gd name="connsiteX0" fmla="*/ 0 w 1351205"/>
+                  <a:gd name="connsiteY0" fmla="*/ 107937 h 2521199"/>
+                  <a:gd name="connsiteX1" fmla="*/ 752046 w 1351205"/>
+                  <a:gd name="connsiteY1" fmla="*/ 1307365 h 2521199"/>
+                  <a:gd name="connsiteX2" fmla="*/ 893637 w 1351205"/>
+                  <a:gd name="connsiteY2" fmla="*/ 1741501 h 2521199"/>
+                  <a:gd name="connsiteX3" fmla="*/ 764513 w 1351205"/>
+                  <a:gd name="connsiteY3" fmla="*/ 2238397 h 2521199"/>
+                  <a:gd name="connsiteX4" fmla="*/ 763572 w 1351205"/>
+                  <a:gd name="connsiteY4" fmla="*/ 2521199 h 2521199"/>
+                  <a:gd name="connsiteX5" fmla="*/ 1329180 w 1351205"/>
+                  <a:gd name="connsiteY5" fmla="*/ 1455971 h 2521199"/>
+                  <a:gd name="connsiteX6" fmla="*/ 180591 w 1351205"/>
+                  <a:gd name="connsiteY6" fmla="*/ 0 h 2521199"/>
+                  <a:gd name="connsiteX0" fmla="*/ 0 w 1332387"/>
+                  <a:gd name="connsiteY0" fmla="*/ 107937 h 2521199"/>
+                  <a:gd name="connsiteX1" fmla="*/ 752046 w 1332387"/>
+                  <a:gd name="connsiteY1" fmla="*/ 1307365 h 2521199"/>
+                  <a:gd name="connsiteX2" fmla="*/ 893637 w 1332387"/>
+                  <a:gd name="connsiteY2" fmla="*/ 1741501 h 2521199"/>
+                  <a:gd name="connsiteX3" fmla="*/ 764513 w 1332387"/>
+                  <a:gd name="connsiteY3" fmla="*/ 2238397 h 2521199"/>
+                  <a:gd name="connsiteX4" fmla="*/ 763572 w 1332387"/>
+                  <a:gd name="connsiteY4" fmla="*/ 2521199 h 2521199"/>
+                  <a:gd name="connsiteX5" fmla="*/ 1329180 w 1332387"/>
+                  <a:gd name="connsiteY5" fmla="*/ 1455971 h 2521199"/>
+                  <a:gd name="connsiteX6" fmla="*/ 180591 w 1332387"/>
+                  <a:gd name="connsiteY6" fmla="*/ 0 h 2521199"/>
+                  <a:gd name="connsiteX0" fmla="*/ 0 w 1329223"/>
+                  <a:gd name="connsiteY0" fmla="*/ 107937 h 2521199"/>
+                  <a:gd name="connsiteX1" fmla="*/ 752046 w 1329223"/>
+                  <a:gd name="connsiteY1" fmla="*/ 1307365 h 2521199"/>
+                  <a:gd name="connsiteX2" fmla="*/ 893637 w 1329223"/>
+                  <a:gd name="connsiteY2" fmla="*/ 1741501 h 2521199"/>
+                  <a:gd name="connsiteX3" fmla="*/ 764513 w 1329223"/>
+                  <a:gd name="connsiteY3" fmla="*/ 2238397 h 2521199"/>
+                  <a:gd name="connsiteX4" fmla="*/ 763572 w 1329223"/>
+                  <a:gd name="connsiteY4" fmla="*/ 2521199 h 2521199"/>
+                  <a:gd name="connsiteX5" fmla="*/ 1329180 w 1329223"/>
+                  <a:gd name="connsiteY5" fmla="*/ 1455971 h 2521199"/>
+                  <a:gd name="connsiteX6" fmla="*/ 180591 w 1329223"/>
+                  <a:gd name="connsiteY6" fmla="*/ 0 h 2521199"/>
+                  <a:gd name="connsiteX0" fmla="*/ 0 w 1322693"/>
+                  <a:gd name="connsiteY0" fmla="*/ 107937 h 2521199"/>
+                  <a:gd name="connsiteX1" fmla="*/ 752046 w 1322693"/>
+                  <a:gd name="connsiteY1" fmla="*/ 1307365 h 2521199"/>
+                  <a:gd name="connsiteX2" fmla="*/ 893637 w 1322693"/>
+                  <a:gd name="connsiteY2" fmla="*/ 1741501 h 2521199"/>
+                  <a:gd name="connsiteX3" fmla="*/ 764513 w 1322693"/>
+                  <a:gd name="connsiteY3" fmla="*/ 2238397 h 2521199"/>
+                  <a:gd name="connsiteX4" fmla="*/ 763572 w 1322693"/>
+                  <a:gd name="connsiteY4" fmla="*/ 2521199 h 2521199"/>
+                  <a:gd name="connsiteX5" fmla="*/ 1322649 w 1322693"/>
+                  <a:gd name="connsiteY5" fmla="*/ 1743354 h 2521199"/>
+                  <a:gd name="connsiteX6" fmla="*/ 180591 w 1322693"/>
+                  <a:gd name="connsiteY6" fmla="*/ 0 h 2521199"/>
+                  <a:gd name="connsiteX0" fmla="*/ 80666 w 1142102"/>
+                  <a:gd name="connsiteY0" fmla="*/ 532480 h 2521199"/>
+                  <a:gd name="connsiteX1" fmla="*/ 571455 w 1142102"/>
+                  <a:gd name="connsiteY1" fmla="*/ 1307365 h 2521199"/>
+                  <a:gd name="connsiteX2" fmla="*/ 713046 w 1142102"/>
+                  <a:gd name="connsiteY2" fmla="*/ 1741501 h 2521199"/>
+                  <a:gd name="connsiteX3" fmla="*/ 583922 w 1142102"/>
+                  <a:gd name="connsiteY3" fmla="*/ 2238397 h 2521199"/>
+                  <a:gd name="connsiteX4" fmla="*/ 582981 w 1142102"/>
+                  <a:gd name="connsiteY4" fmla="*/ 2521199 h 2521199"/>
+                  <a:gd name="connsiteX5" fmla="*/ 1142058 w 1142102"/>
+                  <a:gd name="connsiteY5" fmla="*/ 1743354 h 2521199"/>
+                  <a:gd name="connsiteX6" fmla="*/ 0 w 1142102"/>
+                  <a:gd name="connsiteY6" fmla="*/ 0 h 2521199"/>
+                  <a:gd name="connsiteX0" fmla="*/ 0 w 1074566"/>
+                  <a:gd name="connsiteY0" fmla="*/ 114469 h 2103188"/>
+                  <a:gd name="connsiteX1" fmla="*/ 490789 w 1074566"/>
+                  <a:gd name="connsiteY1" fmla="*/ 889354 h 2103188"/>
+                  <a:gd name="connsiteX2" fmla="*/ 632380 w 1074566"/>
+                  <a:gd name="connsiteY2" fmla="*/ 1323490 h 2103188"/>
+                  <a:gd name="connsiteX3" fmla="*/ 503256 w 1074566"/>
+                  <a:gd name="connsiteY3" fmla="*/ 1820386 h 2103188"/>
+                  <a:gd name="connsiteX4" fmla="*/ 502315 w 1074566"/>
+                  <a:gd name="connsiteY4" fmla="*/ 2103188 h 2103188"/>
+                  <a:gd name="connsiteX5" fmla="*/ 1061392 w 1074566"/>
+                  <a:gd name="connsiteY5" fmla="*/ 1325343 h 2103188"/>
+                  <a:gd name="connsiteX6" fmla="*/ 95683 w 1074566"/>
+                  <a:gd name="connsiteY6" fmla="*/ 0 h 2103188"/>
+                  <a:gd name="connsiteX0" fmla="*/ 0 w 1074566"/>
+                  <a:gd name="connsiteY0" fmla="*/ 114469 h 2103188"/>
+                  <a:gd name="connsiteX1" fmla="*/ 490789 w 1074566"/>
+                  <a:gd name="connsiteY1" fmla="*/ 889354 h 2103188"/>
+                  <a:gd name="connsiteX2" fmla="*/ 632380 w 1074566"/>
+                  <a:gd name="connsiteY2" fmla="*/ 1323490 h 2103188"/>
+                  <a:gd name="connsiteX3" fmla="*/ 503256 w 1074566"/>
+                  <a:gd name="connsiteY3" fmla="*/ 1820386 h 2103188"/>
+                  <a:gd name="connsiteX4" fmla="*/ 502315 w 1074566"/>
+                  <a:gd name="connsiteY4" fmla="*/ 2103188 h 2103188"/>
+                  <a:gd name="connsiteX5" fmla="*/ 1061392 w 1074566"/>
+                  <a:gd name="connsiteY5" fmla="*/ 1325343 h 2103188"/>
+                  <a:gd name="connsiteX6" fmla="*/ 95683 w 1074566"/>
+                  <a:gd name="connsiteY6" fmla="*/ 0 h 2103188"/>
+                  <a:gd name="connsiteX0" fmla="*/ 0 w 1074566"/>
+                  <a:gd name="connsiteY0" fmla="*/ 114469 h 2103188"/>
+                  <a:gd name="connsiteX1" fmla="*/ 490789 w 1074566"/>
+                  <a:gd name="connsiteY1" fmla="*/ 889354 h 2103188"/>
+                  <a:gd name="connsiteX2" fmla="*/ 632380 w 1074566"/>
+                  <a:gd name="connsiteY2" fmla="*/ 1323490 h 2103188"/>
+                  <a:gd name="connsiteX3" fmla="*/ 503256 w 1074566"/>
+                  <a:gd name="connsiteY3" fmla="*/ 1820386 h 2103188"/>
+                  <a:gd name="connsiteX4" fmla="*/ 502315 w 1074566"/>
+                  <a:gd name="connsiteY4" fmla="*/ 2103188 h 2103188"/>
+                  <a:gd name="connsiteX5" fmla="*/ 1061392 w 1074566"/>
+                  <a:gd name="connsiteY5" fmla="*/ 1325343 h 2103188"/>
+                  <a:gd name="connsiteX6" fmla="*/ 95683 w 1074566"/>
+                  <a:gd name="connsiteY6" fmla="*/ 0 h 2103188"/>
+                  <a:gd name="connsiteX0" fmla="*/ 0 w 959608"/>
+                  <a:gd name="connsiteY0" fmla="*/ 114469 h 2103188"/>
+                  <a:gd name="connsiteX1" fmla="*/ 490789 w 959608"/>
+                  <a:gd name="connsiteY1" fmla="*/ 889354 h 2103188"/>
+                  <a:gd name="connsiteX2" fmla="*/ 632380 w 959608"/>
+                  <a:gd name="connsiteY2" fmla="*/ 1323490 h 2103188"/>
+                  <a:gd name="connsiteX3" fmla="*/ 503256 w 959608"/>
+                  <a:gd name="connsiteY3" fmla="*/ 1820386 h 2103188"/>
+                  <a:gd name="connsiteX4" fmla="*/ 502315 w 959608"/>
+                  <a:gd name="connsiteY4" fmla="*/ 2103188 h 2103188"/>
+                  <a:gd name="connsiteX5" fmla="*/ 937295 w 959608"/>
+                  <a:gd name="connsiteY5" fmla="*/ 1358000 h 2103188"/>
+                  <a:gd name="connsiteX6" fmla="*/ 95683 w 959608"/>
+                  <a:gd name="connsiteY6" fmla="*/ 0 h 2103188"/>
+                  <a:gd name="connsiteX0" fmla="*/ 0 w 937436"/>
+                  <a:gd name="connsiteY0" fmla="*/ 114469 h 2103188"/>
+                  <a:gd name="connsiteX1" fmla="*/ 490789 w 937436"/>
+                  <a:gd name="connsiteY1" fmla="*/ 889354 h 2103188"/>
+                  <a:gd name="connsiteX2" fmla="*/ 632380 w 937436"/>
+                  <a:gd name="connsiteY2" fmla="*/ 1323490 h 2103188"/>
+                  <a:gd name="connsiteX3" fmla="*/ 503256 w 937436"/>
+                  <a:gd name="connsiteY3" fmla="*/ 1820386 h 2103188"/>
+                  <a:gd name="connsiteX4" fmla="*/ 502315 w 937436"/>
+                  <a:gd name="connsiteY4" fmla="*/ 2103188 h 2103188"/>
+                  <a:gd name="connsiteX5" fmla="*/ 937295 w 937436"/>
+                  <a:gd name="connsiteY5" fmla="*/ 1358000 h 2103188"/>
+                  <a:gd name="connsiteX6" fmla="*/ 95683 w 937436"/>
+                  <a:gd name="connsiteY6" fmla="*/ 0 h 2103188"/>
+                  <a:gd name="connsiteX0" fmla="*/ 0 w 904788"/>
+                  <a:gd name="connsiteY0" fmla="*/ 114469 h 2103188"/>
+                  <a:gd name="connsiteX1" fmla="*/ 490789 w 904788"/>
+                  <a:gd name="connsiteY1" fmla="*/ 889354 h 2103188"/>
+                  <a:gd name="connsiteX2" fmla="*/ 632380 w 904788"/>
+                  <a:gd name="connsiteY2" fmla="*/ 1323490 h 2103188"/>
+                  <a:gd name="connsiteX3" fmla="*/ 503256 w 904788"/>
+                  <a:gd name="connsiteY3" fmla="*/ 1820386 h 2103188"/>
+                  <a:gd name="connsiteX4" fmla="*/ 502315 w 904788"/>
+                  <a:gd name="connsiteY4" fmla="*/ 2103188 h 2103188"/>
+                  <a:gd name="connsiteX5" fmla="*/ 904638 w 904788"/>
+                  <a:gd name="connsiteY5" fmla="*/ 1364531 h 2103188"/>
+                  <a:gd name="connsiteX6" fmla="*/ 95683 w 904788"/>
+                  <a:gd name="connsiteY6" fmla="*/ 0 h 2103188"/>
+                  <a:gd name="connsiteX0" fmla="*/ 0 w 905800"/>
+                  <a:gd name="connsiteY0" fmla="*/ 114469 h 2103188"/>
+                  <a:gd name="connsiteX1" fmla="*/ 490789 w 905800"/>
+                  <a:gd name="connsiteY1" fmla="*/ 889354 h 2103188"/>
+                  <a:gd name="connsiteX2" fmla="*/ 632380 w 905800"/>
+                  <a:gd name="connsiteY2" fmla="*/ 1323490 h 2103188"/>
+                  <a:gd name="connsiteX3" fmla="*/ 503256 w 905800"/>
+                  <a:gd name="connsiteY3" fmla="*/ 1820386 h 2103188"/>
+                  <a:gd name="connsiteX4" fmla="*/ 502315 w 905800"/>
+                  <a:gd name="connsiteY4" fmla="*/ 2103188 h 2103188"/>
+                  <a:gd name="connsiteX5" fmla="*/ 904638 w 905800"/>
+                  <a:gd name="connsiteY5" fmla="*/ 1364531 h 2103188"/>
+                  <a:gd name="connsiteX6" fmla="*/ 95683 w 905800"/>
+                  <a:gd name="connsiteY6" fmla="*/ 0 h 2103188"/>
+                  <a:gd name="connsiteX0" fmla="*/ 0 w 1139790"/>
+                  <a:gd name="connsiteY0" fmla="*/ 114469 h 2103188"/>
+                  <a:gd name="connsiteX1" fmla="*/ 490789 w 1139790"/>
+                  <a:gd name="connsiteY1" fmla="*/ 889354 h 2103188"/>
+                  <a:gd name="connsiteX2" fmla="*/ 632380 w 1139790"/>
+                  <a:gd name="connsiteY2" fmla="*/ 1323490 h 2103188"/>
+                  <a:gd name="connsiteX3" fmla="*/ 503256 w 1139790"/>
+                  <a:gd name="connsiteY3" fmla="*/ 1820386 h 2103188"/>
+                  <a:gd name="connsiteX4" fmla="*/ 502315 w 1139790"/>
+                  <a:gd name="connsiteY4" fmla="*/ 2103188 h 2103188"/>
+                  <a:gd name="connsiteX5" fmla="*/ 1139769 w 1139790"/>
+                  <a:gd name="connsiteY5" fmla="*/ 1292685 h 2103188"/>
+                  <a:gd name="connsiteX6" fmla="*/ 95683 w 1139790"/>
+                  <a:gd name="connsiteY6" fmla="*/ 0 h 2103188"/>
+                  <a:gd name="connsiteX0" fmla="*/ 0 w 1148230"/>
+                  <a:gd name="connsiteY0" fmla="*/ 16497 h 2005216"/>
+                  <a:gd name="connsiteX1" fmla="*/ 490789 w 1148230"/>
+                  <a:gd name="connsiteY1" fmla="*/ 791382 h 2005216"/>
+                  <a:gd name="connsiteX2" fmla="*/ 632380 w 1148230"/>
+                  <a:gd name="connsiteY2" fmla="*/ 1225518 h 2005216"/>
+                  <a:gd name="connsiteX3" fmla="*/ 503256 w 1148230"/>
+                  <a:gd name="connsiteY3" fmla="*/ 1722414 h 2005216"/>
+                  <a:gd name="connsiteX4" fmla="*/ 502315 w 1148230"/>
+                  <a:gd name="connsiteY4" fmla="*/ 2005216 h 2005216"/>
+                  <a:gd name="connsiteX5" fmla="*/ 1139769 w 1148230"/>
+                  <a:gd name="connsiteY5" fmla="*/ 1194713 h 2005216"/>
+                  <a:gd name="connsiteX6" fmla="*/ 141403 w 1148230"/>
+                  <a:gd name="connsiteY6" fmla="*/ 0 h 2005216"/>
+                </a:gdLst>
+                <a:ahLst/>
+                <a:cxnLst>
+                  <a:cxn ang="0">
+                    <a:pos x="connsiteX0" y="connsiteY0"/>
+                  </a:cxn>
+                  <a:cxn ang="0">
+                    <a:pos x="connsiteX1" y="connsiteY1"/>
+                  </a:cxn>
+                  <a:cxn ang="0">
+                    <a:pos x="connsiteX2" y="connsiteY2"/>
+                  </a:cxn>
+                  <a:cxn ang="0">
+                    <a:pos x="connsiteX3" y="connsiteY3"/>
+                  </a:cxn>
+                  <a:cxn ang="0">
+                    <a:pos x="connsiteX4" y="connsiteY4"/>
+                  </a:cxn>
+                  <a:cxn ang="0">
+                    <a:pos x="connsiteX5" y="connsiteY5"/>
+                  </a:cxn>
+                  <a:cxn ang="0">
+                    <a:pos x="connsiteX6" y="connsiteY6"/>
+                  </a:cxn>
+                </a:cxnLst>
+                <a:rect l="l" t="t" r="r" b="b"/>
+                <a:pathLst>
+                  <a:path w="1148230" h="2005216">
+                    <a:moveTo>
+                      <a:pt x="0" y="16497"/>
+                    </a:moveTo>
+                    <a:cubicBezTo>
+                      <a:pt x="266307" y="121763"/>
+                      <a:pt x="503358" y="464586"/>
+                      <a:pt x="490789" y="791382"/>
+                    </a:cubicBezTo>
+                    <a:cubicBezTo>
+                      <a:pt x="605810" y="951095"/>
+                      <a:pt x="630302" y="1070346"/>
+                      <a:pt x="632380" y="1225518"/>
+                    </a:cubicBezTo>
+                    <a:cubicBezTo>
+                      <a:pt x="634458" y="1380690"/>
+                      <a:pt x="592300" y="1548441"/>
+                      <a:pt x="503256" y="1722414"/>
+                    </a:cubicBezTo>
+                    <a:cubicBezTo>
+                      <a:pt x="509013" y="1876281"/>
+                      <a:pt x="500124" y="1723622"/>
+                      <a:pt x="502315" y="2005216"/>
+                    </a:cubicBezTo>
+                    <a:cubicBezTo>
+                      <a:pt x="934377" y="1998932"/>
+                      <a:pt x="1199921" y="1528916"/>
+                      <a:pt x="1139769" y="1194713"/>
+                    </a:cubicBezTo>
+                    <a:cubicBezTo>
+                      <a:pt x="1079617" y="860510"/>
+                      <a:pt x="406818" y="22476"/>
+                      <a:pt x="141403" y="0"/>
+                    </a:cubicBezTo>
+                  </a:path>
+                </a:pathLst>
+              </a:custGeom>
+              <a:solidFill>
+                <a:schemeClr val="tx1"/>
+              </a:solidFill>
+              <a:ln>
+                <a:noFill/>
+              </a:ln>
+            </p:spPr>
+            <p:style>
+              <a:lnRef idx="2">
+                <a:schemeClr val="accent1">
+                  <a:shade val="50000"/>
+                </a:schemeClr>
+              </a:lnRef>
+              <a:fillRef idx="1">
+                <a:schemeClr val="accent1"/>
+              </a:fillRef>
+              <a:effectRef idx="0">
+                <a:schemeClr val="accent1"/>
+              </a:effectRef>
+              <a:fontRef idx="minor">
+                <a:schemeClr val="lt1"/>
+              </a:fontRef>
+            </p:style>
+            <p:txBody>
+              <a:bodyPr rtlCol="0" anchor="ctr"/>
+              <a:lstStyle/>
+              <a:p>
+                <a:pPr algn="ctr"/>
+                <a:endParaRPr lang="de-DE"/>
+              </a:p>
+            </p:txBody>
+          </p:sp>
+        </p:grpSp>
+        <p:sp>
+          <p:nvSpPr>
+            <p:cNvPr id="181" name="Ellipse 180"/>
+            <p:cNvSpPr/>
+            <p:nvPr/>
+          </p:nvSpPr>
+          <p:spPr>
+            <a:xfrm>
+              <a:off x="616243" y="1957938"/>
+              <a:ext cx="243360" cy="231169"/>
+            </a:xfrm>
+            <a:prstGeom prst="ellipse">
+              <a:avLst/>
+            </a:prstGeom>
+            <a:solidFill>
+              <a:schemeClr val="bg1"/>
+            </a:solidFill>
+            <a:ln>
+              <a:noFill/>
+            </a:ln>
+          </p:spPr>
+          <p:style>
+            <a:lnRef idx="2">
+              <a:schemeClr val="accent1">
+                <a:shade val="50000"/>
+              </a:schemeClr>
+            </a:lnRef>
+            <a:fillRef idx="1">
+              <a:schemeClr val="accent1"/>
+            </a:fillRef>
+            <a:effectRef idx="0">
+              <a:schemeClr val="accent1"/>
+            </a:effectRef>
+            <a:fontRef idx="minor">
+              <a:schemeClr val="lt1"/>
+            </a:fontRef>
+          </p:style>
+          <p:txBody>
+            <a:bodyPr rtlCol="0" anchor="ctr"/>
+            <a:lstStyle/>
+            <a:p>
+              <a:pPr algn="ctr"/>
+              <a:endParaRPr lang="de-DE"/>
+            </a:p>
+          </p:txBody>
+        </p:sp>
+        <p:sp>
+          <p:nvSpPr>
+            <p:cNvPr id="182" name="Ellipse 181"/>
+            <p:cNvSpPr/>
+            <p:nvPr/>
+          </p:nvSpPr>
+          <p:spPr>
+            <a:xfrm>
+              <a:off x="1094825" y="1957939"/>
+              <a:ext cx="246691" cy="231852"/>
+            </a:xfrm>
+            <a:prstGeom prst="ellipse">
+              <a:avLst/>
+            </a:prstGeom>
+            <a:solidFill>
+              <a:schemeClr val="bg1"/>
+            </a:solidFill>
+            <a:ln>
+              <a:noFill/>
+            </a:ln>
+          </p:spPr>
+          <p:style>
+            <a:lnRef idx="2">
+              <a:schemeClr val="accent1">
+                <a:shade val="50000"/>
+              </a:schemeClr>
+            </a:lnRef>
+            <a:fillRef idx="1">
+              <a:schemeClr val="accent1"/>
+            </a:fillRef>
+            <a:effectRef idx="0">
+              <a:schemeClr val="accent1"/>
+            </a:effectRef>
+            <a:fontRef idx="minor">
+              <a:schemeClr val="lt1"/>
+            </a:fontRef>
+          </p:style>
+          <p:txBody>
+            <a:bodyPr rtlCol="0" anchor="ctr"/>
+            <a:lstStyle/>
+            <a:p>
+              <a:pPr algn="ctr"/>
+              <a:endParaRPr lang="de-DE"/>
+            </a:p>
+          </p:txBody>
+        </p:sp>
+        <p:sp>
+          <p:nvSpPr>
+            <p:cNvPr id="183" name="Ellipse 182"/>
+            <p:cNvSpPr/>
+            <p:nvPr/>
+          </p:nvSpPr>
+          <p:spPr>
+            <a:xfrm>
+              <a:off x="1145812" y="2057572"/>
+              <a:ext cx="94291" cy="93994"/>
+            </a:xfrm>
+            <a:prstGeom prst="ellipse">
+              <a:avLst/>
+            </a:prstGeom>
+            <a:solidFill>
+              <a:schemeClr val="tx1"/>
+            </a:solidFill>
+            <a:ln>
+              <a:noFill/>
+            </a:ln>
+          </p:spPr>
+          <p:style>
+            <a:lnRef idx="2">
+              <a:schemeClr val="accent1">
+                <a:shade val="50000"/>
+              </a:schemeClr>
+            </a:lnRef>
+            <a:fillRef idx="1">
+              <a:schemeClr val="accent1"/>
+            </a:fillRef>
+            <a:effectRef idx="0">
+              <a:schemeClr val="accent1"/>
+            </a:effectRef>
+            <a:fontRef idx="minor">
+              <a:schemeClr val="lt1"/>
+            </a:fontRef>
+          </p:style>
+          <p:txBody>
+            <a:bodyPr rtlCol="0" anchor="ctr"/>
+            <a:lstStyle/>
+            <a:p>
+              <a:pPr algn="ctr"/>
+              <a:endParaRPr lang="de-DE"/>
+            </a:p>
+          </p:txBody>
+        </p:sp>
+        <p:sp>
+          <p:nvSpPr>
+            <p:cNvPr id="184" name="Ellipse 183"/>
+            <p:cNvSpPr/>
+            <p:nvPr/>
+          </p:nvSpPr>
+          <p:spPr>
+            <a:xfrm>
+              <a:off x="712876" y="2067193"/>
+              <a:ext cx="94291" cy="93994"/>
+            </a:xfrm>
+            <a:prstGeom prst="ellipse">
+              <a:avLst/>
+            </a:prstGeom>
+            <a:solidFill>
+              <a:schemeClr val="tx1"/>
+            </a:solidFill>
+            <a:ln>
+              <a:noFill/>
+            </a:ln>
+          </p:spPr>
+          <p:style>
+            <a:lnRef idx="2">
+              <a:schemeClr val="accent1">
+                <a:shade val="50000"/>
+              </a:schemeClr>
+            </a:lnRef>
+            <a:fillRef idx="1">
+              <a:schemeClr val="accent1"/>
+            </a:fillRef>
+            <a:effectRef idx="0">
+              <a:schemeClr val="accent1"/>
+            </a:effectRef>
+            <a:fontRef idx="minor">
+              <a:schemeClr val="lt1"/>
+            </a:fontRef>
+          </p:style>
+          <p:txBody>
+            <a:bodyPr rtlCol="0" anchor="ctr"/>
+            <a:lstStyle/>
+            <a:p>
+              <a:pPr algn="ctr"/>
+              <a:endParaRPr lang="de-DE"/>
+            </a:p>
+          </p:txBody>
+        </p:sp>
+      </p:grpSp>
+      <p:sp>
+        <p:nvSpPr>
+          <p:cNvPr id="194" name="Rechteck 193"/>
+          <p:cNvSpPr/>
+          <p:nvPr/>
+        </p:nvSpPr>
+        <p:spPr>
+          <a:xfrm>
+            <a:off x="4646924" y="872259"/>
+            <a:ext cx="1017357" cy="401315"/>
+          </a:xfrm>
+          <a:prstGeom prst="rect">
+            <a:avLst/>
+          </a:prstGeom>
+          <a:solidFill>
+            <a:schemeClr val="accent5"/>
+          </a:solidFill>
+          <a:ln>
+            <a:noFill/>
+          </a:ln>
+        </p:spPr>
+        <p:style>
+          <a:lnRef idx="2">
+            <a:schemeClr val="accent1">
+              <a:shade val="50000"/>
+            </a:schemeClr>
+          </a:lnRef>
+          <a:fillRef idx="1">
+            <a:schemeClr val="accent1"/>
+          </a:fillRef>
+          <a:effectRef idx="0">
+            <a:schemeClr val="accent1"/>
+          </a:effectRef>
+          <a:fontRef idx="minor">
+            <a:schemeClr val="lt1"/>
+          </a:fontRef>
+        </p:style>
+        <p:txBody>
+          <a:bodyPr rtlCol="0" anchor="ctr"/>
+          <a:lstStyle/>
+          <a:p>
+            <a:pPr algn="ctr"/>
+            <a:r>
+              <a:rPr lang="de-DE" sz="1050" dirty="0" smtClean="0">
+                <a:latin typeface="Segoe UI" panose="020B0502040204020203" pitchFamily="34" charset="0"/>
+                <a:cs typeface="Segoe UI" panose="020B0502040204020203" pitchFamily="34" charset="0"/>
+              </a:rPr>
+              <a:t>Power Supply</a:t>
+            </a:r>
+          </a:p>
+          <a:p>
+            <a:pPr algn="ctr"/>
+            <a:r>
+              <a:rPr lang="de-DE" sz="1050" dirty="0" smtClean="0">
+                <a:latin typeface="Segoe UI" panose="020B0502040204020203" pitchFamily="34" charset="0"/>
+                <a:cs typeface="Segoe UI" panose="020B0502040204020203" pitchFamily="34" charset="0"/>
+              </a:rPr>
+              <a:t>9V 1A</a:t>
+            </a:r>
+            <a:endParaRPr lang="de-DE" sz="1050" dirty="0">
+              <a:latin typeface="Segoe UI" panose="020B0502040204020203" pitchFamily="34" charset="0"/>
+              <a:cs typeface="Segoe UI" panose="020B0502040204020203" pitchFamily="34" charset="0"/>
+            </a:endParaRPr>
+          </a:p>
+        </p:txBody>
+      </p:sp>
+      <p:sp>
+        <p:nvSpPr>
+          <p:cNvPr id="70" name="Rechteck 69"/>
+          <p:cNvSpPr/>
+          <p:nvPr/>
+        </p:nvSpPr>
+        <p:spPr>
+          <a:xfrm>
+            <a:off x="5700468" y="870816"/>
+            <a:ext cx="1128373" cy="395364"/>
+          </a:xfrm>
+          <a:prstGeom prst="rect">
+            <a:avLst/>
+          </a:prstGeom>
+          <a:solidFill>
+            <a:schemeClr val="accent5"/>
+          </a:solidFill>
+          <a:ln>
+            <a:noFill/>
+          </a:ln>
+        </p:spPr>
+        <p:style>
+          <a:lnRef idx="2">
+            <a:schemeClr val="accent1">
+              <a:shade val="50000"/>
+            </a:schemeClr>
+          </a:lnRef>
+          <a:fillRef idx="1">
+            <a:schemeClr val="accent1"/>
+          </a:fillRef>
+          <a:effectRef idx="0">
+            <a:schemeClr val="accent1"/>
+          </a:effectRef>
+          <a:fontRef idx="minor">
+            <a:schemeClr val="lt1"/>
+          </a:fontRef>
+        </p:style>
+        <p:txBody>
+          <a:bodyPr rtlCol="0" anchor="ctr"/>
+          <a:lstStyle/>
+          <a:p>
+            <a:pPr algn="ctr"/>
+            <a:r>
+              <a:rPr lang="de-DE" sz="1050" dirty="0" smtClean="0">
+                <a:latin typeface="Segoe UI" panose="020B0502040204020203" pitchFamily="34" charset="0"/>
+                <a:cs typeface="Segoe UI" panose="020B0502040204020203" pitchFamily="34" charset="0"/>
+              </a:rPr>
+              <a:t>Power Supply</a:t>
+            </a:r>
+          </a:p>
+          <a:p>
+            <a:pPr algn="ctr"/>
+            <a:r>
+              <a:rPr lang="de-DE" sz="1050" dirty="0" smtClean="0">
+                <a:latin typeface="Segoe UI" panose="020B0502040204020203" pitchFamily="34" charset="0"/>
+                <a:cs typeface="Segoe UI" panose="020B0502040204020203" pitchFamily="34" charset="0"/>
+              </a:rPr>
+              <a:t>24V 10A</a:t>
+            </a:r>
+            <a:endParaRPr lang="de-DE" sz="1050" dirty="0">
+              <a:latin typeface="Segoe UI" panose="020B0502040204020203" pitchFamily="34" charset="0"/>
+              <a:cs typeface="Segoe UI" panose="020B0502040204020203" pitchFamily="34" charset="0"/>
+            </a:endParaRPr>
+          </a:p>
+        </p:txBody>
+      </p:sp>
+      <p:cxnSp>
+        <p:nvCxnSpPr>
+          <p:cNvPr id="197" name="Gerader Verbinder 196"/>
+          <p:cNvCxnSpPr/>
+          <p:nvPr/>
+        </p:nvCxnSpPr>
+        <p:spPr>
+          <a:xfrm>
+            <a:off x="4825670" y="1347352"/>
+            <a:ext cx="0" cy="1217649"/>
+          </a:xfrm>
+          <a:prstGeom prst="line">
+            <a:avLst/>
+          </a:prstGeom>
+        </p:spPr>
+        <p:style>
+          <a:lnRef idx="1">
+            <a:schemeClr val="accent1"/>
+          </a:lnRef>
+          <a:fillRef idx="0">
+            <a:schemeClr val="accent1"/>
+          </a:fillRef>
+          <a:effectRef idx="0">
+            <a:schemeClr val="accent1"/>
+          </a:effectRef>
+          <a:fontRef idx="minor">
+            <a:schemeClr val="tx1"/>
+          </a:fontRef>
+        </p:style>
+      </p:cxnSp>
+      <p:cxnSp>
+        <p:nvCxnSpPr>
+          <p:cNvPr id="199" name="Gewinkelte Verbindung 198"/>
+          <p:cNvCxnSpPr>
+            <a:stCxn id="96" idx="2"/>
+          </p:cNvCxnSpPr>
+          <p:nvPr/>
+        </p:nvCxnSpPr>
+        <p:spPr>
+          <a:xfrm rot="16200000" flipH="1">
+            <a:off x="4760493" y="3201217"/>
+            <a:ext cx="2213499" cy="2585018"/>
+          </a:xfrm>
+          <a:prstGeom prst="bentConnector2">
+            <a:avLst/>
+          </a:prstGeom>
+        </p:spPr>
+        <p:style>
+          <a:lnRef idx="1">
+            <a:schemeClr val="accent1"/>
+          </a:lnRef>
+          <a:fillRef idx="0">
+            <a:schemeClr val="accent1"/>
+          </a:fillRef>
+          <a:effectRef idx="0">
+            <a:schemeClr val="accent1"/>
+          </a:effectRef>
+          <a:fontRef idx="minor">
+            <a:schemeClr val="tx1"/>
+          </a:fontRef>
+        </p:style>
+      </p:cxnSp>
+      <p:cxnSp>
+        <p:nvCxnSpPr>
+          <p:cNvPr id="204" name="Gewinkelte Verbindung 203"/>
+          <p:cNvCxnSpPr>
+            <a:stCxn id="60" idx="3"/>
+            <a:endCxn id="61" idx="3"/>
+          </p:cNvCxnSpPr>
+          <p:nvPr/>
+        </p:nvCxnSpPr>
+        <p:spPr>
+          <a:xfrm>
+            <a:off x="8208912" y="4953722"/>
+            <a:ext cx="12700" cy="508394"/>
+          </a:xfrm>
+          <a:prstGeom prst="bentConnector3">
+            <a:avLst>
+              <a:gd name="adj1" fmla="val 1800000"/>
+            </a:avLst>
+          </a:prstGeom>
+        </p:spPr>
+        <p:style>
+          <a:lnRef idx="1">
+            <a:schemeClr val="accent1"/>
+          </a:lnRef>
+          <a:fillRef idx="0">
+            <a:schemeClr val="accent1"/>
+          </a:fillRef>
+          <a:effectRef idx="0">
+            <a:schemeClr val="accent1"/>
+          </a:effectRef>
+          <a:fontRef idx="minor">
+            <a:schemeClr val="tx1"/>
+          </a:fontRef>
+        </p:style>
+      </p:cxnSp>
+      <p:sp>
+        <p:nvSpPr>
+          <p:cNvPr id="207" name="Textfeld 206"/>
+          <p:cNvSpPr txBox="1"/>
+          <p:nvPr/>
+        </p:nvSpPr>
+        <p:spPr>
+          <a:xfrm>
+            <a:off x="4516999" y="5414184"/>
+            <a:ext cx="455574" cy="215444"/>
+          </a:xfrm>
+          <a:prstGeom prst="rect">
+            <a:avLst/>
+          </a:prstGeom>
+          <a:noFill/>
+        </p:spPr>
+        <p:txBody>
+          <a:bodyPr wrap="none" rtlCol="0">
+            <a:spAutoFit/>
+          </a:bodyPr>
+          <a:lstStyle/>
+          <a:p>
+            <a:r>
+              <a:rPr lang="de-DE" sz="800" dirty="0" smtClean="0">
+                <a:latin typeface="Segoe UI" panose="020B0502040204020203" pitchFamily="34" charset="0"/>
+                <a:cs typeface="Segoe UI" panose="020B0502040204020203" pitchFamily="34" charset="0"/>
+              </a:rPr>
+              <a:t>9V 1A</a:t>
+            </a:r>
+            <a:endParaRPr lang="de-DE" sz="800" dirty="0">
+              <a:latin typeface="Segoe UI" panose="020B0502040204020203" pitchFamily="34" charset="0"/>
+              <a:cs typeface="Segoe UI" panose="020B0502040204020203" pitchFamily="34" charset="0"/>
+            </a:endParaRPr>
+          </a:p>
+        </p:txBody>
+      </p:sp>
+      <p:sp>
+        <p:nvSpPr>
+          <p:cNvPr id="208" name="Textfeld 207"/>
+          <p:cNvSpPr txBox="1"/>
+          <p:nvPr/>
+        </p:nvSpPr>
+        <p:spPr>
+          <a:xfrm>
+            <a:off x="8364898" y="5100197"/>
+            <a:ext cx="455574" cy="215444"/>
+          </a:xfrm>
+          <a:prstGeom prst="rect">
+            <a:avLst/>
+          </a:prstGeom>
+          <a:noFill/>
+        </p:spPr>
+        <p:txBody>
+          <a:bodyPr wrap="none" rtlCol="0">
+            <a:spAutoFit/>
+          </a:bodyPr>
+          <a:lstStyle/>
+          <a:p>
+            <a:r>
+              <a:rPr lang="de-DE" sz="800" dirty="0" smtClean="0">
+                <a:latin typeface="Segoe UI" panose="020B0502040204020203" pitchFamily="34" charset="0"/>
+                <a:cs typeface="Segoe UI" panose="020B0502040204020203" pitchFamily="34" charset="0"/>
+              </a:rPr>
+              <a:t>9V 1A</a:t>
+            </a:r>
+            <a:endParaRPr lang="de-DE" sz="800" dirty="0">
+              <a:latin typeface="Segoe UI" panose="020B0502040204020203" pitchFamily="34" charset="0"/>
+              <a:cs typeface="Segoe UI" panose="020B0502040204020203" pitchFamily="34" charset="0"/>
+            </a:endParaRPr>
+          </a:p>
+        </p:txBody>
+      </p:sp>
+      <p:sp>
+        <p:nvSpPr>
+          <p:cNvPr id="209" name="Rechteck 208"/>
+          <p:cNvSpPr/>
+          <p:nvPr/>
+        </p:nvSpPr>
+        <p:spPr>
+          <a:xfrm>
+            <a:off x="1802425" y="4392037"/>
+            <a:ext cx="1074363" cy="371193"/>
+          </a:xfrm>
+          <a:prstGeom prst="rect">
+            <a:avLst/>
+          </a:prstGeom>
+          <a:solidFill>
+            <a:schemeClr val="tx2"/>
+          </a:solidFill>
+          <a:ln>
+            <a:noFill/>
+          </a:ln>
+        </p:spPr>
+        <p:style>
+          <a:lnRef idx="2">
+            <a:schemeClr val="accent1">
+              <a:shade val="50000"/>
+            </a:schemeClr>
+          </a:lnRef>
+          <a:fillRef idx="1">
+            <a:schemeClr val="accent1"/>
+          </a:fillRef>
+          <a:effectRef idx="0">
+            <a:schemeClr val="accent1"/>
+          </a:effectRef>
+          <a:fontRef idx="minor">
+            <a:schemeClr val="lt1"/>
+          </a:fontRef>
+        </p:style>
+        <p:txBody>
+          <a:bodyPr rtlCol="0" anchor="ctr"/>
+          <a:lstStyle/>
+          <a:p>
+            <a:pPr algn="ctr"/>
+            <a:r>
+              <a:rPr lang="de-DE" sz="1050" dirty="0" smtClean="0">
+                <a:latin typeface="Segoe UI" panose="020B0502040204020203" pitchFamily="34" charset="0"/>
+                <a:cs typeface="Segoe UI" panose="020B0502040204020203" pitchFamily="34" charset="0"/>
+              </a:rPr>
+              <a:t>Webserver</a:t>
+            </a:r>
+            <a:endParaRPr lang="de-DE" sz="1050" dirty="0">
+              <a:latin typeface="Segoe UI" panose="020B0502040204020203" pitchFamily="34" charset="0"/>
+              <a:cs typeface="Segoe UI" panose="020B0502040204020203" pitchFamily="34" charset="0"/>
+            </a:endParaRPr>
+          </a:p>
+        </p:txBody>
+      </p:sp>
+      <p:sp>
+        <p:nvSpPr>
+          <p:cNvPr id="217" name="Rechteck 216"/>
+          <p:cNvSpPr/>
+          <p:nvPr/>
+        </p:nvSpPr>
+        <p:spPr>
+          <a:xfrm>
+            <a:off x="-248953" y="1484783"/>
+            <a:ext cx="1265526" cy="4721291"/>
+          </a:xfrm>
+          <a:prstGeom prst="rect">
+            <a:avLst/>
+          </a:prstGeom>
+          <a:solidFill>
+            <a:schemeClr val="bg2"/>
+          </a:solidFill>
+          <a:ln>
+            <a:noFill/>
+          </a:ln>
+        </p:spPr>
+        <p:style>
+          <a:lnRef idx="2">
+            <a:schemeClr val="accent1">
+              <a:shade val="50000"/>
+            </a:schemeClr>
+          </a:lnRef>
+          <a:fillRef idx="1">
+            <a:schemeClr val="accent1"/>
+          </a:fillRef>
+          <a:effectRef idx="0">
+            <a:schemeClr val="accent1"/>
+          </a:effectRef>
+          <a:fontRef idx="minor">
+            <a:schemeClr val="lt1"/>
+          </a:fontRef>
+        </p:style>
+        <p:txBody>
+          <a:bodyPr rtlCol="0" anchor="ctr"/>
+          <a:lstStyle/>
+          <a:p>
+            <a:pPr algn="ctr"/>
+            <a:endParaRPr lang="de-DE"/>
+          </a:p>
+        </p:txBody>
+      </p:sp>
+      <p:cxnSp>
+        <p:nvCxnSpPr>
+          <p:cNvPr id="218" name="Gerader Verbinder 217"/>
+          <p:cNvCxnSpPr>
+            <a:stCxn id="151" idx="2"/>
+            <a:endCxn id="209" idx="0"/>
+          </p:cNvCxnSpPr>
+          <p:nvPr/>
+        </p:nvCxnSpPr>
+        <p:spPr>
+          <a:xfrm flipH="1">
+            <a:off x="2339607" y="3378648"/>
+            <a:ext cx="2878" cy="1013389"/>
+          </a:xfrm>
+          <a:prstGeom prst="line">
+            <a:avLst/>
+          </a:prstGeom>
+        </p:spPr>
+        <p:style>
+          <a:lnRef idx="1">
+            <a:schemeClr val="accent1"/>
+          </a:lnRef>
+          <a:fillRef idx="0">
+            <a:schemeClr val="accent1"/>
+          </a:fillRef>
+          <a:effectRef idx="0">
+            <a:schemeClr val="accent1"/>
+          </a:effectRef>
+          <a:fontRef idx="minor">
+            <a:schemeClr val="tx1"/>
+          </a:fontRef>
+        </p:style>
+      </p:cxnSp>
+      <p:sp>
+        <p:nvSpPr>
+          <p:cNvPr id="210" name="Rechteck 209"/>
+          <p:cNvSpPr/>
+          <p:nvPr/>
+        </p:nvSpPr>
+        <p:spPr>
+          <a:xfrm>
+            <a:off x="-119443" y="4129755"/>
+            <a:ext cx="1080120" cy="892379"/>
+          </a:xfrm>
+          <a:prstGeom prst="rect">
+            <a:avLst/>
+          </a:prstGeom>
+          <a:solidFill>
+            <a:schemeClr val="tx1">
+              <a:lumMod val="85000"/>
+              <a:lumOff val="15000"/>
+            </a:schemeClr>
+          </a:solidFill>
+          <a:ln>
+            <a:noFill/>
+          </a:ln>
+        </p:spPr>
+        <p:style>
+          <a:lnRef idx="2">
+            <a:schemeClr val="accent1">
+              <a:shade val="50000"/>
+            </a:schemeClr>
+          </a:lnRef>
+          <a:fillRef idx="1">
+            <a:schemeClr val="accent1"/>
+          </a:fillRef>
+          <a:effectRef idx="0">
+            <a:schemeClr val="accent1"/>
+          </a:effectRef>
+          <a:fontRef idx="minor">
+            <a:schemeClr val="lt1"/>
+          </a:fontRef>
+        </p:style>
+        <p:txBody>
+          <a:bodyPr rtlCol="0" anchor="ctr"/>
+          <a:lstStyle/>
+          <a:p>
+            <a:pPr algn="ctr"/>
+            <a:r>
+              <a:rPr lang="de-DE" sz="1050" dirty="0" smtClean="0">
+                <a:latin typeface="Segoe UI" panose="020B0502040204020203" pitchFamily="34" charset="0"/>
+                <a:cs typeface="Segoe UI" panose="020B0502040204020203" pitchFamily="34" charset="0"/>
+              </a:rPr>
+              <a:t>Visual UI</a:t>
+            </a:r>
+          </a:p>
+          <a:p>
+            <a:pPr algn="ctr"/>
+            <a:r>
+              <a:rPr lang="de-DE" sz="1050" dirty="0" smtClean="0">
+                <a:latin typeface="Segoe UI" panose="020B0502040204020203" pitchFamily="34" charset="0"/>
+                <a:cs typeface="Segoe UI" panose="020B0502040204020203" pitchFamily="34" charset="0"/>
+              </a:rPr>
+              <a:t>Animation</a:t>
+            </a:r>
+          </a:p>
+          <a:p>
+            <a:pPr algn="ctr"/>
+            <a:endParaRPr lang="de-DE" sz="1050" dirty="0" smtClean="0">
+              <a:latin typeface="Segoe UI" panose="020B0502040204020203" pitchFamily="34" charset="0"/>
+              <a:cs typeface="Segoe UI" panose="020B0502040204020203" pitchFamily="34" charset="0"/>
+            </a:endParaRPr>
+          </a:p>
+          <a:p>
+            <a:pPr algn="ctr"/>
+            <a:r>
+              <a:rPr lang="de-DE" sz="1050" dirty="0" err="1" smtClean="0">
+                <a:latin typeface="Segoe UI" panose="020B0502040204020203" pitchFamily="34" charset="0"/>
+                <a:cs typeface="Segoe UI" panose="020B0502040204020203" pitchFamily="34" charset="0"/>
+              </a:rPr>
+              <a:t>openGL</a:t>
+            </a:r>
+            <a:endParaRPr lang="de-DE" sz="1050" dirty="0">
+              <a:latin typeface="Segoe UI" panose="020B0502040204020203" pitchFamily="34" charset="0"/>
+              <a:cs typeface="Segoe UI" panose="020B0502040204020203" pitchFamily="34" charset="0"/>
+            </a:endParaRPr>
+          </a:p>
+        </p:txBody>
+      </p:sp>
+      <p:sp>
+        <p:nvSpPr>
+          <p:cNvPr id="168" name="Rechteck 167"/>
+          <p:cNvSpPr/>
+          <p:nvPr/>
+        </p:nvSpPr>
+        <p:spPr>
+          <a:xfrm>
+            <a:off x="2646364" y="872259"/>
+            <a:ext cx="1964373" cy="410344"/>
+          </a:xfrm>
+          <a:prstGeom prst="rect">
+            <a:avLst/>
+          </a:prstGeom>
+          <a:solidFill>
+            <a:schemeClr val="accent5"/>
+          </a:solidFill>
+          <a:ln>
+            <a:noFill/>
+          </a:ln>
+        </p:spPr>
+        <p:style>
+          <a:lnRef idx="2">
+            <a:schemeClr val="accent1">
+              <a:shade val="50000"/>
+            </a:schemeClr>
+          </a:lnRef>
+          <a:fillRef idx="1">
+            <a:schemeClr val="accent1"/>
+          </a:fillRef>
+          <a:effectRef idx="0">
+            <a:schemeClr val="accent1"/>
+          </a:effectRef>
+          <a:fontRef idx="minor">
+            <a:schemeClr val="lt1"/>
+          </a:fontRef>
+        </p:style>
+        <p:txBody>
+          <a:bodyPr rtlCol="0" anchor="ctr"/>
+          <a:lstStyle/>
+          <a:p>
+            <a:pPr algn="ctr"/>
+            <a:r>
+              <a:rPr lang="de-DE" sz="1050" dirty="0" smtClean="0">
+                <a:latin typeface="Segoe UI" panose="020B0502040204020203" pitchFamily="34" charset="0"/>
+                <a:cs typeface="Segoe UI" panose="020B0502040204020203" pitchFamily="34" charset="0"/>
+              </a:rPr>
+              <a:t>Power Supply</a:t>
+            </a:r>
+          </a:p>
+          <a:p>
+            <a:pPr algn="ctr"/>
+            <a:r>
+              <a:rPr lang="de-DE" sz="1050" dirty="0" smtClean="0">
+                <a:latin typeface="Segoe UI" panose="020B0502040204020203" pitchFamily="34" charset="0"/>
+                <a:cs typeface="Segoe UI" panose="020B0502040204020203" pitchFamily="34" charset="0"/>
+              </a:rPr>
+              <a:t>5V 4A</a:t>
+            </a:r>
+            <a:endParaRPr lang="de-DE" sz="1050" dirty="0">
+              <a:latin typeface="Segoe UI" panose="020B0502040204020203" pitchFamily="34" charset="0"/>
+              <a:cs typeface="Segoe UI" panose="020B0502040204020203" pitchFamily="34" charset="0"/>
+            </a:endParaRPr>
+          </a:p>
+        </p:txBody>
+      </p:sp>
+      <p:sp>
+        <p:nvSpPr>
+          <p:cNvPr id="227" name="Textfeld 226"/>
+          <p:cNvSpPr txBox="1"/>
+          <p:nvPr/>
+        </p:nvSpPr>
+        <p:spPr>
+          <a:xfrm>
+            <a:off x="1311907" y="5846467"/>
+            <a:ext cx="1053495" cy="253916"/>
+          </a:xfrm>
+          <a:prstGeom prst="rect">
+            <a:avLst/>
+          </a:prstGeom>
+          <a:noFill/>
+        </p:spPr>
+        <p:txBody>
+          <a:bodyPr wrap="none" rtlCol="0">
+            <a:spAutoFit/>
+          </a:bodyPr>
+          <a:lstStyle/>
+          <a:p>
+            <a:pPr algn="ctr"/>
+            <a:r>
+              <a:rPr lang="de-DE" sz="1050" dirty="0" smtClean="0">
+                <a:latin typeface="Segoe UI" panose="020B0502040204020203" pitchFamily="34" charset="0"/>
+                <a:cs typeface="Segoe UI" panose="020B0502040204020203" pitchFamily="34" charset="0"/>
+              </a:rPr>
+              <a:t>Bot Electronics</a:t>
+            </a:r>
+            <a:endParaRPr lang="de-DE" sz="1050" dirty="0">
+              <a:latin typeface="Segoe UI" panose="020B0502040204020203" pitchFamily="34" charset="0"/>
+              <a:cs typeface="Segoe UI" panose="020B0502040204020203" pitchFamily="34" charset="0"/>
+            </a:endParaRPr>
+          </a:p>
+        </p:txBody>
+      </p:sp>
+      <p:sp>
+        <p:nvSpPr>
+          <p:cNvPr id="228" name="Textfeld 227"/>
+          <p:cNvSpPr txBox="1"/>
+          <p:nvPr/>
+        </p:nvSpPr>
+        <p:spPr>
+          <a:xfrm>
+            <a:off x="7039126" y="5874225"/>
+            <a:ext cx="1050289" cy="253916"/>
+          </a:xfrm>
+          <a:prstGeom prst="rect">
+            <a:avLst/>
+          </a:prstGeom>
+          <a:noFill/>
+        </p:spPr>
+        <p:txBody>
+          <a:bodyPr wrap="none" rtlCol="0">
+            <a:spAutoFit/>
+          </a:bodyPr>
+          <a:lstStyle/>
+          <a:p>
+            <a:pPr algn="ctr"/>
+            <a:r>
+              <a:rPr lang="de-DE" sz="1050" dirty="0" smtClean="0">
+                <a:latin typeface="Segoe UI" panose="020B0502040204020203" pitchFamily="34" charset="0"/>
+                <a:cs typeface="Segoe UI" panose="020B0502040204020203" pitchFamily="34" charset="0"/>
+              </a:rPr>
+              <a:t>Bot </a:t>
+            </a:r>
+            <a:r>
+              <a:rPr lang="de-DE" sz="1050" dirty="0" err="1" smtClean="0">
+                <a:latin typeface="Segoe UI" panose="020B0502040204020203" pitchFamily="34" charset="0"/>
+                <a:cs typeface="Segoe UI" panose="020B0502040204020203" pitchFamily="34" charset="0"/>
+              </a:rPr>
+              <a:t>Mechanics</a:t>
+            </a:r>
+            <a:endParaRPr lang="de-DE" sz="1050" dirty="0">
+              <a:latin typeface="Segoe UI" panose="020B0502040204020203" pitchFamily="34" charset="0"/>
+              <a:cs typeface="Segoe UI" panose="020B0502040204020203" pitchFamily="34" charset="0"/>
+            </a:endParaRPr>
+          </a:p>
+        </p:txBody>
+      </p:sp>
+      <p:sp>
+        <p:nvSpPr>
+          <p:cNvPr id="229" name="Textfeld 228"/>
+          <p:cNvSpPr txBox="1"/>
+          <p:nvPr/>
+        </p:nvSpPr>
+        <p:spPr>
+          <a:xfrm>
+            <a:off x="1015548" y="1032507"/>
+            <a:ext cx="1396212" cy="253916"/>
+          </a:xfrm>
+          <a:prstGeom prst="rect">
+            <a:avLst/>
+          </a:prstGeom>
+          <a:noFill/>
+        </p:spPr>
+        <p:txBody>
+          <a:bodyPr wrap="square" rtlCol="0">
+            <a:spAutoFit/>
+          </a:bodyPr>
+          <a:lstStyle/>
+          <a:p>
+            <a:pPr algn="ctr"/>
+            <a:r>
+              <a:rPr lang="de-DE" sz="1050" dirty="0" smtClean="0">
+                <a:latin typeface="Segoe UI" panose="020B0502040204020203" pitchFamily="34" charset="0"/>
+                <a:cs typeface="Segoe UI" panose="020B0502040204020203" pitchFamily="34" charset="0"/>
+              </a:rPr>
+              <a:t>Power Supply</a:t>
+            </a:r>
+            <a:endParaRPr lang="de-DE" sz="1050" dirty="0">
+              <a:latin typeface="Segoe UI" panose="020B0502040204020203" pitchFamily="34" charset="0"/>
+              <a:cs typeface="Segoe UI" panose="020B0502040204020203" pitchFamily="34" charset="0"/>
+            </a:endParaRPr>
+          </a:p>
+        </p:txBody>
+      </p:sp>
+      <p:sp>
+        <p:nvSpPr>
+          <p:cNvPr id="152" name="Textfeld 151"/>
+          <p:cNvSpPr txBox="1"/>
+          <p:nvPr/>
+        </p:nvSpPr>
+        <p:spPr>
+          <a:xfrm>
+            <a:off x="4034672" y="1864396"/>
+            <a:ext cx="1079877" cy="577081"/>
+          </a:xfrm>
+          <a:prstGeom prst="rect">
+            <a:avLst/>
+          </a:prstGeom>
+          <a:solidFill>
+            <a:srgbClr val="FFFFFF">
+              <a:alpha val="50196"/>
+            </a:srgbClr>
+          </a:solidFill>
+        </p:spPr>
+        <p:txBody>
+          <a:bodyPr wrap="square" rtlCol="0">
+            <a:spAutoFit/>
+          </a:bodyPr>
+          <a:lstStyle/>
+          <a:p>
+            <a:pPr algn="ctr"/>
+            <a:r>
+              <a:rPr lang="de-DE" sz="1050" i="1" dirty="0" smtClean="0">
+                <a:latin typeface="Segoe UI" panose="020B0502040204020203" pitchFamily="34" charset="0"/>
+                <a:cs typeface="Segoe UI" panose="020B0502040204020203" pitchFamily="34" charset="0"/>
+              </a:rPr>
+              <a:t>Micro</a:t>
+            </a:r>
+          </a:p>
+          <a:p>
+            <a:pPr algn="ctr"/>
+            <a:r>
+              <a:rPr lang="de-DE" sz="1050" i="1" dirty="0" err="1" smtClean="0">
+                <a:latin typeface="Segoe UI" panose="020B0502040204020203" pitchFamily="34" charset="0"/>
+                <a:cs typeface="Segoe UI" panose="020B0502040204020203" pitchFamily="34" charset="0"/>
+              </a:rPr>
+              <a:t>Trajectory</a:t>
+            </a:r>
+            <a:r>
+              <a:rPr lang="de-DE" sz="1050" i="1" dirty="0" smtClean="0">
+                <a:latin typeface="Segoe UI" panose="020B0502040204020203" pitchFamily="34" charset="0"/>
+                <a:cs typeface="Segoe UI" panose="020B0502040204020203" pitchFamily="34" charset="0"/>
+              </a:rPr>
+              <a:t> </a:t>
+            </a:r>
+          </a:p>
+          <a:p>
+            <a:pPr algn="ctr"/>
+            <a:r>
+              <a:rPr lang="de-DE" sz="1050" i="1" dirty="0" smtClean="0">
+                <a:latin typeface="Segoe UI" panose="020B0502040204020203" pitchFamily="34" charset="0"/>
+                <a:cs typeface="Segoe UI" panose="020B0502040204020203" pitchFamily="34" charset="0"/>
+              </a:rPr>
+              <a:t>Interpolation</a:t>
+            </a:r>
+            <a:endParaRPr lang="de-DE" sz="1050" i="1" dirty="0">
+              <a:latin typeface="Segoe UI" panose="020B0502040204020203" pitchFamily="34" charset="0"/>
+              <a:cs typeface="Segoe UI" panose="020B0502040204020203" pitchFamily="34" charset="0"/>
+            </a:endParaRPr>
+          </a:p>
+        </p:txBody>
+      </p:sp>
+      <p:sp>
+        <p:nvSpPr>
+          <p:cNvPr id="231" name="Textfeld 230"/>
+          <p:cNvSpPr txBox="1"/>
+          <p:nvPr/>
+        </p:nvSpPr>
+        <p:spPr>
+          <a:xfrm>
+            <a:off x="-96179" y="3395187"/>
+            <a:ext cx="1028834" cy="577081"/>
+          </a:xfrm>
+          <a:prstGeom prst="rect">
+            <a:avLst/>
+          </a:prstGeom>
+          <a:solidFill>
+            <a:srgbClr val="FFFFFF">
+              <a:alpha val="50196"/>
+            </a:srgbClr>
+          </a:solidFill>
+        </p:spPr>
+        <p:txBody>
+          <a:bodyPr wrap="square" rtlCol="0">
+            <a:spAutoFit/>
+          </a:bodyPr>
+          <a:lstStyle/>
+          <a:p>
+            <a:pPr algn="ctr"/>
+            <a:r>
+              <a:rPr lang="de-DE" sz="1050" i="1" dirty="0" err="1" smtClean="0">
+                <a:latin typeface="Segoe UI" panose="020B0502040204020203" pitchFamily="34" charset="0"/>
+                <a:cs typeface="Segoe UI" panose="020B0502040204020203" pitchFamily="34" charset="0"/>
+              </a:rPr>
+              <a:t>Trajectory</a:t>
+            </a:r>
+            <a:r>
+              <a:rPr lang="de-DE" sz="1050" i="1" dirty="0" smtClean="0">
+                <a:latin typeface="Segoe UI" panose="020B0502040204020203" pitchFamily="34" charset="0"/>
+                <a:cs typeface="Segoe UI" panose="020B0502040204020203" pitchFamily="34" charset="0"/>
+              </a:rPr>
+              <a:t> </a:t>
+            </a:r>
+          </a:p>
+          <a:p>
+            <a:pPr algn="ctr"/>
+            <a:r>
+              <a:rPr lang="de-DE" sz="1050" i="1" dirty="0" err="1" smtClean="0">
+                <a:latin typeface="Segoe UI" panose="020B0502040204020203" pitchFamily="34" charset="0"/>
+                <a:cs typeface="Segoe UI" panose="020B0502040204020203" pitchFamily="34" charset="0"/>
+              </a:rPr>
+              <a:t>Planning</a:t>
+            </a:r>
+            <a:endParaRPr lang="de-DE" sz="1050" i="1" dirty="0" smtClean="0">
+              <a:latin typeface="Segoe UI" panose="020B0502040204020203" pitchFamily="34" charset="0"/>
+              <a:cs typeface="Segoe UI" panose="020B0502040204020203" pitchFamily="34" charset="0"/>
+            </a:endParaRPr>
+          </a:p>
+          <a:p>
+            <a:pPr algn="ctr"/>
+            <a:r>
+              <a:rPr lang="de-DE" sz="1050" i="1" dirty="0" err="1" smtClean="0">
+                <a:latin typeface="Segoe UI" panose="020B0502040204020203" pitchFamily="34" charset="0"/>
+                <a:cs typeface="Segoe UI" panose="020B0502040204020203" pitchFamily="34" charset="0"/>
+              </a:rPr>
+              <a:t>visualization</a:t>
+            </a:r>
+            <a:endParaRPr lang="de-DE" sz="1050" i="1" dirty="0">
+              <a:latin typeface="Segoe UI" panose="020B0502040204020203" pitchFamily="34" charset="0"/>
+              <a:cs typeface="Segoe UI" panose="020B0502040204020203" pitchFamily="34" charset="0"/>
+            </a:endParaRPr>
+          </a:p>
+        </p:txBody>
+      </p:sp>
+      <p:sp>
+        <p:nvSpPr>
+          <p:cNvPr id="236" name="Rechteck 235"/>
+          <p:cNvSpPr/>
+          <p:nvPr/>
+        </p:nvSpPr>
+        <p:spPr>
+          <a:xfrm>
+            <a:off x="8593377" y="2084152"/>
+            <a:ext cx="1151737" cy="410344"/>
+          </a:xfrm>
+          <a:prstGeom prst="rect">
+            <a:avLst/>
+          </a:prstGeom>
+          <a:ln>
+            <a:noFill/>
+          </a:ln>
+        </p:spPr>
+        <p:style>
+          <a:lnRef idx="2">
+            <a:schemeClr val="accent1">
+              <a:shade val="50000"/>
+            </a:schemeClr>
+          </a:lnRef>
+          <a:fillRef idx="1">
+            <a:schemeClr val="accent1"/>
+          </a:fillRef>
+          <a:effectRef idx="0">
+            <a:schemeClr val="accent1"/>
+          </a:effectRef>
+          <a:fontRef idx="minor">
+            <a:schemeClr val="lt1"/>
+          </a:fontRef>
+        </p:style>
+        <p:txBody>
+          <a:bodyPr rtlCol="0" anchor="ctr"/>
+          <a:lstStyle/>
+          <a:p>
+            <a:pPr algn="ctr"/>
+            <a:r>
+              <a:rPr lang="de-DE" sz="1050" dirty="0" smtClean="0">
+                <a:latin typeface="Segoe UI" panose="020B0502040204020203" pitchFamily="34" charset="0"/>
+                <a:cs typeface="Segoe UI" panose="020B0502040204020203" pitchFamily="34" charset="0"/>
+              </a:rPr>
+              <a:t>Rotary Encoder</a:t>
+            </a:r>
+          </a:p>
+          <a:p>
+            <a:pPr algn="ctr"/>
+            <a:r>
+              <a:rPr lang="de-DE" sz="1050" dirty="0" smtClean="0">
+                <a:latin typeface="Segoe UI" panose="020B0502040204020203" pitchFamily="34" charset="0"/>
+                <a:cs typeface="Segoe UI" panose="020B0502040204020203" pitchFamily="34" charset="0"/>
+              </a:rPr>
+              <a:t>ASM 5048</a:t>
+            </a:r>
+            <a:endParaRPr lang="de-DE" sz="1050" dirty="0">
+              <a:cs typeface="Segoe UI" panose="020B0502040204020203" pitchFamily="34" charset="0"/>
+            </a:endParaRPr>
+          </a:p>
+        </p:txBody>
+      </p:sp>
+      <p:cxnSp>
+        <p:nvCxnSpPr>
+          <p:cNvPr id="241" name="Gewinkelte Verbindung 240"/>
+          <p:cNvCxnSpPr>
+            <a:endCxn id="238" idx="2"/>
+          </p:cNvCxnSpPr>
+          <p:nvPr/>
+        </p:nvCxnSpPr>
+        <p:spPr>
+          <a:xfrm>
+            <a:off x="4268676" y="3270392"/>
+            <a:ext cx="4911676" cy="1252171"/>
+          </a:xfrm>
+          <a:prstGeom prst="bentConnector4">
+            <a:avLst>
+              <a:gd name="adj1" fmla="val -389"/>
+              <a:gd name="adj2" fmla="val 204079"/>
+            </a:avLst>
+          </a:prstGeom>
+        </p:spPr>
+        <p:style>
+          <a:lnRef idx="1">
+            <a:schemeClr val="accent1"/>
+          </a:lnRef>
+          <a:fillRef idx="0">
+            <a:schemeClr val="accent1"/>
+          </a:fillRef>
+          <a:effectRef idx="0">
+            <a:schemeClr val="accent1"/>
+          </a:effectRef>
+          <a:fontRef idx="minor">
+            <a:schemeClr val="tx1"/>
+          </a:fontRef>
+        </p:style>
+      </p:cxnSp>
+      <p:grpSp>
+        <p:nvGrpSpPr>
+          <p:cNvPr id="244" name="Gruppieren 243"/>
+          <p:cNvGrpSpPr/>
+          <p:nvPr/>
+        </p:nvGrpSpPr>
+        <p:grpSpPr>
+          <a:xfrm rot="16200000">
+            <a:off x="4372362" y="2920385"/>
+            <a:ext cx="361131" cy="568502"/>
+            <a:chOff x="3563886" y="3140968"/>
+            <a:chExt cx="361131" cy="1663968"/>
+          </a:xfrm>
+          <a:noFill/>
+        </p:grpSpPr>
+        <p:sp>
+          <p:nvSpPr>
+            <p:cNvPr id="245" name="Rechteck 244"/>
+            <p:cNvSpPr/>
+            <p:nvPr/>
+          </p:nvSpPr>
+          <p:spPr>
+            <a:xfrm>
+              <a:off x="3563888" y="3140968"/>
+              <a:ext cx="361129" cy="191754"/>
+            </a:xfrm>
+            <a:prstGeom prst="rect">
+              <a:avLst/>
+            </a:prstGeom>
+            <a:grpFill/>
+            <a:ln>
+              <a:noFill/>
+            </a:ln>
+          </p:spPr>
+          <p:style>
+            <a:lnRef idx="2">
+              <a:schemeClr val="accent1">
+                <a:shade val="50000"/>
+              </a:schemeClr>
+            </a:lnRef>
+            <a:fillRef idx="1">
+              <a:schemeClr val="accent1"/>
+            </a:fillRef>
+            <a:effectRef idx="0">
+              <a:schemeClr val="accent1"/>
+            </a:effectRef>
+            <a:fontRef idx="minor">
+              <a:schemeClr val="lt1"/>
+            </a:fontRef>
+          </p:style>
+          <p:txBody>
+            <a:bodyPr rtlCol="0" anchor="ctr"/>
+            <a:lstStyle/>
+            <a:p>
+              <a:pPr algn="ctr"/>
+              <a:endParaRPr lang="de-DE" sz="1400">
+                <a:latin typeface="Segoe UI" panose="020B0502040204020203" pitchFamily="34" charset="0"/>
+                <a:cs typeface="Segoe UI" panose="020B0502040204020203" pitchFamily="34" charset="0"/>
+              </a:endParaRPr>
+            </a:p>
+          </p:txBody>
+        </p:sp>
+        <p:sp>
+          <p:nvSpPr>
+            <p:cNvPr id="246" name="Rechteck 245"/>
+            <p:cNvSpPr/>
+            <p:nvPr/>
+          </p:nvSpPr>
+          <p:spPr>
+            <a:xfrm>
+              <a:off x="3563887" y="3351284"/>
+              <a:ext cx="361129" cy="191754"/>
+            </a:xfrm>
+            <a:prstGeom prst="rect">
+              <a:avLst/>
+            </a:prstGeom>
+            <a:grpFill/>
+            <a:ln>
+              <a:noFill/>
+            </a:ln>
+          </p:spPr>
+          <p:style>
+            <a:lnRef idx="2">
+              <a:schemeClr val="accent1">
+                <a:shade val="50000"/>
+              </a:schemeClr>
+            </a:lnRef>
+            <a:fillRef idx="1">
+              <a:schemeClr val="accent1"/>
+            </a:fillRef>
+            <a:effectRef idx="0">
+              <a:schemeClr val="accent1"/>
+            </a:effectRef>
+            <a:fontRef idx="minor">
+              <a:schemeClr val="lt1"/>
+            </a:fontRef>
+          </p:style>
+          <p:txBody>
+            <a:bodyPr rtlCol="0" anchor="ctr"/>
+            <a:lstStyle/>
+            <a:p>
+              <a:pPr algn="ctr"/>
+              <a:endParaRPr lang="de-DE" sz="1400">
+                <a:latin typeface="Segoe UI" panose="020B0502040204020203" pitchFamily="34" charset="0"/>
+                <a:cs typeface="Segoe UI" panose="020B0502040204020203" pitchFamily="34" charset="0"/>
+              </a:endParaRPr>
+            </a:p>
+          </p:txBody>
+        </p:sp>
+        <p:sp>
+          <p:nvSpPr>
+            <p:cNvPr id="247" name="Rechteck 246"/>
+            <p:cNvSpPr/>
+            <p:nvPr/>
+          </p:nvSpPr>
+          <p:spPr>
+            <a:xfrm>
+              <a:off x="3563887" y="3561600"/>
+              <a:ext cx="361129" cy="191754"/>
+            </a:xfrm>
+            <a:prstGeom prst="rect">
+              <a:avLst/>
+            </a:prstGeom>
+            <a:grpFill/>
+            <a:ln>
+              <a:noFill/>
+            </a:ln>
+          </p:spPr>
+          <p:style>
+            <a:lnRef idx="2">
+              <a:schemeClr val="accent1">
+                <a:shade val="50000"/>
+              </a:schemeClr>
+            </a:lnRef>
+            <a:fillRef idx="1">
+              <a:schemeClr val="accent1"/>
+            </a:fillRef>
+            <a:effectRef idx="0">
+              <a:schemeClr val="accent1"/>
+            </a:effectRef>
+            <a:fontRef idx="minor">
+              <a:schemeClr val="lt1"/>
+            </a:fontRef>
+          </p:style>
+          <p:txBody>
+            <a:bodyPr rtlCol="0" anchor="ctr"/>
+            <a:lstStyle/>
+            <a:p>
+              <a:pPr algn="ctr"/>
+              <a:endParaRPr lang="de-DE" sz="1400">
+                <a:latin typeface="Segoe UI" panose="020B0502040204020203" pitchFamily="34" charset="0"/>
+                <a:cs typeface="Segoe UI" panose="020B0502040204020203" pitchFamily="34" charset="0"/>
+              </a:endParaRPr>
+            </a:p>
+          </p:txBody>
+        </p:sp>
+        <p:sp>
+          <p:nvSpPr>
+            <p:cNvPr id="248" name="Rechteck 247"/>
+            <p:cNvSpPr/>
+            <p:nvPr/>
+          </p:nvSpPr>
+          <p:spPr>
+            <a:xfrm>
+              <a:off x="3563887" y="3771916"/>
+              <a:ext cx="361129" cy="191754"/>
+            </a:xfrm>
+            <a:prstGeom prst="rect">
+              <a:avLst/>
+            </a:prstGeom>
+            <a:grpFill/>
+            <a:ln>
+              <a:noFill/>
+            </a:ln>
+          </p:spPr>
+          <p:style>
+            <a:lnRef idx="2">
+              <a:schemeClr val="accent1">
+                <a:shade val="50000"/>
+              </a:schemeClr>
+            </a:lnRef>
+            <a:fillRef idx="1">
+              <a:schemeClr val="accent1"/>
+            </a:fillRef>
+            <a:effectRef idx="0">
+              <a:schemeClr val="accent1"/>
+            </a:effectRef>
+            <a:fontRef idx="minor">
+              <a:schemeClr val="lt1"/>
+            </a:fontRef>
+          </p:style>
+          <p:txBody>
+            <a:bodyPr rtlCol="0" anchor="ctr"/>
+            <a:lstStyle/>
+            <a:p>
+              <a:pPr algn="ctr"/>
+              <a:endParaRPr lang="de-DE" sz="1400">
+                <a:latin typeface="Segoe UI" panose="020B0502040204020203" pitchFamily="34" charset="0"/>
+                <a:cs typeface="Segoe UI" panose="020B0502040204020203" pitchFamily="34" charset="0"/>
+              </a:endParaRPr>
+            </a:p>
+          </p:txBody>
+        </p:sp>
+        <p:sp>
+          <p:nvSpPr>
+            <p:cNvPr id="249" name="Rechteck 248"/>
+            <p:cNvSpPr/>
+            <p:nvPr/>
+          </p:nvSpPr>
+          <p:spPr>
+            <a:xfrm>
+              <a:off x="3563886" y="3982232"/>
+              <a:ext cx="361129" cy="191754"/>
+            </a:xfrm>
+            <a:prstGeom prst="rect">
+              <a:avLst/>
+            </a:prstGeom>
+            <a:grpFill/>
+            <a:ln>
+              <a:noFill/>
+            </a:ln>
+          </p:spPr>
+          <p:style>
+            <a:lnRef idx="2">
+              <a:schemeClr val="accent1">
+                <a:shade val="50000"/>
+              </a:schemeClr>
+            </a:lnRef>
+            <a:fillRef idx="1">
+              <a:schemeClr val="accent1"/>
+            </a:fillRef>
+            <a:effectRef idx="0">
+              <a:schemeClr val="accent1"/>
+            </a:effectRef>
+            <a:fontRef idx="minor">
+              <a:schemeClr val="lt1"/>
+            </a:fontRef>
+          </p:style>
+          <p:txBody>
+            <a:bodyPr rtlCol="0" anchor="ctr"/>
+            <a:lstStyle/>
+            <a:p>
+              <a:pPr algn="ctr"/>
+              <a:endParaRPr lang="de-DE" sz="1400">
+                <a:latin typeface="Segoe UI" panose="020B0502040204020203" pitchFamily="34" charset="0"/>
+                <a:cs typeface="Segoe UI" panose="020B0502040204020203" pitchFamily="34" charset="0"/>
+              </a:endParaRPr>
+            </a:p>
+          </p:txBody>
+        </p:sp>
+        <p:sp>
+          <p:nvSpPr>
+            <p:cNvPr id="250" name="Rechteck 249"/>
+            <p:cNvSpPr/>
+            <p:nvPr/>
+          </p:nvSpPr>
+          <p:spPr>
+            <a:xfrm>
+              <a:off x="3563886" y="4192548"/>
+              <a:ext cx="361129" cy="191754"/>
+            </a:xfrm>
+            <a:prstGeom prst="rect">
+              <a:avLst/>
+            </a:prstGeom>
+            <a:grpFill/>
+            <a:ln>
+              <a:noFill/>
+            </a:ln>
+          </p:spPr>
+          <p:style>
+            <a:lnRef idx="2">
+              <a:schemeClr val="accent1">
+                <a:shade val="50000"/>
+              </a:schemeClr>
+            </a:lnRef>
+            <a:fillRef idx="1">
+              <a:schemeClr val="accent1"/>
+            </a:fillRef>
+            <a:effectRef idx="0">
+              <a:schemeClr val="accent1"/>
+            </a:effectRef>
+            <a:fontRef idx="minor">
+              <a:schemeClr val="lt1"/>
+            </a:fontRef>
+          </p:style>
+          <p:txBody>
+            <a:bodyPr rtlCol="0" anchor="ctr"/>
+            <a:lstStyle/>
+            <a:p>
+              <a:pPr algn="ctr"/>
+              <a:endParaRPr lang="de-DE" sz="1400">
+                <a:latin typeface="Segoe UI" panose="020B0502040204020203" pitchFamily="34" charset="0"/>
+                <a:cs typeface="Segoe UI" panose="020B0502040204020203" pitchFamily="34" charset="0"/>
+              </a:endParaRPr>
+            </a:p>
+          </p:txBody>
+        </p:sp>
+        <p:sp>
+          <p:nvSpPr>
+            <p:cNvPr id="251" name="Rechteck 250"/>
+            <p:cNvSpPr/>
+            <p:nvPr/>
+          </p:nvSpPr>
+          <p:spPr>
+            <a:xfrm>
+              <a:off x="3563886" y="4402864"/>
+              <a:ext cx="361129" cy="191754"/>
+            </a:xfrm>
+            <a:prstGeom prst="rect">
+              <a:avLst/>
+            </a:prstGeom>
+            <a:grpFill/>
+            <a:ln>
+              <a:noFill/>
+            </a:ln>
+          </p:spPr>
+          <p:style>
+            <a:lnRef idx="2">
+              <a:schemeClr val="accent1">
+                <a:shade val="50000"/>
+              </a:schemeClr>
+            </a:lnRef>
+            <a:fillRef idx="1">
+              <a:schemeClr val="accent1"/>
+            </a:fillRef>
+            <a:effectRef idx="0">
+              <a:schemeClr val="accent1"/>
+            </a:effectRef>
+            <a:fontRef idx="minor">
+              <a:schemeClr val="lt1"/>
+            </a:fontRef>
+          </p:style>
+          <p:txBody>
+            <a:bodyPr rtlCol="0" anchor="ctr"/>
+            <a:lstStyle/>
+            <a:p>
+              <a:pPr algn="ctr"/>
+              <a:endParaRPr lang="de-DE" sz="1400">
+                <a:latin typeface="Segoe UI" panose="020B0502040204020203" pitchFamily="34" charset="0"/>
+                <a:cs typeface="Segoe UI" panose="020B0502040204020203" pitchFamily="34" charset="0"/>
+              </a:endParaRPr>
+            </a:p>
+          </p:txBody>
+        </p:sp>
+        <p:sp>
+          <p:nvSpPr>
+            <p:cNvPr id="252" name="Rechteck 251"/>
+            <p:cNvSpPr/>
+            <p:nvPr/>
+          </p:nvSpPr>
+          <p:spPr>
+            <a:xfrm>
+              <a:off x="3563886" y="4613182"/>
+              <a:ext cx="361129" cy="191754"/>
+            </a:xfrm>
+            <a:prstGeom prst="rect">
+              <a:avLst/>
+            </a:prstGeom>
+            <a:grpFill/>
+            <a:ln>
+              <a:noFill/>
+            </a:ln>
+          </p:spPr>
+          <p:style>
+            <a:lnRef idx="2">
+              <a:schemeClr val="accent1">
+                <a:shade val="50000"/>
+              </a:schemeClr>
+            </a:lnRef>
+            <a:fillRef idx="1">
+              <a:schemeClr val="accent1"/>
+            </a:fillRef>
+            <a:effectRef idx="0">
+              <a:schemeClr val="accent1"/>
+            </a:effectRef>
+            <a:fontRef idx="minor">
+              <a:schemeClr val="lt1"/>
+            </a:fontRef>
+          </p:style>
+          <p:txBody>
+            <a:bodyPr rtlCol="0" anchor="ctr"/>
+            <a:lstStyle/>
+            <a:p>
+              <a:pPr algn="ctr"/>
+              <a:endParaRPr lang="de-DE" sz="1400">
+                <a:latin typeface="Segoe UI" panose="020B0502040204020203" pitchFamily="34" charset="0"/>
+                <a:cs typeface="Segoe UI" panose="020B0502040204020203" pitchFamily="34" charset="0"/>
+              </a:endParaRPr>
+            </a:p>
+          </p:txBody>
+        </p:sp>
+      </p:grpSp>
+      <p:sp>
+        <p:nvSpPr>
+          <p:cNvPr id="96" name="Rechteck 95"/>
+          <p:cNvSpPr/>
+          <p:nvPr/>
+        </p:nvSpPr>
+        <p:spPr>
+          <a:xfrm>
+            <a:off x="4034673" y="2494598"/>
+            <a:ext cx="1080120" cy="892379"/>
+          </a:xfrm>
+          <a:prstGeom prst="rect">
+            <a:avLst/>
+          </a:prstGeom>
+          <a:solidFill>
+            <a:schemeClr val="accent3"/>
+          </a:solidFill>
+          <a:ln>
+            <a:noFill/>
+          </a:ln>
+        </p:spPr>
+        <p:style>
+          <a:lnRef idx="2">
+            <a:schemeClr val="accent1">
+              <a:shade val="50000"/>
+            </a:schemeClr>
+          </a:lnRef>
+          <a:fillRef idx="1">
+            <a:schemeClr val="accent1"/>
+          </a:fillRef>
+          <a:effectRef idx="0">
+            <a:schemeClr val="accent1"/>
+          </a:effectRef>
+          <a:fontRef idx="minor">
+            <a:schemeClr val="lt1"/>
+          </a:fontRef>
+        </p:style>
+        <p:txBody>
+          <a:bodyPr rtlCol="0" anchor="ctr"/>
+          <a:lstStyle/>
+          <a:p>
+            <a:pPr algn="ctr"/>
+            <a:r>
+              <a:rPr lang="de-DE" sz="1050" dirty="0" smtClean="0">
+                <a:latin typeface="Segoe UI" panose="020B0502040204020203" pitchFamily="34" charset="0"/>
+                <a:cs typeface="Segoe UI" panose="020B0502040204020203" pitchFamily="34" charset="0"/>
+              </a:rPr>
+              <a:t>Controller Board</a:t>
+            </a:r>
+          </a:p>
+          <a:p>
+            <a:pPr algn="ctr"/>
+            <a:r>
+              <a:rPr lang="de-DE" sz="1050" dirty="0" err="1" smtClean="0">
+                <a:latin typeface="Segoe UI" panose="020B0502040204020203" pitchFamily="34" charset="0"/>
+                <a:cs typeface="Segoe UI" panose="020B0502040204020203" pitchFamily="34" charset="0"/>
+              </a:rPr>
+              <a:t>Atmega</a:t>
+            </a:r>
+            <a:r>
+              <a:rPr lang="de-DE" sz="1050" dirty="0" smtClean="0">
+                <a:latin typeface="Segoe UI" panose="020B0502040204020203" pitchFamily="34" charset="0"/>
+                <a:cs typeface="Segoe UI" panose="020B0502040204020203" pitchFamily="34" charset="0"/>
+              </a:rPr>
+              <a:t> 644</a:t>
+            </a:r>
+          </a:p>
+          <a:p>
+            <a:pPr algn="ctr"/>
+            <a:r>
+              <a:rPr lang="de-DE" sz="1050" dirty="0" smtClean="0">
+                <a:latin typeface="Segoe UI" panose="020B0502040204020203" pitchFamily="34" charset="0"/>
+                <a:cs typeface="Segoe UI" panose="020B0502040204020203" pitchFamily="34" charset="0"/>
+              </a:rPr>
+              <a:t>Low </a:t>
+            </a:r>
+            <a:r>
+              <a:rPr lang="de-DE" sz="1050" dirty="0" err="1" smtClean="0">
+                <a:latin typeface="Segoe UI" panose="020B0502040204020203" pitchFamily="34" charset="0"/>
+                <a:cs typeface="Segoe UI" panose="020B0502040204020203" pitchFamily="34" charset="0"/>
+              </a:rPr>
+              <a:t>level</a:t>
+            </a:r>
+            <a:r>
+              <a:rPr lang="de-DE" sz="1050" dirty="0" smtClean="0">
+                <a:latin typeface="Segoe UI" panose="020B0502040204020203" pitchFamily="34" charset="0"/>
+                <a:cs typeface="Segoe UI" panose="020B0502040204020203" pitchFamily="34" charset="0"/>
+              </a:rPr>
+              <a:t> C++</a:t>
+            </a:r>
+            <a:endParaRPr lang="de-DE" sz="1050" dirty="0">
+              <a:latin typeface="Segoe UI" panose="020B0502040204020203" pitchFamily="34" charset="0"/>
+              <a:cs typeface="Segoe UI" panose="020B0502040204020203" pitchFamily="34" charset="0"/>
+            </a:endParaRPr>
+          </a:p>
+        </p:txBody>
+      </p:sp>
+      <p:sp>
+        <p:nvSpPr>
+          <p:cNvPr id="262" name="Textfeld 261"/>
+          <p:cNvSpPr txBox="1"/>
+          <p:nvPr/>
+        </p:nvSpPr>
+        <p:spPr>
+          <a:xfrm>
+            <a:off x="4238804" y="5652401"/>
+            <a:ext cx="312906" cy="215444"/>
+          </a:xfrm>
+          <a:prstGeom prst="rect">
+            <a:avLst/>
+          </a:prstGeom>
+          <a:noFill/>
+        </p:spPr>
+        <p:txBody>
+          <a:bodyPr wrap="none" rtlCol="0">
+            <a:spAutoFit/>
+          </a:bodyPr>
+          <a:lstStyle/>
+          <a:p>
+            <a:r>
+              <a:rPr lang="de-DE" sz="800" dirty="0" smtClean="0">
+                <a:latin typeface="Segoe UI" panose="020B0502040204020203" pitchFamily="34" charset="0"/>
+                <a:cs typeface="Segoe UI" panose="020B0502040204020203" pitchFamily="34" charset="0"/>
+              </a:rPr>
+              <a:t>I²C</a:t>
+            </a:r>
+            <a:endParaRPr lang="de-DE" sz="800" dirty="0">
+              <a:latin typeface="Segoe UI" panose="020B0502040204020203" pitchFamily="34" charset="0"/>
+              <a:cs typeface="Segoe UI" panose="020B0502040204020203" pitchFamily="34" charset="0"/>
+            </a:endParaRPr>
+          </a:p>
+        </p:txBody>
+      </p:sp>
+      <p:cxnSp>
+        <p:nvCxnSpPr>
+          <p:cNvPr id="264" name="Gerader Verbinder 263"/>
+          <p:cNvCxnSpPr>
+            <a:endCxn id="236" idx="2"/>
+          </p:cNvCxnSpPr>
+          <p:nvPr/>
+        </p:nvCxnSpPr>
+        <p:spPr>
+          <a:xfrm flipH="1" flipV="1">
+            <a:off x="9169246" y="2494496"/>
+            <a:ext cx="11105" cy="2027207"/>
+          </a:xfrm>
+          <a:prstGeom prst="line">
+            <a:avLst/>
+          </a:prstGeom>
+        </p:spPr>
+        <p:style>
+          <a:lnRef idx="1">
+            <a:schemeClr val="accent1"/>
+          </a:lnRef>
+          <a:fillRef idx="0">
+            <a:schemeClr val="accent1"/>
+          </a:fillRef>
+          <a:effectRef idx="0">
+            <a:schemeClr val="accent1"/>
+          </a:effectRef>
+          <a:fontRef idx="minor">
+            <a:schemeClr val="tx1"/>
+          </a:fontRef>
+        </p:style>
+      </p:cxnSp>
+      <p:sp>
+        <p:nvSpPr>
+          <p:cNvPr id="237" name="Rechteck 236"/>
+          <p:cNvSpPr/>
+          <p:nvPr/>
+        </p:nvSpPr>
+        <p:spPr>
+          <a:xfrm>
+            <a:off x="8604483" y="2588310"/>
+            <a:ext cx="1151737" cy="410344"/>
+          </a:xfrm>
+          <a:prstGeom prst="rect">
+            <a:avLst/>
+          </a:prstGeom>
+          <a:ln>
+            <a:noFill/>
+          </a:ln>
+        </p:spPr>
+        <p:style>
+          <a:lnRef idx="2">
+            <a:schemeClr val="accent1">
+              <a:shade val="50000"/>
+            </a:schemeClr>
+          </a:lnRef>
+          <a:fillRef idx="1">
+            <a:schemeClr val="accent1"/>
+          </a:fillRef>
+          <a:effectRef idx="0">
+            <a:schemeClr val="accent1"/>
+          </a:effectRef>
+          <a:fontRef idx="minor">
+            <a:schemeClr val="lt1"/>
+          </a:fontRef>
+        </p:style>
+        <p:txBody>
+          <a:bodyPr rtlCol="0" anchor="ctr"/>
+          <a:lstStyle/>
+          <a:p>
+            <a:pPr algn="ctr"/>
+            <a:r>
+              <a:rPr lang="de-DE" sz="1050" dirty="0" smtClean="0">
+                <a:latin typeface="Segoe UI" panose="020B0502040204020203" pitchFamily="34" charset="0"/>
+                <a:cs typeface="Segoe UI" panose="020B0502040204020203" pitchFamily="34" charset="0"/>
+              </a:rPr>
+              <a:t>Rotary Encoder</a:t>
+            </a:r>
+          </a:p>
+          <a:p>
+            <a:pPr algn="ctr"/>
+            <a:r>
+              <a:rPr lang="de-DE" sz="1050" dirty="0" smtClean="0">
+                <a:latin typeface="Segoe UI" panose="020B0502040204020203" pitchFamily="34" charset="0"/>
+                <a:cs typeface="Segoe UI" panose="020B0502040204020203" pitchFamily="34" charset="0"/>
+              </a:rPr>
+              <a:t>ASM 5048</a:t>
+            </a:r>
+            <a:endParaRPr lang="de-DE" sz="1050" dirty="0">
+              <a:cs typeface="Segoe UI" panose="020B0502040204020203" pitchFamily="34" charset="0"/>
+            </a:endParaRPr>
+          </a:p>
+        </p:txBody>
+      </p:sp>
+      <p:sp>
+        <p:nvSpPr>
+          <p:cNvPr id="238" name="Rechteck 237"/>
+          <p:cNvSpPr/>
+          <p:nvPr/>
+        </p:nvSpPr>
+        <p:spPr>
+          <a:xfrm>
+            <a:off x="8604483" y="4112219"/>
+            <a:ext cx="1151737" cy="410344"/>
+          </a:xfrm>
+          <a:prstGeom prst="rect">
+            <a:avLst/>
+          </a:prstGeom>
+          <a:ln>
+            <a:noFill/>
+          </a:ln>
+        </p:spPr>
+        <p:style>
+          <a:lnRef idx="2">
+            <a:schemeClr val="accent1">
+              <a:shade val="50000"/>
+            </a:schemeClr>
+          </a:lnRef>
+          <a:fillRef idx="1">
+            <a:schemeClr val="accent1"/>
+          </a:fillRef>
+          <a:effectRef idx="0">
+            <a:schemeClr val="accent1"/>
+          </a:effectRef>
+          <a:fontRef idx="minor">
+            <a:schemeClr val="lt1"/>
+          </a:fontRef>
+        </p:style>
+        <p:txBody>
+          <a:bodyPr rtlCol="0" anchor="ctr"/>
+          <a:lstStyle/>
+          <a:p>
+            <a:pPr algn="ctr"/>
+            <a:r>
+              <a:rPr lang="de-DE" sz="1050" dirty="0" smtClean="0">
+                <a:latin typeface="Segoe UI" panose="020B0502040204020203" pitchFamily="34" charset="0"/>
+                <a:cs typeface="Segoe UI" panose="020B0502040204020203" pitchFamily="34" charset="0"/>
+              </a:rPr>
+              <a:t>Rotary Encoder</a:t>
+            </a:r>
+          </a:p>
+          <a:p>
+            <a:pPr algn="ctr"/>
+            <a:r>
+              <a:rPr lang="de-DE" sz="1050" dirty="0" smtClean="0">
+                <a:latin typeface="Segoe UI" panose="020B0502040204020203" pitchFamily="34" charset="0"/>
+                <a:cs typeface="Segoe UI" panose="020B0502040204020203" pitchFamily="34" charset="0"/>
+              </a:rPr>
+              <a:t>ASM 5048</a:t>
+            </a:r>
+            <a:endParaRPr lang="de-DE" sz="1050" dirty="0">
+              <a:cs typeface="Segoe UI" panose="020B0502040204020203" pitchFamily="34" charset="0"/>
+            </a:endParaRPr>
+          </a:p>
+        </p:txBody>
+      </p:sp>
+      <p:sp>
+        <p:nvSpPr>
+          <p:cNvPr id="239" name="Rechteck 238"/>
+          <p:cNvSpPr/>
+          <p:nvPr/>
+        </p:nvSpPr>
+        <p:spPr>
+          <a:xfrm>
+            <a:off x="8604483" y="3602936"/>
+            <a:ext cx="1151737" cy="410344"/>
+          </a:xfrm>
+          <a:prstGeom prst="rect">
+            <a:avLst/>
+          </a:prstGeom>
+          <a:ln>
+            <a:noFill/>
+          </a:ln>
+        </p:spPr>
+        <p:style>
+          <a:lnRef idx="2">
+            <a:schemeClr val="accent1">
+              <a:shade val="50000"/>
+            </a:schemeClr>
+          </a:lnRef>
+          <a:fillRef idx="1">
+            <a:schemeClr val="accent1"/>
+          </a:fillRef>
+          <a:effectRef idx="0">
+            <a:schemeClr val="accent1"/>
+          </a:effectRef>
+          <a:fontRef idx="minor">
+            <a:schemeClr val="lt1"/>
+          </a:fontRef>
+        </p:style>
+        <p:txBody>
+          <a:bodyPr rtlCol="0" anchor="ctr"/>
+          <a:lstStyle/>
+          <a:p>
+            <a:pPr algn="ctr"/>
+            <a:r>
+              <a:rPr lang="de-DE" sz="1050" dirty="0" smtClean="0">
+                <a:latin typeface="Segoe UI" panose="020B0502040204020203" pitchFamily="34" charset="0"/>
+                <a:cs typeface="Segoe UI" panose="020B0502040204020203" pitchFamily="34" charset="0"/>
+              </a:rPr>
+              <a:t>Rotary Encoder</a:t>
+            </a:r>
+          </a:p>
+          <a:p>
+            <a:pPr algn="ctr"/>
+            <a:r>
+              <a:rPr lang="de-DE" sz="1050" dirty="0" smtClean="0">
+                <a:latin typeface="Segoe UI" panose="020B0502040204020203" pitchFamily="34" charset="0"/>
+                <a:cs typeface="Segoe UI" panose="020B0502040204020203" pitchFamily="34" charset="0"/>
+              </a:rPr>
+              <a:t>ASM 5048</a:t>
+            </a:r>
+            <a:endParaRPr lang="de-DE" sz="1050" dirty="0">
+              <a:cs typeface="Segoe UI" panose="020B0502040204020203" pitchFamily="34" charset="0"/>
+            </a:endParaRPr>
+          </a:p>
+        </p:txBody>
+      </p:sp>
+      <p:sp>
+        <p:nvSpPr>
+          <p:cNvPr id="240" name="Rechteck 239"/>
+          <p:cNvSpPr/>
+          <p:nvPr/>
+        </p:nvSpPr>
+        <p:spPr>
+          <a:xfrm>
+            <a:off x="8604838" y="3100016"/>
+            <a:ext cx="1151737" cy="410344"/>
+          </a:xfrm>
+          <a:prstGeom prst="rect">
+            <a:avLst/>
+          </a:prstGeom>
+          <a:ln>
+            <a:noFill/>
+          </a:ln>
+        </p:spPr>
+        <p:style>
+          <a:lnRef idx="2">
+            <a:schemeClr val="accent1">
+              <a:shade val="50000"/>
+            </a:schemeClr>
+          </a:lnRef>
+          <a:fillRef idx="1">
+            <a:schemeClr val="accent1"/>
+          </a:fillRef>
+          <a:effectRef idx="0">
+            <a:schemeClr val="accent1"/>
+          </a:effectRef>
+          <a:fontRef idx="minor">
+            <a:schemeClr val="lt1"/>
+          </a:fontRef>
+        </p:style>
+        <p:txBody>
+          <a:bodyPr rtlCol="0" anchor="ctr"/>
+          <a:lstStyle/>
+          <a:p>
+            <a:pPr algn="ctr"/>
+            <a:r>
+              <a:rPr lang="de-DE" sz="1050" dirty="0" smtClean="0">
+                <a:latin typeface="Segoe UI" panose="020B0502040204020203" pitchFamily="34" charset="0"/>
+                <a:cs typeface="Segoe UI" panose="020B0502040204020203" pitchFamily="34" charset="0"/>
+              </a:rPr>
+              <a:t>Rotary Encoder</a:t>
+            </a:r>
+          </a:p>
+          <a:p>
+            <a:pPr algn="ctr"/>
+            <a:r>
+              <a:rPr lang="de-DE" sz="1050" dirty="0" smtClean="0">
+                <a:latin typeface="Segoe UI" panose="020B0502040204020203" pitchFamily="34" charset="0"/>
+                <a:cs typeface="Segoe UI" panose="020B0502040204020203" pitchFamily="34" charset="0"/>
+              </a:rPr>
+              <a:t>ASM 5048</a:t>
+            </a:r>
+            <a:endParaRPr lang="de-DE" sz="1050" dirty="0">
+              <a:cs typeface="Segoe UI" panose="020B0502040204020203" pitchFamily="34" charset="0"/>
+            </a:endParaRPr>
+          </a:p>
+        </p:txBody>
+      </p:sp>
+      <p:cxnSp>
+        <p:nvCxnSpPr>
+          <p:cNvPr id="268" name="Gerade Verbindung mit Pfeil 267"/>
+          <p:cNvCxnSpPr/>
+          <p:nvPr/>
+        </p:nvCxnSpPr>
+        <p:spPr>
+          <a:xfrm>
+            <a:off x="970259" y="4623146"/>
+            <a:ext cx="841748" cy="1689"/>
+          </a:xfrm>
+          <a:prstGeom prst="straightConnector1">
+            <a:avLst/>
+          </a:prstGeom>
+          <a:ln>
+            <a:tailEnd type="triangle"/>
+          </a:ln>
+        </p:spPr>
+        <p:style>
+          <a:lnRef idx="1">
+            <a:schemeClr val="accent1"/>
+          </a:lnRef>
+          <a:fillRef idx="0">
+            <a:schemeClr val="accent1"/>
+          </a:fillRef>
+          <a:effectRef idx="0">
+            <a:schemeClr val="accent1"/>
+          </a:effectRef>
+          <a:fontRef idx="minor">
+            <a:schemeClr val="tx1"/>
+          </a:fontRef>
+        </p:style>
+      </p:cxnSp>
+      <p:cxnSp>
+        <p:nvCxnSpPr>
+          <p:cNvPr id="270" name="Gerade Verbindung mit Pfeil 269"/>
+          <p:cNvCxnSpPr/>
+          <p:nvPr/>
+        </p:nvCxnSpPr>
+        <p:spPr>
+          <a:xfrm flipH="1">
+            <a:off x="932655" y="4492872"/>
+            <a:ext cx="810788" cy="0"/>
+          </a:xfrm>
+          <a:prstGeom prst="straightConnector1">
+            <a:avLst/>
+          </a:prstGeom>
+          <a:ln>
+            <a:tailEnd type="triangle"/>
+          </a:ln>
+        </p:spPr>
+        <p:style>
+          <a:lnRef idx="1">
+            <a:schemeClr val="accent1"/>
+          </a:lnRef>
+          <a:fillRef idx="0">
+            <a:schemeClr val="accent1"/>
+          </a:fillRef>
+          <a:effectRef idx="0">
+            <a:schemeClr val="accent1"/>
+          </a:effectRef>
+          <a:fontRef idx="minor">
+            <a:schemeClr val="tx1"/>
+          </a:fontRef>
+        </p:style>
+      </p:cxnSp>
+      <p:sp>
+        <p:nvSpPr>
+          <p:cNvPr id="276" name="Textfeld 275"/>
+          <p:cNvSpPr txBox="1"/>
+          <p:nvPr/>
+        </p:nvSpPr>
+        <p:spPr>
+          <a:xfrm>
+            <a:off x="1053421" y="4613095"/>
+            <a:ext cx="688009" cy="215444"/>
+          </a:xfrm>
+          <a:prstGeom prst="rect">
+            <a:avLst/>
+          </a:prstGeom>
+          <a:noFill/>
+        </p:spPr>
+        <p:txBody>
+          <a:bodyPr wrap="none" rtlCol="0">
+            <a:spAutoFit/>
+          </a:bodyPr>
+          <a:lstStyle/>
+          <a:p>
+            <a:r>
+              <a:rPr lang="de-DE" sz="800" dirty="0" err="1" smtClean="0">
+                <a:latin typeface="Segoe UI" panose="020B0502040204020203" pitchFamily="34" charset="0"/>
+                <a:cs typeface="Segoe UI" panose="020B0502040204020203" pitchFamily="34" charset="0"/>
+              </a:rPr>
+              <a:t>trajectories</a:t>
+            </a:r>
+            <a:endParaRPr lang="de-DE" sz="800" dirty="0">
+              <a:latin typeface="Segoe UI" panose="020B0502040204020203" pitchFamily="34" charset="0"/>
+              <a:cs typeface="Segoe UI" panose="020B0502040204020203" pitchFamily="34" charset="0"/>
+            </a:endParaRPr>
+          </a:p>
+        </p:txBody>
+      </p:sp>
+      <p:sp>
+        <p:nvSpPr>
+          <p:cNvPr id="277" name="Textfeld 276"/>
+          <p:cNvSpPr txBox="1"/>
+          <p:nvPr/>
+        </p:nvSpPr>
+        <p:spPr>
+          <a:xfrm>
+            <a:off x="993925" y="4316208"/>
+            <a:ext cx="753732" cy="215444"/>
+          </a:xfrm>
+          <a:prstGeom prst="rect">
+            <a:avLst/>
+          </a:prstGeom>
+          <a:noFill/>
+        </p:spPr>
+        <p:txBody>
+          <a:bodyPr wrap="none" rtlCol="0">
+            <a:spAutoFit/>
+          </a:bodyPr>
+          <a:lstStyle/>
+          <a:p>
+            <a:r>
+              <a:rPr lang="de-DE" sz="800" dirty="0" err="1">
+                <a:latin typeface="Segoe UI" panose="020B0502040204020203" pitchFamily="34" charset="0"/>
+                <a:cs typeface="Segoe UI" panose="020B0502040204020203" pitchFamily="34" charset="0"/>
+              </a:rPr>
+              <a:t>c</a:t>
+            </a:r>
+            <a:r>
+              <a:rPr lang="de-DE" sz="800" dirty="0" err="1" smtClean="0">
+                <a:latin typeface="Segoe UI" panose="020B0502040204020203" pitchFamily="34" charset="0"/>
+                <a:cs typeface="Segoe UI" panose="020B0502040204020203" pitchFamily="34" charset="0"/>
+              </a:rPr>
+              <a:t>urrent</a:t>
+            </a:r>
+            <a:r>
+              <a:rPr lang="de-DE" sz="800" dirty="0" smtClean="0">
+                <a:latin typeface="Segoe UI" panose="020B0502040204020203" pitchFamily="34" charset="0"/>
+                <a:cs typeface="Segoe UI" panose="020B0502040204020203" pitchFamily="34" charset="0"/>
+              </a:rPr>
+              <a:t> </a:t>
+            </a:r>
+            <a:r>
+              <a:rPr lang="de-DE" sz="800" dirty="0" err="1" smtClean="0">
+                <a:latin typeface="Segoe UI" panose="020B0502040204020203" pitchFamily="34" charset="0"/>
+                <a:cs typeface="Segoe UI" panose="020B0502040204020203" pitchFamily="34" charset="0"/>
+              </a:rPr>
+              <a:t>pose</a:t>
+            </a:r>
+            <a:endParaRPr lang="de-DE" sz="800" dirty="0">
+              <a:latin typeface="Segoe UI" panose="020B0502040204020203" pitchFamily="34" charset="0"/>
+              <a:cs typeface="Segoe UI" panose="020B0502040204020203" pitchFamily="34" charset="0"/>
+            </a:endParaRPr>
+          </a:p>
+        </p:txBody>
+      </p:sp>
+    </p:spTree>
+    <p:extLst>
+      <p:ext uri="{BB962C8B-B14F-4D97-AF65-F5344CB8AC3E}">
+        <p14:creationId xmlns:p14="http://schemas.microsoft.com/office/powerpoint/2010/main" val="843773961"/>
+      </p:ext>
+    </p:extLst>
+  </p:cSld>
+  <p:clrMapOvr>
+    <a:masterClrMapping/>
+  </p:clrMapOvr>
+</p:sld>
+</file>
+
 <file path=ppt/theme/theme1.xml><?xml version="1.0" encoding="utf-8"?>
 <a:theme xmlns:a="http://schemas.openxmlformats.org/drawingml/2006/main" name="Larissa-Design">
   <a:themeElements>
@@ -5552,4 +13007,265 @@
   <a:objectDefaults/>
   <a:extraClrSchemeLst/>
 </a:theme>
+</file>
+
+<file path=ppt/theme/theme2.xml><?xml version="1.0" encoding="utf-8"?>
+<a:theme xmlns:a="http://schemas.openxmlformats.org/drawingml/2006/main" name="Office Theme">
+  <a:themeElements>
+    <a:clrScheme name="Office">
+      <a:dk1>
+        <a:sysClr val="windowText" lastClr="000000"/>
+      </a:dk1>
+      <a:lt1>
+        <a:sysClr val="window" lastClr="FFFFFF"/>
+      </a:lt1>
+      <a:dk2>
+        <a:srgbClr val="44546A"/>
+      </a:dk2>
+      <a:lt2>
+        <a:srgbClr val="E7E6E6"/>
+      </a:lt2>
+      <a:accent1>
+        <a:srgbClr val="5B9BD5"/>
+      </a:accent1>
+      <a:accent2>
+        <a:srgbClr val="ED7D31"/>
+      </a:accent2>
+      <a:accent3>
+        <a:srgbClr val="A5A5A5"/>
+      </a:accent3>
+      <a:accent4>
+        <a:srgbClr val="FFC000"/>
+      </a:accent4>
+      <a:accent5>
+        <a:srgbClr val="4472C4"/>
+      </a:accent5>
+      <a:accent6>
+        <a:srgbClr val="70AD47"/>
+      </a:accent6>
+      <a:hlink>
+        <a:srgbClr val="0563C1"/>
+      </a:hlink>
+      <a:folHlink>
+        <a:srgbClr val="954F72"/>
+      </a:folHlink>
+    </a:clrScheme>
+    <a:fontScheme name="Office">
+      <a:majorFont>
+        <a:latin typeface="Calibri Light" panose="020F0302020204030204"/>
+        <a:ea typeface=""/>
+        <a:cs typeface=""/>
+        <a:font script="Jpan" typeface="ＭＳ Ｐゴシック"/>
+        <a:font script="Hang" typeface="맑은 고딕"/>
+        <a:font script="Hans" typeface="宋体"/>
+        <a:font script="Hant" typeface="新細明體"/>
+        <a:font script="Arab" typeface="Times New Roman"/>
+        <a:font script="Hebr" typeface="Times New Roman"/>
+        <a:font script="Thai" typeface="Angsana New"/>
+        <a:font script="Ethi" typeface="Nyala"/>
+        <a:font script="Beng" typeface="Vrinda"/>
+        <a:font script="Gujr" typeface="Shruti"/>
+        <a:font script="Khmr" typeface="MoolBoran"/>
+        <a:font script="Knda" typeface="Tunga"/>
+        <a:font script="Guru" typeface="Raavi"/>
+        <a:font script="Cans" typeface="Euphemia"/>
+        <a:font script="Cher" typeface="Plantagenet Cherokee"/>
+        <a:font script="Yiii" typeface="Microsoft Yi Baiti"/>
+        <a:font script="Tibt" typeface="Microsoft Himalaya"/>
+        <a:font script="Thaa" typeface="MV Boli"/>
+        <a:font script="Deva" typeface="Mangal"/>
+        <a:font script="Telu" typeface="Gautami"/>
+        <a:font script="Taml" typeface="Latha"/>
+        <a:font script="Syrc" typeface="Estrangelo Edessa"/>
+        <a:font script="Orya" typeface="Kalinga"/>
+        <a:font script="Mlym" typeface="Kartika"/>
+        <a:font script="Laoo" typeface="DokChampa"/>
+        <a:font script="Sinh" typeface="Iskoola Pota"/>
+        <a:font script="Mong" typeface="Mongolian Baiti"/>
+        <a:font script="Viet" typeface="Times New Roman"/>
+        <a:font script="Uigh" typeface="Microsoft Uighur"/>
+        <a:font script="Geor" typeface="Sylfaen"/>
+      </a:majorFont>
+      <a:minorFont>
+        <a:latin typeface="Calibri" panose="020F0502020204030204"/>
+        <a:ea typeface=""/>
+        <a:cs typeface=""/>
+        <a:font script="Jpan" typeface="ＭＳ Ｐゴシック"/>
+        <a:font script="Hang" typeface="맑은 고딕"/>
+        <a:font script="Hans" typeface="宋体"/>
+        <a:font script="Hant" typeface="新細明體"/>
+        <a:font script="Arab" typeface="Arial"/>
+        <a:font script="Hebr" typeface="Arial"/>
+        <a:font script="Thai" typeface="Cordia New"/>
+        <a:font script="Ethi" typeface="Nyala"/>
+        <a:font script="Beng" typeface="Vrinda"/>
+        <a:font script="Gujr" typeface="Shruti"/>
+        <a:font script="Khmr" typeface="DaunPenh"/>
+        <a:font script="Knda" typeface="Tunga"/>
+        <a:font script="Guru" typeface="Raavi"/>
+        <a:font script="Cans" typeface="Euphemia"/>
+        <a:font script="Cher" typeface="Plantagenet Cherokee"/>
+        <a:font script="Yiii" typeface="Microsoft Yi Baiti"/>
+        <a:font script="Tibt" typeface="Microsoft Himalaya"/>
+        <a:font script="Thaa" typeface="MV Boli"/>
+        <a:font script="Deva" typeface="Mangal"/>
+        <a:font script="Telu" typeface="Gautami"/>
+        <a:font script="Taml" typeface="Latha"/>
+        <a:font script="Syrc" typeface="Estrangelo Edessa"/>
+        <a:font script="Orya" typeface="Kalinga"/>
+        <a:font script="Mlym" typeface="Kartika"/>
+        <a:font script="Laoo" typeface="DokChampa"/>
+        <a:font script="Sinh" typeface="Iskoola Pota"/>
+        <a:font script="Mong" typeface="Mongolian Baiti"/>
+        <a:font script="Viet" typeface="Arial"/>
+        <a:font script="Uigh" typeface="Microsoft Uighur"/>
+        <a:font script="Geor" typeface="Sylfaen"/>
+      </a:minorFont>
+    </a:fontScheme>
+    <a:fmtScheme name="Office">
+      <a:fillStyleLst>
+        <a:solidFill>
+          <a:schemeClr val="phClr"/>
+        </a:solidFill>
+        <a:gradFill rotWithShape="1">
+          <a:gsLst>
+            <a:gs pos="0">
+              <a:schemeClr val="phClr">
+                <a:lumMod val="110000"/>
+                <a:satMod val="105000"/>
+                <a:tint val="67000"/>
+              </a:schemeClr>
+            </a:gs>
+            <a:gs pos="50000">
+              <a:schemeClr val="phClr">
+                <a:lumMod val="105000"/>
+                <a:satMod val="103000"/>
+                <a:tint val="73000"/>
+              </a:schemeClr>
+            </a:gs>
+            <a:gs pos="100000">
+              <a:schemeClr val="phClr">
+                <a:lumMod val="105000"/>
+                <a:satMod val="109000"/>
+                <a:tint val="81000"/>
+              </a:schemeClr>
+            </a:gs>
+          </a:gsLst>
+          <a:lin ang="5400000" scaled="0"/>
+        </a:gradFill>
+        <a:gradFill rotWithShape="1">
+          <a:gsLst>
+            <a:gs pos="0">
+              <a:schemeClr val="phClr">
+                <a:satMod val="103000"/>
+                <a:lumMod val="102000"/>
+                <a:tint val="94000"/>
+              </a:schemeClr>
+            </a:gs>
+            <a:gs pos="50000">
+              <a:schemeClr val="phClr">
+                <a:satMod val="110000"/>
+                <a:lumMod val="100000"/>
+                <a:shade val="100000"/>
+              </a:schemeClr>
+            </a:gs>
+            <a:gs pos="100000">
+              <a:schemeClr val="phClr">
+                <a:lumMod val="99000"/>
+                <a:satMod val="120000"/>
+                <a:shade val="78000"/>
+              </a:schemeClr>
+            </a:gs>
+          </a:gsLst>
+          <a:lin ang="5400000" scaled="0"/>
+        </a:gradFill>
+      </a:fillStyleLst>
+      <a:lnStyleLst>
+        <a:ln w="6350" cap="flat" cmpd="sng" algn="ctr">
+          <a:solidFill>
+            <a:schemeClr val="phClr"/>
+          </a:solidFill>
+          <a:prstDash val="solid"/>
+          <a:miter lim="800000"/>
+        </a:ln>
+        <a:ln w="12700" cap="flat" cmpd="sng" algn="ctr">
+          <a:solidFill>
+            <a:schemeClr val="phClr"/>
+          </a:solidFill>
+          <a:prstDash val="solid"/>
+          <a:miter lim="800000"/>
+        </a:ln>
+        <a:ln w="19050" cap="flat" cmpd="sng" algn="ctr">
+          <a:solidFill>
+            <a:schemeClr val="phClr"/>
+          </a:solidFill>
+          <a:prstDash val="solid"/>
+          <a:miter lim="800000"/>
+        </a:ln>
+      </a:lnStyleLst>
+      <a:effectStyleLst>
+        <a:effectStyle>
+          <a:effectLst/>
+        </a:effectStyle>
+        <a:effectStyle>
+          <a:effectLst/>
+        </a:effectStyle>
+        <a:effectStyle>
+          <a:effectLst>
+            <a:outerShdw blurRad="57150" dist="19050" dir="5400000" algn="ctr" rotWithShape="0">
+              <a:srgbClr val="000000">
+                <a:alpha val="63000"/>
+              </a:srgbClr>
+            </a:outerShdw>
+          </a:effectLst>
+        </a:effectStyle>
+      </a:effectStyleLst>
+      <a:bgFillStyleLst>
+        <a:solidFill>
+          <a:schemeClr val="phClr"/>
+        </a:solidFill>
+        <a:solidFill>
+          <a:schemeClr val="phClr">
+            <a:tint val="95000"/>
+            <a:satMod val="170000"/>
+          </a:schemeClr>
+        </a:solidFill>
+        <a:gradFill rotWithShape="1">
+          <a:gsLst>
+            <a:gs pos="0">
+              <a:schemeClr val="phClr">
+                <a:tint val="93000"/>
+                <a:satMod val="150000"/>
+                <a:shade val="98000"/>
+                <a:lumMod val="102000"/>
+              </a:schemeClr>
+            </a:gs>
+            <a:gs pos="50000">
+              <a:schemeClr val="phClr">
+                <a:tint val="98000"/>
+                <a:satMod val="130000"/>
+                <a:shade val="90000"/>
+                <a:lumMod val="103000"/>
+              </a:schemeClr>
+            </a:gs>
+            <a:gs pos="100000">
+              <a:schemeClr val="phClr">
+                <a:shade val="63000"/>
+                <a:satMod val="120000"/>
+              </a:schemeClr>
+            </a:gs>
+          </a:gsLst>
+          <a:lin ang="5400000" scaled="0"/>
+        </a:gradFill>
+      </a:bgFillStyleLst>
+    </a:fmtScheme>
+  </a:themeElements>
+  <a:objectDefaults/>
+  <a:extraClrSchemeLst/>
+  <a:extLst>
+    <a:ext uri="{05A4C25C-085E-4340-85A3-A5531E510DB2}">
+      <thm15:themeFamily xmlns:thm15="http://schemas.microsoft.com/office/thememl/2012/main" name="Office Theme" id="{62F939B6-93AF-4DB8-9C6B-D6C7DFDC589F}" vid="{4A3C46E8-61CC-4603-A589-7422A47A8E4A}"/>
+    </a:ext>
+  </a:extLst>
+</a:theme>
 </file>
--- a/theory/kinematik.pptx
+++ b/theory/kinematik.pptx
@@ -5,11 +5,13 @@
     <p:sldMasterId id="2147483648" r:id="rId1"/>
   </p:sldMasterIdLst>
   <p:notesMasterIdLst>
-    <p:notesMasterId r:id="rId4"/>
+    <p:notesMasterId r:id="rId6"/>
   </p:notesMasterIdLst>
   <p:sldIdLst>
-    <p:sldId id="257" r:id="rId2"/>
-    <p:sldId id="258" r:id="rId3"/>
+    <p:sldId id="258" r:id="rId2"/>
+    <p:sldId id="260" r:id="rId3"/>
+    <p:sldId id="257" r:id="rId4"/>
+    <p:sldId id="259" r:id="rId5"/>
   </p:sldIdLst>
   <p:sldSz cx="9144000" cy="6858000" type="screen4x3"/>
   <p:notesSz cx="6858000" cy="9144000"/>
@@ -209,7 +211,7 @@
           <a:p>
             <a:fld id="{24CAD8AF-FB06-4225-9C3C-63F205CE0062}" type="datetimeFigureOut">
               <a:rPr lang="de-DE" smtClean="0"/>
-              <a:t>23.08.2016</a:t>
+              <a:t>25.08.2016</a:t>
             </a:fld>
             <a:endParaRPr lang="de-DE"/>
           </a:p>
@@ -542,7 +544,7 @@
           <a:p>
             <a:fld id="{BD0E801E-6041-4EA5-AE00-3DEBC4681658}" type="slidenum">
               <a:rPr lang="de-DE" smtClean="0"/>
-              <a:t>2</a:t>
+              <a:t>1</a:t>
             </a:fld>
             <a:endParaRPr lang="de-DE"/>
           </a:p>
@@ -552,6 +554,90 @@
     <p:extLst>
       <p:ext uri="{BB962C8B-B14F-4D97-AF65-F5344CB8AC3E}">
         <p14:creationId xmlns:p14="http://schemas.microsoft.com/office/powerpoint/2010/main" val="375719472"/>
+      </p:ext>
+    </p:extLst>
+  </p:cSld>
+  <p:clrMapOvr>
+    <a:masterClrMapping/>
+  </p:clrMapOvr>
+</p:notes>
+</file>
+
+<file path=ppt/notesSlides/notesSlide2.xml><?xml version="1.0" encoding="utf-8"?>
+<p:notes xmlns:a="http://schemas.openxmlformats.org/drawingml/2006/main" xmlns:r="http://schemas.openxmlformats.org/officeDocument/2006/relationships" xmlns:p="http://schemas.openxmlformats.org/presentationml/2006/main">
+  <p:cSld>
+    <p:spTree>
+      <p:nvGrpSpPr>
+        <p:cNvPr id="1" name=""/>
+        <p:cNvGrpSpPr/>
+        <p:nvPr/>
+      </p:nvGrpSpPr>
+      <p:grpSpPr>
+        <a:xfrm>
+          <a:off x="0" y="0"/>
+          <a:ext cx="0" cy="0"/>
+          <a:chOff x="0" y="0"/>
+          <a:chExt cx="0" cy="0"/>
+        </a:xfrm>
+      </p:grpSpPr>
+      <p:sp>
+        <p:nvSpPr>
+          <p:cNvPr id="2" name="Folienbildplatzhalter 1"/>
+          <p:cNvSpPr>
+            <a:spLocks noGrp="1" noRot="1" noChangeAspect="1"/>
+          </p:cNvSpPr>
+          <p:nvPr>
+            <p:ph type="sldImg"/>
+          </p:nvPr>
+        </p:nvSpPr>
+        <p:spPr/>
+      </p:sp>
+      <p:sp>
+        <p:nvSpPr>
+          <p:cNvPr id="3" name="Notizenplatzhalter 2"/>
+          <p:cNvSpPr>
+            <a:spLocks noGrp="1"/>
+          </p:cNvSpPr>
+          <p:nvPr>
+            <p:ph type="body" idx="1"/>
+          </p:nvPr>
+        </p:nvSpPr>
+        <p:spPr/>
+        <p:txBody>
+          <a:bodyPr/>
+          <a:lstStyle/>
+          <a:p>
+            <a:endParaRPr lang="de-DE" dirty="0"/>
+          </a:p>
+        </p:txBody>
+      </p:sp>
+      <p:sp>
+        <p:nvSpPr>
+          <p:cNvPr id="4" name="Foliennummernplatzhalter 3"/>
+          <p:cNvSpPr>
+            <a:spLocks noGrp="1"/>
+          </p:cNvSpPr>
+          <p:nvPr>
+            <p:ph type="sldNum" sz="quarter" idx="10"/>
+          </p:nvPr>
+        </p:nvSpPr>
+        <p:spPr/>
+        <p:txBody>
+          <a:bodyPr/>
+          <a:lstStyle/>
+          <a:p>
+            <a:fld id="{BD0E801E-6041-4EA5-AE00-3DEBC4681658}" type="slidenum">
+              <a:rPr lang="de-DE" smtClean="0"/>
+              <a:t>2</a:t>
+            </a:fld>
+            <a:endParaRPr lang="de-DE"/>
+          </a:p>
+        </p:txBody>
+      </p:sp>
+    </p:spTree>
+    <p:extLst>
+      <p:ext uri="{BB962C8B-B14F-4D97-AF65-F5344CB8AC3E}">
+        <p14:creationId xmlns:p14="http://schemas.microsoft.com/office/powerpoint/2010/main" val="3812625647"/>
       </p:ext>
     </p:extLst>
   </p:cSld>
@@ -742,7 +828,7 @@
           <a:p>
             <a:fld id="{1BA50D42-C9CD-4801-B293-61D1F53EC57E}" type="datetimeFigureOut">
               <a:rPr lang="de-DE" smtClean="0"/>
-              <a:t>23.08.2016</a:t>
+              <a:t>25.08.2016</a:t>
             </a:fld>
             <a:endParaRPr lang="de-DE"/>
           </a:p>
@@ -907,7 +993,7 @@
           <a:p>
             <a:fld id="{1BA50D42-C9CD-4801-B293-61D1F53EC57E}" type="datetimeFigureOut">
               <a:rPr lang="de-DE" smtClean="0"/>
-              <a:t>23.08.2016</a:t>
+              <a:t>25.08.2016</a:t>
             </a:fld>
             <a:endParaRPr lang="de-DE"/>
           </a:p>
@@ -1082,7 +1168,7 @@
           <a:p>
             <a:fld id="{1BA50D42-C9CD-4801-B293-61D1F53EC57E}" type="datetimeFigureOut">
               <a:rPr lang="de-DE" smtClean="0"/>
-              <a:t>23.08.2016</a:t>
+              <a:t>25.08.2016</a:t>
             </a:fld>
             <a:endParaRPr lang="de-DE"/>
           </a:p>
@@ -1247,7 +1333,7 @@
           <a:p>
             <a:fld id="{1BA50D42-C9CD-4801-B293-61D1F53EC57E}" type="datetimeFigureOut">
               <a:rPr lang="de-DE" smtClean="0"/>
-              <a:t>23.08.2016</a:t>
+              <a:t>25.08.2016</a:t>
             </a:fld>
             <a:endParaRPr lang="de-DE"/>
           </a:p>
@@ -1488,7 +1574,7 @@
           <a:p>
             <a:fld id="{1BA50D42-C9CD-4801-B293-61D1F53EC57E}" type="datetimeFigureOut">
               <a:rPr lang="de-DE" smtClean="0"/>
-              <a:t>23.08.2016</a:t>
+              <a:t>25.08.2016</a:t>
             </a:fld>
             <a:endParaRPr lang="de-DE"/>
           </a:p>
@@ -1771,7 +1857,7 @@
           <a:p>
             <a:fld id="{1BA50D42-C9CD-4801-B293-61D1F53EC57E}" type="datetimeFigureOut">
               <a:rPr lang="de-DE" smtClean="0"/>
-              <a:t>23.08.2016</a:t>
+              <a:t>25.08.2016</a:t>
             </a:fld>
             <a:endParaRPr lang="de-DE"/>
           </a:p>
@@ -2188,7 +2274,7 @@
           <a:p>
             <a:fld id="{1BA50D42-C9CD-4801-B293-61D1F53EC57E}" type="datetimeFigureOut">
               <a:rPr lang="de-DE" smtClean="0"/>
-              <a:t>23.08.2016</a:t>
+              <a:t>25.08.2016</a:t>
             </a:fld>
             <a:endParaRPr lang="de-DE"/>
           </a:p>
@@ -2301,7 +2387,7 @@
           <a:p>
             <a:fld id="{1BA50D42-C9CD-4801-B293-61D1F53EC57E}" type="datetimeFigureOut">
               <a:rPr lang="de-DE" smtClean="0"/>
-              <a:t>23.08.2016</a:t>
+              <a:t>25.08.2016</a:t>
             </a:fld>
             <a:endParaRPr lang="de-DE"/>
           </a:p>
@@ -2391,7 +2477,7 @@
           <a:p>
             <a:fld id="{1BA50D42-C9CD-4801-B293-61D1F53EC57E}" type="datetimeFigureOut">
               <a:rPr lang="de-DE" smtClean="0"/>
-              <a:t>23.08.2016</a:t>
+              <a:t>25.08.2016</a:t>
             </a:fld>
             <a:endParaRPr lang="de-DE"/>
           </a:p>
@@ -2663,7 +2749,7 @@
           <a:p>
             <a:fld id="{1BA50D42-C9CD-4801-B293-61D1F53EC57E}" type="datetimeFigureOut">
               <a:rPr lang="de-DE" smtClean="0"/>
-              <a:t>23.08.2016</a:t>
+              <a:t>25.08.2016</a:t>
             </a:fld>
             <a:endParaRPr lang="de-DE"/>
           </a:p>
@@ -2911,7 +2997,7 @@
           <a:p>
             <a:fld id="{1BA50D42-C9CD-4801-B293-61D1F53EC57E}" type="datetimeFigureOut">
               <a:rPr lang="de-DE" smtClean="0"/>
-              <a:t>23.08.2016</a:t>
+              <a:t>25.08.2016</a:t>
             </a:fld>
             <a:endParaRPr lang="de-DE"/>
           </a:p>
@@ -3119,7 +3205,7 @@
           <a:p>
             <a:fld id="{1BA50D42-C9CD-4801-B293-61D1F53EC57E}" type="datetimeFigureOut">
               <a:rPr lang="de-DE" smtClean="0"/>
-              <a:t>23.08.2016</a:t>
+              <a:t>25.08.2016</a:t>
             </a:fld>
             <a:endParaRPr lang="de-DE"/>
           </a:p>
@@ -3473,2243 +3559,6 @@
 </file>
 
 <file path=ppt/slides/slide1.xml><?xml version="1.0" encoding="utf-8"?>
-<p:sld xmlns:a="http://schemas.openxmlformats.org/drawingml/2006/main" xmlns:r="http://schemas.openxmlformats.org/officeDocument/2006/relationships" xmlns:p="http://schemas.openxmlformats.org/presentationml/2006/main">
-  <p:cSld>
-    <p:spTree>
-      <p:nvGrpSpPr>
-        <p:cNvPr id="1" name=""/>
-        <p:cNvGrpSpPr/>
-        <p:nvPr/>
-      </p:nvGrpSpPr>
-      <p:grpSpPr>
-        <a:xfrm>
-          <a:off x="0" y="0"/>
-          <a:ext cx="0" cy="0"/>
-          <a:chOff x="0" y="0"/>
-          <a:chExt cx="0" cy="0"/>
-        </a:xfrm>
-      </p:grpSpPr>
-      <p:cxnSp>
-        <p:nvCxnSpPr>
-          <p:cNvPr id="6" name="Gerader Verbinder 5"/>
-          <p:cNvCxnSpPr/>
-          <p:nvPr/>
-        </p:nvCxnSpPr>
-        <p:spPr>
-          <a:xfrm flipV="1">
-            <a:off x="720561" y="2064784"/>
-            <a:ext cx="443484" cy="2052174"/>
-          </a:xfrm>
-          <a:prstGeom prst="line">
-            <a:avLst/>
-          </a:prstGeom>
-        </p:spPr>
-        <p:style>
-          <a:lnRef idx="1">
-            <a:schemeClr val="accent1"/>
-          </a:lnRef>
-          <a:fillRef idx="0">
-            <a:schemeClr val="accent1"/>
-          </a:fillRef>
-          <a:effectRef idx="0">
-            <a:schemeClr val="accent1"/>
-          </a:effectRef>
-          <a:fontRef idx="minor">
-            <a:schemeClr val="tx1"/>
-          </a:fontRef>
-        </p:style>
-      </p:cxnSp>
-      <p:cxnSp>
-        <p:nvCxnSpPr>
-          <p:cNvPr id="10" name="Gerader Verbinder 9"/>
-          <p:cNvCxnSpPr/>
-          <p:nvPr/>
-        </p:nvCxnSpPr>
-        <p:spPr>
-          <a:xfrm flipV="1">
-            <a:off x="720550" y="1344704"/>
-            <a:ext cx="2387711" cy="2772254"/>
-          </a:xfrm>
-          <a:prstGeom prst="line">
-            <a:avLst/>
-          </a:prstGeom>
-        </p:spPr>
-        <p:style>
-          <a:lnRef idx="1">
-            <a:schemeClr val="accent1"/>
-          </a:lnRef>
-          <a:fillRef idx="0">
-            <a:schemeClr val="accent1"/>
-          </a:fillRef>
-          <a:effectRef idx="0">
-            <a:schemeClr val="accent1"/>
-          </a:effectRef>
-          <a:fontRef idx="minor">
-            <a:schemeClr val="tx1"/>
-          </a:fontRef>
-        </p:style>
-      </p:cxnSp>
-      <p:cxnSp>
-        <p:nvCxnSpPr>
-          <p:cNvPr id="13" name="Gerader Verbinder 12"/>
-          <p:cNvCxnSpPr/>
-          <p:nvPr/>
-        </p:nvCxnSpPr>
-        <p:spPr>
-          <a:xfrm flipV="1">
-            <a:off x="1164045" y="1344703"/>
-            <a:ext cx="1944216" cy="720080"/>
-          </a:xfrm>
-          <a:prstGeom prst="line">
-            <a:avLst/>
-          </a:prstGeom>
-        </p:spPr>
-        <p:style>
-          <a:lnRef idx="1">
-            <a:schemeClr val="accent1"/>
-          </a:lnRef>
-          <a:fillRef idx="0">
-            <a:schemeClr val="accent1"/>
-          </a:fillRef>
-          <a:effectRef idx="0">
-            <a:schemeClr val="accent1"/>
-          </a:effectRef>
-          <a:fontRef idx="minor">
-            <a:schemeClr val="tx1"/>
-          </a:fontRef>
-        </p:style>
-      </p:cxnSp>
-      <p:sp>
-        <p:nvSpPr>
-          <p:cNvPr id="22" name="Textfeld 21"/>
-          <p:cNvSpPr txBox="1"/>
-          <p:nvPr/>
-        </p:nvSpPr>
-        <p:spPr>
-          <a:xfrm>
-            <a:off x="738951" y="3520774"/>
-            <a:ext cx="330540" cy="369332"/>
-          </a:xfrm>
-          <a:prstGeom prst="rect">
-            <a:avLst/>
-          </a:prstGeom>
-          <a:noFill/>
-        </p:spPr>
-        <p:txBody>
-          <a:bodyPr wrap="none" rtlCol="0">
-            <a:spAutoFit/>
-          </a:bodyPr>
-          <a:lstStyle/>
-          <a:p>
-            <a:r>
-              <a:rPr lang="de-DE" dirty="0" smtClean="0">
-                <a:latin typeface="Symbol" panose="05050102010706020507" pitchFamily="18" charset="2"/>
-              </a:rPr>
-              <a:t>a</a:t>
-            </a:r>
-            <a:endParaRPr lang="de-DE" dirty="0">
-              <a:latin typeface="Symbol" panose="05050102010706020507" pitchFamily="18" charset="2"/>
-            </a:endParaRPr>
-          </a:p>
-        </p:txBody>
-      </p:sp>
-      <p:sp>
-        <p:nvSpPr>
-          <p:cNvPr id="23" name="Bogen 22"/>
-          <p:cNvSpPr/>
-          <p:nvPr/>
-        </p:nvSpPr>
-        <p:spPr>
-          <a:xfrm>
-            <a:off x="153007" y="3520774"/>
-            <a:ext cx="1252970" cy="1208768"/>
-          </a:xfrm>
-          <a:prstGeom prst="arc">
-            <a:avLst>
-              <a:gd name="adj1" fmla="val 16550040"/>
-              <a:gd name="adj2" fmla="val 18358315"/>
-            </a:avLst>
-          </a:prstGeom>
-        </p:spPr>
-        <p:style>
-          <a:lnRef idx="1">
-            <a:schemeClr val="accent1"/>
-          </a:lnRef>
-          <a:fillRef idx="0">
-            <a:schemeClr val="accent1"/>
-          </a:fillRef>
-          <a:effectRef idx="0">
-            <a:schemeClr val="accent1"/>
-          </a:effectRef>
-          <a:fontRef idx="minor">
-            <a:schemeClr val="tx1"/>
-          </a:fontRef>
-        </p:style>
-        <p:txBody>
-          <a:bodyPr rtlCol="0" anchor="ctr"/>
-          <a:lstStyle/>
-          <a:p>
-            <a:pPr algn="ctr"/>
-            <a:endParaRPr lang="de-DE"/>
-          </a:p>
-        </p:txBody>
-      </p:sp>
-      <p:sp>
-        <p:nvSpPr>
-          <p:cNvPr id="24" name="Textfeld 23"/>
-          <p:cNvSpPr txBox="1"/>
-          <p:nvPr/>
-        </p:nvSpPr>
-        <p:spPr>
-          <a:xfrm>
-            <a:off x="1227375" y="2016408"/>
-            <a:ext cx="279244" cy="369332"/>
-          </a:xfrm>
-          <a:prstGeom prst="rect">
-            <a:avLst/>
-          </a:prstGeom>
-          <a:noFill/>
-        </p:spPr>
-        <p:txBody>
-          <a:bodyPr wrap="none" rtlCol="0">
-            <a:spAutoFit/>
-          </a:bodyPr>
-          <a:lstStyle/>
-          <a:p>
-            <a:r>
-              <a:rPr lang="de-DE" dirty="0" smtClean="0">
-                <a:latin typeface="Symbol" panose="05050102010706020507" pitchFamily="18" charset="2"/>
-              </a:rPr>
-              <a:t>g</a:t>
-            </a:r>
-            <a:endParaRPr lang="de-DE" dirty="0">
-              <a:latin typeface="Symbol" panose="05050102010706020507" pitchFamily="18" charset="2"/>
-            </a:endParaRPr>
-          </a:p>
-        </p:txBody>
-      </p:sp>
-      <p:sp>
-        <p:nvSpPr>
-          <p:cNvPr id="25" name="Bogen 24"/>
-          <p:cNvSpPr/>
-          <p:nvPr/>
-        </p:nvSpPr>
-        <p:spPr>
-          <a:xfrm>
-            <a:off x="722729" y="1700542"/>
-            <a:ext cx="914400" cy="914400"/>
-          </a:xfrm>
-          <a:prstGeom prst="arc">
-            <a:avLst>
-              <a:gd name="adj1" fmla="val 19742359"/>
-              <a:gd name="adj2" fmla="val 6440031"/>
-            </a:avLst>
-          </a:prstGeom>
-        </p:spPr>
-        <p:style>
-          <a:lnRef idx="1">
-            <a:schemeClr val="accent1"/>
-          </a:lnRef>
-          <a:fillRef idx="0">
-            <a:schemeClr val="accent1"/>
-          </a:fillRef>
-          <a:effectRef idx="0">
-            <a:schemeClr val="accent1"/>
-          </a:effectRef>
-          <a:fontRef idx="minor">
-            <a:schemeClr val="tx1"/>
-          </a:fontRef>
-        </p:style>
-        <p:txBody>
-          <a:bodyPr rtlCol="0" anchor="ctr"/>
-          <a:lstStyle/>
-          <a:p>
-            <a:pPr algn="ctr"/>
-            <a:endParaRPr lang="de-DE"/>
-          </a:p>
-        </p:txBody>
-      </p:sp>
-      <p:sp>
-        <p:nvSpPr>
-          <p:cNvPr id="26" name="Textfeld 25"/>
-          <p:cNvSpPr txBox="1"/>
-          <p:nvPr/>
-        </p:nvSpPr>
-        <p:spPr>
-          <a:xfrm>
-            <a:off x="2645505" y="1344703"/>
-            <a:ext cx="311304" cy="369332"/>
-          </a:xfrm>
-          <a:prstGeom prst="rect">
-            <a:avLst/>
-          </a:prstGeom>
-          <a:noFill/>
-        </p:spPr>
-        <p:txBody>
-          <a:bodyPr wrap="none" rtlCol="0">
-            <a:spAutoFit/>
-          </a:bodyPr>
-          <a:lstStyle/>
-          <a:p>
-            <a:r>
-              <a:rPr lang="de-DE" dirty="0" smtClean="0">
-                <a:latin typeface="Symbol" panose="05050102010706020507" pitchFamily="18" charset="2"/>
-              </a:rPr>
-              <a:t>b</a:t>
-            </a:r>
-            <a:endParaRPr lang="de-DE" dirty="0">
-              <a:latin typeface="Symbol" panose="05050102010706020507" pitchFamily="18" charset="2"/>
-            </a:endParaRPr>
-          </a:p>
-        </p:txBody>
-      </p:sp>
-      <p:sp>
-        <p:nvSpPr>
-          <p:cNvPr id="27" name="Bogen 26"/>
-          <p:cNvSpPr/>
-          <p:nvPr/>
-        </p:nvSpPr>
-        <p:spPr>
-          <a:xfrm>
-            <a:off x="2635177" y="959511"/>
-            <a:ext cx="914400" cy="914400"/>
-          </a:xfrm>
-          <a:prstGeom prst="arc">
-            <a:avLst>
-              <a:gd name="adj1" fmla="val 8098515"/>
-              <a:gd name="adj2" fmla="val 9932700"/>
-            </a:avLst>
-          </a:prstGeom>
-        </p:spPr>
-        <p:style>
-          <a:lnRef idx="1">
-            <a:schemeClr val="accent1"/>
-          </a:lnRef>
-          <a:fillRef idx="0">
-            <a:schemeClr val="accent1"/>
-          </a:fillRef>
-          <a:effectRef idx="0">
-            <a:schemeClr val="accent1"/>
-          </a:effectRef>
-          <a:fontRef idx="minor">
-            <a:schemeClr val="tx1"/>
-          </a:fontRef>
-        </p:style>
-        <p:txBody>
-          <a:bodyPr rtlCol="0" anchor="ctr"/>
-          <a:lstStyle/>
-          <a:p>
-            <a:pPr algn="ctr"/>
-            <a:endParaRPr lang="de-DE"/>
-          </a:p>
-        </p:txBody>
-      </p:sp>
-      <p:sp>
-        <p:nvSpPr>
-          <p:cNvPr id="28" name="Bogen 27"/>
-          <p:cNvSpPr/>
-          <p:nvPr/>
-        </p:nvSpPr>
-        <p:spPr>
-          <a:xfrm>
-            <a:off x="294144" y="3606942"/>
-            <a:ext cx="1011770" cy="1051002"/>
-          </a:xfrm>
-          <a:prstGeom prst="arc">
-            <a:avLst>
-              <a:gd name="adj1" fmla="val 18199616"/>
-              <a:gd name="adj2" fmla="val 21409533"/>
-            </a:avLst>
-          </a:prstGeom>
-        </p:spPr>
-        <p:style>
-          <a:lnRef idx="1">
-            <a:schemeClr val="accent1"/>
-          </a:lnRef>
-          <a:fillRef idx="0">
-            <a:schemeClr val="accent1"/>
-          </a:fillRef>
-          <a:effectRef idx="0">
-            <a:schemeClr val="accent1"/>
-          </a:effectRef>
-          <a:fontRef idx="minor">
-            <a:schemeClr val="tx1"/>
-          </a:fontRef>
-        </p:style>
-        <p:txBody>
-          <a:bodyPr rtlCol="0" anchor="ctr"/>
-          <a:lstStyle/>
-          <a:p>
-            <a:pPr algn="ctr"/>
-            <a:endParaRPr lang="de-DE"/>
-          </a:p>
-        </p:txBody>
-      </p:sp>
-      <p:sp>
-        <p:nvSpPr>
-          <p:cNvPr id="29" name="Bogen 28"/>
-          <p:cNvSpPr/>
-          <p:nvPr/>
-        </p:nvSpPr>
-        <p:spPr>
-          <a:xfrm>
-            <a:off x="-194197" y="3066936"/>
-            <a:ext cx="1956728" cy="2106438"/>
-          </a:xfrm>
-          <a:prstGeom prst="arc">
-            <a:avLst>
-              <a:gd name="adj1" fmla="val 16003799"/>
-              <a:gd name="adj2" fmla="val 16736906"/>
-            </a:avLst>
-          </a:prstGeom>
-        </p:spPr>
-        <p:style>
-          <a:lnRef idx="1">
-            <a:schemeClr val="accent1"/>
-          </a:lnRef>
-          <a:fillRef idx="0">
-            <a:schemeClr val="accent1"/>
-          </a:fillRef>
-          <a:effectRef idx="0">
-            <a:schemeClr val="accent1"/>
-          </a:effectRef>
-          <a:fontRef idx="minor">
-            <a:schemeClr val="tx1"/>
-          </a:fontRef>
-        </p:style>
-        <p:txBody>
-          <a:bodyPr rtlCol="0" anchor="ctr"/>
-          <a:lstStyle/>
-          <a:p>
-            <a:pPr algn="ctr"/>
-            <a:endParaRPr lang="de-DE"/>
-          </a:p>
-        </p:txBody>
-      </p:sp>
-      <p:sp>
-        <p:nvSpPr>
-          <p:cNvPr id="30" name="Textfeld 29"/>
-          <p:cNvSpPr txBox="1"/>
-          <p:nvPr/>
-        </p:nvSpPr>
-        <p:spPr>
-          <a:xfrm>
-            <a:off x="634616" y="2978643"/>
-            <a:ext cx="387276" cy="369332"/>
-          </a:xfrm>
-          <a:prstGeom prst="rect">
-            <a:avLst/>
-          </a:prstGeom>
-          <a:noFill/>
-        </p:spPr>
-        <p:txBody>
-          <a:bodyPr wrap="square" rtlCol="0">
-            <a:spAutoFit/>
-          </a:bodyPr>
-          <a:lstStyle/>
-          <a:p>
-            <a:r>
-              <a:rPr lang="de-DE" dirty="0" smtClean="0">
-                <a:latin typeface="Symbol" panose="05050102010706020507" pitchFamily="18" charset="2"/>
-              </a:rPr>
-              <a:t>q</a:t>
-            </a:r>
-            <a:r>
-              <a:rPr lang="de-DE" baseline="-25000" dirty="0" smtClean="0">
-                <a:latin typeface="Symbol" panose="05050102010706020507" pitchFamily="18" charset="2"/>
-              </a:rPr>
-              <a:t>1</a:t>
-            </a:r>
-            <a:endParaRPr lang="de-DE" baseline="-25000" dirty="0">
-              <a:latin typeface="Symbol" panose="05050102010706020507" pitchFamily="18" charset="2"/>
-            </a:endParaRPr>
-          </a:p>
-        </p:txBody>
-      </p:sp>
-      <p:sp>
-        <p:nvSpPr>
-          <p:cNvPr id="31" name="Textfeld 30"/>
-          <p:cNvSpPr txBox="1"/>
-          <p:nvPr/>
-        </p:nvSpPr>
-        <p:spPr>
-          <a:xfrm>
-            <a:off x="1822353" y="1695451"/>
-            <a:ext cx="381836" cy="369332"/>
-          </a:xfrm>
-          <a:prstGeom prst="rect">
-            <a:avLst/>
-          </a:prstGeom>
-          <a:noFill/>
-        </p:spPr>
-        <p:txBody>
-          <a:bodyPr wrap="none" rtlCol="0">
-            <a:spAutoFit/>
-          </a:bodyPr>
-          <a:lstStyle/>
-          <a:p>
-            <a:r>
-              <a:rPr lang="de-DE" dirty="0" smtClean="0">
-                <a:latin typeface="Symbol" panose="05050102010706020507" pitchFamily="18" charset="2"/>
-              </a:rPr>
-              <a:t>q</a:t>
-            </a:r>
-            <a:r>
-              <a:rPr lang="de-DE" baseline="-25000" dirty="0" smtClean="0">
-                <a:latin typeface="Symbol" panose="05050102010706020507" pitchFamily="18" charset="2"/>
-              </a:rPr>
-              <a:t>2</a:t>
-            </a:r>
-            <a:endParaRPr lang="de-DE" baseline="-25000" dirty="0">
-              <a:latin typeface="Symbol" panose="05050102010706020507" pitchFamily="18" charset="2"/>
-            </a:endParaRPr>
-          </a:p>
-        </p:txBody>
-      </p:sp>
-      <p:sp>
-        <p:nvSpPr>
-          <p:cNvPr id="32" name="Bogen 31"/>
-          <p:cNvSpPr/>
-          <p:nvPr/>
-        </p:nvSpPr>
-        <p:spPr>
-          <a:xfrm>
-            <a:off x="180079" y="1131499"/>
-            <a:ext cx="1992078" cy="1813126"/>
-          </a:xfrm>
-          <a:prstGeom prst="arc">
-            <a:avLst>
-              <a:gd name="adj1" fmla="val 20478765"/>
-              <a:gd name="adj2" fmla="val 882339"/>
-            </a:avLst>
-          </a:prstGeom>
-        </p:spPr>
-        <p:style>
-          <a:lnRef idx="1">
-            <a:schemeClr val="accent1"/>
-          </a:lnRef>
-          <a:fillRef idx="0">
-            <a:schemeClr val="accent1"/>
-          </a:fillRef>
-          <a:effectRef idx="0">
-            <a:schemeClr val="accent1"/>
-          </a:effectRef>
-          <a:fontRef idx="minor">
-            <a:schemeClr val="tx1"/>
-          </a:fontRef>
-        </p:style>
-        <p:txBody>
-          <a:bodyPr rtlCol="0" anchor="ctr"/>
-          <a:lstStyle/>
-          <a:p>
-            <a:pPr algn="ctr"/>
-            <a:endParaRPr lang="de-DE"/>
-          </a:p>
-        </p:txBody>
-      </p:sp>
-      <p:cxnSp>
-        <p:nvCxnSpPr>
-          <p:cNvPr id="34" name="Gerader Verbinder 33"/>
-          <p:cNvCxnSpPr>
-            <a:endCxn id="32" idx="2"/>
-          </p:cNvCxnSpPr>
-          <p:nvPr/>
-        </p:nvCxnSpPr>
-        <p:spPr>
-          <a:xfrm>
-            <a:off x="1164044" y="2064784"/>
-            <a:ext cx="969119" cy="224455"/>
-          </a:xfrm>
-          <a:prstGeom prst="line">
-            <a:avLst/>
-          </a:prstGeom>
-        </p:spPr>
-        <p:style>
-          <a:lnRef idx="1">
-            <a:schemeClr val="accent1"/>
-          </a:lnRef>
-          <a:fillRef idx="0">
-            <a:schemeClr val="accent1"/>
-          </a:fillRef>
-          <a:effectRef idx="0">
-            <a:schemeClr val="accent1"/>
-          </a:effectRef>
-          <a:fontRef idx="minor">
-            <a:schemeClr val="tx1"/>
-          </a:fontRef>
-        </p:style>
-      </p:cxnSp>
-      <p:sp>
-        <p:nvSpPr>
-          <p:cNvPr id="36" name="Bogen 35"/>
-          <p:cNvSpPr/>
-          <p:nvPr/>
-        </p:nvSpPr>
-        <p:spPr>
-          <a:xfrm>
-            <a:off x="1105524" y="2022359"/>
-            <a:ext cx="105968" cy="132208"/>
-          </a:xfrm>
-          <a:prstGeom prst="arc">
-            <a:avLst>
-              <a:gd name="adj1" fmla="val 21359373"/>
-              <a:gd name="adj2" fmla="val 5904034"/>
-            </a:avLst>
-          </a:prstGeom>
-        </p:spPr>
-        <p:style>
-          <a:lnRef idx="1">
-            <a:schemeClr val="accent1"/>
-          </a:lnRef>
-          <a:fillRef idx="0">
-            <a:schemeClr val="accent1"/>
-          </a:fillRef>
-          <a:effectRef idx="0">
-            <a:schemeClr val="accent1"/>
-          </a:effectRef>
-          <a:fontRef idx="minor">
-            <a:schemeClr val="tx1"/>
-          </a:fontRef>
-        </p:style>
-        <p:txBody>
-          <a:bodyPr rtlCol="0" anchor="ctr"/>
-          <a:lstStyle/>
-          <a:p>
-            <a:pPr algn="ctr"/>
-            <a:endParaRPr lang="de-DE"/>
-          </a:p>
-        </p:txBody>
-      </p:sp>
-      <p:cxnSp>
-        <p:nvCxnSpPr>
-          <p:cNvPr id="38" name="Gerader Verbinder 37"/>
-          <p:cNvCxnSpPr/>
-          <p:nvPr/>
-        </p:nvCxnSpPr>
-        <p:spPr>
-          <a:xfrm flipV="1">
-            <a:off x="722133" y="4081007"/>
-            <a:ext cx="2386128" cy="35951"/>
-          </a:xfrm>
-          <a:prstGeom prst="line">
-            <a:avLst/>
-          </a:prstGeom>
-        </p:spPr>
-        <p:style>
-          <a:lnRef idx="1">
-            <a:schemeClr val="accent1"/>
-          </a:lnRef>
-          <a:fillRef idx="0">
-            <a:schemeClr val="accent1"/>
-          </a:fillRef>
-          <a:effectRef idx="0">
-            <a:schemeClr val="accent1"/>
-          </a:effectRef>
-          <a:fontRef idx="minor">
-            <a:schemeClr val="tx1"/>
-          </a:fontRef>
-        </p:style>
-      </p:cxnSp>
-      <p:cxnSp>
-        <p:nvCxnSpPr>
-          <p:cNvPr id="44" name="Gerader Verbinder 43"/>
-          <p:cNvCxnSpPr/>
-          <p:nvPr/>
-        </p:nvCxnSpPr>
-        <p:spPr>
-          <a:xfrm>
-            <a:off x="3092377" y="1344703"/>
-            <a:ext cx="0" cy="2736304"/>
-          </a:xfrm>
-          <a:prstGeom prst="line">
-            <a:avLst/>
-          </a:prstGeom>
-        </p:spPr>
-        <p:style>
-          <a:lnRef idx="1">
-            <a:schemeClr val="accent1"/>
-          </a:lnRef>
-          <a:fillRef idx="0">
-            <a:schemeClr val="accent1"/>
-          </a:fillRef>
-          <a:effectRef idx="0">
-            <a:schemeClr val="accent1"/>
-          </a:effectRef>
-          <a:fontRef idx="minor">
-            <a:schemeClr val="tx1"/>
-          </a:fontRef>
-        </p:style>
-      </p:cxnSp>
-      <p:sp>
-        <p:nvSpPr>
-          <p:cNvPr id="47" name="Textfeld 46"/>
-          <p:cNvSpPr txBox="1"/>
-          <p:nvPr/>
-        </p:nvSpPr>
-        <p:spPr>
-          <a:xfrm>
-            <a:off x="3172158" y="2753255"/>
-            <a:ext cx="806311" cy="307777"/>
-          </a:xfrm>
-          <a:prstGeom prst="rect">
-            <a:avLst/>
-          </a:prstGeom>
-          <a:noFill/>
-        </p:spPr>
-        <p:txBody>
-          <a:bodyPr wrap="none" rtlCol="0">
-            <a:spAutoFit/>
-          </a:bodyPr>
-          <a:lstStyle/>
-          <a:p>
-            <a:r>
-              <a:rPr lang="de-DE" sz="1400" dirty="0" smtClean="0"/>
-              <a:t>WCP</a:t>
-            </a:r>
-            <a:r>
-              <a:rPr lang="de-DE" sz="1400" baseline="-25000" dirty="0" smtClean="0"/>
-              <a:t>z</a:t>
-            </a:r>
-            <a:r>
-              <a:rPr lang="de-DE" sz="1400" dirty="0" smtClean="0"/>
-              <a:t>-d</a:t>
-            </a:r>
-            <a:r>
-              <a:rPr lang="de-DE" sz="1400" baseline="-25000" dirty="0" smtClean="0"/>
-              <a:t>0</a:t>
-            </a:r>
-            <a:endParaRPr lang="de-DE" sz="1400" baseline="-25000" dirty="0"/>
-          </a:p>
-        </p:txBody>
-      </p:sp>
-      <mc:AlternateContent xmlns:mc="http://schemas.openxmlformats.org/markup-compatibility/2006" xmlns:a14="http://schemas.microsoft.com/office/drawing/2010/main">
-        <mc:Choice Requires="a14">
-          <p:sp>
-            <p:nvSpPr>
-              <p:cNvPr id="49" name="Textfeld 48"/>
-              <p:cNvSpPr txBox="1"/>
-              <p:nvPr/>
-            </p:nvSpPr>
-            <p:spPr>
-              <a:xfrm>
-                <a:off x="1225492" y="4109152"/>
-                <a:ext cx="1893330" cy="468141"/>
-              </a:xfrm>
-              <a:prstGeom prst="rect">
-                <a:avLst/>
-              </a:prstGeom>
-              <a:noFill/>
-            </p:spPr>
-            <p:txBody>
-              <a:bodyPr wrap="square" rtlCol="0">
-                <a:spAutoFit/>
-              </a:bodyPr>
-              <a:lstStyle/>
-              <a:p>
-                <a:pPr/>
-                <a14:m>
-                  <m:oMathPara xmlns:m="http://schemas.openxmlformats.org/officeDocument/2006/math">
-                    <m:oMathParaPr>
-                      <m:jc m:val="centerGroup"/>
-                    </m:oMathParaPr>
-                    <m:oMath xmlns:m="http://schemas.openxmlformats.org/officeDocument/2006/math">
-                      <m:rad>
-                        <m:radPr>
-                          <m:degHide m:val="on"/>
-                          <m:ctrlPr>
-                            <a:rPr lang="de-DE" sz="1200" b="0" i="1" smtClean="0">
-                              <a:latin typeface="Cambria Math" panose="02040503050406030204" pitchFamily="18" charset="0"/>
-                            </a:rPr>
-                          </m:ctrlPr>
-                        </m:radPr>
-                        <m:deg/>
-                        <m:e>
-                          <m:d>
-                            <m:dPr>
-                              <m:ctrlPr>
-                                <a:rPr lang="de-DE" sz="1200" i="1">
-                                  <a:latin typeface="Cambria Math" panose="02040503050406030204" pitchFamily="18" charset="0"/>
-                                </a:rPr>
-                              </m:ctrlPr>
-                            </m:dPr>
-                            <m:e>
-                              <m:sSup>
-                                <m:sSupPr>
-                                  <m:ctrlPr>
-                                    <a:rPr lang="de-DE" sz="1200" i="1">
-                                      <a:latin typeface="Cambria Math" panose="02040503050406030204" pitchFamily="18" charset="0"/>
-                                    </a:rPr>
-                                  </m:ctrlPr>
-                                </m:sSupPr>
-                                <m:e>
-                                  <m:sSub>
-                                    <m:sSubPr>
-                                      <m:ctrlPr>
-                                        <a:rPr lang="de-DE" sz="1200" i="1">
-                                          <a:latin typeface="Cambria Math" panose="02040503050406030204" pitchFamily="18" charset="0"/>
-                                        </a:rPr>
-                                      </m:ctrlPr>
-                                    </m:sSubPr>
-                                    <m:e>
-                                      <m:r>
-                                        <a:rPr lang="de-DE" sz="1200" i="1">
-                                          <a:latin typeface="Cambria Math" panose="02040503050406030204" pitchFamily="18" charset="0"/>
-                                        </a:rPr>
-                                        <m:t>𝑊𝐶𝑃</m:t>
-                                      </m:r>
-                                    </m:e>
-                                    <m:sub>
-                                      <m:r>
-                                        <a:rPr lang="de-DE" sz="1200" i="1">
-                                          <a:latin typeface="Cambria Math" panose="02040503050406030204" pitchFamily="18" charset="0"/>
-                                        </a:rPr>
-                                        <m:t>𝑥</m:t>
-                                      </m:r>
-                                    </m:sub>
-                                  </m:sSub>
-                                </m:e>
-                                <m:sup>
-                                  <m:r>
-                                    <a:rPr lang="de-DE" sz="1200" i="1">
-                                      <a:latin typeface="Cambria Math" panose="02040503050406030204" pitchFamily="18" charset="0"/>
-                                    </a:rPr>
-                                    <m:t>2</m:t>
-                                  </m:r>
-                                </m:sup>
-                              </m:sSup>
-                              <m:sSup>
-                                <m:sSupPr>
-                                  <m:ctrlPr>
-                                    <a:rPr lang="de-DE" sz="1200" i="1">
-                                      <a:latin typeface="Cambria Math" panose="02040503050406030204" pitchFamily="18" charset="0"/>
-                                    </a:rPr>
-                                  </m:ctrlPr>
-                                </m:sSupPr>
-                                <m:e>
-                                  <m:sSub>
-                                    <m:sSubPr>
-                                      <m:ctrlPr>
-                                        <a:rPr lang="de-DE" sz="1200" i="1">
-                                          <a:latin typeface="Cambria Math" panose="02040503050406030204" pitchFamily="18" charset="0"/>
-                                        </a:rPr>
-                                      </m:ctrlPr>
-                                    </m:sSubPr>
-                                    <m:e>
-                                      <m:r>
-                                        <a:rPr lang="de-DE" sz="1200" i="1">
-                                          <a:latin typeface="Cambria Math" panose="02040503050406030204" pitchFamily="18" charset="0"/>
-                                        </a:rPr>
-                                        <m:t>+ </m:t>
-                                      </m:r>
-                                      <m:r>
-                                        <a:rPr lang="de-DE" sz="1200" i="1">
-                                          <a:latin typeface="Cambria Math" panose="02040503050406030204" pitchFamily="18" charset="0"/>
-                                        </a:rPr>
-                                        <m:t>𝑊𝐶𝑃</m:t>
-                                      </m:r>
-                                    </m:e>
-                                    <m:sub>
-                                      <m:r>
-                                        <a:rPr lang="de-DE" sz="1200" i="1">
-                                          <a:latin typeface="Cambria Math" panose="02040503050406030204" pitchFamily="18" charset="0"/>
-                                        </a:rPr>
-                                        <m:t>𝑦</m:t>
-                                      </m:r>
-                                    </m:sub>
-                                  </m:sSub>
-                                </m:e>
-                                <m:sup>
-                                  <m:r>
-                                    <a:rPr lang="de-DE" sz="1200" i="1">
-                                      <a:latin typeface="Cambria Math" panose="02040503050406030204" pitchFamily="18" charset="0"/>
-                                    </a:rPr>
-                                    <m:t>2</m:t>
-                                  </m:r>
-                                </m:sup>
-                              </m:sSup>
-                            </m:e>
-                          </m:d>
-                        </m:e>
-                      </m:rad>
-                    </m:oMath>
-                  </m:oMathPara>
-                </a14:m>
-                <a:endParaRPr lang="de-DE" sz="1200" baseline="-25000" dirty="0"/>
-              </a:p>
-            </p:txBody>
-          </p:sp>
-        </mc:Choice>
-        <mc:Fallback xmlns="">
-          <p:sp>
-            <p:nvSpPr>
-              <p:cNvPr id="49" name="Textfeld 48"/>
-              <p:cNvSpPr txBox="1">
-                <a:spLocks noRot="1" noChangeAspect="1" noMove="1" noResize="1" noEditPoints="1" noAdjustHandles="1" noChangeArrowheads="1" noChangeShapeType="1" noTextEdit="1"/>
-              </p:cNvSpPr>
-              <p:nvPr/>
-            </p:nvSpPr>
-            <p:spPr>
-              <a:xfrm>
-                <a:off x="1225492" y="4109152"/>
-                <a:ext cx="1893330" cy="468141"/>
-              </a:xfrm>
-              <a:prstGeom prst="rect">
-                <a:avLst/>
-              </a:prstGeom>
-              <a:blipFill rotWithShape="0">
-                <a:blip r:embed="rId2"/>
-                <a:stretch>
-                  <a:fillRect/>
-                </a:stretch>
-              </a:blipFill>
-            </p:spPr>
-            <p:txBody>
-              <a:bodyPr/>
-              <a:lstStyle/>
-              <a:p>
-                <a:r>
-                  <a:rPr lang="de-DE">
-                    <a:noFill/>
-                  </a:rPr>
-                  <a:t> </a:t>
-                </a:r>
-              </a:p>
-            </p:txBody>
-          </p:sp>
-        </mc:Fallback>
-      </mc:AlternateContent>
-      <p:sp>
-        <p:nvSpPr>
-          <p:cNvPr id="50" name="Textfeld 49"/>
-          <p:cNvSpPr txBox="1"/>
-          <p:nvPr/>
-        </p:nvSpPr>
-        <p:spPr>
-          <a:xfrm>
-            <a:off x="994197" y="3747626"/>
-            <a:ext cx="298480" cy="369332"/>
-          </a:xfrm>
-          <a:prstGeom prst="rect">
-            <a:avLst/>
-          </a:prstGeom>
-          <a:noFill/>
-        </p:spPr>
-        <p:txBody>
-          <a:bodyPr wrap="none" rtlCol="0">
-            <a:spAutoFit/>
-          </a:bodyPr>
-          <a:lstStyle/>
-          <a:p>
-            <a:r>
-              <a:rPr lang="de-DE" dirty="0" smtClean="0">
-                <a:latin typeface="Symbol" panose="05050102010706020507" pitchFamily="18" charset="2"/>
-              </a:rPr>
-              <a:t>d</a:t>
-            </a:r>
-            <a:endParaRPr lang="de-DE" dirty="0">
-              <a:latin typeface="Symbol" panose="05050102010706020507" pitchFamily="18" charset="2"/>
-            </a:endParaRPr>
-          </a:p>
-        </p:txBody>
-      </p:sp>
-      <p:sp>
-        <p:nvSpPr>
-          <p:cNvPr id="71" name="Textfeld 70"/>
-          <p:cNvSpPr txBox="1"/>
-          <p:nvPr/>
-        </p:nvSpPr>
-        <p:spPr>
-          <a:xfrm>
-            <a:off x="1405978" y="820700"/>
-            <a:ext cx="1186543" cy="369332"/>
-          </a:xfrm>
-          <a:prstGeom prst="rect">
-            <a:avLst/>
-          </a:prstGeom>
-          <a:noFill/>
-        </p:spPr>
-        <p:txBody>
-          <a:bodyPr wrap="none" rtlCol="0">
-            <a:spAutoFit/>
-          </a:bodyPr>
-          <a:lstStyle/>
-          <a:p>
-            <a:r>
-              <a:rPr lang="de-DE" dirty="0" smtClean="0"/>
-              <a:t>Solution I: </a:t>
-            </a:r>
-            <a:endParaRPr lang="de-DE" dirty="0"/>
-          </a:p>
-        </p:txBody>
-      </p:sp>
-      <p:cxnSp>
-        <p:nvCxnSpPr>
-          <p:cNvPr id="43" name="Gerader Verbinder 42"/>
-          <p:cNvCxnSpPr/>
-          <p:nvPr/>
-        </p:nvCxnSpPr>
-        <p:spPr>
-          <a:xfrm flipV="1">
-            <a:off x="4993869" y="3310274"/>
-            <a:ext cx="1878002" cy="834830"/>
-          </a:xfrm>
-          <a:prstGeom prst="line">
-            <a:avLst/>
-          </a:prstGeom>
-        </p:spPr>
-        <p:style>
-          <a:lnRef idx="1">
-            <a:schemeClr val="accent1"/>
-          </a:lnRef>
-          <a:fillRef idx="0">
-            <a:schemeClr val="accent1"/>
-          </a:fillRef>
-          <a:effectRef idx="0">
-            <a:schemeClr val="accent1"/>
-          </a:effectRef>
-          <a:fontRef idx="minor">
-            <a:schemeClr val="tx1"/>
-          </a:fontRef>
-        </p:style>
-      </p:cxnSp>
-      <p:cxnSp>
-        <p:nvCxnSpPr>
-          <p:cNvPr id="45" name="Gerader Verbinder 44"/>
-          <p:cNvCxnSpPr/>
-          <p:nvPr/>
-        </p:nvCxnSpPr>
-        <p:spPr>
-          <a:xfrm flipV="1">
-            <a:off x="4993858" y="1372849"/>
-            <a:ext cx="2387711" cy="2772254"/>
-          </a:xfrm>
-          <a:prstGeom prst="line">
-            <a:avLst/>
-          </a:prstGeom>
-        </p:spPr>
-        <p:style>
-          <a:lnRef idx="1">
-            <a:schemeClr val="accent1"/>
-          </a:lnRef>
-          <a:fillRef idx="0">
-            <a:schemeClr val="accent1"/>
-          </a:fillRef>
-          <a:effectRef idx="0">
-            <a:schemeClr val="accent1"/>
-          </a:effectRef>
-          <a:fontRef idx="minor">
-            <a:schemeClr val="tx1"/>
-          </a:fontRef>
-        </p:style>
-      </p:cxnSp>
-      <p:cxnSp>
-        <p:nvCxnSpPr>
-          <p:cNvPr id="46" name="Gerader Verbinder 45"/>
-          <p:cNvCxnSpPr/>
-          <p:nvPr/>
-        </p:nvCxnSpPr>
-        <p:spPr>
-          <a:xfrm flipV="1">
-            <a:off x="6871871" y="1372848"/>
-            <a:ext cx="509698" cy="1933303"/>
-          </a:xfrm>
-          <a:prstGeom prst="line">
-            <a:avLst/>
-          </a:prstGeom>
-        </p:spPr>
-        <p:style>
-          <a:lnRef idx="1">
-            <a:schemeClr val="accent1"/>
-          </a:lnRef>
-          <a:fillRef idx="0">
-            <a:schemeClr val="accent1"/>
-          </a:fillRef>
-          <a:effectRef idx="0">
-            <a:schemeClr val="accent1"/>
-          </a:effectRef>
-          <a:fontRef idx="minor">
-            <a:schemeClr val="tx1"/>
-          </a:fontRef>
-        </p:style>
-      </p:cxnSp>
-      <p:sp>
-        <p:nvSpPr>
-          <p:cNvPr id="48" name="Textfeld 47"/>
-          <p:cNvSpPr txBox="1"/>
-          <p:nvPr/>
-        </p:nvSpPr>
-        <p:spPr>
-          <a:xfrm>
-            <a:off x="5421345" y="3466456"/>
-            <a:ext cx="330540" cy="369332"/>
-          </a:xfrm>
-          <a:prstGeom prst="rect">
-            <a:avLst/>
-          </a:prstGeom>
-          <a:noFill/>
-        </p:spPr>
-        <p:txBody>
-          <a:bodyPr wrap="none" rtlCol="0">
-            <a:spAutoFit/>
-          </a:bodyPr>
-          <a:lstStyle/>
-          <a:p>
-            <a:r>
-              <a:rPr lang="de-DE" dirty="0" smtClean="0">
-                <a:latin typeface="Symbol" panose="05050102010706020507" pitchFamily="18" charset="2"/>
-              </a:rPr>
-              <a:t>a</a:t>
-            </a:r>
-            <a:endParaRPr lang="de-DE" dirty="0">
-              <a:latin typeface="Symbol" panose="05050102010706020507" pitchFamily="18" charset="2"/>
-            </a:endParaRPr>
-          </a:p>
-        </p:txBody>
-      </p:sp>
-      <p:sp>
-        <p:nvSpPr>
-          <p:cNvPr id="53" name="Bogen 52"/>
-          <p:cNvSpPr/>
-          <p:nvPr/>
-        </p:nvSpPr>
-        <p:spPr>
-          <a:xfrm>
-            <a:off x="4426315" y="3548919"/>
-            <a:ext cx="1252970" cy="1208768"/>
-          </a:xfrm>
-          <a:prstGeom prst="arc">
-            <a:avLst>
-              <a:gd name="adj1" fmla="val 18331192"/>
-              <a:gd name="adj2" fmla="val 19952646"/>
-            </a:avLst>
-          </a:prstGeom>
-        </p:spPr>
-        <p:style>
-          <a:lnRef idx="1">
-            <a:schemeClr val="accent1"/>
-          </a:lnRef>
-          <a:fillRef idx="0">
-            <a:schemeClr val="accent1"/>
-          </a:fillRef>
-          <a:effectRef idx="0">
-            <a:schemeClr val="accent1"/>
-          </a:effectRef>
-          <a:fontRef idx="minor">
-            <a:schemeClr val="tx1"/>
-          </a:fontRef>
-        </p:style>
-        <p:txBody>
-          <a:bodyPr rtlCol="0" anchor="ctr"/>
-          <a:lstStyle/>
-          <a:p>
-            <a:pPr algn="ctr"/>
-            <a:endParaRPr lang="de-DE"/>
-          </a:p>
-        </p:txBody>
-      </p:sp>
-      <p:sp>
-        <p:nvSpPr>
-          <p:cNvPr id="54" name="Textfeld 53"/>
-          <p:cNvSpPr txBox="1"/>
-          <p:nvPr/>
-        </p:nvSpPr>
-        <p:spPr>
-          <a:xfrm>
-            <a:off x="6605390" y="2949419"/>
-            <a:ext cx="279244" cy="369332"/>
-          </a:xfrm>
-          <a:prstGeom prst="rect">
-            <a:avLst/>
-          </a:prstGeom>
-          <a:noFill/>
-        </p:spPr>
-        <p:txBody>
-          <a:bodyPr wrap="none" rtlCol="0">
-            <a:spAutoFit/>
-          </a:bodyPr>
-          <a:lstStyle/>
-          <a:p>
-            <a:r>
-              <a:rPr lang="de-DE" dirty="0" smtClean="0">
-                <a:latin typeface="Symbol" panose="05050102010706020507" pitchFamily="18" charset="2"/>
-              </a:rPr>
-              <a:t>g</a:t>
-            </a:r>
-            <a:endParaRPr lang="de-DE" dirty="0">
-              <a:latin typeface="Symbol" panose="05050102010706020507" pitchFamily="18" charset="2"/>
-            </a:endParaRPr>
-          </a:p>
-        </p:txBody>
-      </p:sp>
-      <p:sp>
-        <p:nvSpPr>
-          <p:cNvPr id="65" name="Bogen 64"/>
-          <p:cNvSpPr/>
-          <p:nvPr/>
-        </p:nvSpPr>
-        <p:spPr>
-          <a:xfrm>
-            <a:off x="6409500" y="2863609"/>
-            <a:ext cx="914400" cy="914400"/>
-          </a:xfrm>
-          <a:prstGeom prst="arc">
-            <a:avLst>
-              <a:gd name="adj1" fmla="val 9411099"/>
-              <a:gd name="adj2" fmla="val 17110752"/>
-            </a:avLst>
-          </a:prstGeom>
-        </p:spPr>
-        <p:style>
-          <a:lnRef idx="1">
-            <a:schemeClr val="accent1"/>
-          </a:lnRef>
-          <a:fillRef idx="0">
-            <a:schemeClr val="accent1"/>
-          </a:fillRef>
-          <a:effectRef idx="0">
-            <a:schemeClr val="accent1"/>
-          </a:effectRef>
-          <a:fontRef idx="minor">
-            <a:schemeClr val="tx1"/>
-          </a:fontRef>
-        </p:style>
-        <p:txBody>
-          <a:bodyPr rtlCol="0" anchor="ctr"/>
-          <a:lstStyle/>
-          <a:p>
-            <a:pPr algn="ctr"/>
-            <a:endParaRPr lang="de-DE"/>
-          </a:p>
-        </p:txBody>
-      </p:sp>
-      <p:sp>
-        <p:nvSpPr>
-          <p:cNvPr id="67" name="Textfeld 66"/>
-          <p:cNvSpPr txBox="1"/>
-          <p:nvPr/>
-        </p:nvSpPr>
-        <p:spPr>
-          <a:xfrm>
-            <a:off x="7036074" y="1578225"/>
-            <a:ext cx="311304" cy="369332"/>
-          </a:xfrm>
-          <a:prstGeom prst="rect">
-            <a:avLst/>
-          </a:prstGeom>
-          <a:noFill/>
-        </p:spPr>
-        <p:txBody>
-          <a:bodyPr wrap="none" rtlCol="0">
-            <a:spAutoFit/>
-          </a:bodyPr>
-          <a:lstStyle/>
-          <a:p>
-            <a:r>
-              <a:rPr lang="de-DE" dirty="0" smtClean="0">
-                <a:latin typeface="Symbol" panose="05050102010706020507" pitchFamily="18" charset="2"/>
-              </a:rPr>
-              <a:t>b</a:t>
-            </a:r>
-            <a:endParaRPr lang="de-DE" dirty="0">
-              <a:latin typeface="Symbol" panose="05050102010706020507" pitchFamily="18" charset="2"/>
-            </a:endParaRPr>
-          </a:p>
-        </p:txBody>
-      </p:sp>
-      <p:sp>
-        <p:nvSpPr>
-          <p:cNvPr id="68" name="Bogen 67"/>
-          <p:cNvSpPr/>
-          <p:nvPr/>
-        </p:nvSpPr>
-        <p:spPr>
-          <a:xfrm>
-            <a:off x="6908485" y="987656"/>
-            <a:ext cx="914400" cy="914400"/>
-          </a:xfrm>
-          <a:prstGeom prst="arc">
-            <a:avLst>
-              <a:gd name="adj1" fmla="val 6340913"/>
-              <a:gd name="adj2" fmla="val 8147634"/>
-            </a:avLst>
-          </a:prstGeom>
-        </p:spPr>
-        <p:style>
-          <a:lnRef idx="1">
-            <a:schemeClr val="accent1"/>
-          </a:lnRef>
-          <a:fillRef idx="0">
-            <a:schemeClr val="accent1"/>
-          </a:fillRef>
-          <a:effectRef idx="0">
-            <a:schemeClr val="accent1"/>
-          </a:effectRef>
-          <a:fontRef idx="minor">
-            <a:schemeClr val="tx1"/>
-          </a:fontRef>
-        </p:style>
-        <p:txBody>
-          <a:bodyPr rtlCol="0" anchor="ctr"/>
-          <a:lstStyle/>
-          <a:p>
-            <a:pPr algn="ctr"/>
-            <a:endParaRPr lang="de-DE"/>
-          </a:p>
-        </p:txBody>
-      </p:sp>
-      <p:sp>
-        <p:nvSpPr>
-          <p:cNvPr id="73" name="Bogen 72"/>
-          <p:cNvSpPr/>
-          <p:nvPr/>
-        </p:nvSpPr>
-        <p:spPr>
-          <a:xfrm>
-            <a:off x="4567452" y="3635087"/>
-            <a:ext cx="1011770" cy="1051002"/>
-          </a:xfrm>
-          <a:prstGeom prst="arc">
-            <a:avLst>
-              <a:gd name="adj1" fmla="val 18161752"/>
-              <a:gd name="adj2" fmla="val 21409533"/>
-            </a:avLst>
-          </a:prstGeom>
-        </p:spPr>
-        <p:style>
-          <a:lnRef idx="1">
-            <a:schemeClr val="accent1"/>
-          </a:lnRef>
-          <a:fillRef idx="0">
-            <a:schemeClr val="accent1"/>
-          </a:fillRef>
-          <a:effectRef idx="0">
-            <a:schemeClr val="accent1"/>
-          </a:effectRef>
-          <a:fontRef idx="minor">
-            <a:schemeClr val="tx1"/>
-          </a:fontRef>
-        </p:style>
-        <p:txBody>
-          <a:bodyPr rtlCol="0" anchor="ctr"/>
-          <a:lstStyle/>
-          <a:p>
-            <a:pPr algn="ctr"/>
-            <a:endParaRPr lang="de-DE"/>
-          </a:p>
-        </p:txBody>
-      </p:sp>
-      <p:sp>
-        <p:nvSpPr>
-          <p:cNvPr id="74" name="Textfeld 73"/>
-          <p:cNvSpPr txBox="1"/>
-          <p:nvPr/>
-        </p:nvSpPr>
-        <p:spPr>
-          <a:xfrm>
-            <a:off x="4944539" y="3204701"/>
-            <a:ext cx="381836" cy="369332"/>
-          </a:xfrm>
-          <a:prstGeom prst="rect">
-            <a:avLst/>
-          </a:prstGeom>
-          <a:noFill/>
-        </p:spPr>
-        <p:txBody>
-          <a:bodyPr wrap="none" rtlCol="0">
-            <a:spAutoFit/>
-          </a:bodyPr>
-          <a:lstStyle/>
-          <a:p>
-            <a:r>
-              <a:rPr lang="de-DE" dirty="0" smtClean="0">
-                <a:latin typeface="Symbol" panose="05050102010706020507" pitchFamily="18" charset="2"/>
-              </a:rPr>
-              <a:t>q</a:t>
-            </a:r>
-            <a:r>
-              <a:rPr lang="de-DE" baseline="-25000" dirty="0" smtClean="0">
-                <a:latin typeface="Symbol" panose="05050102010706020507" pitchFamily="18" charset="2"/>
-              </a:rPr>
-              <a:t>1</a:t>
-            </a:r>
-            <a:endParaRPr lang="de-DE" baseline="-25000" dirty="0">
-              <a:latin typeface="Symbol" panose="05050102010706020507" pitchFamily="18" charset="2"/>
-            </a:endParaRPr>
-          </a:p>
-        </p:txBody>
-      </p:sp>
-      <p:sp>
-        <p:nvSpPr>
-          <p:cNvPr id="75" name="Textfeld 74"/>
-          <p:cNvSpPr txBox="1"/>
-          <p:nvPr/>
-        </p:nvSpPr>
-        <p:spPr>
-          <a:xfrm>
-            <a:off x="6974841" y="3233875"/>
-            <a:ext cx="381836" cy="369332"/>
-          </a:xfrm>
-          <a:prstGeom prst="rect">
-            <a:avLst/>
-          </a:prstGeom>
-          <a:noFill/>
-        </p:spPr>
-        <p:txBody>
-          <a:bodyPr wrap="none" rtlCol="0">
-            <a:spAutoFit/>
-          </a:bodyPr>
-          <a:lstStyle/>
-          <a:p>
-            <a:r>
-              <a:rPr lang="de-DE" dirty="0" smtClean="0">
-                <a:latin typeface="Symbol" panose="05050102010706020507" pitchFamily="18" charset="2"/>
-              </a:rPr>
-              <a:t>q</a:t>
-            </a:r>
-            <a:r>
-              <a:rPr lang="de-DE" baseline="-25000" dirty="0" smtClean="0">
-                <a:latin typeface="Symbol" panose="05050102010706020507" pitchFamily="18" charset="2"/>
-              </a:rPr>
-              <a:t>2</a:t>
-            </a:r>
-            <a:endParaRPr lang="de-DE" baseline="-25000" dirty="0">
-              <a:latin typeface="Symbol" panose="05050102010706020507" pitchFamily="18" charset="2"/>
-            </a:endParaRPr>
-          </a:p>
-        </p:txBody>
-      </p:sp>
-      <p:sp>
-        <p:nvSpPr>
-          <p:cNvPr id="76" name="Bogen 75"/>
-          <p:cNvSpPr/>
-          <p:nvPr/>
-        </p:nvSpPr>
-        <p:spPr>
-          <a:xfrm>
-            <a:off x="6525004" y="2944625"/>
-            <a:ext cx="822374" cy="789738"/>
-          </a:xfrm>
-          <a:prstGeom prst="arc">
-            <a:avLst>
-              <a:gd name="adj1" fmla="val 16617302"/>
-              <a:gd name="adj2" fmla="val 3911963"/>
-            </a:avLst>
-          </a:prstGeom>
-        </p:spPr>
-        <p:style>
-          <a:lnRef idx="1">
-            <a:schemeClr val="accent1"/>
-          </a:lnRef>
-          <a:fillRef idx="0">
-            <a:schemeClr val="accent1"/>
-          </a:fillRef>
-          <a:effectRef idx="0">
-            <a:schemeClr val="accent1"/>
-          </a:effectRef>
-          <a:fontRef idx="minor">
-            <a:schemeClr val="tx1"/>
-          </a:fontRef>
-        </p:style>
-        <p:txBody>
-          <a:bodyPr rtlCol="0" anchor="ctr"/>
-          <a:lstStyle/>
-          <a:p>
-            <a:pPr algn="ctr"/>
-            <a:endParaRPr lang="de-DE"/>
-          </a:p>
-        </p:txBody>
-      </p:sp>
-      <p:cxnSp>
-        <p:nvCxnSpPr>
-          <p:cNvPr id="77" name="Gerader Verbinder 76"/>
-          <p:cNvCxnSpPr/>
-          <p:nvPr/>
-        </p:nvCxnSpPr>
-        <p:spPr>
-          <a:xfrm>
-            <a:off x="6871406" y="3317173"/>
-            <a:ext cx="292882" cy="512829"/>
-          </a:xfrm>
-          <a:prstGeom prst="line">
-            <a:avLst/>
-          </a:prstGeom>
-        </p:spPr>
-        <p:style>
-          <a:lnRef idx="1">
-            <a:schemeClr val="accent1"/>
-          </a:lnRef>
-          <a:fillRef idx="0">
-            <a:schemeClr val="accent1"/>
-          </a:fillRef>
-          <a:effectRef idx="0">
-            <a:schemeClr val="accent1"/>
-          </a:effectRef>
-          <a:fontRef idx="minor">
-            <a:schemeClr val="tx1"/>
-          </a:fontRef>
-        </p:style>
-      </p:cxnSp>
-      <p:sp>
-        <p:nvSpPr>
-          <p:cNvPr id="78" name="Bogen 77"/>
-          <p:cNvSpPr/>
-          <p:nvPr/>
-        </p:nvSpPr>
-        <p:spPr>
-          <a:xfrm>
-            <a:off x="6815233" y="3247414"/>
-            <a:ext cx="105968" cy="132208"/>
-          </a:xfrm>
-          <a:prstGeom prst="arc">
-            <a:avLst>
-              <a:gd name="adj1" fmla="val 3492370"/>
-              <a:gd name="adj2" fmla="val 9518601"/>
-            </a:avLst>
-          </a:prstGeom>
-        </p:spPr>
-        <p:style>
-          <a:lnRef idx="1">
-            <a:schemeClr val="accent1"/>
-          </a:lnRef>
-          <a:fillRef idx="0">
-            <a:schemeClr val="accent1"/>
-          </a:fillRef>
-          <a:effectRef idx="0">
-            <a:schemeClr val="accent1"/>
-          </a:effectRef>
-          <a:fontRef idx="minor">
-            <a:schemeClr val="tx1"/>
-          </a:fontRef>
-        </p:style>
-        <p:txBody>
-          <a:bodyPr rtlCol="0" anchor="ctr"/>
-          <a:lstStyle/>
-          <a:p>
-            <a:pPr algn="ctr"/>
-            <a:endParaRPr lang="de-DE"/>
-          </a:p>
-        </p:txBody>
-      </p:sp>
-      <p:cxnSp>
-        <p:nvCxnSpPr>
-          <p:cNvPr id="79" name="Gerader Verbinder 78"/>
-          <p:cNvCxnSpPr/>
-          <p:nvPr/>
-        </p:nvCxnSpPr>
-        <p:spPr>
-          <a:xfrm flipV="1">
-            <a:off x="4995441" y="4109152"/>
-            <a:ext cx="2386128" cy="35951"/>
-          </a:xfrm>
-          <a:prstGeom prst="line">
-            <a:avLst/>
-          </a:prstGeom>
-        </p:spPr>
-        <p:style>
-          <a:lnRef idx="1">
-            <a:schemeClr val="accent1"/>
-          </a:lnRef>
-          <a:fillRef idx="0">
-            <a:schemeClr val="accent1"/>
-          </a:fillRef>
-          <a:effectRef idx="0">
-            <a:schemeClr val="accent1"/>
-          </a:effectRef>
-          <a:fontRef idx="minor">
-            <a:schemeClr val="tx1"/>
-          </a:fontRef>
-        </p:style>
-      </p:cxnSp>
-      <p:cxnSp>
-        <p:nvCxnSpPr>
-          <p:cNvPr id="80" name="Gerader Verbinder 79"/>
-          <p:cNvCxnSpPr/>
-          <p:nvPr/>
-        </p:nvCxnSpPr>
-        <p:spPr>
-          <a:xfrm>
-            <a:off x="7365685" y="1372848"/>
-            <a:ext cx="0" cy="2736304"/>
-          </a:xfrm>
-          <a:prstGeom prst="line">
-            <a:avLst/>
-          </a:prstGeom>
-        </p:spPr>
-        <p:style>
-          <a:lnRef idx="1">
-            <a:schemeClr val="accent1"/>
-          </a:lnRef>
-          <a:fillRef idx="0">
-            <a:schemeClr val="accent1"/>
-          </a:fillRef>
-          <a:effectRef idx="0">
-            <a:schemeClr val="accent1"/>
-          </a:effectRef>
-          <a:fontRef idx="minor">
-            <a:schemeClr val="tx1"/>
-          </a:fontRef>
-        </p:style>
-      </p:cxnSp>
-      <mc:AlternateContent xmlns:mc="http://schemas.openxmlformats.org/markup-compatibility/2006" xmlns:a14="http://schemas.microsoft.com/office/drawing/2010/main">
-        <mc:Choice Requires="a14">
-          <p:sp>
-            <p:nvSpPr>
-              <p:cNvPr id="82" name="Textfeld 81"/>
-              <p:cNvSpPr txBox="1"/>
-              <p:nvPr/>
-            </p:nvSpPr>
-            <p:spPr>
-              <a:xfrm>
-                <a:off x="5498800" y="4137297"/>
-                <a:ext cx="1893330" cy="468141"/>
-              </a:xfrm>
-              <a:prstGeom prst="rect">
-                <a:avLst/>
-              </a:prstGeom>
-              <a:noFill/>
-            </p:spPr>
-            <p:txBody>
-              <a:bodyPr wrap="square" rtlCol="0">
-                <a:spAutoFit/>
-              </a:bodyPr>
-              <a:lstStyle/>
-              <a:p>
-                <a:pPr/>
-                <a14:m>
-                  <m:oMathPara xmlns:m="http://schemas.openxmlformats.org/officeDocument/2006/math">
-                    <m:oMathParaPr>
-                      <m:jc m:val="centerGroup"/>
-                    </m:oMathParaPr>
-                    <m:oMath xmlns:m="http://schemas.openxmlformats.org/officeDocument/2006/math">
-                      <m:rad>
-                        <m:radPr>
-                          <m:degHide m:val="on"/>
-                          <m:ctrlPr>
-                            <a:rPr lang="de-DE" sz="1200" b="0" i="1" smtClean="0">
-                              <a:latin typeface="Cambria Math" panose="02040503050406030204" pitchFamily="18" charset="0"/>
-                            </a:rPr>
-                          </m:ctrlPr>
-                        </m:radPr>
-                        <m:deg/>
-                        <m:e>
-                          <m:d>
-                            <m:dPr>
-                              <m:ctrlPr>
-                                <a:rPr lang="de-DE" sz="1200" i="1">
-                                  <a:latin typeface="Cambria Math" panose="02040503050406030204" pitchFamily="18" charset="0"/>
-                                </a:rPr>
-                              </m:ctrlPr>
-                            </m:dPr>
-                            <m:e>
-                              <m:sSup>
-                                <m:sSupPr>
-                                  <m:ctrlPr>
-                                    <a:rPr lang="de-DE" sz="1200" i="1">
-                                      <a:latin typeface="Cambria Math" panose="02040503050406030204" pitchFamily="18" charset="0"/>
-                                    </a:rPr>
-                                  </m:ctrlPr>
-                                </m:sSupPr>
-                                <m:e>
-                                  <m:sSub>
-                                    <m:sSubPr>
-                                      <m:ctrlPr>
-                                        <a:rPr lang="de-DE" sz="1200" i="1">
-                                          <a:latin typeface="Cambria Math" panose="02040503050406030204" pitchFamily="18" charset="0"/>
-                                        </a:rPr>
-                                      </m:ctrlPr>
-                                    </m:sSubPr>
-                                    <m:e>
-                                      <m:r>
-                                        <a:rPr lang="de-DE" sz="1200" i="1">
-                                          <a:latin typeface="Cambria Math" panose="02040503050406030204" pitchFamily="18" charset="0"/>
-                                        </a:rPr>
-                                        <m:t>𝑊𝐶𝑃</m:t>
-                                      </m:r>
-                                    </m:e>
-                                    <m:sub>
-                                      <m:r>
-                                        <a:rPr lang="de-DE" sz="1200" i="1">
-                                          <a:latin typeface="Cambria Math" panose="02040503050406030204" pitchFamily="18" charset="0"/>
-                                        </a:rPr>
-                                        <m:t>𝑥</m:t>
-                                      </m:r>
-                                    </m:sub>
-                                  </m:sSub>
-                                </m:e>
-                                <m:sup>
-                                  <m:r>
-                                    <a:rPr lang="de-DE" sz="1200" i="1">
-                                      <a:latin typeface="Cambria Math" panose="02040503050406030204" pitchFamily="18" charset="0"/>
-                                    </a:rPr>
-                                    <m:t>2</m:t>
-                                  </m:r>
-                                </m:sup>
-                              </m:sSup>
-                              <m:sSup>
-                                <m:sSupPr>
-                                  <m:ctrlPr>
-                                    <a:rPr lang="de-DE" sz="1200" i="1">
-                                      <a:latin typeface="Cambria Math" panose="02040503050406030204" pitchFamily="18" charset="0"/>
-                                    </a:rPr>
-                                  </m:ctrlPr>
-                                </m:sSupPr>
-                                <m:e>
-                                  <m:sSub>
-                                    <m:sSubPr>
-                                      <m:ctrlPr>
-                                        <a:rPr lang="de-DE" sz="1200" i="1">
-                                          <a:latin typeface="Cambria Math" panose="02040503050406030204" pitchFamily="18" charset="0"/>
-                                        </a:rPr>
-                                      </m:ctrlPr>
-                                    </m:sSubPr>
-                                    <m:e>
-                                      <m:r>
-                                        <a:rPr lang="de-DE" sz="1200" i="1">
-                                          <a:latin typeface="Cambria Math" panose="02040503050406030204" pitchFamily="18" charset="0"/>
-                                        </a:rPr>
-                                        <m:t>+ </m:t>
-                                      </m:r>
-                                      <m:r>
-                                        <a:rPr lang="de-DE" sz="1200" i="1">
-                                          <a:latin typeface="Cambria Math" panose="02040503050406030204" pitchFamily="18" charset="0"/>
-                                        </a:rPr>
-                                        <m:t>𝑊𝐶𝑃</m:t>
-                                      </m:r>
-                                    </m:e>
-                                    <m:sub>
-                                      <m:r>
-                                        <a:rPr lang="de-DE" sz="1200" i="1">
-                                          <a:latin typeface="Cambria Math" panose="02040503050406030204" pitchFamily="18" charset="0"/>
-                                        </a:rPr>
-                                        <m:t>𝑦</m:t>
-                                      </m:r>
-                                    </m:sub>
-                                  </m:sSub>
-                                </m:e>
-                                <m:sup>
-                                  <m:r>
-                                    <a:rPr lang="de-DE" sz="1200" i="1">
-                                      <a:latin typeface="Cambria Math" panose="02040503050406030204" pitchFamily="18" charset="0"/>
-                                    </a:rPr>
-                                    <m:t>2</m:t>
-                                  </m:r>
-                                </m:sup>
-                              </m:sSup>
-                            </m:e>
-                          </m:d>
-                        </m:e>
-                      </m:rad>
-                    </m:oMath>
-                  </m:oMathPara>
-                </a14:m>
-                <a:endParaRPr lang="de-DE" sz="1200" baseline="-25000" dirty="0"/>
-              </a:p>
-            </p:txBody>
-          </p:sp>
-        </mc:Choice>
-        <mc:Fallback xmlns="">
-          <p:sp>
-            <p:nvSpPr>
-              <p:cNvPr id="82" name="Textfeld 81"/>
-              <p:cNvSpPr txBox="1">
-                <a:spLocks noRot="1" noChangeAspect="1" noMove="1" noResize="1" noEditPoints="1" noAdjustHandles="1" noChangeArrowheads="1" noChangeShapeType="1" noTextEdit="1"/>
-              </p:cNvSpPr>
-              <p:nvPr/>
-            </p:nvSpPr>
-            <p:spPr>
-              <a:xfrm>
-                <a:off x="5498800" y="4137297"/>
-                <a:ext cx="1893330" cy="468141"/>
-              </a:xfrm>
-              <a:prstGeom prst="rect">
-                <a:avLst/>
-              </a:prstGeom>
-              <a:blipFill rotWithShape="0">
-                <a:blip r:embed="rId3"/>
-                <a:stretch>
-                  <a:fillRect/>
-                </a:stretch>
-              </a:blipFill>
-            </p:spPr>
-            <p:txBody>
-              <a:bodyPr/>
-              <a:lstStyle/>
-              <a:p>
-                <a:r>
-                  <a:rPr lang="de-DE">
-                    <a:noFill/>
-                  </a:rPr>
-                  <a:t> </a:t>
-                </a:r>
-              </a:p>
-            </p:txBody>
-          </p:sp>
-        </mc:Fallback>
-      </mc:AlternateContent>
-      <p:sp>
-        <p:nvSpPr>
-          <p:cNvPr id="83" name="Textfeld 82"/>
-          <p:cNvSpPr txBox="1"/>
-          <p:nvPr/>
-        </p:nvSpPr>
-        <p:spPr>
-          <a:xfrm>
-            <a:off x="5341593" y="3841418"/>
-            <a:ext cx="298480" cy="369332"/>
-          </a:xfrm>
-          <a:prstGeom prst="rect">
-            <a:avLst/>
-          </a:prstGeom>
-          <a:noFill/>
-        </p:spPr>
-        <p:txBody>
-          <a:bodyPr wrap="none" rtlCol="0">
-            <a:spAutoFit/>
-          </a:bodyPr>
-          <a:lstStyle/>
-          <a:p>
-            <a:r>
-              <a:rPr lang="de-DE" dirty="0" smtClean="0">
-                <a:latin typeface="Symbol" panose="05050102010706020507" pitchFamily="18" charset="2"/>
-              </a:rPr>
-              <a:t>d</a:t>
-            </a:r>
-            <a:endParaRPr lang="de-DE" dirty="0">
-              <a:latin typeface="Symbol" panose="05050102010706020507" pitchFamily="18" charset="2"/>
-            </a:endParaRPr>
-          </a:p>
-        </p:txBody>
-      </p:sp>
-      <p:sp>
-        <p:nvSpPr>
-          <p:cNvPr id="84" name="Textfeld 83"/>
-          <p:cNvSpPr txBox="1"/>
-          <p:nvPr/>
-        </p:nvSpPr>
-        <p:spPr>
-          <a:xfrm>
-            <a:off x="5679286" y="848845"/>
-            <a:ext cx="1244251" cy="369332"/>
-          </a:xfrm>
-          <a:prstGeom prst="rect">
-            <a:avLst/>
-          </a:prstGeom>
-          <a:noFill/>
-        </p:spPr>
-        <p:txBody>
-          <a:bodyPr wrap="none" rtlCol="0">
-            <a:spAutoFit/>
-          </a:bodyPr>
-          <a:lstStyle/>
-          <a:p>
-            <a:r>
-              <a:rPr lang="de-DE" dirty="0" smtClean="0"/>
-              <a:t>Solution II: </a:t>
-            </a:r>
-            <a:endParaRPr lang="de-DE" dirty="0"/>
-          </a:p>
-        </p:txBody>
-      </p:sp>
-      <p:sp>
-        <p:nvSpPr>
-          <p:cNvPr id="85" name="Bogen 84"/>
-          <p:cNvSpPr/>
-          <p:nvPr/>
-        </p:nvSpPr>
-        <p:spPr>
-          <a:xfrm>
-            <a:off x="4033895" y="3091884"/>
-            <a:ext cx="1956728" cy="2106438"/>
-          </a:xfrm>
-          <a:prstGeom prst="arc">
-            <a:avLst>
-              <a:gd name="adj1" fmla="val 16205614"/>
-              <a:gd name="adj2" fmla="val 18561471"/>
-            </a:avLst>
-          </a:prstGeom>
-        </p:spPr>
-        <p:style>
-          <a:lnRef idx="1">
-            <a:schemeClr val="accent1"/>
-          </a:lnRef>
-          <a:fillRef idx="0">
-            <a:schemeClr val="accent1"/>
-          </a:fillRef>
-          <a:effectRef idx="0">
-            <a:schemeClr val="accent1"/>
-          </a:effectRef>
-          <a:fontRef idx="minor">
-            <a:schemeClr val="tx1"/>
-          </a:fontRef>
-        </p:style>
-        <p:txBody>
-          <a:bodyPr rtlCol="0" anchor="ctr"/>
-          <a:lstStyle/>
-          <a:p>
-            <a:pPr algn="ctr"/>
-            <a:endParaRPr lang="de-DE"/>
-          </a:p>
-        </p:txBody>
-      </p:sp>
-      <p:sp>
-        <p:nvSpPr>
-          <p:cNvPr id="11" name="Textfeld 10"/>
-          <p:cNvSpPr txBox="1"/>
-          <p:nvPr/>
-        </p:nvSpPr>
-        <p:spPr>
-          <a:xfrm>
-            <a:off x="1948510" y="1344096"/>
-            <a:ext cx="295274" cy="369332"/>
-          </a:xfrm>
-          <a:prstGeom prst="rect">
-            <a:avLst/>
-          </a:prstGeom>
-          <a:noFill/>
-        </p:spPr>
-        <p:txBody>
-          <a:bodyPr wrap="none" rtlCol="0">
-            <a:spAutoFit/>
-          </a:bodyPr>
-          <a:lstStyle/>
-          <a:p>
-            <a:r>
-              <a:rPr lang="de-DE" dirty="0" smtClean="0"/>
-              <a:t>a</a:t>
-            </a:r>
-            <a:endParaRPr lang="de-DE" dirty="0"/>
-          </a:p>
-        </p:txBody>
-      </p:sp>
-      <p:sp>
-        <p:nvSpPr>
-          <p:cNvPr id="86" name="Textfeld 85"/>
-          <p:cNvSpPr txBox="1"/>
-          <p:nvPr/>
-        </p:nvSpPr>
-        <p:spPr>
-          <a:xfrm>
-            <a:off x="993119" y="2583251"/>
-            <a:ext cx="306494" cy="369332"/>
-          </a:xfrm>
-          <a:prstGeom prst="rect">
-            <a:avLst/>
-          </a:prstGeom>
-          <a:noFill/>
-        </p:spPr>
-        <p:txBody>
-          <a:bodyPr wrap="none" rtlCol="0">
-            <a:spAutoFit/>
-          </a:bodyPr>
-          <a:lstStyle/>
-          <a:p>
-            <a:r>
-              <a:rPr lang="de-DE" dirty="0" smtClean="0"/>
-              <a:t>b</a:t>
-            </a:r>
-            <a:endParaRPr lang="de-DE" dirty="0"/>
-          </a:p>
-        </p:txBody>
-      </p:sp>
-      <p:sp>
-        <p:nvSpPr>
-          <p:cNvPr id="87" name="Textfeld 86"/>
-          <p:cNvSpPr txBox="1"/>
-          <p:nvPr/>
-        </p:nvSpPr>
-        <p:spPr>
-          <a:xfrm>
-            <a:off x="2061258" y="2614942"/>
-            <a:ext cx="282450" cy="369332"/>
-          </a:xfrm>
-          <a:prstGeom prst="rect">
-            <a:avLst/>
-          </a:prstGeom>
-          <a:noFill/>
-        </p:spPr>
-        <p:txBody>
-          <a:bodyPr wrap="none" rtlCol="0">
-            <a:spAutoFit/>
-          </a:bodyPr>
-          <a:lstStyle/>
-          <a:p>
-            <a:r>
-              <a:rPr lang="de-DE" dirty="0" smtClean="0"/>
-              <a:t>c</a:t>
-            </a:r>
-            <a:endParaRPr lang="de-DE" dirty="0"/>
-          </a:p>
-        </p:txBody>
-      </p:sp>
-      <p:sp>
-        <p:nvSpPr>
-          <p:cNvPr id="88" name="Textfeld 87"/>
-          <p:cNvSpPr txBox="1"/>
-          <p:nvPr/>
-        </p:nvSpPr>
-        <p:spPr>
-          <a:xfrm>
-            <a:off x="7051180" y="2254014"/>
-            <a:ext cx="295274" cy="369332"/>
-          </a:xfrm>
-          <a:prstGeom prst="rect">
-            <a:avLst/>
-          </a:prstGeom>
-          <a:noFill/>
-        </p:spPr>
-        <p:txBody>
-          <a:bodyPr wrap="none" rtlCol="0">
-            <a:spAutoFit/>
-          </a:bodyPr>
-          <a:lstStyle/>
-          <a:p>
-            <a:r>
-              <a:rPr lang="de-DE" dirty="0" smtClean="0"/>
-              <a:t>a</a:t>
-            </a:r>
-            <a:endParaRPr lang="de-DE" dirty="0"/>
-          </a:p>
-        </p:txBody>
-      </p:sp>
-      <p:sp>
-        <p:nvSpPr>
-          <p:cNvPr id="89" name="Textfeld 88"/>
-          <p:cNvSpPr txBox="1"/>
-          <p:nvPr/>
-        </p:nvSpPr>
-        <p:spPr>
-          <a:xfrm>
-            <a:off x="6119854" y="3534393"/>
-            <a:ext cx="306494" cy="369332"/>
-          </a:xfrm>
-          <a:prstGeom prst="rect">
-            <a:avLst/>
-          </a:prstGeom>
-          <a:noFill/>
-        </p:spPr>
-        <p:txBody>
-          <a:bodyPr wrap="none" rtlCol="0">
-            <a:spAutoFit/>
-          </a:bodyPr>
-          <a:lstStyle/>
-          <a:p>
-            <a:r>
-              <a:rPr lang="de-DE" dirty="0" smtClean="0"/>
-              <a:t>b</a:t>
-            </a:r>
-            <a:endParaRPr lang="de-DE" dirty="0"/>
-          </a:p>
-        </p:txBody>
-      </p:sp>
-      <p:sp>
-        <p:nvSpPr>
-          <p:cNvPr id="90" name="Textfeld 89"/>
-          <p:cNvSpPr txBox="1"/>
-          <p:nvPr/>
-        </p:nvSpPr>
-        <p:spPr>
-          <a:xfrm>
-            <a:off x="5999212" y="2394213"/>
-            <a:ext cx="282450" cy="369332"/>
-          </a:xfrm>
-          <a:prstGeom prst="rect">
-            <a:avLst/>
-          </a:prstGeom>
-          <a:noFill/>
-        </p:spPr>
-        <p:txBody>
-          <a:bodyPr wrap="none" rtlCol="0">
-            <a:spAutoFit/>
-          </a:bodyPr>
-          <a:lstStyle/>
-          <a:p>
-            <a:r>
-              <a:rPr lang="de-DE" dirty="0" smtClean="0"/>
-              <a:t>c</a:t>
-            </a:r>
-            <a:endParaRPr lang="de-DE" dirty="0"/>
-          </a:p>
-        </p:txBody>
-      </p:sp>
-      <p:sp>
-        <p:nvSpPr>
-          <p:cNvPr id="91" name="Textfeld 90"/>
-          <p:cNvSpPr txBox="1"/>
-          <p:nvPr/>
-        </p:nvSpPr>
-        <p:spPr>
-          <a:xfrm>
-            <a:off x="7525297" y="2949658"/>
-            <a:ext cx="806311" cy="307777"/>
-          </a:xfrm>
-          <a:prstGeom prst="rect">
-            <a:avLst/>
-          </a:prstGeom>
-          <a:noFill/>
-        </p:spPr>
-        <p:txBody>
-          <a:bodyPr wrap="none" rtlCol="0">
-            <a:spAutoFit/>
-          </a:bodyPr>
-          <a:lstStyle/>
-          <a:p>
-            <a:r>
-              <a:rPr lang="de-DE" sz="1400" dirty="0" smtClean="0"/>
-              <a:t>WCP</a:t>
-            </a:r>
-            <a:r>
-              <a:rPr lang="de-DE" sz="1400" baseline="-25000" dirty="0" smtClean="0"/>
-              <a:t>z</a:t>
-            </a:r>
-            <a:r>
-              <a:rPr lang="de-DE" sz="1400" dirty="0" smtClean="0"/>
-              <a:t>-d</a:t>
-            </a:r>
-            <a:r>
-              <a:rPr lang="de-DE" sz="1400" baseline="-25000" dirty="0" smtClean="0"/>
-              <a:t>0</a:t>
-            </a:r>
-            <a:endParaRPr lang="de-DE" sz="1400" baseline="-25000" dirty="0"/>
-          </a:p>
-        </p:txBody>
-      </p:sp>
-      <p:cxnSp>
-        <p:nvCxnSpPr>
-          <p:cNvPr id="14" name="Gerader Verbinder 13"/>
-          <p:cNvCxnSpPr/>
-          <p:nvPr/>
-        </p:nvCxnSpPr>
-        <p:spPr>
-          <a:xfrm flipV="1">
-            <a:off x="711251" y="2712855"/>
-            <a:ext cx="9299" cy="1404104"/>
-          </a:xfrm>
-          <a:prstGeom prst="line">
-            <a:avLst/>
-          </a:prstGeom>
-        </p:spPr>
-        <p:style>
-          <a:lnRef idx="1">
-            <a:schemeClr val="accent1"/>
-          </a:lnRef>
-          <a:fillRef idx="0">
-            <a:schemeClr val="accent1"/>
-          </a:fillRef>
-          <a:effectRef idx="0">
-            <a:schemeClr val="accent1"/>
-          </a:effectRef>
-          <a:fontRef idx="minor">
-            <a:schemeClr val="tx1"/>
-          </a:fontRef>
-        </p:style>
-      </p:cxnSp>
-      <p:cxnSp>
-        <p:nvCxnSpPr>
-          <p:cNvPr id="93" name="Gerader Verbinder 92"/>
-          <p:cNvCxnSpPr/>
-          <p:nvPr/>
-        </p:nvCxnSpPr>
-        <p:spPr>
-          <a:xfrm flipV="1">
-            <a:off x="4994645" y="2728339"/>
-            <a:ext cx="9299" cy="1404104"/>
-          </a:xfrm>
-          <a:prstGeom prst="line">
-            <a:avLst/>
-          </a:prstGeom>
-        </p:spPr>
-        <p:style>
-          <a:lnRef idx="1">
-            <a:schemeClr val="accent1"/>
-          </a:lnRef>
-          <a:fillRef idx="0">
-            <a:schemeClr val="accent1"/>
-          </a:fillRef>
-          <a:effectRef idx="0">
-            <a:schemeClr val="accent1"/>
-          </a:effectRef>
-          <a:fontRef idx="minor">
-            <a:schemeClr val="tx1"/>
-          </a:fontRef>
-        </p:style>
-      </p:cxnSp>
-      <p:cxnSp>
-        <p:nvCxnSpPr>
-          <p:cNvPr id="3" name="Gerade Verbindung mit Pfeil 2"/>
-          <p:cNvCxnSpPr/>
-          <p:nvPr/>
-        </p:nvCxnSpPr>
-        <p:spPr>
-          <a:xfrm>
-            <a:off x="771019" y="4869160"/>
-            <a:ext cx="2102667" cy="0"/>
-          </a:xfrm>
-          <a:prstGeom prst="straightConnector1">
-            <a:avLst/>
-          </a:prstGeom>
-          <a:ln>
-            <a:tailEnd type="triangle"/>
-          </a:ln>
-        </p:spPr>
-        <p:style>
-          <a:lnRef idx="1">
-            <a:schemeClr val="accent1"/>
-          </a:lnRef>
-          <a:fillRef idx="0">
-            <a:schemeClr val="accent1"/>
-          </a:fillRef>
-          <a:effectRef idx="0">
-            <a:schemeClr val="accent1"/>
-          </a:effectRef>
-          <a:fontRef idx="minor">
-            <a:schemeClr val="tx1"/>
-          </a:fontRef>
-        </p:style>
-      </p:cxnSp>
-      <p:sp>
-        <p:nvSpPr>
-          <p:cNvPr id="5" name="Textfeld 4"/>
-          <p:cNvSpPr txBox="1"/>
-          <p:nvPr/>
-        </p:nvSpPr>
-        <p:spPr>
-          <a:xfrm>
-            <a:off x="1211492" y="4546441"/>
-            <a:ext cx="925510" cy="369332"/>
-          </a:xfrm>
-          <a:prstGeom prst="rect">
-            <a:avLst/>
-          </a:prstGeom>
-          <a:noFill/>
-        </p:spPr>
-        <p:txBody>
-          <a:bodyPr wrap="none" rtlCol="0">
-            <a:spAutoFit/>
-          </a:bodyPr>
-          <a:lstStyle/>
-          <a:p>
-            <a:r>
-              <a:rPr lang="de-DE" dirty="0" err="1" smtClean="0"/>
-              <a:t>forward</a:t>
-            </a:r>
-            <a:endParaRPr lang="de-DE" dirty="0"/>
-          </a:p>
-        </p:txBody>
-      </p:sp>
-    </p:spTree>
-    <p:extLst>
-      <p:ext uri="{BB962C8B-B14F-4D97-AF65-F5344CB8AC3E}">
-        <p14:creationId xmlns:p14="http://schemas.microsoft.com/office/powerpoint/2010/main" val="3557320500"/>
-      </p:ext>
-    </p:extLst>
-  </p:cSld>
-  <p:clrMapOvr>
-    <a:masterClrMapping/>
-  </p:clrMapOvr>
-</p:sld>
-</file>
-
-<file path=ppt/slides/slide2.xml><?xml version="1.0" encoding="utf-8"?>
 <p:sld xmlns:a="http://schemas.openxmlformats.org/drawingml/2006/main" xmlns:r="http://schemas.openxmlformats.org/officeDocument/2006/relationships" xmlns:p="http://schemas.openxmlformats.org/presentationml/2006/main">
   <p:cSld>
     <p:spTree>
@@ -11550,19 +9399,16 @@
           <a:p>
             <a:pPr algn="ctr"/>
             <a:r>
-              <a:rPr lang="de-DE" sz="1050" i="1" dirty="0" err="1" smtClean="0">
-                <a:latin typeface="Segoe UI" panose="020B0502040204020203" pitchFamily="34" charset="0"/>
-                <a:cs typeface="Segoe UI" panose="020B0502040204020203" pitchFamily="34" charset="0"/>
-              </a:rPr>
-              <a:t>Trajectory</a:t>
-            </a:r>
-            <a:r>
               <a:rPr lang="de-DE" sz="1050" i="1" dirty="0" smtClean="0">
                 <a:latin typeface="Segoe UI" panose="020B0502040204020203" pitchFamily="34" charset="0"/>
                 <a:cs typeface="Segoe UI" panose="020B0502040204020203" pitchFamily="34" charset="0"/>
               </a:rPr>
-              <a:t> </a:t>
-            </a:r>
+              <a:t>angle</a:t>
+            </a:r>
+            <a:endParaRPr lang="de-DE" sz="1050" i="1" dirty="0" smtClean="0">
+              <a:latin typeface="Segoe UI" panose="020B0502040204020203" pitchFamily="34" charset="0"/>
+              <a:cs typeface="Segoe UI" panose="020B0502040204020203" pitchFamily="34" charset="0"/>
+            </a:endParaRPr>
           </a:p>
           <a:p>
             <a:pPr algn="ctr"/>
@@ -12726,6 +10572,7153 @@
 </p:sld>
 </file>
 
+<file path=ppt/slides/slide2.xml><?xml version="1.0" encoding="utf-8"?>
+<p:sld xmlns:a="http://schemas.openxmlformats.org/drawingml/2006/main" xmlns:r="http://schemas.openxmlformats.org/officeDocument/2006/relationships" xmlns:p="http://schemas.openxmlformats.org/presentationml/2006/main">
+  <p:cSld>
+    <p:spTree>
+      <p:nvGrpSpPr>
+        <p:cNvPr id="1" name=""/>
+        <p:cNvGrpSpPr/>
+        <p:nvPr/>
+      </p:nvGrpSpPr>
+      <p:grpSpPr>
+        <a:xfrm>
+          <a:off x="0" y="0"/>
+          <a:ext cx="0" cy="0"/>
+          <a:chOff x="0" y="0"/>
+          <a:chExt cx="0" cy="0"/>
+        </a:xfrm>
+      </p:grpSpPr>
+      <p:sp>
+        <p:nvSpPr>
+          <p:cNvPr id="64" name="Rechteck 63"/>
+          <p:cNvSpPr/>
+          <p:nvPr/>
+        </p:nvSpPr>
+        <p:spPr>
+          <a:xfrm>
+            <a:off x="7163197" y="2660361"/>
+            <a:ext cx="1080120" cy="410344"/>
+          </a:xfrm>
+          <a:prstGeom prst="rect">
+            <a:avLst/>
+          </a:prstGeom>
+          <a:solidFill>
+            <a:schemeClr val="accent2"/>
+          </a:solidFill>
+          <a:ln>
+            <a:noFill/>
+          </a:ln>
+        </p:spPr>
+        <p:style>
+          <a:lnRef idx="2">
+            <a:schemeClr val="accent1">
+              <a:shade val="50000"/>
+            </a:schemeClr>
+          </a:lnRef>
+          <a:fillRef idx="1">
+            <a:schemeClr val="accent1"/>
+          </a:fillRef>
+          <a:effectRef idx="0">
+            <a:schemeClr val="accent1"/>
+          </a:effectRef>
+          <a:fontRef idx="minor">
+            <a:schemeClr val="lt1"/>
+          </a:fontRef>
+        </p:style>
+        <p:txBody>
+          <a:bodyPr rtlCol="0" anchor="ctr"/>
+          <a:lstStyle/>
+          <a:p>
+            <a:pPr algn="ctr"/>
+            <a:r>
+              <a:rPr lang="de-DE" sz="1050" dirty="0" smtClean="0">
+                <a:latin typeface="Segoe UI" panose="020B0502040204020203" pitchFamily="34" charset="0"/>
+                <a:cs typeface="Segoe UI" panose="020B0502040204020203" pitchFamily="34" charset="0"/>
+              </a:rPr>
+              <a:t>Stepper</a:t>
+            </a:r>
+            <a:endParaRPr lang="de-DE" sz="1050" dirty="0" smtClean="0">
+              <a:latin typeface="Segoe UI" panose="020B0502040204020203" pitchFamily="34" charset="0"/>
+              <a:cs typeface="Segoe UI" panose="020B0502040204020203" pitchFamily="34" charset="0"/>
+            </a:endParaRPr>
+          </a:p>
+        </p:txBody>
+      </p:sp>
+      <p:cxnSp>
+        <p:nvCxnSpPr>
+          <p:cNvPr id="98" name="Gewinkelte Verbindung 97"/>
+          <p:cNvCxnSpPr>
+            <a:stCxn id="96" idx="3"/>
+            <a:endCxn id="64" idx="1"/>
+          </p:cNvCxnSpPr>
+          <p:nvPr/>
+        </p:nvCxnSpPr>
+        <p:spPr>
+          <a:xfrm flipV="1">
+            <a:off x="6372200" y="2865533"/>
+            <a:ext cx="790997" cy="1545"/>
+          </a:xfrm>
+          <a:prstGeom prst="bentConnector3">
+            <a:avLst>
+              <a:gd name="adj1" fmla="val 50000"/>
+            </a:avLst>
+          </a:prstGeom>
+        </p:spPr>
+        <p:style>
+          <a:lnRef idx="1">
+            <a:schemeClr val="accent1"/>
+          </a:lnRef>
+          <a:fillRef idx="0">
+            <a:schemeClr val="accent1"/>
+          </a:fillRef>
+          <a:effectRef idx="0">
+            <a:schemeClr val="accent1"/>
+          </a:effectRef>
+          <a:fontRef idx="minor">
+            <a:schemeClr val="tx1"/>
+          </a:fontRef>
+        </p:style>
+      </p:cxnSp>
+      <p:grpSp>
+        <p:nvGrpSpPr>
+          <p:cNvPr id="112" name="Gruppieren 111"/>
+          <p:cNvGrpSpPr/>
+          <p:nvPr/>
+        </p:nvGrpSpPr>
+        <p:grpSpPr>
+          <a:xfrm>
+            <a:off x="6083077" y="2584453"/>
+            <a:ext cx="361131" cy="568502"/>
+            <a:chOff x="3563886" y="3140968"/>
+            <a:chExt cx="361131" cy="1663968"/>
+          </a:xfrm>
+          <a:noFill/>
+        </p:grpSpPr>
+        <p:sp>
+          <p:nvSpPr>
+            <p:cNvPr id="104" name="Rechteck 103"/>
+            <p:cNvSpPr/>
+            <p:nvPr/>
+          </p:nvSpPr>
+          <p:spPr>
+            <a:xfrm>
+              <a:off x="3563888" y="3140968"/>
+              <a:ext cx="361129" cy="191754"/>
+            </a:xfrm>
+            <a:prstGeom prst="rect">
+              <a:avLst/>
+            </a:prstGeom>
+            <a:grpFill/>
+            <a:ln>
+              <a:noFill/>
+            </a:ln>
+          </p:spPr>
+          <p:style>
+            <a:lnRef idx="2">
+              <a:schemeClr val="accent1">
+                <a:shade val="50000"/>
+              </a:schemeClr>
+            </a:lnRef>
+            <a:fillRef idx="1">
+              <a:schemeClr val="accent1"/>
+            </a:fillRef>
+            <a:effectRef idx="0">
+              <a:schemeClr val="accent1"/>
+            </a:effectRef>
+            <a:fontRef idx="minor">
+              <a:schemeClr val="lt1"/>
+            </a:fontRef>
+          </p:style>
+          <p:txBody>
+            <a:bodyPr rtlCol="0" anchor="ctr"/>
+            <a:lstStyle/>
+            <a:p>
+              <a:pPr algn="ctr"/>
+              <a:endParaRPr lang="de-DE" sz="1400">
+                <a:latin typeface="Segoe UI" panose="020B0502040204020203" pitchFamily="34" charset="0"/>
+                <a:cs typeface="Segoe UI" panose="020B0502040204020203" pitchFamily="34" charset="0"/>
+              </a:endParaRPr>
+            </a:p>
+          </p:txBody>
+        </p:sp>
+        <p:sp>
+          <p:nvSpPr>
+            <p:cNvPr id="105" name="Rechteck 104"/>
+            <p:cNvSpPr/>
+            <p:nvPr/>
+          </p:nvSpPr>
+          <p:spPr>
+            <a:xfrm>
+              <a:off x="3563887" y="3351284"/>
+              <a:ext cx="361129" cy="191754"/>
+            </a:xfrm>
+            <a:prstGeom prst="rect">
+              <a:avLst/>
+            </a:prstGeom>
+            <a:grpFill/>
+            <a:ln>
+              <a:noFill/>
+            </a:ln>
+          </p:spPr>
+          <p:style>
+            <a:lnRef idx="2">
+              <a:schemeClr val="accent1">
+                <a:shade val="50000"/>
+              </a:schemeClr>
+            </a:lnRef>
+            <a:fillRef idx="1">
+              <a:schemeClr val="accent1"/>
+            </a:fillRef>
+            <a:effectRef idx="0">
+              <a:schemeClr val="accent1"/>
+            </a:effectRef>
+            <a:fontRef idx="minor">
+              <a:schemeClr val="lt1"/>
+            </a:fontRef>
+          </p:style>
+          <p:txBody>
+            <a:bodyPr rtlCol="0" anchor="ctr"/>
+            <a:lstStyle/>
+            <a:p>
+              <a:pPr algn="ctr"/>
+              <a:endParaRPr lang="de-DE" sz="1400">
+                <a:latin typeface="Segoe UI" panose="020B0502040204020203" pitchFamily="34" charset="0"/>
+                <a:cs typeface="Segoe UI" panose="020B0502040204020203" pitchFamily="34" charset="0"/>
+              </a:endParaRPr>
+            </a:p>
+          </p:txBody>
+        </p:sp>
+        <p:sp>
+          <p:nvSpPr>
+            <p:cNvPr id="106" name="Rechteck 105"/>
+            <p:cNvSpPr/>
+            <p:nvPr/>
+          </p:nvSpPr>
+          <p:spPr>
+            <a:xfrm>
+              <a:off x="3563887" y="3561600"/>
+              <a:ext cx="361129" cy="191754"/>
+            </a:xfrm>
+            <a:prstGeom prst="rect">
+              <a:avLst/>
+            </a:prstGeom>
+            <a:grpFill/>
+            <a:ln>
+              <a:noFill/>
+            </a:ln>
+          </p:spPr>
+          <p:style>
+            <a:lnRef idx="2">
+              <a:schemeClr val="accent1">
+                <a:shade val="50000"/>
+              </a:schemeClr>
+            </a:lnRef>
+            <a:fillRef idx="1">
+              <a:schemeClr val="accent1"/>
+            </a:fillRef>
+            <a:effectRef idx="0">
+              <a:schemeClr val="accent1"/>
+            </a:effectRef>
+            <a:fontRef idx="minor">
+              <a:schemeClr val="lt1"/>
+            </a:fontRef>
+          </p:style>
+          <p:txBody>
+            <a:bodyPr rtlCol="0" anchor="ctr"/>
+            <a:lstStyle/>
+            <a:p>
+              <a:pPr algn="ctr"/>
+              <a:endParaRPr lang="de-DE" sz="1400">
+                <a:latin typeface="Segoe UI" panose="020B0502040204020203" pitchFamily="34" charset="0"/>
+                <a:cs typeface="Segoe UI" panose="020B0502040204020203" pitchFamily="34" charset="0"/>
+              </a:endParaRPr>
+            </a:p>
+          </p:txBody>
+        </p:sp>
+        <p:sp>
+          <p:nvSpPr>
+            <p:cNvPr id="107" name="Rechteck 106"/>
+            <p:cNvSpPr/>
+            <p:nvPr/>
+          </p:nvSpPr>
+          <p:spPr>
+            <a:xfrm>
+              <a:off x="3563887" y="3771916"/>
+              <a:ext cx="361129" cy="191754"/>
+            </a:xfrm>
+            <a:prstGeom prst="rect">
+              <a:avLst/>
+            </a:prstGeom>
+            <a:grpFill/>
+            <a:ln>
+              <a:noFill/>
+            </a:ln>
+          </p:spPr>
+          <p:style>
+            <a:lnRef idx="2">
+              <a:schemeClr val="accent1">
+                <a:shade val="50000"/>
+              </a:schemeClr>
+            </a:lnRef>
+            <a:fillRef idx="1">
+              <a:schemeClr val="accent1"/>
+            </a:fillRef>
+            <a:effectRef idx="0">
+              <a:schemeClr val="accent1"/>
+            </a:effectRef>
+            <a:fontRef idx="minor">
+              <a:schemeClr val="lt1"/>
+            </a:fontRef>
+          </p:style>
+          <p:txBody>
+            <a:bodyPr rtlCol="0" anchor="ctr"/>
+            <a:lstStyle/>
+            <a:p>
+              <a:pPr algn="ctr"/>
+              <a:endParaRPr lang="de-DE" sz="1400">
+                <a:latin typeface="Segoe UI" panose="020B0502040204020203" pitchFamily="34" charset="0"/>
+                <a:cs typeface="Segoe UI" panose="020B0502040204020203" pitchFamily="34" charset="0"/>
+              </a:endParaRPr>
+            </a:p>
+          </p:txBody>
+        </p:sp>
+        <p:sp>
+          <p:nvSpPr>
+            <p:cNvPr id="108" name="Rechteck 107"/>
+            <p:cNvSpPr/>
+            <p:nvPr/>
+          </p:nvSpPr>
+          <p:spPr>
+            <a:xfrm>
+              <a:off x="3563886" y="3982232"/>
+              <a:ext cx="361129" cy="191754"/>
+            </a:xfrm>
+            <a:prstGeom prst="rect">
+              <a:avLst/>
+            </a:prstGeom>
+            <a:grpFill/>
+            <a:ln>
+              <a:noFill/>
+            </a:ln>
+          </p:spPr>
+          <p:style>
+            <a:lnRef idx="2">
+              <a:schemeClr val="accent1">
+                <a:shade val="50000"/>
+              </a:schemeClr>
+            </a:lnRef>
+            <a:fillRef idx="1">
+              <a:schemeClr val="accent1"/>
+            </a:fillRef>
+            <a:effectRef idx="0">
+              <a:schemeClr val="accent1"/>
+            </a:effectRef>
+            <a:fontRef idx="minor">
+              <a:schemeClr val="lt1"/>
+            </a:fontRef>
+          </p:style>
+          <p:txBody>
+            <a:bodyPr rtlCol="0" anchor="ctr"/>
+            <a:lstStyle/>
+            <a:p>
+              <a:pPr algn="ctr"/>
+              <a:endParaRPr lang="de-DE" sz="1400">
+                <a:latin typeface="Segoe UI" panose="020B0502040204020203" pitchFamily="34" charset="0"/>
+                <a:cs typeface="Segoe UI" panose="020B0502040204020203" pitchFamily="34" charset="0"/>
+              </a:endParaRPr>
+            </a:p>
+          </p:txBody>
+        </p:sp>
+        <p:sp>
+          <p:nvSpPr>
+            <p:cNvPr id="109" name="Rechteck 108"/>
+            <p:cNvSpPr/>
+            <p:nvPr/>
+          </p:nvSpPr>
+          <p:spPr>
+            <a:xfrm>
+              <a:off x="3563886" y="4192548"/>
+              <a:ext cx="361129" cy="191754"/>
+            </a:xfrm>
+            <a:prstGeom prst="rect">
+              <a:avLst/>
+            </a:prstGeom>
+            <a:grpFill/>
+            <a:ln>
+              <a:noFill/>
+            </a:ln>
+          </p:spPr>
+          <p:style>
+            <a:lnRef idx="2">
+              <a:schemeClr val="accent1">
+                <a:shade val="50000"/>
+              </a:schemeClr>
+            </a:lnRef>
+            <a:fillRef idx="1">
+              <a:schemeClr val="accent1"/>
+            </a:fillRef>
+            <a:effectRef idx="0">
+              <a:schemeClr val="accent1"/>
+            </a:effectRef>
+            <a:fontRef idx="minor">
+              <a:schemeClr val="lt1"/>
+            </a:fontRef>
+          </p:style>
+          <p:txBody>
+            <a:bodyPr rtlCol="0" anchor="ctr"/>
+            <a:lstStyle/>
+            <a:p>
+              <a:pPr algn="ctr"/>
+              <a:endParaRPr lang="de-DE" sz="1400">
+                <a:latin typeface="Segoe UI" panose="020B0502040204020203" pitchFamily="34" charset="0"/>
+                <a:cs typeface="Segoe UI" panose="020B0502040204020203" pitchFamily="34" charset="0"/>
+              </a:endParaRPr>
+            </a:p>
+          </p:txBody>
+        </p:sp>
+        <p:sp>
+          <p:nvSpPr>
+            <p:cNvPr id="110" name="Rechteck 109"/>
+            <p:cNvSpPr/>
+            <p:nvPr/>
+          </p:nvSpPr>
+          <p:spPr>
+            <a:xfrm>
+              <a:off x="3563886" y="4402864"/>
+              <a:ext cx="361129" cy="191754"/>
+            </a:xfrm>
+            <a:prstGeom prst="rect">
+              <a:avLst/>
+            </a:prstGeom>
+            <a:grpFill/>
+            <a:ln>
+              <a:noFill/>
+            </a:ln>
+          </p:spPr>
+          <p:style>
+            <a:lnRef idx="2">
+              <a:schemeClr val="accent1">
+                <a:shade val="50000"/>
+              </a:schemeClr>
+            </a:lnRef>
+            <a:fillRef idx="1">
+              <a:schemeClr val="accent1"/>
+            </a:fillRef>
+            <a:effectRef idx="0">
+              <a:schemeClr val="accent1"/>
+            </a:effectRef>
+            <a:fontRef idx="minor">
+              <a:schemeClr val="lt1"/>
+            </a:fontRef>
+          </p:style>
+          <p:txBody>
+            <a:bodyPr rtlCol="0" anchor="ctr"/>
+            <a:lstStyle/>
+            <a:p>
+              <a:pPr algn="ctr"/>
+              <a:endParaRPr lang="de-DE" sz="1400">
+                <a:latin typeface="Segoe UI" panose="020B0502040204020203" pitchFamily="34" charset="0"/>
+                <a:cs typeface="Segoe UI" panose="020B0502040204020203" pitchFamily="34" charset="0"/>
+              </a:endParaRPr>
+            </a:p>
+          </p:txBody>
+        </p:sp>
+        <p:sp>
+          <p:nvSpPr>
+            <p:cNvPr id="111" name="Rechteck 110"/>
+            <p:cNvSpPr/>
+            <p:nvPr/>
+          </p:nvSpPr>
+          <p:spPr>
+            <a:xfrm>
+              <a:off x="3563886" y="4613182"/>
+              <a:ext cx="361129" cy="191754"/>
+            </a:xfrm>
+            <a:prstGeom prst="rect">
+              <a:avLst/>
+            </a:prstGeom>
+            <a:grpFill/>
+            <a:ln>
+              <a:noFill/>
+            </a:ln>
+          </p:spPr>
+          <p:style>
+            <a:lnRef idx="2">
+              <a:schemeClr val="accent1">
+                <a:shade val="50000"/>
+              </a:schemeClr>
+            </a:lnRef>
+            <a:fillRef idx="1">
+              <a:schemeClr val="accent1"/>
+            </a:fillRef>
+            <a:effectRef idx="0">
+              <a:schemeClr val="accent1"/>
+            </a:effectRef>
+            <a:fontRef idx="minor">
+              <a:schemeClr val="lt1"/>
+            </a:fontRef>
+          </p:style>
+          <p:txBody>
+            <a:bodyPr rtlCol="0" anchor="ctr"/>
+            <a:lstStyle/>
+            <a:p>
+              <a:pPr algn="ctr"/>
+              <a:endParaRPr lang="de-DE" sz="1400">
+                <a:latin typeface="Segoe UI" panose="020B0502040204020203" pitchFamily="34" charset="0"/>
+                <a:cs typeface="Segoe UI" panose="020B0502040204020203" pitchFamily="34" charset="0"/>
+              </a:endParaRPr>
+            </a:p>
+          </p:txBody>
+        </p:sp>
+      </p:grpSp>
+      <p:sp>
+        <p:nvSpPr>
+          <p:cNvPr id="153" name="Textfeld 152"/>
+          <p:cNvSpPr txBox="1"/>
+          <p:nvPr/>
+        </p:nvSpPr>
+        <p:spPr>
+          <a:xfrm>
+            <a:off x="2984073" y="1634414"/>
+            <a:ext cx="1188317" cy="577081"/>
+          </a:xfrm>
+          <a:prstGeom prst="rect">
+            <a:avLst/>
+          </a:prstGeom>
+          <a:solidFill>
+            <a:srgbClr val="FFFFFF">
+              <a:alpha val="50196"/>
+            </a:srgbClr>
+          </a:solidFill>
+        </p:spPr>
+        <p:txBody>
+          <a:bodyPr wrap="square" rtlCol="0">
+            <a:spAutoFit/>
+          </a:bodyPr>
+          <a:lstStyle>
+            <a:defPPr>
+              <a:defRPr lang="de-DE"/>
+            </a:defPPr>
+            <a:lvl1pPr algn="ctr">
+              <a:defRPr sz="1050" i="1">
+                <a:latin typeface="Segoe UI" panose="020B0502040204020203" pitchFamily="34" charset="0"/>
+                <a:cs typeface="Segoe UI" panose="020B0502040204020203" pitchFamily="34" charset="0"/>
+              </a:defRPr>
+            </a:lvl1pPr>
+          </a:lstStyle>
+          <a:p>
+            <a:r>
+              <a:rPr lang="de-DE" dirty="0" err="1"/>
+              <a:t>Trajectory</a:t>
+            </a:r>
+            <a:r>
+              <a:rPr lang="de-DE" dirty="0"/>
+              <a:t> </a:t>
+            </a:r>
+          </a:p>
+          <a:p>
+            <a:r>
+              <a:rPr lang="de-DE" dirty="0" err="1"/>
+              <a:t>Execution</a:t>
+            </a:r>
+            <a:endParaRPr lang="de-DE" dirty="0"/>
+          </a:p>
+          <a:p>
+            <a:r>
+              <a:rPr lang="de-DE" dirty="0" err="1"/>
+              <a:t>Kinematics</a:t>
+            </a:r>
+            <a:endParaRPr lang="de-DE" dirty="0"/>
+          </a:p>
+        </p:txBody>
+      </p:sp>
+      <p:sp>
+        <p:nvSpPr>
+          <p:cNvPr id="151" name="Rechteck 150"/>
+          <p:cNvSpPr/>
+          <p:nvPr/>
+        </p:nvSpPr>
+        <p:spPr>
+          <a:xfrm>
+            <a:off x="2984073" y="2412559"/>
+            <a:ext cx="1231638" cy="892379"/>
+          </a:xfrm>
+          <a:prstGeom prst="rect">
+            <a:avLst/>
+          </a:prstGeom>
+          <a:solidFill>
+            <a:schemeClr val="tx1">
+              <a:lumMod val="50000"/>
+              <a:lumOff val="50000"/>
+            </a:schemeClr>
+          </a:solidFill>
+          <a:ln>
+            <a:noFill/>
+          </a:ln>
+        </p:spPr>
+        <p:style>
+          <a:lnRef idx="2">
+            <a:schemeClr val="accent1">
+              <a:shade val="50000"/>
+            </a:schemeClr>
+          </a:lnRef>
+          <a:fillRef idx="1">
+            <a:schemeClr val="accent1"/>
+          </a:fillRef>
+          <a:effectRef idx="0">
+            <a:schemeClr val="accent1"/>
+          </a:effectRef>
+          <a:fontRef idx="minor">
+            <a:schemeClr val="lt1"/>
+          </a:fontRef>
+        </p:style>
+        <p:txBody>
+          <a:bodyPr rtlCol="0" anchor="ctr"/>
+          <a:lstStyle/>
+          <a:p>
+            <a:pPr algn="ctr"/>
+            <a:r>
+              <a:rPr lang="de-DE" sz="1050" dirty="0" err="1" smtClean="0">
+                <a:latin typeface="Segoe UI" panose="020B0502040204020203" pitchFamily="34" charset="0"/>
+                <a:cs typeface="Segoe UI" panose="020B0502040204020203" pitchFamily="34" charset="0"/>
+              </a:rPr>
+              <a:t>Trajectory</a:t>
+            </a:r>
+            <a:r>
+              <a:rPr lang="de-DE" sz="1050" dirty="0" smtClean="0">
+                <a:latin typeface="Segoe UI" panose="020B0502040204020203" pitchFamily="34" charset="0"/>
+                <a:cs typeface="Segoe UI" panose="020B0502040204020203" pitchFamily="34" charset="0"/>
+              </a:rPr>
+              <a:t> Board</a:t>
+            </a:r>
+          </a:p>
+          <a:p>
+            <a:pPr algn="ctr"/>
+            <a:r>
+              <a:rPr lang="de-DE" sz="1050" dirty="0" err="1" smtClean="0">
+                <a:latin typeface="Segoe UI" panose="020B0502040204020203" pitchFamily="34" charset="0"/>
+                <a:cs typeface="Segoe UI" panose="020B0502040204020203" pitchFamily="34" charset="0"/>
+              </a:rPr>
+              <a:t>Odroid</a:t>
+            </a:r>
+            <a:r>
+              <a:rPr lang="de-DE" sz="1050" dirty="0" smtClean="0">
+                <a:latin typeface="Segoe UI" panose="020B0502040204020203" pitchFamily="34" charset="0"/>
+                <a:cs typeface="Segoe UI" panose="020B0502040204020203" pitchFamily="34" charset="0"/>
+              </a:rPr>
+              <a:t> XU4</a:t>
+            </a:r>
+          </a:p>
+          <a:p>
+            <a:pPr algn="ctr"/>
+            <a:r>
+              <a:rPr lang="de-DE" sz="1050" dirty="0" smtClean="0">
+                <a:latin typeface="Segoe UI" panose="020B0502040204020203" pitchFamily="34" charset="0"/>
+                <a:cs typeface="Segoe UI" panose="020B0502040204020203" pitchFamily="34" charset="0"/>
+              </a:rPr>
+              <a:t>High-Level C++</a:t>
+            </a:r>
+            <a:endParaRPr lang="de-DE" sz="1050" dirty="0">
+              <a:latin typeface="Segoe UI" panose="020B0502040204020203" pitchFamily="34" charset="0"/>
+              <a:cs typeface="Segoe UI" panose="020B0502040204020203" pitchFamily="34" charset="0"/>
+            </a:endParaRPr>
+          </a:p>
+        </p:txBody>
+      </p:sp>
+      <p:sp>
+        <p:nvSpPr>
+          <p:cNvPr id="210" name="Rechteck 209"/>
+          <p:cNvSpPr/>
+          <p:nvPr/>
+        </p:nvSpPr>
+        <p:spPr>
+          <a:xfrm>
+            <a:off x="784263" y="2412559"/>
+            <a:ext cx="1080120" cy="892379"/>
+          </a:xfrm>
+          <a:prstGeom prst="rect">
+            <a:avLst/>
+          </a:prstGeom>
+          <a:solidFill>
+            <a:schemeClr val="tx1">
+              <a:lumMod val="85000"/>
+              <a:lumOff val="15000"/>
+            </a:schemeClr>
+          </a:solidFill>
+          <a:ln>
+            <a:noFill/>
+          </a:ln>
+        </p:spPr>
+        <p:style>
+          <a:lnRef idx="2">
+            <a:schemeClr val="accent1">
+              <a:shade val="50000"/>
+            </a:schemeClr>
+          </a:lnRef>
+          <a:fillRef idx="1">
+            <a:schemeClr val="accent1"/>
+          </a:fillRef>
+          <a:effectRef idx="0">
+            <a:schemeClr val="accent1"/>
+          </a:effectRef>
+          <a:fontRef idx="minor">
+            <a:schemeClr val="lt1"/>
+          </a:fontRef>
+        </p:style>
+        <p:txBody>
+          <a:bodyPr rtlCol="0" anchor="ctr"/>
+          <a:lstStyle/>
+          <a:p>
+            <a:pPr algn="ctr"/>
+            <a:r>
+              <a:rPr lang="de-DE" sz="1050" dirty="0" smtClean="0">
+                <a:latin typeface="Segoe UI" panose="020B0502040204020203" pitchFamily="34" charset="0"/>
+                <a:cs typeface="Segoe UI" panose="020B0502040204020203" pitchFamily="34" charset="0"/>
+              </a:rPr>
+              <a:t>Visual UI</a:t>
+            </a:r>
+          </a:p>
+          <a:p>
+            <a:pPr algn="ctr"/>
+            <a:r>
+              <a:rPr lang="de-DE" sz="1050" dirty="0" smtClean="0">
+                <a:latin typeface="Segoe UI" panose="020B0502040204020203" pitchFamily="34" charset="0"/>
+                <a:cs typeface="Segoe UI" panose="020B0502040204020203" pitchFamily="34" charset="0"/>
+              </a:rPr>
+              <a:t>Animation</a:t>
+            </a:r>
+          </a:p>
+          <a:p>
+            <a:pPr algn="ctr"/>
+            <a:endParaRPr lang="de-DE" sz="1050" dirty="0" smtClean="0">
+              <a:latin typeface="Segoe UI" panose="020B0502040204020203" pitchFamily="34" charset="0"/>
+              <a:cs typeface="Segoe UI" panose="020B0502040204020203" pitchFamily="34" charset="0"/>
+            </a:endParaRPr>
+          </a:p>
+          <a:p>
+            <a:pPr algn="ctr"/>
+            <a:r>
+              <a:rPr lang="de-DE" sz="1050" dirty="0" err="1" smtClean="0">
+                <a:latin typeface="Segoe UI" panose="020B0502040204020203" pitchFamily="34" charset="0"/>
+                <a:cs typeface="Segoe UI" panose="020B0502040204020203" pitchFamily="34" charset="0"/>
+              </a:rPr>
+              <a:t>openGL</a:t>
+            </a:r>
+            <a:endParaRPr lang="de-DE" sz="1050" dirty="0">
+              <a:latin typeface="Segoe UI" panose="020B0502040204020203" pitchFamily="34" charset="0"/>
+              <a:cs typeface="Segoe UI" panose="020B0502040204020203" pitchFamily="34" charset="0"/>
+            </a:endParaRPr>
+          </a:p>
+        </p:txBody>
+      </p:sp>
+      <p:sp>
+        <p:nvSpPr>
+          <p:cNvPr id="152" name="Textfeld 151"/>
+          <p:cNvSpPr txBox="1"/>
+          <p:nvPr/>
+        </p:nvSpPr>
+        <p:spPr>
+          <a:xfrm>
+            <a:off x="5292080" y="1682904"/>
+            <a:ext cx="1079877" cy="415498"/>
+          </a:xfrm>
+          <a:prstGeom prst="rect">
+            <a:avLst/>
+          </a:prstGeom>
+          <a:solidFill>
+            <a:srgbClr val="FFFFFF">
+              <a:alpha val="50196"/>
+            </a:srgbClr>
+          </a:solidFill>
+        </p:spPr>
+        <p:txBody>
+          <a:bodyPr wrap="square" rtlCol="0">
+            <a:spAutoFit/>
+          </a:bodyPr>
+          <a:lstStyle/>
+          <a:p>
+            <a:pPr algn="ctr"/>
+            <a:r>
+              <a:rPr lang="de-DE" sz="1050" i="1" dirty="0" smtClean="0">
+                <a:latin typeface="Segoe UI" panose="020B0502040204020203" pitchFamily="34" charset="0"/>
+                <a:cs typeface="Segoe UI" panose="020B0502040204020203" pitchFamily="34" charset="0"/>
+              </a:rPr>
+              <a:t>Angle </a:t>
+            </a:r>
+            <a:endParaRPr lang="de-DE" sz="1050" i="1" dirty="0" smtClean="0">
+              <a:latin typeface="Segoe UI" panose="020B0502040204020203" pitchFamily="34" charset="0"/>
+              <a:cs typeface="Segoe UI" panose="020B0502040204020203" pitchFamily="34" charset="0"/>
+            </a:endParaRPr>
+          </a:p>
+          <a:p>
+            <a:pPr algn="ctr"/>
+            <a:r>
+              <a:rPr lang="de-DE" sz="1050" i="1" dirty="0" smtClean="0">
+                <a:latin typeface="Segoe UI" panose="020B0502040204020203" pitchFamily="34" charset="0"/>
+                <a:cs typeface="Segoe UI" panose="020B0502040204020203" pitchFamily="34" charset="0"/>
+              </a:rPr>
+              <a:t>Interpolation</a:t>
+            </a:r>
+            <a:endParaRPr lang="de-DE" sz="1050" i="1" dirty="0">
+              <a:latin typeface="Segoe UI" panose="020B0502040204020203" pitchFamily="34" charset="0"/>
+              <a:cs typeface="Segoe UI" panose="020B0502040204020203" pitchFamily="34" charset="0"/>
+            </a:endParaRPr>
+          </a:p>
+        </p:txBody>
+      </p:sp>
+      <p:sp>
+        <p:nvSpPr>
+          <p:cNvPr id="231" name="Textfeld 230"/>
+          <p:cNvSpPr txBox="1"/>
+          <p:nvPr/>
+        </p:nvSpPr>
+        <p:spPr>
+          <a:xfrm>
+            <a:off x="783518" y="1644312"/>
+            <a:ext cx="1028834" cy="577081"/>
+          </a:xfrm>
+          <a:prstGeom prst="rect">
+            <a:avLst/>
+          </a:prstGeom>
+          <a:solidFill>
+            <a:srgbClr val="FFFFFF">
+              <a:alpha val="50196"/>
+            </a:srgbClr>
+          </a:solidFill>
+        </p:spPr>
+        <p:txBody>
+          <a:bodyPr wrap="square" rtlCol="0">
+            <a:spAutoFit/>
+          </a:bodyPr>
+          <a:lstStyle/>
+          <a:p>
+            <a:pPr algn="ctr"/>
+            <a:r>
+              <a:rPr lang="de-DE" sz="1050" i="1" dirty="0" err="1" smtClean="0">
+                <a:latin typeface="Segoe UI" panose="020B0502040204020203" pitchFamily="34" charset="0"/>
+                <a:cs typeface="Segoe UI" panose="020B0502040204020203" pitchFamily="34" charset="0"/>
+              </a:rPr>
+              <a:t>Trajectory</a:t>
+            </a:r>
+            <a:r>
+              <a:rPr lang="de-DE" sz="1050" i="1" dirty="0" smtClean="0">
+                <a:latin typeface="Segoe UI" panose="020B0502040204020203" pitchFamily="34" charset="0"/>
+                <a:cs typeface="Segoe UI" panose="020B0502040204020203" pitchFamily="34" charset="0"/>
+              </a:rPr>
+              <a:t> </a:t>
+            </a:r>
+          </a:p>
+          <a:p>
+            <a:pPr algn="ctr"/>
+            <a:r>
+              <a:rPr lang="de-DE" sz="1050" i="1" dirty="0" err="1" smtClean="0">
+                <a:latin typeface="Segoe UI" panose="020B0502040204020203" pitchFamily="34" charset="0"/>
+                <a:cs typeface="Segoe UI" panose="020B0502040204020203" pitchFamily="34" charset="0"/>
+              </a:rPr>
+              <a:t>Planning</a:t>
+            </a:r>
+            <a:endParaRPr lang="de-DE" sz="1050" i="1" dirty="0" smtClean="0">
+              <a:latin typeface="Segoe UI" panose="020B0502040204020203" pitchFamily="34" charset="0"/>
+              <a:cs typeface="Segoe UI" panose="020B0502040204020203" pitchFamily="34" charset="0"/>
+            </a:endParaRPr>
+          </a:p>
+          <a:p>
+            <a:pPr algn="ctr"/>
+            <a:r>
+              <a:rPr lang="de-DE" sz="1050" i="1" dirty="0" err="1" smtClean="0">
+                <a:latin typeface="Segoe UI" panose="020B0502040204020203" pitchFamily="34" charset="0"/>
+                <a:cs typeface="Segoe UI" panose="020B0502040204020203" pitchFamily="34" charset="0"/>
+              </a:rPr>
+              <a:t>visualization</a:t>
+            </a:r>
+            <a:endParaRPr lang="de-DE" sz="1050" i="1" dirty="0">
+              <a:latin typeface="Segoe UI" panose="020B0502040204020203" pitchFamily="34" charset="0"/>
+              <a:cs typeface="Segoe UI" panose="020B0502040204020203" pitchFamily="34" charset="0"/>
+            </a:endParaRPr>
+          </a:p>
+        </p:txBody>
+      </p:sp>
+      <p:grpSp>
+        <p:nvGrpSpPr>
+          <p:cNvPr id="244" name="Gruppieren 243"/>
+          <p:cNvGrpSpPr/>
+          <p:nvPr/>
+        </p:nvGrpSpPr>
+        <p:grpSpPr>
+          <a:xfrm rot="16200000">
+            <a:off x="5629769" y="2846675"/>
+            <a:ext cx="361131" cy="568502"/>
+            <a:chOff x="3563886" y="3140968"/>
+            <a:chExt cx="361131" cy="1663968"/>
+          </a:xfrm>
+          <a:noFill/>
+        </p:grpSpPr>
+        <p:sp>
+          <p:nvSpPr>
+            <p:cNvPr id="245" name="Rechteck 244"/>
+            <p:cNvSpPr/>
+            <p:nvPr/>
+          </p:nvSpPr>
+          <p:spPr>
+            <a:xfrm>
+              <a:off x="3563888" y="3140968"/>
+              <a:ext cx="361129" cy="191754"/>
+            </a:xfrm>
+            <a:prstGeom prst="rect">
+              <a:avLst/>
+            </a:prstGeom>
+            <a:grpFill/>
+            <a:ln>
+              <a:noFill/>
+            </a:ln>
+          </p:spPr>
+          <p:style>
+            <a:lnRef idx="2">
+              <a:schemeClr val="accent1">
+                <a:shade val="50000"/>
+              </a:schemeClr>
+            </a:lnRef>
+            <a:fillRef idx="1">
+              <a:schemeClr val="accent1"/>
+            </a:fillRef>
+            <a:effectRef idx="0">
+              <a:schemeClr val="accent1"/>
+            </a:effectRef>
+            <a:fontRef idx="minor">
+              <a:schemeClr val="lt1"/>
+            </a:fontRef>
+          </p:style>
+          <p:txBody>
+            <a:bodyPr rtlCol="0" anchor="ctr"/>
+            <a:lstStyle/>
+            <a:p>
+              <a:pPr algn="ctr"/>
+              <a:endParaRPr lang="de-DE" sz="1400">
+                <a:latin typeface="Segoe UI" panose="020B0502040204020203" pitchFamily="34" charset="0"/>
+                <a:cs typeface="Segoe UI" panose="020B0502040204020203" pitchFamily="34" charset="0"/>
+              </a:endParaRPr>
+            </a:p>
+          </p:txBody>
+        </p:sp>
+        <p:sp>
+          <p:nvSpPr>
+            <p:cNvPr id="246" name="Rechteck 245"/>
+            <p:cNvSpPr/>
+            <p:nvPr/>
+          </p:nvSpPr>
+          <p:spPr>
+            <a:xfrm>
+              <a:off x="3563887" y="3351284"/>
+              <a:ext cx="361129" cy="191754"/>
+            </a:xfrm>
+            <a:prstGeom prst="rect">
+              <a:avLst/>
+            </a:prstGeom>
+            <a:grpFill/>
+            <a:ln>
+              <a:noFill/>
+            </a:ln>
+          </p:spPr>
+          <p:style>
+            <a:lnRef idx="2">
+              <a:schemeClr val="accent1">
+                <a:shade val="50000"/>
+              </a:schemeClr>
+            </a:lnRef>
+            <a:fillRef idx="1">
+              <a:schemeClr val="accent1"/>
+            </a:fillRef>
+            <a:effectRef idx="0">
+              <a:schemeClr val="accent1"/>
+            </a:effectRef>
+            <a:fontRef idx="minor">
+              <a:schemeClr val="lt1"/>
+            </a:fontRef>
+          </p:style>
+          <p:txBody>
+            <a:bodyPr rtlCol="0" anchor="ctr"/>
+            <a:lstStyle/>
+            <a:p>
+              <a:pPr algn="ctr"/>
+              <a:endParaRPr lang="de-DE" sz="1400">
+                <a:latin typeface="Segoe UI" panose="020B0502040204020203" pitchFamily="34" charset="0"/>
+                <a:cs typeface="Segoe UI" panose="020B0502040204020203" pitchFamily="34" charset="0"/>
+              </a:endParaRPr>
+            </a:p>
+          </p:txBody>
+        </p:sp>
+        <p:sp>
+          <p:nvSpPr>
+            <p:cNvPr id="247" name="Rechteck 246"/>
+            <p:cNvSpPr/>
+            <p:nvPr/>
+          </p:nvSpPr>
+          <p:spPr>
+            <a:xfrm>
+              <a:off x="3563887" y="3561600"/>
+              <a:ext cx="361129" cy="191754"/>
+            </a:xfrm>
+            <a:prstGeom prst="rect">
+              <a:avLst/>
+            </a:prstGeom>
+            <a:grpFill/>
+            <a:ln>
+              <a:noFill/>
+            </a:ln>
+          </p:spPr>
+          <p:style>
+            <a:lnRef idx="2">
+              <a:schemeClr val="accent1">
+                <a:shade val="50000"/>
+              </a:schemeClr>
+            </a:lnRef>
+            <a:fillRef idx="1">
+              <a:schemeClr val="accent1"/>
+            </a:fillRef>
+            <a:effectRef idx="0">
+              <a:schemeClr val="accent1"/>
+            </a:effectRef>
+            <a:fontRef idx="minor">
+              <a:schemeClr val="lt1"/>
+            </a:fontRef>
+          </p:style>
+          <p:txBody>
+            <a:bodyPr rtlCol="0" anchor="ctr"/>
+            <a:lstStyle/>
+            <a:p>
+              <a:pPr algn="ctr"/>
+              <a:endParaRPr lang="de-DE" sz="1400">
+                <a:latin typeface="Segoe UI" panose="020B0502040204020203" pitchFamily="34" charset="0"/>
+                <a:cs typeface="Segoe UI" panose="020B0502040204020203" pitchFamily="34" charset="0"/>
+              </a:endParaRPr>
+            </a:p>
+          </p:txBody>
+        </p:sp>
+        <p:sp>
+          <p:nvSpPr>
+            <p:cNvPr id="248" name="Rechteck 247"/>
+            <p:cNvSpPr/>
+            <p:nvPr/>
+          </p:nvSpPr>
+          <p:spPr>
+            <a:xfrm>
+              <a:off x="3563887" y="3771916"/>
+              <a:ext cx="361129" cy="191754"/>
+            </a:xfrm>
+            <a:prstGeom prst="rect">
+              <a:avLst/>
+            </a:prstGeom>
+            <a:grpFill/>
+            <a:ln>
+              <a:noFill/>
+            </a:ln>
+          </p:spPr>
+          <p:style>
+            <a:lnRef idx="2">
+              <a:schemeClr val="accent1">
+                <a:shade val="50000"/>
+              </a:schemeClr>
+            </a:lnRef>
+            <a:fillRef idx="1">
+              <a:schemeClr val="accent1"/>
+            </a:fillRef>
+            <a:effectRef idx="0">
+              <a:schemeClr val="accent1"/>
+            </a:effectRef>
+            <a:fontRef idx="minor">
+              <a:schemeClr val="lt1"/>
+            </a:fontRef>
+          </p:style>
+          <p:txBody>
+            <a:bodyPr rtlCol="0" anchor="ctr"/>
+            <a:lstStyle/>
+            <a:p>
+              <a:pPr algn="ctr"/>
+              <a:endParaRPr lang="de-DE" sz="1400">
+                <a:latin typeface="Segoe UI" panose="020B0502040204020203" pitchFamily="34" charset="0"/>
+                <a:cs typeface="Segoe UI" panose="020B0502040204020203" pitchFamily="34" charset="0"/>
+              </a:endParaRPr>
+            </a:p>
+          </p:txBody>
+        </p:sp>
+        <p:sp>
+          <p:nvSpPr>
+            <p:cNvPr id="249" name="Rechteck 248"/>
+            <p:cNvSpPr/>
+            <p:nvPr/>
+          </p:nvSpPr>
+          <p:spPr>
+            <a:xfrm>
+              <a:off x="3563886" y="3982232"/>
+              <a:ext cx="361129" cy="191754"/>
+            </a:xfrm>
+            <a:prstGeom prst="rect">
+              <a:avLst/>
+            </a:prstGeom>
+            <a:grpFill/>
+            <a:ln>
+              <a:noFill/>
+            </a:ln>
+          </p:spPr>
+          <p:style>
+            <a:lnRef idx="2">
+              <a:schemeClr val="accent1">
+                <a:shade val="50000"/>
+              </a:schemeClr>
+            </a:lnRef>
+            <a:fillRef idx="1">
+              <a:schemeClr val="accent1"/>
+            </a:fillRef>
+            <a:effectRef idx="0">
+              <a:schemeClr val="accent1"/>
+            </a:effectRef>
+            <a:fontRef idx="minor">
+              <a:schemeClr val="lt1"/>
+            </a:fontRef>
+          </p:style>
+          <p:txBody>
+            <a:bodyPr rtlCol="0" anchor="ctr"/>
+            <a:lstStyle/>
+            <a:p>
+              <a:pPr algn="ctr"/>
+              <a:endParaRPr lang="de-DE" sz="1400">
+                <a:latin typeface="Segoe UI" panose="020B0502040204020203" pitchFamily="34" charset="0"/>
+                <a:cs typeface="Segoe UI" panose="020B0502040204020203" pitchFamily="34" charset="0"/>
+              </a:endParaRPr>
+            </a:p>
+          </p:txBody>
+        </p:sp>
+        <p:sp>
+          <p:nvSpPr>
+            <p:cNvPr id="250" name="Rechteck 249"/>
+            <p:cNvSpPr/>
+            <p:nvPr/>
+          </p:nvSpPr>
+          <p:spPr>
+            <a:xfrm>
+              <a:off x="3563886" y="4192548"/>
+              <a:ext cx="361129" cy="191754"/>
+            </a:xfrm>
+            <a:prstGeom prst="rect">
+              <a:avLst/>
+            </a:prstGeom>
+            <a:grpFill/>
+            <a:ln>
+              <a:noFill/>
+            </a:ln>
+          </p:spPr>
+          <p:style>
+            <a:lnRef idx="2">
+              <a:schemeClr val="accent1">
+                <a:shade val="50000"/>
+              </a:schemeClr>
+            </a:lnRef>
+            <a:fillRef idx="1">
+              <a:schemeClr val="accent1"/>
+            </a:fillRef>
+            <a:effectRef idx="0">
+              <a:schemeClr val="accent1"/>
+            </a:effectRef>
+            <a:fontRef idx="minor">
+              <a:schemeClr val="lt1"/>
+            </a:fontRef>
+          </p:style>
+          <p:txBody>
+            <a:bodyPr rtlCol="0" anchor="ctr"/>
+            <a:lstStyle/>
+            <a:p>
+              <a:pPr algn="ctr"/>
+              <a:endParaRPr lang="de-DE" sz="1400">
+                <a:latin typeface="Segoe UI" panose="020B0502040204020203" pitchFamily="34" charset="0"/>
+                <a:cs typeface="Segoe UI" panose="020B0502040204020203" pitchFamily="34" charset="0"/>
+              </a:endParaRPr>
+            </a:p>
+          </p:txBody>
+        </p:sp>
+        <p:sp>
+          <p:nvSpPr>
+            <p:cNvPr id="251" name="Rechteck 250"/>
+            <p:cNvSpPr/>
+            <p:nvPr/>
+          </p:nvSpPr>
+          <p:spPr>
+            <a:xfrm>
+              <a:off x="3563886" y="4402864"/>
+              <a:ext cx="361129" cy="191754"/>
+            </a:xfrm>
+            <a:prstGeom prst="rect">
+              <a:avLst/>
+            </a:prstGeom>
+            <a:grpFill/>
+            <a:ln>
+              <a:noFill/>
+            </a:ln>
+          </p:spPr>
+          <p:style>
+            <a:lnRef idx="2">
+              <a:schemeClr val="accent1">
+                <a:shade val="50000"/>
+              </a:schemeClr>
+            </a:lnRef>
+            <a:fillRef idx="1">
+              <a:schemeClr val="accent1"/>
+            </a:fillRef>
+            <a:effectRef idx="0">
+              <a:schemeClr val="accent1"/>
+            </a:effectRef>
+            <a:fontRef idx="minor">
+              <a:schemeClr val="lt1"/>
+            </a:fontRef>
+          </p:style>
+          <p:txBody>
+            <a:bodyPr rtlCol="0" anchor="ctr"/>
+            <a:lstStyle/>
+            <a:p>
+              <a:pPr algn="ctr"/>
+              <a:endParaRPr lang="de-DE" sz="1400">
+                <a:latin typeface="Segoe UI" panose="020B0502040204020203" pitchFamily="34" charset="0"/>
+                <a:cs typeface="Segoe UI" panose="020B0502040204020203" pitchFamily="34" charset="0"/>
+              </a:endParaRPr>
+            </a:p>
+          </p:txBody>
+        </p:sp>
+        <p:sp>
+          <p:nvSpPr>
+            <p:cNvPr id="252" name="Rechteck 251"/>
+            <p:cNvSpPr/>
+            <p:nvPr/>
+          </p:nvSpPr>
+          <p:spPr>
+            <a:xfrm>
+              <a:off x="3563886" y="4613182"/>
+              <a:ext cx="361129" cy="191754"/>
+            </a:xfrm>
+            <a:prstGeom prst="rect">
+              <a:avLst/>
+            </a:prstGeom>
+            <a:grpFill/>
+            <a:ln>
+              <a:noFill/>
+            </a:ln>
+          </p:spPr>
+          <p:style>
+            <a:lnRef idx="2">
+              <a:schemeClr val="accent1">
+                <a:shade val="50000"/>
+              </a:schemeClr>
+            </a:lnRef>
+            <a:fillRef idx="1">
+              <a:schemeClr val="accent1"/>
+            </a:fillRef>
+            <a:effectRef idx="0">
+              <a:schemeClr val="accent1"/>
+            </a:effectRef>
+            <a:fontRef idx="minor">
+              <a:schemeClr val="lt1"/>
+            </a:fontRef>
+          </p:style>
+          <p:txBody>
+            <a:bodyPr rtlCol="0" anchor="ctr"/>
+            <a:lstStyle/>
+            <a:p>
+              <a:pPr algn="ctr"/>
+              <a:endParaRPr lang="de-DE" sz="1400">
+                <a:latin typeface="Segoe UI" panose="020B0502040204020203" pitchFamily="34" charset="0"/>
+                <a:cs typeface="Segoe UI" panose="020B0502040204020203" pitchFamily="34" charset="0"/>
+              </a:endParaRPr>
+            </a:p>
+          </p:txBody>
+        </p:sp>
+      </p:grpSp>
+      <p:sp>
+        <p:nvSpPr>
+          <p:cNvPr id="96" name="Rechteck 95"/>
+          <p:cNvSpPr/>
+          <p:nvPr/>
+        </p:nvSpPr>
+        <p:spPr>
+          <a:xfrm>
+            <a:off x="5292080" y="2420888"/>
+            <a:ext cx="1080120" cy="892379"/>
+          </a:xfrm>
+          <a:prstGeom prst="rect">
+            <a:avLst/>
+          </a:prstGeom>
+          <a:solidFill>
+            <a:schemeClr val="accent3"/>
+          </a:solidFill>
+          <a:ln>
+            <a:noFill/>
+          </a:ln>
+        </p:spPr>
+        <p:style>
+          <a:lnRef idx="2">
+            <a:schemeClr val="accent1">
+              <a:shade val="50000"/>
+            </a:schemeClr>
+          </a:lnRef>
+          <a:fillRef idx="1">
+            <a:schemeClr val="accent1"/>
+          </a:fillRef>
+          <a:effectRef idx="0">
+            <a:schemeClr val="accent1"/>
+          </a:effectRef>
+          <a:fontRef idx="minor">
+            <a:schemeClr val="lt1"/>
+          </a:fontRef>
+        </p:style>
+        <p:txBody>
+          <a:bodyPr rtlCol="0" anchor="ctr"/>
+          <a:lstStyle/>
+          <a:p>
+            <a:pPr algn="ctr"/>
+            <a:r>
+              <a:rPr lang="de-DE" sz="1050" dirty="0" smtClean="0">
+                <a:latin typeface="Segoe UI" panose="020B0502040204020203" pitchFamily="34" charset="0"/>
+                <a:cs typeface="Segoe UI" panose="020B0502040204020203" pitchFamily="34" charset="0"/>
+              </a:rPr>
+              <a:t>Controller Board</a:t>
+            </a:r>
+          </a:p>
+          <a:p>
+            <a:pPr algn="ctr"/>
+            <a:r>
+              <a:rPr lang="de-DE" sz="1050" dirty="0" err="1" smtClean="0">
+                <a:latin typeface="Segoe UI" panose="020B0502040204020203" pitchFamily="34" charset="0"/>
+                <a:cs typeface="Segoe UI" panose="020B0502040204020203" pitchFamily="34" charset="0"/>
+              </a:rPr>
+              <a:t>Atmega</a:t>
+            </a:r>
+            <a:r>
+              <a:rPr lang="de-DE" sz="1050" dirty="0" smtClean="0">
+                <a:latin typeface="Segoe UI" panose="020B0502040204020203" pitchFamily="34" charset="0"/>
+                <a:cs typeface="Segoe UI" panose="020B0502040204020203" pitchFamily="34" charset="0"/>
+              </a:rPr>
+              <a:t> 644</a:t>
+            </a:r>
+          </a:p>
+          <a:p>
+            <a:pPr algn="ctr"/>
+            <a:r>
+              <a:rPr lang="de-DE" sz="1050" dirty="0" smtClean="0">
+                <a:latin typeface="Segoe UI" panose="020B0502040204020203" pitchFamily="34" charset="0"/>
+                <a:cs typeface="Segoe UI" panose="020B0502040204020203" pitchFamily="34" charset="0"/>
+              </a:rPr>
+              <a:t>Low </a:t>
+            </a:r>
+            <a:r>
+              <a:rPr lang="de-DE" sz="1050" dirty="0" err="1" smtClean="0">
+                <a:latin typeface="Segoe UI" panose="020B0502040204020203" pitchFamily="34" charset="0"/>
+                <a:cs typeface="Segoe UI" panose="020B0502040204020203" pitchFamily="34" charset="0"/>
+              </a:rPr>
+              <a:t>level</a:t>
+            </a:r>
+            <a:r>
+              <a:rPr lang="de-DE" sz="1050" dirty="0" smtClean="0">
+                <a:latin typeface="Segoe UI" panose="020B0502040204020203" pitchFamily="34" charset="0"/>
+                <a:cs typeface="Segoe UI" panose="020B0502040204020203" pitchFamily="34" charset="0"/>
+              </a:rPr>
+              <a:t> C++</a:t>
+            </a:r>
+            <a:endParaRPr lang="de-DE" sz="1050" dirty="0">
+              <a:latin typeface="Segoe UI" panose="020B0502040204020203" pitchFamily="34" charset="0"/>
+              <a:cs typeface="Segoe UI" panose="020B0502040204020203" pitchFamily="34" charset="0"/>
+            </a:endParaRPr>
+          </a:p>
+        </p:txBody>
+      </p:sp>
+      <p:cxnSp>
+        <p:nvCxnSpPr>
+          <p:cNvPr id="11" name="Gerade Verbindung mit Pfeil 10"/>
+          <p:cNvCxnSpPr/>
+          <p:nvPr/>
+        </p:nvCxnSpPr>
+        <p:spPr>
+          <a:xfrm>
+            <a:off x="827584" y="4713914"/>
+            <a:ext cx="936104" cy="0"/>
+          </a:xfrm>
+          <a:prstGeom prst="straightConnector1">
+            <a:avLst/>
+          </a:prstGeom>
+          <a:ln>
+            <a:tailEnd type="triangle"/>
+          </a:ln>
+        </p:spPr>
+        <p:style>
+          <a:lnRef idx="1">
+            <a:schemeClr val="accent1"/>
+          </a:lnRef>
+          <a:fillRef idx="0">
+            <a:schemeClr val="accent1"/>
+          </a:fillRef>
+          <a:effectRef idx="0">
+            <a:schemeClr val="accent1"/>
+          </a:effectRef>
+          <a:fontRef idx="minor">
+            <a:schemeClr val="tx1"/>
+          </a:fontRef>
+        </p:style>
+      </p:cxnSp>
+      <p:cxnSp>
+        <p:nvCxnSpPr>
+          <p:cNvPr id="113" name="Gerade Verbindung mit Pfeil 112"/>
+          <p:cNvCxnSpPr/>
+          <p:nvPr/>
+        </p:nvCxnSpPr>
+        <p:spPr>
+          <a:xfrm flipV="1">
+            <a:off x="827584" y="4389277"/>
+            <a:ext cx="576065" cy="324638"/>
+          </a:xfrm>
+          <a:prstGeom prst="straightConnector1">
+            <a:avLst/>
+          </a:prstGeom>
+          <a:ln>
+            <a:tailEnd type="triangle"/>
+          </a:ln>
+        </p:spPr>
+        <p:style>
+          <a:lnRef idx="1">
+            <a:schemeClr val="accent1"/>
+          </a:lnRef>
+          <a:fillRef idx="0">
+            <a:schemeClr val="accent1"/>
+          </a:fillRef>
+          <a:effectRef idx="0">
+            <a:schemeClr val="accent1"/>
+          </a:effectRef>
+          <a:fontRef idx="minor">
+            <a:schemeClr val="tx1"/>
+          </a:fontRef>
+        </p:style>
+      </p:cxnSp>
+      <p:cxnSp>
+        <p:nvCxnSpPr>
+          <p:cNvPr id="114" name="Gerade Verbindung mit Pfeil 113"/>
+          <p:cNvCxnSpPr/>
+          <p:nvPr/>
+        </p:nvCxnSpPr>
+        <p:spPr>
+          <a:xfrm flipV="1">
+            <a:off x="827584" y="3946684"/>
+            <a:ext cx="0" cy="767230"/>
+          </a:xfrm>
+          <a:prstGeom prst="straightConnector1">
+            <a:avLst/>
+          </a:prstGeom>
+          <a:ln>
+            <a:tailEnd type="triangle"/>
+          </a:ln>
+        </p:spPr>
+        <p:style>
+          <a:lnRef idx="1">
+            <a:schemeClr val="accent1"/>
+          </a:lnRef>
+          <a:fillRef idx="0">
+            <a:schemeClr val="accent1"/>
+          </a:fillRef>
+          <a:effectRef idx="0">
+            <a:schemeClr val="accent1"/>
+          </a:effectRef>
+          <a:fontRef idx="minor">
+            <a:schemeClr val="tx1"/>
+          </a:fontRef>
+        </p:style>
+      </p:cxnSp>
+      <p:sp>
+        <p:nvSpPr>
+          <p:cNvPr id="20" name="Ellipse 19"/>
+          <p:cNvSpPr/>
+          <p:nvPr/>
+        </p:nvSpPr>
+        <p:spPr>
+          <a:xfrm>
+            <a:off x="1115616" y="4556371"/>
+            <a:ext cx="108012" cy="105029"/>
+          </a:xfrm>
+          <a:prstGeom prst="ellipse">
+            <a:avLst/>
+          </a:prstGeom>
+          <a:solidFill>
+            <a:schemeClr val="accent2"/>
+          </a:solidFill>
+          <a:ln>
+            <a:noFill/>
+          </a:ln>
+        </p:spPr>
+        <p:style>
+          <a:lnRef idx="2">
+            <a:schemeClr val="accent1">
+              <a:shade val="50000"/>
+            </a:schemeClr>
+          </a:lnRef>
+          <a:fillRef idx="1">
+            <a:schemeClr val="accent1"/>
+          </a:fillRef>
+          <a:effectRef idx="0">
+            <a:schemeClr val="accent1"/>
+          </a:effectRef>
+          <a:fontRef idx="minor">
+            <a:schemeClr val="lt1"/>
+          </a:fontRef>
+        </p:style>
+        <p:txBody>
+          <a:bodyPr rtlCol="0" anchor="ctr"/>
+          <a:lstStyle/>
+          <a:p>
+            <a:pPr algn="ctr"/>
+            <a:endParaRPr lang="de-DE"/>
+          </a:p>
+        </p:txBody>
+      </p:sp>
+      <p:sp>
+        <p:nvSpPr>
+          <p:cNvPr id="118" name="Ellipse 117"/>
+          <p:cNvSpPr/>
+          <p:nvPr/>
+        </p:nvSpPr>
+        <p:spPr>
+          <a:xfrm>
+            <a:off x="1695163" y="4358394"/>
+            <a:ext cx="108012" cy="105029"/>
+          </a:xfrm>
+          <a:prstGeom prst="ellipse">
+            <a:avLst/>
+          </a:prstGeom>
+          <a:solidFill>
+            <a:schemeClr val="accent2"/>
+          </a:solidFill>
+          <a:ln>
+            <a:noFill/>
+          </a:ln>
+        </p:spPr>
+        <p:style>
+          <a:lnRef idx="2">
+            <a:schemeClr val="accent1">
+              <a:shade val="50000"/>
+            </a:schemeClr>
+          </a:lnRef>
+          <a:fillRef idx="1">
+            <a:schemeClr val="accent1"/>
+          </a:fillRef>
+          <a:effectRef idx="0">
+            <a:schemeClr val="accent1"/>
+          </a:effectRef>
+          <a:fontRef idx="minor">
+            <a:schemeClr val="lt1"/>
+          </a:fontRef>
+        </p:style>
+        <p:txBody>
+          <a:bodyPr rtlCol="0" anchor="ctr"/>
+          <a:lstStyle/>
+          <a:p>
+            <a:pPr algn="ctr"/>
+            <a:endParaRPr lang="de-DE"/>
+          </a:p>
+        </p:txBody>
+      </p:sp>
+      <p:sp>
+        <p:nvSpPr>
+          <p:cNvPr id="119" name="Ellipse 118"/>
+          <p:cNvSpPr/>
+          <p:nvPr/>
+        </p:nvSpPr>
+        <p:spPr>
+          <a:xfrm>
+            <a:off x="1385647" y="4179213"/>
+            <a:ext cx="108012" cy="105029"/>
+          </a:xfrm>
+          <a:prstGeom prst="ellipse">
+            <a:avLst/>
+          </a:prstGeom>
+          <a:solidFill>
+            <a:schemeClr val="accent2"/>
+          </a:solidFill>
+          <a:ln>
+            <a:noFill/>
+          </a:ln>
+        </p:spPr>
+        <p:style>
+          <a:lnRef idx="2">
+            <a:schemeClr val="accent1">
+              <a:shade val="50000"/>
+            </a:schemeClr>
+          </a:lnRef>
+          <a:fillRef idx="1">
+            <a:schemeClr val="accent1"/>
+          </a:fillRef>
+          <a:effectRef idx="0">
+            <a:schemeClr val="accent1"/>
+          </a:effectRef>
+          <a:fontRef idx="minor">
+            <a:schemeClr val="lt1"/>
+          </a:fontRef>
+        </p:style>
+        <p:txBody>
+          <a:bodyPr rtlCol="0" anchor="ctr"/>
+          <a:lstStyle/>
+          <a:p>
+            <a:pPr algn="ctr"/>
+            <a:endParaRPr lang="de-DE"/>
+          </a:p>
+        </p:txBody>
+      </p:sp>
+      <p:sp>
+        <p:nvSpPr>
+          <p:cNvPr id="120" name="Ellipse 119"/>
+          <p:cNvSpPr/>
+          <p:nvPr/>
+        </p:nvSpPr>
+        <p:spPr>
+          <a:xfrm>
+            <a:off x="975084" y="4289450"/>
+            <a:ext cx="108012" cy="105029"/>
+          </a:xfrm>
+          <a:prstGeom prst="ellipse">
+            <a:avLst/>
+          </a:prstGeom>
+          <a:solidFill>
+            <a:schemeClr val="accent2"/>
+          </a:solidFill>
+          <a:ln>
+            <a:noFill/>
+          </a:ln>
+        </p:spPr>
+        <p:style>
+          <a:lnRef idx="2">
+            <a:schemeClr val="accent1">
+              <a:shade val="50000"/>
+            </a:schemeClr>
+          </a:lnRef>
+          <a:fillRef idx="1">
+            <a:schemeClr val="accent1"/>
+          </a:fillRef>
+          <a:effectRef idx="0">
+            <a:schemeClr val="accent1"/>
+          </a:effectRef>
+          <a:fontRef idx="minor">
+            <a:schemeClr val="lt1"/>
+          </a:fontRef>
+        </p:style>
+        <p:txBody>
+          <a:bodyPr rtlCol="0" anchor="ctr"/>
+          <a:lstStyle/>
+          <a:p>
+            <a:pPr algn="ctr"/>
+            <a:endParaRPr lang="de-DE"/>
+          </a:p>
+        </p:txBody>
+      </p:sp>
+      <p:cxnSp>
+        <p:nvCxnSpPr>
+          <p:cNvPr id="122" name="Gerade Verbindung mit Pfeil 121"/>
+          <p:cNvCxnSpPr/>
+          <p:nvPr/>
+        </p:nvCxnSpPr>
+        <p:spPr>
+          <a:xfrm>
+            <a:off x="3085821" y="4665526"/>
+            <a:ext cx="936104" cy="0"/>
+          </a:xfrm>
+          <a:prstGeom prst="straightConnector1">
+            <a:avLst/>
+          </a:prstGeom>
+          <a:ln>
+            <a:tailEnd type="triangle"/>
+          </a:ln>
+        </p:spPr>
+        <p:style>
+          <a:lnRef idx="1">
+            <a:schemeClr val="accent1"/>
+          </a:lnRef>
+          <a:fillRef idx="0">
+            <a:schemeClr val="accent1"/>
+          </a:fillRef>
+          <a:effectRef idx="0">
+            <a:schemeClr val="accent1"/>
+          </a:effectRef>
+          <a:fontRef idx="minor">
+            <a:schemeClr val="tx1"/>
+          </a:fontRef>
+        </p:style>
+      </p:cxnSp>
+      <p:cxnSp>
+        <p:nvCxnSpPr>
+          <p:cNvPr id="123" name="Gerade Verbindung mit Pfeil 122"/>
+          <p:cNvCxnSpPr/>
+          <p:nvPr/>
+        </p:nvCxnSpPr>
+        <p:spPr>
+          <a:xfrm flipV="1">
+            <a:off x="3085821" y="4340889"/>
+            <a:ext cx="576065" cy="324638"/>
+          </a:xfrm>
+          <a:prstGeom prst="straightConnector1">
+            <a:avLst/>
+          </a:prstGeom>
+          <a:ln>
+            <a:tailEnd type="triangle"/>
+          </a:ln>
+        </p:spPr>
+        <p:style>
+          <a:lnRef idx="1">
+            <a:schemeClr val="accent1"/>
+          </a:lnRef>
+          <a:fillRef idx="0">
+            <a:schemeClr val="accent1"/>
+          </a:fillRef>
+          <a:effectRef idx="0">
+            <a:schemeClr val="accent1"/>
+          </a:effectRef>
+          <a:fontRef idx="minor">
+            <a:schemeClr val="tx1"/>
+          </a:fontRef>
+        </p:style>
+      </p:cxnSp>
+      <p:cxnSp>
+        <p:nvCxnSpPr>
+          <p:cNvPr id="124" name="Gerade Verbindung mit Pfeil 123"/>
+          <p:cNvCxnSpPr/>
+          <p:nvPr/>
+        </p:nvCxnSpPr>
+        <p:spPr>
+          <a:xfrm flipV="1">
+            <a:off x="3085821" y="3898296"/>
+            <a:ext cx="0" cy="767230"/>
+          </a:xfrm>
+          <a:prstGeom prst="straightConnector1">
+            <a:avLst/>
+          </a:prstGeom>
+          <a:ln>
+            <a:tailEnd type="triangle"/>
+          </a:ln>
+        </p:spPr>
+        <p:style>
+          <a:lnRef idx="1">
+            <a:schemeClr val="accent1"/>
+          </a:lnRef>
+          <a:fillRef idx="0">
+            <a:schemeClr val="accent1"/>
+          </a:fillRef>
+          <a:effectRef idx="0">
+            <a:schemeClr val="accent1"/>
+          </a:effectRef>
+          <a:fontRef idx="minor">
+            <a:schemeClr val="tx1"/>
+          </a:fontRef>
+        </p:style>
+      </p:cxnSp>
+      <p:sp>
+        <p:nvSpPr>
+          <p:cNvPr id="125" name="Freihandform 124"/>
+          <p:cNvSpPr/>
+          <p:nvPr/>
+        </p:nvSpPr>
+        <p:spPr>
+          <a:xfrm>
+            <a:off x="3275856" y="4130826"/>
+            <a:ext cx="719741" cy="420126"/>
+          </a:xfrm>
+          <a:custGeom>
+            <a:avLst/>
+            <a:gdLst>
+              <a:gd name="connsiteX0" fmla="*/ 148241 w 719741"/>
+              <a:gd name="connsiteY0" fmla="*/ 420126 h 420126"/>
+              <a:gd name="connsiteX1" fmla="*/ 3461 w 719741"/>
+              <a:gd name="connsiteY1" fmla="*/ 145806 h 420126"/>
+              <a:gd name="connsiteX2" fmla="*/ 277781 w 719741"/>
+              <a:gd name="connsiteY2" fmla="*/ 1026 h 420126"/>
+              <a:gd name="connsiteX3" fmla="*/ 719741 w 719741"/>
+              <a:gd name="connsiteY3" fmla="*/ 214386 h 420126"/>
+            </a:gdLst>
+            <a:ahLst/>
+            <a:cxnLst>
+              <a:cxn ang="0">
+                <a:pos x="connsiteX0" y="connsiteY0"/>
+              </a:cxn>
+              <a:cxn ang="0">
+                <a:pos x="connsiteX1" y="connsiteY1"/>
+              </a:cxn>
+              <a:cxn ang="0">
+                <a:pos x="connsiteX2" y="connsiteY2"/>
+              </a:cxn>
+              <a:cxn ang="0">
+                <a:pos x="connsiteX3" y="connsiteY3"/>
+              </a:cxn>
+            </a:cxnLst>
+            <a:rect l="l" t="t" r="r" b="b"/>
+            <a:pathLst>
+              <a:path w="719741" h="420126">
+                <a:moveTo>
+                  <a:pt x="148241" y="420126"/>
+                </a:moveTo>
+                <a:cubicBezTo>
+                  <a:pt x="65056" y="317891"/>
+                  <a:pt x="-18129" y="215656"/>
+                  <a:pt x="3461" y="145806"/>
+                </a:cubicBezTo>
+                <a:cubicBezTo>
+                  <a:pt x="25051" y="75956"/>
+                  <a:pt x="158401" y="-10404"/>
+                  <a:pt x="277781" y="1026"/>
+                </a:cubicBezTo>
+                <a:cubicBezTo>
+                  <a:pt x="397161" y="12456"/>
+                  <a:pt x="558451" y="113421"/>
+                  <a:pt x="719741" y="214386"/>
+                </a:cubicBezTo>
+              </a:path>
+            </a:pathLst>
+          </a:custGeom>
+          <a:noFill/>
+        </p:spPr>
+        <p:style>
+          <a:lnRef idx="2">
+            <a:schemeClr val="accent1">
+              <a:shade val="50000"/>
+            </a:schemeClr>
+          </a:lnRef>
+          <a:fillRef idx="1">
+            <a:schemeClr val="accent1"/>
+          </a:fillRef>
+          <a:effectRef idx="0">
+            <a:schemeClr val="accent1"/>
+          </a:effectRef>
+          <a:fontRef idx="minor">
+            <a:schemeClr val="lt1"/>
+          </a:fontRef>
+        </p:style>
+        <p:txBody>
+          <a:bodyPr rtlCol="0" anchor="ctr"/>
+          <a:lstStyle/>
+          <a:p>
+            <a:pPr algn="ctr"/>
+            <a:endParaRPr lang="de-DE"/>
+          </a:p>
+        </p:txBody>
+      </p:sp>
+      <p:sp>
+        <p:nvSpPr>
+          <p:cNvPr id="126" name="Ellipse 125"/>
+          <p:cNvSpPr/>
+          <p:nvPr/>
+        </p:nvSpPr>
+        <p:spPr>
+          <a:xfrm>
+            <a:off x="3373853" y="4507983"/>
+            <a:ext cx="108012" cy="105029"/>
+          </a:xfrm>
+          <a:prstGeom prst="ellipse">
+            <a:avLst/>
+          </a:prstGeom>
+          <a:solidFill>
+            <a:schemeClr val="accent2"/>
+          </a:solidFill>
+          <a:ln>
+            <a:noFill/>
+          </a:ln>
+        </p:spPr>
+        <p:style>
+          <a:lnRef idx="2">
+            <a:schemeClr val="accent1">
+              <a:shade val="50000"/>
+            </a:schemeClr>
+          </a:lnRef>
+          <a:fillRef idx="1">
+            <a:schemeClr val="accent1"/>
+          </a:fillRef>
+          <a:effectRef idx="0">
+            <a:schemeClr val="accent1"/>
+          </a:effectRef>
+          <a:fontRef idx="minor">
+            <a:schemeClr val="lt1"/>
+          </a:fontRef>
+        </p:style>
+        <p:txBody>
+          <a:bodyPr rtlCol="0" anchor="ctr"/>
+          <a:lstStyle/>
+          <a:p>
+            <a:pPr algn="ctr"/>
+            <a:endParaRPr lang="de-DE"/>
+          </a:p>
+        </p:txBody>
+      </p:sp>
+      <p:sp>
+        <p:nvSpPr>
+          <p:cNvPr id="127" name="Ellipse 126"/>
+          <p:cNvSpPr/>
+          <p:nvPr/>
+        </p:nvSpPr>
+        <p:spPr>
+          <a:xfrm>
+            <a:off x="3953400" y="4310006"/>
+            <a:ext cx="108012" cy="105029"/>
+          </a:xfrm>
+          <a:prstGeom prst="ellipse">
+            <a:avLst/>
+          </a:prstGeom>
+          <a:solidFill>
+            <a:schemeClr val="accent2"/>
+          </a:solidFill>
+          <a:ln>
+            <a:noFill/>
+          </a:ln>
+        </p:spPr>
+        <p:style>
+          <a:lnRef idx="2">
+            <a:schemeClr val="accent1">
+              <a:shade val="50000"/>
+            </a:schemeClr>
+          </a:lnRef>
+          <a:fillRef idx="1">
+            <a:schemeClr val="accent1"/>
+          </a:fillRef>
+          <a:effectRef idx="0">
+            <a:schemeClr val="accent1"/>
+          </a:effectRef>
+          <a:fontRef idx="minor">
+            <a:schemeClr val="lt1"/>
+          </a:fontRef>
+        </p:style>
+        <p:txBody>
+          <a:bodyPr rtlCol="0" anchor="ctr"/>
+          <a:lstStyle/>
+          <a:p>
+            <a:pPr algn="ctr"/>
+            <a:endParaRPr lang="de-DE"/>
+          </a:p>
+        </p:txBody>
+      </p:sp>
+      <p:sp>
+        <p:nvSpPr>
+          <p:cNvPr id="128" name="Ellipse 127"/>
+          <p:cNvSpPr/>
+          <p:nvPr/>
+        </p:nvSpPr>
+        <p:spPr>
+          <a:xfrm>
+            <a:off x="3643884" y="4130825"/>
+            <a:ext cx="108012" cy="105029"/>
+          </a:xfrm>
+          <a:prstGeom prst="ellipse">
+            <a:avLst/>
+          </a:prstGeom>
+          <a:solidFill>
+            <a:schemeClr val="accent2"/>
+          </a:solidFill>
+          <a:ln>
+            <a:noFill/>
+          </a:ln>
+        </p:spPr>
+        <p:style>
+          <a:lnRef idx="2">
+            <a:schemeClr val="accent1">
+              <a:shade val="50000"/>
+            </a:schemeClr>
+          </a:lnRef>
+          <a:fillRef idx="1">
+            <a:schemeClr val="accent1"/>
+          </a:fillRef>
+          <a:effectRef idx="0">
+            <a:schemeClr val="accent1"/>
+          </a:effectRef>
+          <a:fontRef idx="minor">
+            <a:schemeClr val="lt1"/>
+          </a:fontRef>
+        </p:style>
+        <p:txBody>
+          <a:bodyPr rtlCol="0" anchor="ctr"/>
+          <a:lstStyle/>
+          <a:p>
+            <a:pPr algn="ctr"/>
+            <a:endParaRPr lang="de-DE"/>
+          </a:p>
+        </p:txBody>
+      </p:sp>
+      <p:sp>
+        <p:nvSpPr>
+          <p:cNvPr id="130" name="Ellipse 129"/>
+          <p:cNvSpPr/>
+          <p:nvPr/>
+        </p:nvSpPr>
+        <p:spPr>
+          <a:xfrm>
+            <a:off x="3233321" y="4241062"/>
+            <a:ext cx="108012" cy="105029"/>
+          </a:xfrm>
+          <a:prstGeom prst="ellipse">
+            <a:avLst/>
+          </a:prstGeom>
+          <a:solidFill>
+            <a:schemeClr val="accent2"/>
+          </a:solidFill>
+          <a:ln>
+            <a:noFill/>
+          </a:ln>
+        </p:spPr>
+        <p:style>
+          <a:lnRef idx="2">
+            <a:schemeClr val="accent1">
+              <a:shade val="50000"/>
+            </a:schemeClr>
+          </a:lnRef>
+          <a:fillRef idx="1">
+            <a:schemeClr val="accent1"/>
+          </a:fillRef>
+          <a:effectRef idx="0">
+            <a:schemeClr val="accent1"/>
+          </a:effectRef>
+          <a:fontRef idx="minor">
+            <a:schemeClr val="lt1"/>
+          </a:fontRef>
+        </p:style>
+        <p:txBody>
+          <a:bodyPr rtlCol="0" anchor="ctr"/>
+          <a:lstStyle/>
+          <a:p>
+            <a:pPr algn="ctr"/>
+            <a:endParaRPr lang="de-DE"/>
+          </a:p>
+        </p:txBody>
+      </p:sp>
+      <p:sp>
+        <p:nvSpPr>
+          <p:cNvPr id="131" name="Ellipse 130"/>
+          <p:cNvSpPr/>
+          <p:nvPr/>
+        </p:nvSpPr>
+        <p:spPr>
+          <a:xfrm>
+            <a:off x="3292376" y="4157089"/>
+            <a:ext cx="108012" cy="105029"/>
+          </a:xfrm>
+          <a:prstGeom prst="ellipse">
+            <a:avLst/>
+          </a:prstGeom>
+          <a:solidFill>
+            <a:schemeClr val="accent2"/>
+          </a:solidFill>
+          <a:ln>
+            <a:noFill/>
+          </a:ln>
+        </p:spPr>
+        <p:style>
+          <a:lnRef idx="2">
+            <a:schemeClr val="accent1">
+              <a:shade val="50000"/>
+            </a:schemeClr>
+          </a:lnRef>
+          <a:fillRef idx="1">
+            <a:schemeClr val="accent1"/>
+          </a:fillRef>
+          <a:effectRef idx="0">
+            <a:schemeClr val="accent1"/>
+          </a:effectRef>
+          <a:fontRef idx="minor">
+            <a:schemeClr val="lt1"/>
+          </a:fontRef>
+        </p:style>
+        <p:txBody>
+          <a:bodyPr rtlCol="0" anchor="ctr"/>
+          <a:lstStyle/>
+          <a:p>
+            <a:pPr algn="ctr"/>
+            <a:endParaRPr lang="de-DE"/>
+          </a:p>
+        </p:txBody>
+      </p:sp>
+      <p:sp>
+        <p:nvSpPr>
+          <p:cNvPr id="134" name="Ellipse 133"/>
+          <p:cNvSpPr/>
+          <p:nvPr/>
+        </p:nvSpPr>
+        <p:spPr>
+          <a:xfrm>
+            <a:off x="3388917" y="4105203"/>
+            <a:ext cx="108012" cy="105029"/>
+          </a:xfrm>
+          <a:prstGeom prst="ellipse">
+            <a:avLst/>
+          </a:prstGeom>
+          <a:solidFill>
+            <a:schemeClr val="accent2"/>
+          </a:solidFill>
+          <a:ln>
+            <a:noFill/>
+          </a:ln>
+        </p:spPr>
+        <p:style>
+          <a:lnRef idx="2">
+            <a:schemeClr val="accent1">
+              <a:shade val="50000"/>
+            </a:schemeClr>
+          </a:lnRef>
+          <a:fillRef idx="1">
+            <a:schemeClr val="accent1"/>
+          </a:fillRef>
+          <a:effectRef idx="0">
+            <a:schemeClr val="accent1"/>
+          </a:effectRef>
+          <a:fontRef idx="minor">
+            <a:schemeClr val="lt1"/>
+          </a:fontRef>
+        </p:style>
+        <p:txBody>
+          <a:bodyPr rtlCol="0" anchor="ctr"/>
+          <a:lstStyle/>
+          <a:p>
+            <a:pPr algn="ctr"/>
+            <a:endParaRPr lang="de-DE"/>
+          </a:p>
+        </p:txBody>
+      </p:sp>
+      <p:sp>
+        <p:nvSpPr>
+          <p:cNvPr id="135" name="Ellipse 134"/>
+          <p:cNvSpPr/>
+          <p:nvPr/>
+        </p:nvSpPr>
+        <p:spPr>
+          <a:xfrm>
+            <a:off x="3503778" y="4094640"/>
+            <a:ext cx="108012" cy="105029"/>
+          </a:xfrm>
+          <a:prstGeom prst="ellipse">
+            <a:avLst/>
+          </a:prstGeom>
+          <a:solidFill>
+            <a:schemeClr val="accent2"/>
+          </a:solidFill>
+          <a:ln>
+            <a:noFill/>
+          </a:ln>
+        </p:spPr>
+        <p:style>
+          <a:lnRef idx="2">
+            <a:schemeClr val="accent1">
+              <a:shade val="50000"/>
+            </a:schemeClr>
+          </a:lnRef>
+          <a:fillRef idx="1">
+            <a:schemeClr val="accent1"/>
+          </a:fillRef>
+          <a:effectRef idx="0">
+            <a:schemeClr val="accent1"/>
+          </a:effectRef>
+          <a:fontRef idx="minor">
+            <a:schemeClr val="lt1"/>
+          </a:fontRef>
+        </p:style>
+        <p:txBody>
+          <a:bodyPr rtlCol="0" anchor="ctr"/>
+          <a:lstStyle/>
+          <a:p>
+            <a:pPr algn="ctr"/>
+            <a:endParaRPr lang="de-DE"/>
+          </a:p>
+        </p:txBody>
+      </p:sp>
+      <p:sp>
+        <p:nvSpPr>
+          <p:cNvPr id="137" name="Ellipse 136"/>
+          <p:cNvSpPr/>
+          <p:nvPr/>
+        </p:nvSpPr>
+        <p:spPr>
+          <a:xfrm>
+            <a:off x="3751493" y="4176882"/>
+            <a:ext cx="108012" cy="105029"/>
+          </a:xfrm>
+          <a:prstGeom prst="ellipse">
+            <a:avLst/>
+          </a:prstGeom>
+          <a:solidFill>
+            <a:schemeClr val="accent2"/>
+          </a:solidFill>
+          <a:ln>
+            <a:noFill/>
+          </a:ln>
+        </p:spPr>
+        <p:style>
+          <a:lnRef idx="2">
+            <a:schemeClr val="accent1">
+              <a:shade val="50000"/>
+            </a:schemeClr>
+          </a:lnRef>
+          <a:fillRef idx="1">
+            <a:schemeClr val="accent1"/>
+          </a:fillRef>
+          <a:effectRef idx="0">
+            <a:schemeClr val="accent1"/>
+          </a:effectRef>
+          <a:fontRef idx="minor">
+            <a:schemeClr val="lt1"/>
+          </a:fontRef>
+        </p:style>
+        <p:txBody>
+          <a:bodyPr rtlCol="0" anchor="ctr"/>
+          <a:lstStyle/>
+          <a:p>
+            <a:pPr algn="ctr"/>
+            <a:endParaRPr lang="de-DE"/>
+          </a:p>
+        </p:txBody>
+      </p:sp>
+      <p:sp>
+        <p:nvSpPr>
+          <p:cNvPr id="138" name="Ellipse 137"/>
+          <p:cNvSpPr/>
+          <p:nvPr/>
+        </p:nvSpPr>
+        <p:spPr>
+          <a:xfrm>
+            <a:off x="3847327" y="4232693"/>
+            <a:ext cx="108012" cy="105029"/>
+          </a:xfrm>
+          <a:prstGeom prst="ellipse">
+            <a:avLst/>
+          </a:prstGeom>
+          <a:solidFill>
+            <a:schemeClr val="accent2"/>
+          </a:solidFill>
+          <a:ln>
+            <a:noFill/>
+          </a:ln>
+        </p:spPr>
+        <p:style>
+          <a:lnRef idx="2">
+            <a:schemeClr val="accent1">
+              <a:shade val="50000"/>
+            </a:schemeClr>
+          </a:lnRef>
+          <a:fillRef idx="1">
+            <a:schemeClr val="accent1"/>
+          </a:fillRef>
+          <a:effectRef idx="0">
+            <a:schemeClr val="accent1"/>
+          </a:effectRef>
+          <a:fontRef idx="minor">
+            <a:schemeClr val="lt1"/>
+          </a:fontRef>
+        </p:style>
+        <p:txBody>
+          <a:bodyPr rtlCol="0" anchor="ctr"/>
+          <a:lstStyle/>
+          <a:p>
+            <a:pPr algn="ctr"/>
+            <a:endParaRPr lang="de-DE"/>
+          </a:p>
+        </p:txBody>
+      </p:sp>
+      <p:sp>
+        <p:nvSpPr>
+          <p:cNvPr id="140" name="Ellipse 139"/>
+          <p:cNvSpPr/>
+          <p:nvPr/>
+        </p:nvSpPr>
+        <p:spPr>
+          <a:xfrm>
+            <a:off x="3240794" y="4340889"/>
+            <a:ext cx="108012" cy="105029"/>
+          </a:xfrm>
+          <a:prstGeom prst="ellipse">
+            <a:avLst/>
+          </a:prstGeom>
+          <a:solidFill>
+            <a:schemeClr val="accent2"/>
+          </a:solidFill>
+          <a:ln>
+            <a:noFill/>
+          </a:ln>
+        </p:spPr>
+        <p:style>
+          <a:lnRef idx="2">
+            <a:schemeClr val="accent1">
+              <a:shade val="50000"/>
+            </a:schemeClr>
+          </a:lnRef>
+          <a:fillRef idx="1">
+            <a:schemeClr val="accent1"/>
+          </a:fillRef>
+          <a:effectRef idx="0">
+            <a:schemeClr val="accent1"/>
+          </a:effectRef>
+          <a:fontRef idx="minor">
+            <a:schemeClr val="lt1"/>
+          </a:fontRef>
+        </p:style>
+        <p:txBody>
+          <a:bodyPr rtlCol="0" anchor="ctr"/>
+          <a:lstStyle/>
+          <a:p>
+            <a:pPr algn="ctr"/>
+            <a:endParaRPr lang="de-DE"/>
+          </a:p>
+        </p:txBody>
+      </p:sp>
+      <p:sp>
+        <p:nvSpPr>
+          <p:cNvPr id="141" name="Ellipse 140"/>
+          <p:cNvSpPr/>
+          <p:nvPr/>
+        </p:nvSpPr>
+        <p:spPr>
+          <a:xfrm>
+            <a:off x="3305299" y="4417139"/>
+            <a:ext cx="108012" cy="105029"/>
+          </a:xfrm>
+          <a:prstGeom prst="ellipse">
+            <a:avLst/>
+          </a:prstGeom>
+          <a:solidFill>
+            <a:schemeClr val="accent2"/>
+          </a:solidFill>
+          <a:ln>
+            <a:noFill/>
+          </a:ln>
+        </p:spPr>
+        <p:style>
+          <a:lnRef idx="2">
+            <a:schemeClr val="accent1">
+              <a:shade val="50000"/>
+            </a:schemeClr>
+          </a:lnRef>
+          <a:fillRef idx="1">
+            <a:schemeClr val="accent1"/>
+          </a:fillRef>
+          <a:effectRef idx="0">
+            <a:schemeClr val="accent1"/>
+          </a:effectRef>
+          <a:fontRef idx="minor">
+            <a:schemeClr val="lt1"/>
+          </a:fontRef>
+        </p:style>
+        <p:txBody>
+          <a:bodyPr rtlCol="0" anchor="ctr"/>
+          <a:lstStyle/>
+          <a:p>
+            <a:pPr algn="ctr"/>
+            <a:endParaRPr lang="de-DE"/>
+          </a:p>
+        </p:txBody>
+      </p:sp>
+      <p:sp>
+        <p:nvSpPr>
+          <p:cNvPr id="22" name="Textfeld 21"/>
+          <p:cNvSpPr txBox="1"/>
+          <p:nvPr/>
+        </p:nvSpPr>
+        <p:spPr>
+          <a:xfrm>
+            <a:off x="676251" y="4981909"/>
+            <a:ext cx="1296143" cy="400110"/>
+          </a:xfrm>
+          <a:prstGeom prst="rect">
+            <a:avLst/>
+          </a:prstGeom>
+          <a:noFill/>
+        </p:spPr>
+        <p:txBody>
+          <a:bodyPr wrap="square" rtlCol="0">
+            <a:spAutoFit/>
+          </a:bodyPr>
+          <a:lstStyle/>
+          <a:p>
+            <a:r>
+              <a:rPr lang="de-DE" sz="1000" dirty="0" err="1" smtClean="0"/>
+              <a:t>Define</a:t>
+            </a:r>
+            <a:r>
+              <a:rPr lang="de-DE" sz="1000" dirty="0" smtClean="0"/>
+              <a:t> </a:t>
+            </a:r>
+            <a:r>
+              <a:rPr lang="de-DE" sz="1000" dirty="0" err="1" smtClean="0"/>
+              <a:t>trajectory</a:t>
+            </a:r>
+            <a:r>
+              <a:rPr lang="de-DE" sz="1000" dirty="0" smtClean="0"/>
+              <a:t> </a:t>
+            </a:r>
+            <a:r>
+              <a:rPr lang="de-DE" sz="1000" dirty="0" err="1" smtClean="0"/>
+              <a:t>with</a:t>
+            </a:r>
+            <a:r>
+              <a:rPr lang="de-DE" sz="1000" dirty="0" smtClean="0"/>
+              <a:t> </a:t>
+            </a:r>
+            <a:r>
+              <a:rPr lang="de-DE" sz="1000" dirty="0" err="1" smtClean="0"/>
+              <a:t>support</a:t>
+            </a:r>
+            <a:r>
+              <a:rPr lang="de-DE" sz="1000" dirty="0" smtClean="0"/>
+              <a:t> </a:t>
+            </a:r>
+            <a:r>
+              <a:rPr lang="de-DE" sz="1000" dirty="0" err="1" smtClean="0"/>
+              <a:t>points</a:t>
+            </a:r>
+            <a:endParaRPr lang="de-DE" sz="1000" dirty="0"/>
+          </a:p>
+        </p:txBody>
+      </p:sp>
+      <p:sp>
+        <p:nvSpPr>
+          <p:cNvPr id="142" name="Textfeld 141"/>
+          <p:cNvSpPr txBox="1"/>
+          <p:nvPr/>
+        </p:nvSpPr>
+        <p:spPr>
+          <a:xfrm>
+            <a:off x="1905166" y="2875956"/>
+            <a:ext cx="1022363" cy="553998"/>
+          </a:xfrm>
+          <a:prstGeom prst="rect">
+            <a:avLst/>
+          </a:prstGeom>
+          <a:noFill/>
+        </p:spPr>
+        <p:txBody>
+          <a:bodyPr wrap="square" rtlCol="0">
+            <a:spAutoFit/>
+          </a:bodyPr>
+          <a:lstStyle/>
+          <a:p>
+            <a:r>
+              <a:rPr lang="de-DE" sz="1000" dirty="0" smtClean="0"/>
+              <a:t>Send </a:t>
+            </a:r>
+            <a:r>
+              <a:rPr lang="de-DE" sz="1000" dirty="0" err="1" smtClean="0"/>
+              <a:t>full</a:t>
+            </a:r>
+            <a:r>
+              <a:rPr lang="de-DE" sz="1000" dirty="0" smtClean="0"/>
+              <a:t> </a:t>
+            </a:r>
+            <a:r>
+              <a:rPr lang="de-DE" sz="1000" dirty="0" err="1" smtClean="0"/>
+              <a:t>trajectory</a:t>
+            </a:r>
+            <a:r>
+              <a:rPr lang="de-DE" sz="1000" dirty="0" smtClean="0"/>
+              <a:t> </a:t>
+            </a:r>
+            <a:r>
+              <a:rPr lang="de-DE" sz="1000" dirty="0" err="1" smtClean="0"/>
+              <a:t>of</a:t>
+            </a:r>
+            <a:r>
+              <a:rPr lang="de-DE" sz="1000" dirty="0" smtClean="0"/>
+              <a:t> </a:t>
+            </a:r>
+            <a:r>
+              <a:rPr lang="de-DE" sz="1000" dirty="0" err="1" smtClean="0"/>
+              <a:t>support</a:t>
+            </a:r>
+            <a:r>
+              <a:rPr lang="de-DE" sz="1000" dirty="0" smtClean="0"/>
+              <a:t> </a:t>
+            </a:r>
+            <a:r>
+              <a:rPr lang="de-DE" sz="1000" dirty="0" err="1" smtClean="0"/>
+              <a:t>points</a:t>
+            </a:r>
+            <a:endParaRPr lang="de-DE" sz="1000" dirty="0"/>
+          </a:p>
+        </p:txBody>
+      </p:sp>
+      <p:cxnSp>
+        <p:nvCxnSpPr>
+          <p:cNvPr id="24" name="Gerade Verbindung mit Pfeil 23"/>
+          <p:cNvCxnSpPr>
+            <a:stCxn id="210" idx="3"/>
+            <a:endCxn id="151" idx="1"/>
+          </p:cNvCxnSpPr>
+          <p:nvPr/>
+        </p:nvCxnSpPr>
+        <p:spPr>
+          <a:xfrm>
+            <a:off x="1864383" y="2858749"/>
+            <a:ext cx="1119690" cy="0"/>
+          </a:xfrm>
+          <a:prstGeom prst="straightConnector1">
+            <a:avLst/>
+          </a:prstGeom>
+          <a:ln>
+            <a:tailEnd type="triangle"/>
+          </a:ln>
+        </p:spPr>
+        <p:style>
+          <a:lnRef idx="1">
+            <a:schemeClr val="accent1"/>
+          </a:lnRef>
+          <a:fillRef idx="0">
+            <a:schemeClr val="accent1"/>
+          </a:fillRef>
+          <a:effectRef idx="0">
+            <a:schemeClr val="accent1"/>
+          </a:effectRef>
+          <a:fontRef idx="minor">
+            <a:schemeClr val="tx1"/>
+          </a:fontRef>
+        </p:style>
+      </p:cxnSp>
+      <p:sp>
+        <p:nvSpPr>
+          <p:cNvPr id="143" name="Textfeld 142"/>
+          <p:cNvSpPr txBox="1"/>
+          <p:nvPr/>
+        </p:nvSpPr>
+        <p:spPr>
+          <a:xfrm>
+            <a:off x="3085821" y="4934014"/>
+            <a:ext cx="1133941" cy="707886"/>
+          </a:xfrm>
+          <a:prstGeom prst="rect">
+            <a:avLst/>
+          </a:prstGeom>
+          <a:noFill/>
+        </p:spPr>
+        <p:txBody>
+          <a:bodyPr wrap="square" rtlCol="0">
+            <a:spAutoFit/>
+          </a:bodyPr>
+          <a:lstStyle/>
+          <a:p>
+            <a:r>
+              <a:rPr lang="de-DE" sz="1000" dirty="0" err="1" smtClean="0"/>
+              <a:t>Interpolate</a:t>
+            </a:r>
+            <a:r>
+              <a:rPr lang="de-DE" sz="1000" dirty="0" smtClean="0"/>
+              <a:t> </a:t>
+            </a:r>
+            <a:r>
+              <a:rPr lang="de-DE" sz="1000" dirty="0" err="1" smtClean="0"/>
+              <a:t>curve</a:t>
+            </a:r>
+            <a:r>
+              <a:rPr lang="de-DE" sz="1000" dirty="0" smtClean="0"/>
+              <a:t> via </a:t>
+            </a:r>
+            <a:r>
+              <a:rPr lang="de-DE" sz="1000" dirty="0" err="1" smtClean="0"/>
+              <a:t>bezier</a:t>
+            </a:r>
+            <a:r>
+              <a:rPr lang="de-DE" sz="1000" dirty="0" smtClean="0"/>
+              <a:t> </a:t>
+            </a:r>
+            <a:r>
+              <a:rPr lang="de-DE" sz="1000" dirty="0" err="1" smtClean="0"/>
+              <a:t>curve</a:t>
+            </a:r>
+            <a:r>
+              <a:rPr lang="de-DE" sz="1000" dirty="0" smtClean="0"/>
+              <a:t> </a:t>
+            </a:r>
+            <a:r>
+              <a:rPr lang="de-DE" sz="1000" dirty="0" err="1" smtClean="0"/>
+              <a:t>and</a:t>
+            </a:r>
+            <a:r>
+              <a:rPr lang="de-DE" sz="1000" dirty="0" smtClean="0"/>
+              <a:t> </a:t>
+            </a:r>
+            <a:r>
+              <a:rPr lang="de-DE" sz="1000" dirty="0" err="1" smtClean="0"/>
+              <a:t>compute</a:t>
+            </a:r>
+            <a:r>
+              <a:rPr lang="de-DE" sz="1000" dirty="0" smtClean="0"/>
+              <a:t> </a:t>
+            </a:r>
+            <a:r>
+              <a:rPr lang="de-DE" sz="1000" dirty="0" err="1" smtClean="0"/>
+              <a:t>kinematics</a:t>
+            </a:r>
+            <a:endParaRPr lang="de-DE" sz="1000" dirty="0"/>
+          </a:p>
+        </p:txBody>
+      </p:sp>
+      <p:cxnSp>
+        <p:nvCxnSpPr>
+          <p:cNvPr id="29" name="Gerader Verbinder 28"/>
+          <p:cNvCxnSpPr/>
+          <p:nvPr/>
+        </p:nvCxnSpPr>
+        <p:spPr>
+          <a:xfrm flipH="1" flipV="1">
+            <a:off x="1030606" y="4344070"/>
+            <a:ext cx="140969" cy="264795"/>
+          </a:xfrm>
+          <a:prstGeom prst="line">
+            <a:avLst/>
+          </a:prstGeom>
+          <a:ln>
+            <a:solidFill>
+              <a:schemeClr val="accent2"/>
+            </a:solidFill>
+          </a:ln>
+        </p:spPr>
+        <p:style>
+          <a:lnRef idx="1">
+            <a:schemeClr val="accent1"/>
+          </a:lnRef>
+          <a:fillRef idx="0">
+            <a:schemeClr val="accent1"/>
+          </a:fillRef>
+          <a:effectRef idx="0">
+            <a:schemeClr val="accent1"/>
+          </a:effectRef>
+          <a:fontRef idx="minor">
+            <a:schemeClr val="tx1"/>
+          </a:fontRef>
+        </p:style>
+      </p:cxnSp>
+      <p:cxnSp>
+        <p:nvCxnSpPr>
+          <p:cNvPr id="154" name="Gerader Verbinder 153"/>
+          <p:cNvCxnSpPr/>
+          <p:nvPr/>
+        </p:nvCxnSpPr>
+        <p:spPr>
+          <a:xfrm flipH="1">
+            <a:off x="1032510" y="4229770"/>
+            <a:ext cx="405765" cy="114300"/>
+          </a:xfrm>
+          <a:prstGeom prst="line">
+            <a:avLst/>
+          </a:prstGeom>
+          <a:ln>
+            <a:solidFill>
+              <a:schemeClr val="accent2"/>
+            </a:solidFill>
+          </a:ln>
+        </p:spPr>
+        <p:style>
+          <a:lnRef idx="1">
+            <a:schemeClr val="accent1"/>
+          </a:lnRef>
+          <a:fillRef idx="0">
+            <a:schemeClr val="accent1"/>
+          </a:fillRef>
+          <a:effectRef idx="0">
+            <a:schemeClr val="accent1"/>
+          </a:effectRef>
+          <a:fontRef idx="minor">
+            <a:schemeClr val="tx1"/>
+          </a:fontRef>
+        </p:style>
+      </p:cxnSp>
+      <p:cxnSp>
+        <p:nvCxnSpPr>
+          <p:cNvPr id="155" name="Gerader Verbinder 154"/>
+          <p:cNvCxnSpPr/>
+          <p:nvPr/>
+        </p:nvCxnSpPr>
+        <p:spPr>
+          <a:xfrm flipH="1" flipV="1">
+            <a:off x="1438275" y="4227865"/>
+            <a:ext cx="314326" cy="177165"/>
+          </a:xfrm>
+          <a:prstGeom prst="line">
+            <a:avLst/>
+          </a:prstGeom>
+          <a:ln>
+            <a:solidFill>
+              <a:schemeClr val="accent2"/>
+            </a:solidFill>
+          </a:ln>
+        </p:spPr>
+        <p:style>
+          <a:lnRef idx="1">
+            <a:schemeClr val="accent1"/>
+          </a:lnRef>
+          <a:fillRef idx="0">
+            <a:schemeClr val="accent1"/>
+          </a:fillRef>
+          <a:effectRef idx="0">
+            <a:schemeClr val="accent1"/>
+          </a:effectRef>
+          <a:fontRef idx="minor">
+            <a:schemeClr val="tx1"/>
+          </a:fontRef>
+        </p:style>
+      </p:cxnSp>
+      <p:cxnSp>
+        <p:nvCxnSpPr>
+          <p:cNvPr id="157" name="Gerade Verbindung mit Pfeil 156"/>
+          <p:cNvCxnSpPr>
+            <a:stCxn id="151" idx="3"/>
+            <a:endCxn id="96" idx="1"/>
+          </p:cNvCxnSpPr>
+          <p:nvPr/>
+        </p:nvCxnSpPr>
+        <p:spPr>
+          <a:xfrm>
+            <a:off x="4215711" y="2858749"/>
+            <a:ext cx="1076369" cy="8329"/>
+          </a:xfrm>
+          <a:prstGeom prst="straightConnector1">
+            <a:avLst/>
+          </a:prstGeom>
+          <a:ln>
+            <a:tailEnd type="triangle"/>
+          </a:ln>
+        </p:spPr>
+        <p:style>
+          <a:lnRef idx="1">
+            <a:schemeClr val="accent1"/>
+          </a:lnRef>
+          <a:fillRef idx="0">
+            <a:schemeClr val="accent1"/>
+          </a:fillRef>
+          <a:effectRef idx="0">
+            <a:schemeClr val="accent1"/>
+          </a:effectRef>
+          <a:fontRef idx="minor">
+            <a:schemeClr val="tx1"/>
+          </a:fontRef>
+        </p:style>
+      </p:cxnSp>
+      <p:sp>
+        <p:nvSpPr>
+          <p:cNvPr id="160" name="Textfeld 159"/>
+          <p:cNvSpPr txBox="1"/>
+          <p:nvPr/>
+        </p:nvSpPr>
+        <p:spPr>
+          <a:xfrm>
+            <a:off x="4287935" y="2875956"/>
+            <a:ext cx="1022363" cy="400110"/>
+          </a:xfrm>
+          <a:prstGeom prst="rect">
+            <a:avLst/>
+          </a:prstGeom>
+          <a:noFill/>
+        </p:spPr>
+        <p:txBody>
+          <a:bodyPr wrap="square" rtlCol="0">
+            <a:spAutoFit/>
+          </a:bodyPr>
+          <a:lstStyle/>
+          <a:p>
+            <a:r>
+              <a:rPr lang="de-DE" sz="1000" dirty="0" smtClean="0"/>
+              <a:t>Send </a:t>
+            </a:r>
+            <a:r>
+              <a:rPr lang="de-DE" sz="1000" dirty="0" err="1" smtClean="0"/>
+              <a:t>joint</a:t>
+            </a:r>
+            <a:r>
+              <a:rPr lang="de-DE" sz="1000" dirty="0" smtClean="0"/>
+              <a:t> </a:t>
+            </a:r>
+            <a:r>
+              <a:rPr lang="de-DE" sz="1000" dirty="0" err="1" smtClean="0"/>
+              <a:t>angles</a:t>
+            </a:r>
+            <a:r>
+              <a:rPr lang="de-DE" sz="1000" dirty="0" smtClean="0"/>
+              <a:t> at 20Hz </a:t>
+            </a:r>
+            <a:endParaRPr lang="de-DE" sz="1000" dirty="0"/>
+          </a:p>
+        </p:txBody>
+      </p:sp>
+      <p:sp>
+        <p:nvSpPr>
+          <p:cNvPr id="162" name="Textfeld 161"/>
+          <p:cNvSpPr txBox="1"/>
+          <p:nvPr/>
+        </p:nvSpPr>
+        <p:spPr>
+          <a:xfrm>
+            <a:off x="5310265" y="4934014"/>
+            <a:ext cx="1133941" cy="1169551"/>
+          </a:xfrm>
+          <a:prstGeom prst="rect">
+            <a:avLst/>
+          </a:prstGeom>
+          <a:noFill/>
+        </p:spPr>
+        <p:txBody>
+          <a:bodyPr wrap="square" rtlCol="0">
+            <a:spAutoFit/>
+          </a:bodyPr>
+          <a:lstStyle/>
+          <a:p>
+            <a:r>
+              <a:rPr lang="de-DE" sz="1000" dirty="0" smtClean="0"/>
+              <a:t>Control </a:t>
+            </a:r>
+            <a:r>
+              <a:rPr lang="de-DE" sz="1000" dirty="0" err="1" smtClean="0"/>
+              <a:t>servos</a:t>
+            </a:r>
+            <a:r>
+              <a:rPr lang="de-DE" sz="1000" dirty="0" smtClean="0"/>
+              <a:t> </a:t>
+            </a:r>
+            <a:r>
+              <a:rPr lang="de-DE" sz="1000" dirty="0" err="1" smtClean="0"/>
+              <a:t>and</a:t>
+            </a:r>
+            <a:r>
+              <a:rPr lang="de-DE" sz="1000" dirty="0" smtClean="0"/>
+              <a:t> </a:t>
+            </a:r>
+            <a:r>
+              <a:rPr lang="de-DE" sz="1000" dirty="0" err="1" smtClean="0"/>
+              <a:t>encoders</a:t>
+            </a:r>
+            <a:r>
+              <a:rPr lang="de-DE" sz="1000" dirty="0" smtClean="0"/>
+              <a:t>, </a:t>
+            </a:r>
+            <a:r>
+              <a:rPr lang="de-DE" sz="1000" dirty="0" err="1" smtClean="0"/>
+              <a:t>compute</a:t>
+            </a:r>
+            <a:r>
+              <a:rPr lang="de-DE" sz="1000" dirty="0" smtClean="0"/>
+              <a:t> </a:t>
+            </a:r>
+            <a:r>
+              <a:rPr lang="de-DE" sz="1000" dirty="0" err="1" smtClean="0"/>
+              <a:t>speed</a:t>
+            </a:r>
+            <a:r>
+              <a:rPr lang="de-DE" sz="1000" dirty="0" smtClean="0"/>
+              <a:t> </a:t>
+            </a:r>
+            <a:r>
+              <a:rPr lang="de-DE" sz="1000" dirty="0" err="1" smtClean="0"/>
+              <a:t>profile</a:t>
+            </a:r>
+            <a:r>
+              <a:rPr lang="de-DE" sz="1000" dirty="0" smtClean="0"/>
+              <a:t> </a:t>
+            </a:r>
+            <a:r>
+              <a:rPr lang="de-DE" sz="1000" dirty="0" err="1" smtClean="0"/>
+              <a:t>and</a:t>
+            </a:r>
+            <a:r>
+              <a:rPr lang="de-DE" sz="1000" dirty="0" smtClean="0"/>
+              <a:t> </a:t>
+            </a:r>
+            <a:r>
+              <a:rPr lang="de-DE" sz="1000" dirty="0" err="1" smtClean="0"/>
+              <a:t>implement</a:t>
+            </a:r>
+            <a:r>
+              <a:rPr lang="de-DE" sz="1000" dirty="0" smtClean="0"/>
+              <a:t> feedback-loop </a:t>
+            </a:r>
+            <a:r>
+              <a:rPr lang="de-DE" sz="1000" dirty="0" err="1" smtClean="0"/>
+              <a:t>of</a:t>
+            </a:r>
+            <a:r>
+              <a:rPr lang="de-DE" sz="1000" dirty="0" smtClean="0"/>
+              <a:t> </a:t>
+            </a:r>
+            <a:r>
+              <a:rPr lang="de-DE" sz="1000" dirty="0" err="1" smtClean="0"/>
+              <a:t>actuators</a:t>
+            </a:r>
+            <a:endParaRPr lang="de-DE" sz="1000" dirty="0"/>
+          </a:p>
+        </p:txBody>
+      </p:sp>
+      <p:grpSp>
+        <p:nvGrpSpPr>
+          <p:cNvPr id="55" name="Gruppieren 54"/>
+          <p:cNvGrpSpPr/>
+          <p:nvPr/>
+        </p:nvGrpSpPr>
+        <p:grpSpPr>
+          <a:xfrm>
+            <a:off x="4726810" y="3830493"/>
+            <a:ext cx="1810216" cy="962933"/>
+            <a:chOff x="4633992" y="608010"/>
+            <a:chExt cx="1810216" cy="962933"/>
+          </a:xfrm>
+        </p:grpSpPr>
+        <p:cxnSp>
+          <p:nvCxnSpPr>
+            <p:cNvPr id="253" name="Gerader Verbinder 252"/>
+            <p:cNvCxnSpPr/>
+            <p:nvPr/>
+          </p:nvCxnSpPr>
+          <p:spPr>
+            <a:xfrm>
+              <a:off x="4633992" y="1101741"/>
+              <a:ext cx="370056" cy="1257"/>
+            </a:xfrm>
+            <a:prstGeom prst="line">
+              <a:avLst/>
+            </a:prstGeom>
+          </p:spPr>
+          <p:style>
+            <a:lnRef idx="1">
+              <a:schemeClr val="accent1"/>
+            </a:lnRef>
+            <a:fillRef idx="0">
+              <a:schemeClr val="accent1"/>
+            </a:fillRef>
+            <a:effectRef idx="0">
+              <a:schemeClr val="accent1"/>
+            </a:effectRef>
+            <a:fontRef idx="minor">
+              <a:schemeClr val="tx1"/>
+            </a:fontRef>
+          </p:style>
+        </p:cxnSp>
+        <p:sp>
+          <p:nvSpPr>
+            <p:cNvPr id="255" name="Ellipse 254"/>
+            <p:cNvSpPr/>
+            <p:nvPr/>
+          </p:nvSpPr>
+          <p:spPr>
+            <a:xfrm>
+              <a:off x="4997952" y="1031781"/>
+              <a:ext cx="146168" cy="144016"/>
+            </a:xfrm>
+            <a:prstGeom prst="ellipse">
+              <a:avLst/>
+            </a:prstGeom>
+            <a:noFill/>
+          </p:spPr>
+          <p:style>
+            <a:lnRef idx="2">
+              <a:schemeClr val="accent1">
+                <a:shade val="50000"/>
+              </a:schemeClr>
+            </a:lnRef>
+            <a:fillRef idx="1">
+              <a:schemeClr val="accent1"/>
+            </a:fillRef>
+            <a:effectRef idx="0">
+              <a:schemeClr val="accent1"/>
+            </a:effectRef>
+            <a:fontRef idx="minor">
+              <a:schemeClr val="lt1"/>
+            </a:fontRef>
+          </p:style>
+          <p:txBody>
+            <a:bodyPr rtlCol="0" anchor="ctr"/>
+            <a:lstStyle/>
+            <a:p>
+              <a:pPr algn="ctr"/>
+              <a:endParaRPr lang="de-DE" dirty="0"/>
+            </a:p>
+          </p:txBody>
+        </p:sp>
+        <p:sp>
+          <p:nvSpPr>
+            <p:cNvPr id="33" name="Textfeld 32"/>
+            <p:cNvSpPr txBox="1"/>
+            <p:nvPr/>
+          </p:nvSpPr>
+          <p:spPr>
+            <a:xfrm>
+              <a:off x="4937668" y="978630"/>
+              <a:ext cx="272832" cy="246221"/>
+            </a:xfrm>
+            <a:prstGeom prst="rect">
+              <a:avLst/>
+            </a:prstGeom>
+            <a:noFill/>
+          </p:spPr>
+          <p:txBody>
+            <a:bodyPr wrap="none" rtlCol="0">
+              <a:spAutoFit/>
+            </a:bodyPr>
+            <a:lstStyle/>
+            <a:p>
+              <a:r>
+                <a:rPr lang="de-DE" sz="1000" dirty="0" smtClean="0"/>
+                <a:t>+</a:t>
+              </a:r>
+              <a:endParaRPr lang="de-DE" sz="1000" dirty="0"/>
+            </a:p>
+          </p:txBody>
+        </p:sp>
+        <p:cxnSp>
+          <p:nvCxnSpPr>
+            <p:cNvPr id="38" name="Gewinkelte Verbindung 37"/>
+            <p:cNvCxnSpPr>
+              <a:stCxn id="33" idx="3"/>
+              <a:endCxn id="41" idx="3"/>
+            </p:cNvCxnSpPr>
+            <p:nvPr/>
+          </p:nvCxnSpPr>
+          <p:spPr>
+            <a:xfrm flipV="1">
+              <a:off x="5210500" y="759468"/>
+              <a:ext cx="489448" cy="342273"/>
+            </a:xfrm>
+            <a:prstGeom prst="bentConnector3">
+              <a:avLst>
+                <a:gd name="adj1" fmla="val 39491"/>
+              </a:avLst>
+            </a:prstGeom>
+            <a:ln>
+              <a:tailEnd type="triangle"/>
+            </a:ln>
+          </p:spPr>
+          <p:style>
+            <a:lnRef idx="1">
+              <a:schemeClr val="accent1"/>
+            </a:lnRef>
+            <a:fillRef idx="0">
+              <a:schemeClr val="accent1"/>
+            </a:fillRef>
+            <a:effectRef idx="0">
+              <a:schemeClr val="accent1"/>
+            </a:effectRef>
+            <a:fontRef idx="minor">
+              <a:schemeClr val="tx1"/>
+            </a:fontRef>
+          </p:style>
+        </p:cxnSp>
+        <p:sp>
+          <p:nvSpPr>
+            <p:cNvPr id="41" name="Gleichschenkliges Dreieck 40"/>
+            <p:cNvSpPr/>
+            <p:nvPr/>
+          </p:nvSpPr>
+          <p:spPr>
+            <a:xfrm rot="5400000">
+              <a:off x="5656355" y="651603"/>
+              <a:ext cx="302913" cy="215728"/>
+            </a:xfrm>
+            <a:prstGeom prst="triangle">
+              <a:avLst/>
+            </a:prstGeom>
+            <a:noFill/>
+          </p:spPr>
+          <p:style>
+            <a:lnRef idx="2">
+              <a:schemeClr val="accent1">
+                <a:shade val="50000"/>
+              </a:schemeClr>
+            </a:lnRef>
+            <a:fillRef idx="1">
+              <a:schemeClr val="accent1"/>
+            </a:fillRef>
+            <a:effectRef idx="0">
+              <a:schemeClr val="accent1"/>
+            </a:effectRef>
+            <a:fontRef idx="minor">
+              <a:schemeClr val="lt1"/>
+            </a:fontRef>
+          </p:style>
+          <p:txBody>
+            <a:bodyPr rtlCol="0" anchor="ctr"/>
+            <a:lstStyle/>
+            <a:p>
+              <a:pPr algn="ctr"/>
+              <a:endParaRPr lang="de-DE"/>
+            </a:p>
+          </p:txBody>
+        </p:sp>
+        <p:sp>
+          <p:nvSpPr>
+            <p:cNvPr id="189" name="Ellipse 188"/>
+            <p:cNvSpPr/>
+            <p:nvPr/>
+          </p:nvSpPr>
+          <p:spPr>
+            <a:xfrm>
+              <a:off x="6231660" y="1034407"/>
+              <a:ext cx="146168" cy="144016"/>
+            </a:xfrm>
+            <a:prstGeom prst="ellipse">
+              <a:avLst/>
+            </a:prstGeom>
+            <a:noFill/>
+          </p:spPr>
+          <p:style>
+            <a:lnRef idx="2">
+              <a:schemeClr val="accent1">
+                <a:shade val="50000"/>
+              </a:schemeClr>
+            </a:lnRef>
+            <a:fillRef idx="1">
+              <a:schemeClr val="accent1"/>
+            </a:fillRef>
+            <a:effectRef idx="0">
+              <a:schemeClr val="accent1"/>
+            </a:effectRef>
+            <a:fontRef idx="minor">
+              <a:schemeClr val="lt1"/>
+            </a:fontRef>
+          </p:style>
+          <p:txBody>
+            <a:bodyPr rtlCol="0" anchor="ctr"/>
+            <a:lstStyle/>
+            <a:p>
+              <a:pPr algn="ctr"/>
+              <a:endParaRPr lang="de-DE" dirty="0"/>
+            </a:p>
+          </p:txBody>
+        </p:sp>
+        <p:sp>
+          <p:nvSpPr>
+            <p:cNvPr id="190" name="Textfeld 189"/>
+            <p:cNvSpPr txBox="1"/>
+            <p:nvPr/>
+          </p:nvSpPr>
+          <p:spPr>
+            <a:xfrm>
+              <a:off x="6171376" y="977446"/>
+              <a:ext cx="272832" cy="246221"/>
+            </a:xfrm>
+            <a:prstGeom prst="rect">
+              <a:avLst/>
+            </a:prstGeom>
+            <a:noFill/>
+          </p:spPr>
+          <p:txBody>
+            <a:bodyPr wrap="none" rtlCol="0">
+              <a:spAutoFit/>
+            </a:bodyPr>
+            <a:lstStyle/>
+            <a:p>
+              <a:r>
+                <a:rPr lang="de-DE" sz="1000" dirty="0" smtClean="0"/>
+                <a:t>+</a:t>
+              </a:r>
+              <a:endParaRPr lang="de-DE" sz="1000" dirty="0"/>
+            </a:p>
+          </p:txBody>
+        </p:sp>
+        <p:cxnSp>
+          <p:nvCxnSpPr>
+            <p:cNvPr id="191" name="Gewinkelte Verbindung 190"/>
+            <p:cNvCxnSpPr>
+              <a:stCxn id="41" idx="0"/>
+              <a:endCxn id="190" idx="1"/>
+            </p:cNvCxnSpPr>
+            <p:nvPr/>
+          </p:nvCxnSpPr>
+          <p:spPr>
+            <a:xfrm>
+              <a:off x="5915676" y="759468"/>
+              <a:ext cx="255700" cy="341089"/>
+            </a:xfrm>
+            <a:prstGeom prst="bentConnector3">
+              <a:avLst>
+                <a:gd name="adj1" fmla="val 50000"/>
+              </a:avLst>
+            </a:prstGeom>
+            <a:ln>
+              <a:tailEnd type="triangle"/>
+            </a:ln>
+          </p:spPr>
+          <p:style>
+            <a:lnRef idx="1">
+              <a:schemeClr val="accent1"/>
+            </a:lnRef>
+            <a:fillRef idx="0">
+              <a:schemeClr val="accent1"/>
+            </a:fillRef>
+            <a:effectRef idx="0">
+              <a:schemeClr val="accent1"/>
+            </a:effectRef>
+            <a:fontRef idx="minor">
+              <a:schemeClr val="tx1"/>
+            </a:fontRef>
+          </p:style>
+        </p:cxnSp>
+        <p:sp>
+          <p:nvSpPr>
+            <p:cNvPr id="45" name="Rechteck 44"/>
+            <p:cNvSpPr/>
+            <p:nvPr/>
+          </p:nvSpPr>
+          <p:spPr>
+            <a:xfrm>
+              <a:off x="5600246" y="1000398"/>
+              <a:ext cx="323832" cy="200427"/>
+            </a:xfrm>
+            <a:prstGeom prst="rect">
+              <a:avLst/>
+            </a:prstGeom>
+            <a:noFill/>
+          </p:spPr>
+          <p:style>
+            <a:lnRef idx="2">
+              <a:schemeClr val="accent1">
+                <a:shade val="50000"/>
+              </a:schemeClr>
+            </a:lnRef>
+            <a:fillRef idx="1">
+              <a:schemeClr val="accent1"/>
+            </a:fillRef>
+            <a:effectRef idx="0">
+              <a:schemeClr val="accent1"/>
+            </a:effectRef>
+            <a:fontRef idx="minor">
+              <a:schemeClr val="lt1"/>
+            </a:fontRef>
+          </p:style>
+          <p:txBody>
+            <a:bodyPr rtlCol="0" anchor="ctr"/>
+            <a:lstStyle/>
+            <a:p>
+              <a:pPr algn="ctr"/>
+              <a:endParaRPr lang="de-DE"/>
+            </a:p>
+          </p:txBody>
+        </p:sp>
+        <p:sp>
+          <p:nvSpPr>
+            <p:cNvPr id="192" name="Textfeld 191"/>
+            <p:cNvSpPr txBox="1"/>
+            <p:nvPr/>
+          </p:nvSpPr>
+          <p:spPr>
+            <a:xfrm>
+              <a:off x="5640809" y="629547"/>
+              <a:ext cx="256802" cy="246221"/>
+            </a:xfrm>
+            <a:prstGeom prst="rect">
+              <a:avLst/>
+            </a:prstGeom>
+            <a:noFill/>
+          </p:spPr>
+          <p:txBody>
+            <a:bodyPr wrap="none" rtlCol="0">
+              <a:spAutoFit/>
+            </a:bodyPr>
+            <a:lstStyle/>
+            <a:p>
+              <a:r>
+                <a:rPr lang="de-DE" sz="1000" dirty="0" smtClean="0"/>
+                <a:t>P</a:t>
+              </a:r>
+              <a:endParaRPr lang="de-DE" sz="1000" dirty="0"/>
+            </a:p>
+          </p:txBody>
+        </p:sp>
+        <p:sp>
+          <p:nvSpPr>
+            <p:cNvPr id="193" name="Textfeld 192"/>
+            <p:cNvSpPr txBox="1"/>
+            <p:nvPr/>
+          </p:nvSpPr>
+          <p:spPr>
+            <a:xfrm>
+              <a:off x="5664621" y="990158"/>
+              <a:ext cx="218330" cy="246221"/>
+            </a:xfrm>
+            <a:prstGeom prst="rect">
+              <a:avLst/>
+            </a:prstGeom>
+            <a:noFill/>
+          </p:spPr>
+          <p:txBody>
+            <a:bodyPr wrap="none" rtlCol="0">
+              <a:spAutoFit/>
+            </a:bodyPr>
+            <a:lstStyle/>
+            <a:p>
+              <a:r>
+                <a:rPr lang="de-DE" sz="1000" dirty="0" smtClean="0"/>
+                <a:t>I</a:t>
+              </a:r>
+              <a:endParaRPr lang="de-DE" sz="1000" dirty="0"/>
+            </a:p>
+          </p:txBody>
+        </p:sp>
+        <p:sp>
+          <p:nvSpPr>
+            <p:cNvPr id="195" name="Textfeld 194"/>
+            <p:cNvSpPr txBox="1"/>
+            <p:nvPr/>
+          </p:nvSpPr>
+          <p:spPr>
+            <a:xfrm>
+              <a:off x="5639567" y="1324722"/>
+              <a:ext cx="274434" cy="246221"/>
+            </a:xfrm>
+            <a:prstGeom prst="rect">
+              <a:avLst/>
+            </a:prstGeom>
+            <a:noFill/>
+          </p:spPr>
+          <p:txBody>
+            <a:bodyPr wrap="none" rtlCol="0">
+              <a:spAutoFit/>
+            </a:bodyPr>
+            <a:lstStyle/>
+            <a:p>
+              <a:r>
+                <a:rPr lang="de-DE" sz="1000" dirty="0" smtClean="0"/>
+                <a:t>D</a:t>
+              </a:r>
+              <a:endParaRPr lang="de-DE" sz="1000" dirty="0"/>
+            </a:p>
+          </p:txBody>
+        </p:sp>
+        <p:sp>
+          <p:nvSpPr>
+            <p:cNvPr id="196" name="Rechteck 195"/>
+            <p:cNvSpPr/>
+            <p:nvPr/>
+          </p:nvSpPr>
+          <p:spPr>
+            <a:xfrm>
+              <a:off x="5596874" y="1349670"/>
+              <a:ext cx="323832" cy="200427"/>
+            </a:xfrm>
+            <a:prstGeom prst="rect">
+              <a:avLst/>
+            </a:prstGeom>
+            <a:noFill/>
+          </p:spPr>
+          <p:style>
+            <a:lnRef idx="2">
+              <a:schemeClr val="accent1">
+                <a:shade val="50000"/>
+              </a:schemeClr>
+            </a:lnRef>
+            <a:fillRef idx="1">
+              <a:schemeClr val="accent1"/>
+            </a:fillRef>
+            <a:effectRef idx="0">
+              <a:schemeClr val="accent1"/>
+            </a:effectRef>
+            <a:fontRef idx="minor">
+              <a:schemeClr val="lt1"/>
+            </a:fontRef>
+          </p:style>
+          <p:txBody>
+            <a:bodyPr rtlCol="0" anchor="ctr"/>
+            <a:lstStyle/>
+            <a:p>
+              <a:pPr algn="ctr"/>
+              <a:endParaRPr lang="de-DE"/>
+            </a:p>
+          </p:txBody>
+        </p:sp>
+        <p:cxnSp>
+          <p:nvCxnSpPr>
+            <p:cNvPr id="198" name="Gewinkelte Verbindung 197"/>
+            <p:cNvCxnSpPr>
+              <a:stCxn id="45" idx="3"/>
+              <a:endCxn id="190" idx="1"/>
+            </p:cNvCxnSpPr>
+            <p:nvPr/>
+          </p:nvCxnSpPr>
+          <p:spPr>
+            <a:xfrm flipV="1">
+              <a:off x="5924078" y="1100557"/>
+              <a:ext cx="247298" cy="55"/>
+            </a:xfrm>
+            <a:prstGeom prst="bentConnector3">
+              <a:avLst>
+                <a:gd name="adj1" fmla="val 50000"/>
+              </a:avLst>
+            </a:prstGeom>
+            <a:ln>
+              <a:tailEnd type="triangle"/>
+            </a:ln>
+          </p:spPr>
+          <p:style>
+            <a:lnRef idx="1">
+              <a:schemeClr val="accent1"/>
+            </a:lnRef>
+            <a:fillRef idx="0">
+              <a:schemeClr val="accent1"/>
+            </a:fillRef>
+            <a:effectRef idx="0">
+              <a:schemeClr val="accent1"/>
+            </a:effectRef>
+            <a:fontRef idx="minor">
+              <a:schemeClr val="tx1"/>
+            </a:fontRef>
+          </p:style>
+        </p:cxnSp>
+        <p:cxnSp>
+          <p:nvCxnSpPr>
+            <p:cNvPr id="200" name="Gewinkelte Verbindung 199"/>
+            <p:cNvCxnSpPr>
+              <a:stCxn id="196" idx="3"/>
+              <a:endCxn id="190" idx="1"/>
+            </p:cNvCxnSpPr>
+            <p:nvPr/>
+          </p:nvCxnSpPr>
+          <p:spPr>
+            <a:xfrm flipV="1">
+              <a:off x="5920706" y="1100557"/>
+              <a:ext cx="250670" cy="349327"/>
+            </a:xfrm>
+            <a:prstGeom prst="bentConnector3">
+              <a:avLst>
+                <a:gd name="adj1" fmla="val 50000"/>
+              </a:avLst>
+            </a:prstGeom>
+            <a:ln>
+              <a:tailEnd type="triangle"/>
+            </a:ln>
+          </p:spPr>
+          <p:style>
+            <a:lnRef idx="1">
+              <a:schemeClr val="accent1"/>
+            </a:lnRef>
+            <a:fillRef idx="0">
+              <a:schemeClr val="accent1"/>
+            </a:fillRef>
+            <a:effectRef idx="0">
+              <a:schemeClr val="accent1"/>
+            </a:effectRef>
+            <a:fontRef idx="minor">
+              <a:schemeClr val="tx1"/>
+            </a:fontRef>
+          </p:style>
+        </p:cxnSp>
+        <p:cxnSp>
+          <p:nvCxnSpPr>
+            <p:cNvPr id="201" name="Gewinkelte Verbindung 200"/>
+            <p:cNvCxnSpPr>
+              <a:stCxn id="33" idx="3"/>
+              <a:endCxn id="45" idx="1"/>
+            </p:cNvCxnSpPr>
+            <p:nvPr/>
+          </p:nvCxnSpPr>
+          <p:spPr>
+            <a:xfrm flipV="1">
+              <a:off x="5210500" y="1100612"/>
+              <a:ext cx="389746" cy="1129"/>
+            </a:xfrm>
+            <a:prstGeom prst="bentConnector3">
+              <a:avLst>
+                <a:gd name="adj1" fmla="val 50000"/>
+              </a:avLst>
+            </a:prstGeom>
+            <a:ln>
+              <a:tailEnd type="triangle"/>
+            </a:ln>
+          </p:spPr>
+          <p:style>
+            <a:lnRef idx="1">
+              <a:schemeClr val="accent1"/>
+            </a:lnRef>
+            <a:fillRef idx="0">
+              <a:schemeClr val="accent1"/>
+            </a:fillRef>
+            <a:effectRef idx="0">
+              <a:schemeClr val="accent1"/>
+            </a:effectRef>
+            <a:fontRef idx="minor">
+              <a:schemeClr val="tx1"/>
+            </a:fontRef>
+          </p:style>
+        </p:cxnSp>
+        <p:cxnSp>
+          <p:nvCxnSpPr>
+            <p:cNvPr id="202" name="Gewinkelte Verbindung 201"/>
+            <p:cNvCxnSpPr>
+              <a:stCxn id="33" idx="3"/>
+              <a:endCxn id="196" idx="1"/>
+            </p:cNvCxnSpPr>
+            <p:nvPr/>
+          </p:nvCxnSpPr>
+          <p:spPr>
+            <a:xfrm>
+              <a:off x="5210500" y="1101741"/>
+              <a:ext cx="386374" cy="348143"/>
+            </a:xfrm>
+            <a:prstGeom prst="bentConnector3">
+              <a:avLst>
+                <a:gd name="adj1" fmla="val 50000"/>
+              </a:avLst>
+            </a:prstGeom>
+            <a:ln>
+              <a:tailEnd type="triangle"/>
+            </a:ln>
+          </p:spPr>
+          <p:style>
+            <a:lnRef idx="1">
+              <a:schemeClr val="accent1"/>
+            </a:lnRef>
+            <a:fillRef idx="0">
+              <a:schemeClr val="accent1"/>
+            </a:fillRef>
+            <a:effectRef idx="0">
+              <a:schemeClr val="accent1"/>
+            </a:effectRef>
+            <a:fontRef idx="minor">
+              <a:schemeClr val="tx1"/>
+            </a:fontRef>
+          </p:style>
+        </p:cxnSp>
+      </p:grpSp>
+      <p:sp>
+        <p:nvSpPr>
+          <p:cNvPr id="206" name="Textfeld 205"/>
+          <p:cNvSpPr txBox="1"/>
+          <p:nvPr/>
+        </p:nvSpPr>
+        <p:spPr>
+          <a:xfrm>
+            <a:off x="6364377" y="2888545"/>
+            <a:ext cx="1022363" cy="246221"/>
+          </a:xfrm>
+          <a:prstGeom prst="rect">
+            <a:avLst/>
+          </a:prstGeom>
+          <a:noFill/>
+        </p:spPr>
+        <p:txBody>
+          <a:bodyPr wrap="square" rtlCol="0">
+            <a:spAutoFit/>
+          </a:bodyPr>
+          <a:lstStyle/>
+          <a:p>
+            <a:r>
+              <a:rPr lang="de-DE" sz="1000" dirty="0" smtClean="0"/>
+              <a:t>Send PWM </a:t>
+            </a:r>
+            <a:endParaRPr lang="de-DE" sz="1000" dirty="0"/>
+          </a:p>
+        </p:txBody>
+      </p:sp>
+      <p:sp>
+        <p:nvSpPr>
+          <p:cNvPr id="211" name="Rechteck 210"/>
+          <p:cNvSpPr/>
+          <p:nvPr/>
+        </p:nvSpPr>
+        <p:spPr>
+          <a:xfrm>
+            <a:off x="7174504" y="3263136"/>
+            <a:ext cx="1080120" cy="410344"/>
+          </a:xfrm>
+          <a:prstGeom prst="rect">
+            <a:avLst/>
+          </a:prstGeom>
+          <a:solidFill>
+            <a:schemeClr val="accent2"/>
+          </a:solidFill>
+          <a:ln>
+            <a:noFill/>
+          </a:ln>
+        </p:spPr>
+        <p:style>
+          <a:lnRef idx="2">
+            <a:schemeClr val="accent1">
+              <a:shade val="50000"/>
+            </a:schemeClr>
+          </a:lnRef>
+          <a:fillRef idx="1">
+            <a:schemeClr val="accent1"/>
+          </a:fillRef>
+          <a:effectRef idx="0">
+            <a:schemeClr val="accent1"/>
+          </a:effectRef>
+          <a:fontRef idx="minor">
+            <a:schemeClr val="lt1"/>
+          </a:fontRef>
+        </p:style>
+        <p:txBody>
+          <a:bodyPr rtlCol="0" anchor="ctr"/>
+          <a:lstStyle/>
+          <a:p>
+            <a:pPr algn="ctr"/>
+            <a:r>
+              <a:rPr lang="de-DE" sz="1050" dirty="0" smtClean="0">
+                <a:latin typeface="Segoe UI" panose="020B0502040204020203" pitchFamily="34" charset="0"/>
+                <a:cs typeface="Segoe UI" panose="020B0502040204020203" pitchFamily="34" charset="0"/>
+              </a:rPr>
+              <a:t>Encoder</a:t>
+            </a:r>
+            <a:endParaRPr lang="de-DE" sz="1050" dirty="0" smtClean="0">
+              <a:latin typeface="Segoe UI" panose="020B0502040204020203" pitchFamily="34" charset="0"/>
+              <a:cs typeface="Segoe UI" panose="020B0502040204020203" pitchFamily="34" charset="0"/>
+            </a:endParaRPr>
+          </a:p>
+        </p:txBody>
+      </p:sp>
+      <p:cxnSp>
+        <p:nvCxnSpPr>
+          <p:cNvPr id="256" name="Gewinkelte Verbindung 255"/>
+          <p:cNvCxnSpPr>
+            <a:stCxn id="211" idx="1"/>
+            <a:endCxn id="96" idx="2"/>
+          </p:cNvCxnSpPr>
+          <p:nvPr/>
+        </p:nvCxnSpPr>
+        <p:spPr>
+          <a:xfrm rot="10800000">
+            <a:off x="5832140" y="3313268"/>
+            <a:ext cx="1342364" cy="155041"/>
+          </a:xfrm>
+          <a:prstGeom prst="bentConnector2">
+            <a:avLst/>
+          </a:prstGeom>
+          <a:ln>
+            <a:tailEnd type="triangle"/>
+          </a:ln>
+        </p:spPr>
+        <p:style>
+          <a:lnRef idx="1">
+            <a:schemeClr val="accent1"/>
+          </a:lnRef>
+          <a:fillRef idx="0">
+            <a:schemeClr val="accent1"/>
+          </a:fillRef>
+          <a:effectRef idx="0">
+            <a:schemeClr val="accent1"/>
+          </a:effectRef>
+          <a:fontRef idx="minor">
+            <a:schemeClr val="tx1"/>
+          </a:fontRef>
+        </p:style>
+      </p:cxnSp>
+      <p:sp>
+        <p:nvSpPr>
+          <p:cNvPr id="212" name="Textfeld 211"/>
+          <p:cNvSpPr txBox="1"/>
+          <p:nvPr/>
+        </p:nvSpPr>
+        <p:spPr>
+          <a:xfrm>
+            <a:off x="6299688" y="3210586"/>
+            <a:ext cx="1022363" cy="246221"/>
+          </a:xfrm>
+          <a:prstGeom prst="rect">
+            <a:avLst/>
+          </a:prstGeom>
+          <a:noFill/>
+        </p:spPr>
+        <p:txBody>
+          <a:bodyPr wrap="square" rtlCol="0">
+            <a:spAutoFit/>
+          </a:bodyPr>
+          <a:lstStyle/>
+          <a:p>
+            <a:r>
+              <a:rPr lang="de-DE" sz="1000" dirty="0" err="1" smtClean="0"/>
+              <a:t>receive</a:t>
+            </a:r>
+            <a:r>
+              <a:rPr lang="de-DE" sz="1000" dirty="0" smtClean="0"/>
+              <a:t> angle</a:t>
+            </a:r>
+            <a:endParaRPr lang="de-DE" sz="1000" dirty="0"/>
+          </a:p>
+        </p:txBody>
+      </p:sp>
+    </p:spTree>
+    <p:extLst>
+      <p:ext uri="{BB962C8B-B14F-4D97-AF65-F5344CB8AC3E}">
+        <p14:creationId xmlns:p14="http://schemas.microsoft.com/office/powerpoint/2010/main" val="1474806580"/>
+      </p:ext>
+    </p:extLst>
+  </p:cSld>
+  <p:clrMapOvr>
+    <a:masterClrMapping/>
+  </p:clrMapOvr>
+</p:sld>
+</file>
+
+<file path=ppt/slides/slide3.xml><?xml version="1.0" encoding="utf-8"?>
+<p:sld xmlns:a="http://schemas.openxmlformats.org/drawingml/2006/main" xmlns:r="http://schemas.openxmlformats.org/officeDocument/2006/relationships" xmlns:p="http://schemas.openxmlformats.org/presentationml/2006/main">
+  <p:cSld>
+    <p:spTree>
+      <p:nvGrpSpPr>
+        <p:cNvPr id="1" name=""/>
+        <p:cNvGrpSpPr/>
+        <p:nvPr/>
+      </p:nvGrpSpPr>
+      <p:grpSpPr>
+        <a:xfrm>
+          <a:off x="0" y="0"/>
+          <a:ext cx="0" cy="0"/>
+          <a:chOff x="0" y="0"/>
+          <a:chExt cx="0" cy="0"/>
+        </a:xfrm>
+      </p:grpSpPr>
+      <p:cxnSp>
+        <p:nvCxnSpPr>
+          <p:cNvPr id="6" name="Gerader Verbinder 5"/>
+          <p:cNvCxnSpPr/>
+          <p:nvPr/>
+        </p:nvCxnSpPr>
+        <p:spPr>
+          <a:xfrm flipV="1">
+            <a:off x="720561" y="2064784"/>
+            <a:ext cx="443484" cy="2052174"/>
+          </a:xfrm>
+          <a:prstGeom prst="line">
+            <a:avLst/>
+          </a:prstGeom>
+        </p:spPr>
+        <p:style>
+          <a:lnRef idx="1">
+            <a:schemeClr val="accent1"/>
+          </a:lnRef>
+          <a:fillRef idx="0">
+            <a:schemeClr val="accent1"/>
+          </a:fillRef>
+          <a:effectRef idx="0">
+            <a:schemeClr val="accent1"/>
+          </a:effectRef>
+          <a:fontRef idx="minor">
+            <a:schemeClr val="tx1"/>
+          </a:fontRef>
+        </p:style>
+      </p:cxnSp>
+      <p:cxnSp>
+        <p:nvCxnSpPr>
+          <p:cNvPr id="10" name="Gerader Verbinder 9"/>
+          <p:cNvCxnSpPr/>
+          <p:nvPr/>
+        </p:nvCxnSpPr>
+        <p:spPr>
+          <a:xfrm flipV="1">
+            <a:off x="720550" y="1344704"/>
+            <a:ext cx="2387711" cy="2772254"/>
+          </a:xfrm>
+          <a:prstGeom prst="line">
+            <a:avLst/>
+          </a:prstGeom>
+        </p:spPr>
+        <p:style>
+          <a:lnRef idx="1">
+            <a:schemeClr val="accent1"/>
+          </a:lnRef>
+          <a:fillRef idx="0">
+            <a:schemeClr val="accent1"/>
+          </a:fillRef>
+          <a:effectRef idx="0">
+            <a:schemeClr val="accent1"/>
+          </a:effectRef>
+          <a:fontRef idx="minor">
+            <a:schemeClr val="tx1"/>
+          </a:fontRef>
+        </p:style>
+      </p:cxnSp>
+      <p:cxnSp>
+        <p:nvCxnSpPr>
+          <p:cNvPr id="13" name="Gerader Verbinder 12"/>
+          <p:cNvCxnSpPr/>
+          <p:nvPr/>
+        </p:nvCxnSpPr>
+        <p:spPr>
+          <a:xfrm flipV="1">
+            <a:off x="1164045" y="1344703"/>
+            <a:ext cx="1944216" cy="720080"/>
+          </a:xfrm>
+          <a:prstGeom prst="line">
+            <a:avLst/>
+          </a:prstGeom>
+        </p:spPr>
+        <p:style>
+          <a:lnRef idx="1">
+            <a:schemeClr val="accent1"/>
+          </a:lnRef>
+          <a:fillRef idx="0">
+            <a:schemeClr val="accent1"/>
+          </a:fillRef>
+          <a:effectRef idx="0">
+            <a:schemeClr val="accent1"/>
+          </a:effectRef>
+          <a:fontRef idx="minor">
+            <a:schemeClr val="tx1"/>
+          </a:fontRef>
+        </p:style>
+      </p:cxnSp>
+      <p:sp>
+        <p:nvSpPr>
+          <p:cNvPr id="22" name="Textfeld 21"/>
+          <p:cNvSpPr txBox="1"/>
+          <p:nvPr/>
+        </p:nvSpPr>
+        <p:spPr>
+          <a:xfrm>
+            <a:off x="738951" y="3520774"/>
+            <a:ext cx="330540" cy="369332"/>
+          </a:xfrm>
+          <a:prstGeom prst="rect">
+            <a:avLst/>
+          </a:prstGeom>
+          <a:noFill/>
+        </p:spPr>
+        <p:txBody>
+          <a:bodyPr wrap="none" rtlCol="0">
+            <a:spAutoFit/>
+          </a:bodyPr>
+          <a:lstStyle/>
+          <a:p>
+            <a:r>
+              <a:rPr lang="de-DE" dirty="0" smtClean="0">
+                <a:latin typeface="Symbol" panose="05050102010706020507" pitchFamily="18" charset="2"/>
+              </a:rPr>
+              <a:t>a</a:t>
+            </a:r>
+            <a:endParaRPr lang="de-DE" dirty="0">
+              <a:latin typeface="Symbol" panose="05050102010706020507" pitchFamily="18" charset="2"/>
+            </a:endParaRPr>
+          </a:p>
+        </p:txBody>
+      </p:sp>
+      <p:sp>
+        <p:nvSpPr>
+          <p:cNvPr id="23" name="Bogen 22"/>
+          <p:cNvSpPr/>
+          <p:nvPr/>
+        </p:nvSpPr>
+        <p:spPr>
+          <a:xfrm>
+            <a:off x="153007" y="3520774"/>
+            <a:ext cx="1252970" cy="1208768"/>
+          </a:xfrm>
+          <a:prstGeom prst="arc">
+            <a:avLst>
+              <a:gd name="adj1" fmla="val 16550040"/>
+              <a:gd name="adj2" fmla="val 18358315"/>
+            </a:avLst>
+          </a:prstGeom>
+        </p:spPr>
+        <p:style>
+          <a:lnRef idx="1">
+            <a:schemeClr val="accent1"/>
+          </a:lnRef>
+          <a:fillRef idx="0">
+            <a:schemeClr val="accent1"/>
+          </a:fillRef>
+          <a:effectRef idx="0">
+            <a:schemeClr val="accent1"/>
+          </a:effectRef>
+          <a:fontRef idx="minor">
+            <a:schemeClr val="tx1"/>
+          </a:fontRef>
+        </p:style>
+        <p:txBody>
+          <a:bodyPr rtlCol="0" anchor="ctr"/>
+          <a:lstStyle/>
+          <a:p>
+            <a:pPr algn="ctr"/>
+            <a:endParaRPr lang="de-DE"/>
+          </a:p>
+        </p:txBody>
+      </p:sp>
+      <p:sp>
+        <p:nvSpPr>
+          <p:cNvPr id="24" name="Textfeld 23"/>
+          <p:cNvSpPr txBox="1"/>
+          <p:nvPr/>
+        </p:nvSpPr>
+        <p:spPr>
+          <a:xfrm>
+            <a:off x="1227375" y="2016408"/>
+            <a:ext cx="279244" cy="369332"/>
+          </a:xfrm>
+          <a:prstGeom prst="rect">
+            <a:avLst/>
+          </a:prstGeom>
+          <a:noFill/>
+        </p:spPr>
+        <p:txBody>
+          <a:bodyPr wrap="none" rtlCol="0">
+            <a:spAutoFit/>
+          </a:bodyPr>
+          <a:lstStyle/>
+          <a:p>
+            <a:r>
+              <a:rPr lang="de-DE" dirty="0" smtClean="0">
+                <a:latin typeface="Symbol" panose="05050102010706020507" pitchFamily="18" charset="2"/>
+              </a:rPr>
+              <a:t>g</a:t>
+            </a:r>
+            <a:endParaRPr lang="de-DE" dirty="0">
+              <a:latin typeface="Symbol" panose="05050102010706020507" pitchFamily="18" charset="2"/>
+            </a:endParaRPr>
+          </a:p>
+        </p:txBody>
+      </p:sp>
+      <p:sp>
+        <p:nvSpPr>
+          <p:cNvPr id="25" name="Bogen 24"/>
+          <p:cNvSpPr/>
+          <p:nvPr/>
+        </p:nvSpPr>
+        <p:spPr>
+          <a:xfrm>
+            <a:off x="722729" y="1700542"/>
+            <a:ext cx="914400" cy="914400"/>
+          </a:xfrm>
+          <a:prstGeom prst="arc">
+            <a:avLst>
+              <a:gd name="adj1" fmla="val 19742359"/>
+              <a:gd name="adj2" fmla="val 6440031"/>
+            </a:avLst>
+          </a:prstGeom>
+        </p:spPr>
+        <p:style>
+          <a:lnRef idx="1">
+            <a:schemeClr val="accent1"/>
+          </a:lnRef>
+          <a:fillRef idx="0">
+            <a:schemeClr val="accent1"/>
+          </a:fillRef>
+          <a:effectRef idx="0">
+            <a:schemeClr val="accent1"/>
+          </a:effectRef>
+          <a:fontRef idx="minor">
+            <a:schemeClr val="tx1"/>
+          </a:fontRef>
+        </p:style>
+        <p:txBody>
+          <a:bodyPr rtlCol="0" anchor="ctr"/>
+          <a:lstStyle/>
+          <a:p>
+            <a:pPr algn="ctr"/>
+            <a:endParaRPr lang="de-DE"/>
+          </a:p>
+        </p:txBody>
+      </p:sp>
+      <p:sp>
+        <p:nvSpPr>
+          <p:cNvPr id="26" name="Textfeld 25"/>
+          <p:cNvSpPr txBox="1"/>
+          <p:nvPr/>
+        </p:nvSpPr>
+        <p:spPr>
+          <a:xfrm>
+            <a:off x="2645505" y="1344703"/>
+            <a:ext cx="311304" cy="369332"/>
+          </a:xfrm>
+          <a:prstGeom prst="rect">
+            <a:avLst/>
+          </a:prstGeom>
+          <a:noFill/>
+        </p:spPr>
+        <p:txBody>
+          <a:bodyPr wrap="none" rtlCol="0">
+            <a:spAutoFit/>
+          </a:bodyPr>
+          <a:lstStyle/>
+          <a:p>
+            <a:r>
+              <a:rPr lang="de-DE" dirty="0" smtClean="0">
+                <a:latin typeface="Symbol" panose="05050102010706020507" pitchFamily="18" charset="2"/>
+              </a:rPr>
+              <a:t>b</a:t>
+            </a:r>
+            <a:endParaRPr lang="de-DE" dirty="0">
+              <a:latin typeface="Symbol" panose="05050102010706020507" pitchFamily="18" charset="2"/>
+            </a:endParaRPr>
+          </a:p>
+        </p:txBody>
+      </p:sp>
+      <p:sp>
+        <p:nvSpPr>
+          <p:cNvPr id="27" name="Bogen 26"/>
+          <p:cNvSpPr/>
+          <p:nvPr/>
+        </p:nvSpPr>
+        <p:spPr>
+          <a:xfrm>
+            <a:off x="2635177" y="959511"/>
+            <a:ext cx="914400" cy="914400"/>
+          </a:xfrm>
+          <a:prstGeom prst="arc">
+            <a:avLst>
+              <a:gd name="adj1" fmla="val 8098515"/>
+              <a:gd name="adj2" fmla="val 9932700"/>
+            </a:avLst>
+          </a:prstGeom>
+        </p:spPr>
+        <p:style>
+          <a:lnRef idx="1">
+            <a:schemeClr val="accent1"/>
+          </a:lnRef>
+          <a:fillRef idx="0">
+            <a:schemeClr val="accent1"/>
+          </a:fillRef>
+          <a:effectRef idx="0">
+            <a:schemeClr val="accent1"/>
+          </a:effectRef>
+          <a:fontRef idx="minor">
+            <a:schemeClr val="tx1"/>
+          </a:fontRef>
+        </p:style>
+        <p:txBody>
+          <a:bodyPr rtlCol="0" anchor="ctr"/>
+          <a:lstStyle/>
+          <a:p>
+            <a:pPr algn="ctr"/>
+            <a:endParaRPr lang="de-DE"/>
+          </a:p>
+        </p:txBody>
+      </p:sp>
+      <p:sp>
+        <p:nvSpPr>
+          <p:cNvPr id="28" name="Bogen 27"/>
+          <p:cNvSpPr/>
+          <p:nvPr/>
+        </p:nvSpPr>
+        <p:spPr>
+          <a:xfrm>
+            <a:off x="294144" y="3606942"/>
+            <a:ext cx="1011770" cy="1051002"/>
+          </a:xfrm>
+          <a:prstGeom prst="arc">
+            <a:avLst>
+              <a:gd name="adj1" fmla="val 18199616"/>
+              <a:gd name="adj2" fmla="val 21409533"/>
+            </a:avLst>
+          </a:prstGeom>
+        </p:spPr>
+        <p:style>
+          <a:lnRef idx="1">
+            <a:schemeClr val="accent1"/>
+          </a:lnRef>
+          <a:fillRef idx="0">
+            <a:schemeClr val="accent1"/>
+          </a:fillRef>
+          <a:effectRef idx="0">
+            <a:schemeClr val="accent1"/>
+          </a:effectRef>
+          <a:fontRef idx="minor">
+            <a:schemeClr val="tx1"/>
+          </a:fontRef>
+        </p:style>
+        <p:txBody>
+          <a:bodyPr rtlCol="0" anchor="ctr"/>
+          <a:lstStyle/>
+          <a:p>
+            <a:pPr algn="ctr"/>
+            <a:endParaRPr lang="de-DE"/>
+          </a:p>
+        </p:txBody>
+      </p:sp>
+      <p:sp>
+        <p:nvSpPr>
+          <p:cNvPr id="29" name="Bogen 28"/>
+          <p:cNvSpPr/>
+          <p:nvPr/>
+        </p:nvSpPr>
+        <p:spPr>
+          <a:xfrm>
+            <a:off x="-194197" y="3066936"/>
+            <a:ext cx="1956728" cy="2106438"/>
+          </a:xfrm>
+          <a:prstGeom prst="arc">
+            <a:avLst>
+              <a:gd name="adj1" fmla="val 16003799"/>
+              <a:gd name="adj2" fmla="val 16736906"/>
+            </a:avLst>
+          </a:prstGeom>
+        </p:spPr>
+        <p:style>
+          <a:lnRef idx="1">
+            <a:schemeClr val="accent1"/>
+          </a:lnRef>
+          <a:fillRef idx="0">
+            <a:schemeClr val="accent1"/>
+          </a:fillRef>
+          <a:effectRef idx="0">
+            <a:schemeClr val="accent1"/>
+          </a:effectRef>
+          <a:fontRef idx="minor">
+            <a:schemeClr val="tx1"/>
+          </a:fontRef>
+        </p:style>
+        <p:txBody>
+          <a:bodyPr rtlCol="0" anchor="ctr"/>
+          <a:lstStyle/>
+          <a:p>
+            <a:pPr algn="ctr"/>
+            <a:endParaRPr lang="de-DE"/>
+          </a:p>
+        </p:txBody>
+      </p:sp>
+      <p:sp>
+        <p:nvSpPr>
+          <p:cNvPr id="30" name="Textfeld 29"/>
+          <p:cNvSpPr txBox="1"/>
+          <p:nvPr/>
+        </p:nvSpPr>
+        <p:spPr>
+          <a:xfrm>
+            <a:off x="634616" y="2978643"/>
+            <a:ext cx="387276" cy="369332"/>
+          </a:xfrm>
+          <a:prstGeom prst="rect">
+            <a:avLst/>
+          </a:prstGeom>
+          <a:noFill/>
+        </p:spPr>
+        <p:txBody>
+          <a:bodyPr wrap="square" rtlCol="0">
+            <a:spAutoFit/>
+          </a:bodyPr>
+          <a:lstStyle/>
+          <a:p>
+            <a:r>
+              <a:rPr lang="de-DE" dirty="0" smtClean="0">
+                <a:latin typeface="Symbol" panose="05050102010706020507" pitchFamily="18" charset="2"/>
+              </a:rPr>
+              <a:t>q</a:t>
+            </a:r>
+            <a:r>
+              <a:rPr lang="de-DE" baseline="-25000" dirty="0" smtClean="0">
+                <a:latin typeface="Symbol" panose="05050102010706020507" pitchFamily="18" charset="2"/>
+              </a:rPr>
+              <a:t>1</a:t>
+            </a:r>
+            <a:endParaRPr lang="de-DE" baseline="-25000" dirty="0">
+              <a:latin typeface="Symbol" panose="05050102010706020507" pitchFamily="18" charset="2"/>
+            </a:endParaRPr>
+          </a:p>
+        </p:txBody>
+      </p:sp>
+      <p:sp>
+        <p:nvSpPr>
+          <p:cNvPr id="31" name="Textfeld 30"/>
+          <p:cNvSpPr txBox="1"/>
+          <p:nvPr/>
+        </p:nvSpPr>
+        <p:spPr>
+          <a:xfrm>
+            <a:off x="1822353" y="1695451"/>
+            <a:ext cx="381836" cy="369332"/>
+          </a:xfrm>
+          <a:prstGeom prst="rect">
+            <a:avLst/>
+          </a:prstGeom>
+          <a:noFill/>
+        </p:spPr>
+        <p:txBody>
+          <a:bodyPr wrap="none" rtlCol="0">
+            <a:spAutoFit/>
+          </a:bodyPr>
+          <a:lstStyle/>
+          <a:p>
+            <a:r>
+              <a:rPr lang="de-DE" dirty="0" smtClean="0">
+                <a:latin typeface="Symbol" panose="05050102010706020507" pitchFamily="18" charset="2"/>
+              </a:rPr>
+              <a:t>q</a:t>
+            </a:r>
+            <a:r>
+              <a:rPr lang="de-DE" baseline="-25000" dirty="0" smtClean="0">
+                <a:latin typeface="Symbol" panose="05050102010706020507" pitchFamily="18" charset="2"/>
+              </a:rPr>
+              <a:t>2</a:t>
+            </a:r>
+            <a:endParaRPr lang="de-DE" baseline="-25000" dirty="0">
+              <a:latin typeface="Symbol" panose="05050102010706020507" pitchFamily="18" charset="2"/>
+            </a:endParaRPr>
+          </a:p>
+        </p:txBody>
+      </p:sp>
+      <p:sp>
+        <p:nvSpPr>
+          <p:cNvPr id="32" name="Bogen 31"/>
+          <p:cNvSpPr/>
+          <p:nvPr/>
+        </p:nvSpPr>
+        <p:spPr>
+          <a:xfrm>
+            <a:off x="180079" y="1131499"/>
+            <a:ext cx="1992078" cy="1813126"/>
+          </a:xfrm>
+          <a:prstGeom prst="arc">
+            <a:avLst>
+              <a:gd name="adj1" fmla="val 20478765"/>
+              <a:gd name="adj2" fmla="val 882339"/>
+            </a:avLst>
+          </a:prstGeom>
+        </p:spPr>
+        <p:style>
+          <a:lnRef idx="1">
+            <a:schemeClr val="accent1"/>
+          </a:lnRef>
+          <a:fillRef idx="0">
+            <a:schemeClr val="accent1"/>
+          </a:fillRef>
+          <a:effectRef idx="0">
+            <a:schemeClr val="accent1"/>
+          </a:effectRef>
+          <a:fontRef idx="minor">
+            <a:schemeClr val="tx1"/>
+          </a:fontRef>
+        </p:style>
+        <p:txBody>
+          <a:bodyPr rtlCol="0" anchor="ctr"/>
+          <a:lstStyle/>
+          <a:p>
+            <a:pPr algn="ctr"/>
+            <a:endParaRPr lang="de-DE"/>
+          </a:p>
+        </p:txBody>
+      </p:sp>
+      <p:cxnSp>
+        <p:nvCxnSpPr>
+          <p:cNvPr id="34" name="Gerader Verbinder 33"/>
+          <p:cNvCxnSpPr>
+            <a:endCxn id="32" idx="2"/>
+          </p:cNvCxnSpPr>
+          <p:nvPr/>
+        </p:nvCxnSpPr>
+        <p:spPr>
+          <a:xfrm>
+            <a:off x="1164044" y="2064784"/>
+            <a:ext cx="969119" cy="224455"/>
+          </a:xfrm>
+          <a:prstGeom prst="line">
+            <a:avLst/>
+          </a:prstGeom>
+        </p:spPr>
+        <p:style>
+          <a:lnRef idx="1">
+            <a:schemeClr val="accent1"/>
+          </a:lnRef>
+          <a:fillRef idx="0">
+            <a:schemeClr val="accent1"/>
+          </a:fillRef>
+          <a:effectRef idx="0">
+            <a:schemeClr val="accent1"/>
+          </a:effectRef>
+          <a:fontRef idx="minor">
+            <a:schemeClr val="tx1"/>
+          </a:fontRef>
+        </p:style>
+      </p:cxnSp>
+      <p:sp>
+        <p:nvSpPr>
+          <p:cNvPr id="36" name="Bogen 35"/>
+          <p:cNvSpPr/>
+          <p:nvPr/>
+        </p:nvSpPr>
+        <p:spPr>
+          <a:xfrm>
+            <a:off x="1105524" y="2022359"/>
+            <a:ext cx="105968" cy="132208"/>
+          </a:xfrm>
+          <a:prstGeom prst="arc">
+            <a:avLst>
+              <a:gd name="adj1" fmla="val 21359373"/>
+              <a:gd name="adj2" fmla="val 5904034"/>
+            </a:avLst>
+          </a:prstGeom>
+        </p:spPr>
+        <p:style>
+          <a:lnRef idx="1">
+            <a:schemeClr val="accent1"/>
+          </a:lnRef>
+          <a:fillRef idx="0">
+            <a:schemeClr val="accent1"/>
+          </a:fillRef>
+          <a:effectRef idx="0">
+            <a:schemeClr val="accent1"/>
+          </a:effectRef>
+          <a:fontRef idx="minor">
+            <a:schemeClr val="tx1"/>
+          </a:fontRef>
+        </p:style>
+        <p:txBody>
+          <a:bodyPr rtlCol="0" anchor="ctr"/>
+          <a:lstStyle/>
+          <a:p>
+            <a:pPr algn="ctr"/>
+            <a:endParaRPr lang="de-DE"/>
+          </a:p>
+        </p:txBody>
+      </p:sp>
+      <p:cxnSp>
+        <p:nvCxnSpPr>
+          <p:cNvPr id="38" name="Gerader Verbinder 37"/>
+          <p:cNvCxnSpPr/>
+          <p:nvPr/>
+        </p:nvCxnSpPr>
+        <p:spPr>
+          <a:xfrm flipV="1">
+            <a:off x="722133" y="4081007"/>
+            <a:ext cx="2386128" cy="35951"/>
+          </a:xfrm>
+          <a:prstGeom prst="line">
+            <a:avLst/>
+          </a:prstGeom>
+        </p:spPr>
+        <p:style>
+          <a:lnRef idx="1">
+            <a:schemeClr val="accent1"/>
+          </a:lnRef>
+          <a:fillRef idx="0">
+            <a:schemeClr val="accent1"/>
+          </a:fillRef>
+          <a:effectRef idx="0">
+            <a:schemeClr val="accent1"/>
+          </a:effectRef>
+          <a:fontRef idx="minor">
+            <a:schemeClr val="tx1"/>
+          </a:fontRef>
+        </p:style>
+      </p:cxnSp>
+      <p:cxnSp>
+        <p:nvCxnSpPr>
+          <p:cNvPr id="44" name="Gerader Verbinder 43"/>
+          <p:cNvCxnSpPr/>
+          <p:nvPr/>
+        </p:nvCxnSpPr>
+        <p:spPr>
+          <a:xfrm>
+            <a:off x="3092377" y="1344703"/>
+            <a:ext cx="0" cy="2736304"/>
+          </a:xfrm>
+          <a:prstGeom prst="line">
+            <a:avLst/>
+          </a:prstGeom>
+        </p:spPr>
+        <p:style>
+          <a:lnRef idx="1">
+            <a:schemeClr val="accent1"/>
+          </a:lnRef>
+          <a:fillRef idx="0">
+            <a:schemeClr val="accent1"/>
+          </a:fillRef>
+          <a:effectRef idx="0">
+            <a:schemeClr val="accent1"/>
+          </a:effectRef>
+          <a:fontRef idx="minor">
+            <a:schemeClr val="tx1"/>
+          </a:fontRef>
+        </p:style>
+      </p:cxnSp>
+      <p:sp>
+        <p:nvSpPr>
+          <p:cNvPr id="47" name="Textfeld 46"/>
+          <p:cNvSpPr txBox="1"/>
+          <p:nvPr/>
+        </p:nvSpPr>
+        <p:spPr>
+          <a:xfrm>
+            <a:off x="3172158" y="2753255"/>
+            <a:ext cx="806311" cy="307777"/>
+          </a:xfrm>
+          <a:prstGeom prst="rect">
+            <a:avLst/>
+          </a:prstGeom>
+          <a:noFill/>
+        </p:spPr>
+        <p:txBody>
+          <a:bodyPr wrap="none" rtlCol="0">
+            <a:spAutoFit/>
+          </a:bodyPr>
+          <a:lstStyle/>
+          <a:p>
+            <a:r>
+              <a:rPr lang="de-DE" sz="1400" dirty="0" smtClean="0"/>
+              <a:t>WCP</a:t>
+            </a:r>
+            <a:r>
+              <a:rPr lang="de-DE" sz="1400" baseline="-25000" dirty="0" smtClean="0"/>
+              <a:t>z</a:t>
+            </a:r>
+            <a:r>
+              <a:rPr lang="de-DE" sz="1400" dirty="0" smtClean="0"/>
+              <a:t>-d</a:t>
+            </a:r>
+            <a:r>
+              <a:rPr lang="de-DE" sz="1400" baseline="-25000" dirty="0" smtClean="0"/>
+              <a:t>0</a:t>
+            </a:r>
+            <a:endParaRPr lang="de-DE" sz="1400" baseline="-25000" dirty="0"/>
+          </a:p>
+        </p:txBody>
+      </p:sp>
+      <mc:AlternateContent xmlns:mc="http://schemas.openxmlformats.org/markup-compatibility/2006" xmlns:a14="http://schemas.microsoft.com/office/drawing/2010/main">
+        <mc:Choice Requires="a14">
+          <p:sp>
+            <p:nvSpPr>
+              <p:cNvPr id="49" name="Textfeld 48"/>
+              <p:cNvSpPr txBox="1"/>
+              <p:nvPr/>
+            </p:nvSpPr>
+            <p:spPr>
+              <a:xfrm>
+                <a:off x="1225492" y="4109152"/>
+                <a:ext cx="1893330" cy="468141"/>
+              </a:xfrm>
+              <a:prstGeom prst="rect">
+                <a:avLst/>
+              </a:prstGeom>
+              <a:noFill/>
+            </p:spPr>
+            <p:txBody>
+              <a:bodyPr wrap="square" rtlCol="0">
+                <a:spAutoFit/>
+              </a:bodyPr>
+              <a:lstStyle/>
+              <a:p>
+                <a:pPr/>
+                <a14:m>
+                  <m:oMathPara xmlns:m="http://schemas.openxmlformats.org/officeDocument/2006/math">
+                    <m:oMathParaPr>
+                      <m:jc m:val="centerGroup"/>
+                    </m:oMathParaPr>
+                    <m:oMath xmlns:m="http://schemas.openxmlformats.org/officeDocument/2006/math">
+                      <m:rad>
+                        <m:radPr>
+                          <m:degHide m:val="on"/>
+                          <m:ctrlPr>
+                            <a:rPr lang="de-DE" sz="1200" b="0" i="1" smtClean="0">
+                              <a:latin typeface="Cambria Math" panose="02040503050406030204" pitchFamily="18" charset="0"/>
+                            </a:rPr>
+                          </m:ctrlPr>
+                        </m:radPr>
+                        <m:deg/>
+                        <m:e>
+                          <m:d>
+                            <m:dPr>
+                              <m:ctrlPr>
+                                <a:rPr lang="de-DE" sz="1200" i="1">
+                                  <a:latin typeface="Cambria Math" panose="02040503050406030204" pitchFamily="18" charset="0"/>
+                                </a:rPr>
+                              </m:ctrlPr>
+                            </m:dPr>
+                            <m:e>
+                              <m:sSup>
+                                <m:sSupPr>
+                                  <m:ctrlPr>
+                                    <a:rPr lang="de-DE" sz="1200" i="1">
+                                      <a:latin typeface="Cambria Math" panose="02040503050406030204" pitchFamily="18" charset="0"/>
+                                    </a:rPr>
+                                  </m:ctrlPr>
+                                </m:sSupPr>
+                                <m:e>
+                                  <m:sSub>
+                                    <m:sSubPr>
+                                      <m:ctrlPr>
+                                        <a:rPr lang="de-DE" sz="1200" i="1">
+                                          <a:latin typeface="Cambria Math" panose="02040503050406030204" pitchFamily="18" charset="0"/>
+                                        </a:rPr>
+                                      </m:ctrlPr>
+                                    </m:sSubPr>
+                                    <m:e>
+                                      <m:r>
+                                        <a:rPr lang="de-DE" sz="1200" i="1">
+                                          <a:latin typeface="Cambria Math" panose="02040503050406030204" pitchFamily="18" charset="0"/>
+                                        </a:rPr>
+                                        <m:t>𝑊𝐶𝑃</m:t>
+                                      </m:r>
+                                    </m:e>
+                                    <m:sub>
+                                      <m:r>
+                                        <a:rPr lang="de-DE" sz="1200" i="1">
+                                          <a:latin typeface="Cambria Math" panose="02040503050406030204" pitchFamily="18" charset="0"/>
+                                        </a:rPr>
+                                        <m:t>𝑥</m:t>
+                                      </m:r>
+                                    </m:sub>
+                                  </m:sSub>
+                                </m:e>
+                                <m:sup>
+                                  <m:r>
+                                    <a:rPr lang="de-DE" sz="1200" i="1">
+                                      <a:latin typeface="Cambria Math" panose="02040503050406030204" pitchFamily="18" charset="0"/>
+                                    </a:rPr>
+                                    <m:t>2</m:t>
+                                  </m:r>
+                                </m:sup>
+                              </m:sSup>
+                              <m:sSup>
+                                <m:sSupPr>
+                                  <m:ctrlPr>
+                                    <a:rPr lang="de-DE" sz="1200" i="1">
+                                      <a:latin typeface="Cambria Math" panose="02040503050406030204" pitchFamily="18" charset="0"/>
+                                    </a:rPr>
+                                  </m:ctrlPr>
+                                </m:sSupPr>
+                                <m:e>
+                                  <m:sSub>
+                                    <m:sSubPr>
+                                      <m:ctrlPr>
+                                        <a:rPr lang="de-DE" sz="1200" i="1">
+                                          <a:latin typeface="Cambria Math" panose="02040503050406030204" pitchFamily="18" charset="0"/>
+                                        </a:rPr>
+                                      </m:ctrlPr>
+                                    </m:sSubPr>
+                                    <m:e>
+                                      <m:r>
+                                        <a:rPr lang="de-DE" sz="1200" i="1">
+                                          <a:latin typeface="Cambria Math" panose="02040503050406030204" pitchFamily="18" charset="0"/>
+                                        </a:rPr>
+                                        <m:t>+ </m:t>
+                                      </m:r>
+                                      <m:r>
+                                        <a:rPr lang="de-DE" sz="1200" i="1">
+                                          <a:latin typeface="Cambria Math" panose="02040503050406030204" pitchFamily="18" charset="0"/>
+                                        </a:rPr>
+                                        <m:t>𝑊𝐶𝑃</m:t>
+                                      </m:r>
+                                    </m:e>
+                                    <m:sub>
+                                      <m:r>
+                                        <a:rPr lang="de-DE" sz="1200" i="1">
+                                          <a:latin typeface="Cambria Math" panose="02040503050406030204" pitchFamily="18" charset="0"/>
+                                        </a:rPr>
+                                        <m:t>𝑦</m:t>
+                                      </m:r>
+                                    </m:sub>
+                                  </m:sSub>
+                                </m:e>
+                                <m:sup>
+                                  <m:r>
+                                    <a:rPr lang="de-DE" sz="1200" i="1">
+                                      <a:latin typeface="Cambria Math" panose="02040503050406030204" pitchFamily="18" charset="0"/>
+                                    </a:rPr>
+                                    <m:t>2</m:t>
+                                  </m:r>
+                                </m:sup>
+                              </m:sSup>
+                            </m:e>
+                          </m:d>
+                        </m:e>
+                      </m:rad>
+                    </m:oMath>
+                  </m:oMathPara>
+                </a14:m>
+                <a:endParaRPr lang="de-DE" sz="1200" baseline="-25000" dirty="0"/>
+              </a:p>
+            </p:txBody>
+          </p:sp>
+        </mc:Choice>
+        <mc:Fallback xmlns="">
+          <p:sp>
+            <p:nvSpPr>
+              <p:cNvPr id="49" name="Textfeld 48"/>
+              <p:cNvSpPr txBox="1">
+                <a:spLocks noRot="1" noChangeAspect="1" noMove="1" noResize="1" noEditPoints="1" noAdjustHandles="1" noChangeArrowheads="1" noChangeShapeType="1" noTextEdit="1"/>
+              </p:cNvSpPr>
+              <p:nvPr/>
+            </p:nvSpPr>
+            <p:spPr>
+              <a:xfrm>
+                <a:off x="1225492" y="4109152"/>
+                <a:ext cx="1893330" cy="468141"/>
+              </a:xfrm>
+              <a:prstGeom prst="rect">
+                <a:avLst/>
+              </a:prstGeom>
+              <a:blipFill rotWithShape="0">
+                <a:blip r:embed="rId2"/>
+                <a:stretch>
+                  <a:fillRect/>
+                </a:stretch>
+              </a:blipFill>
+            </p:spPr>
+            <p:txBody>
+              <a:bodyPr/>
+              <a:lstStyle/>
+              <a:p>
+                <a:r>
+                  <a:rPr lang="de-DE">
+                    <a:noFill/>
+                  </a:rPr>
+                  <a:t> </a:t>
+                </a:r>
+              </a:p>
+            </p:txBody>
+          </p:sp>
+        </mc:Fallback>
+      </mc:AlternateContent>
+      <p:sp>
+        <p:nvSpPr>
+          <p:cNvPr id="50" name="Textfeld 49"/>
+          <p:cNvSpPr txBox="1"/>
+          <p:nvPr/>
+        </p:nvSpPr>
+        <p:spPr>
+          <a:xfrm>
+            <a:off x="994197" y="3747626"/>
+            <a:ext cx="298480" cy="369332"/>
+          </a:xfrm>
+          <a:prstGeom prst="rect">
+            <a:avLst/>
+          </a:prstGeom>
+          <a:noFill/>
+        </p:spPr>
+        <p:txBody>
+          <a:bodyPr wrap="none" rtlCol="0">
+            <a:spAutoFit/>
+          </a:bodyPr>
+          <a:lstStyle/>
+          <a:p>
+            <a:r>
+              <a:rPr lang="de-DE" dirty="0" smtClean="0">
+                <a:latin typeface="Symbol" panose="05050102010706020507" pitchFamily="18" charset="2"/>
+              </a:rPr>
+              <a:t>d</a:t>
+            </a:r>
+            <a:endParaRPr lang="de-DE" dirty="0">
+              <a:latin typeface="Symbol" panose="05050102010706020507" pitchFamily="18" charset="2"/>
+            </a:endParaRPr>
+          </a:p>
+        </p:txBody>
+      </p:sp>
+      <p:sp>
+        <p:nvSpPr>
+          <p:cNvPr id="71" name="Textfeld 70"/>
+          <p:cNvSpPr txBox="1"/>
+          <p:nvPr/>
+        </p:nvSpPr>
+        <p:spPr>
+          <a:xfrm>
+            <a:off x="1405978" y="820700"/>
+            <a:ext cx="1186543" cy="369332"/>
+          </a:xfrm>
+          <a:prstGeom prst="rect">
+            <a:avLst/>
+          </a:prstGeom>
+          <a:noFill/>
+        </p:spPr>
+        <p:txBody>
+          <a:bodyPr wrap="none" rtlCol="0">
+            <a:spAutoFit/>
+          </a:bodyPr>
+          <a:lstStyle/>
+          <a:p>
+            <a:r>
+              <a:rPr lang="de-DE" dirty="0" smtClean="0"/>
+              <a:t>Solution I: </a:t>
+            </a:r>
+            <a:endParaRPr lang="de-DE" dirty="0"/>
+          </a:p>
+        </p:txBody>
+      </p:sp>
+      <p:cxnSp>
+        <p:nvCxnSpPr>
+          <p:cNvPr id="43" name="Gerader Verbinder 42"/>
+          <p:cNvCxnSpPr/>
+          <p:nvPr/>
+        </p:nvCxnSpPr>
+        <p:spPr>
+          <a:xfrm flipV="1">
+            <a:off x="4993869" y="3310274"/>
+            <a:ext cx="1878002" cy="834830"/>
+          </a:xfrm>
+          <a:prstGeom prst="line">
+            <a:avLst/>
+          </a:prstGeom>
+        </p:spPr>
+        <p:style>
+          <a:lnRef idx="1">
+            <a:schemeClr val="accent1"/>
+          </a:lnRef>
+          <a:fillRef idx="0">
+            <a:schemeClr val="accent1"/>
+          </a:fillRef>
+          <a:effectRef idx="0">
+            <a:schemeClr val="accent1"/>
+          </a:effectRef>
+          <a:fontRef idx="minor">
+            <a:schemeClr val="tx1"/>
+          </a:fontRef>
+        </p:style>
+      </p:cxnSp>
+      <p:cxnSp>
+        <p:nvCxnSpPr>
+          <p:cNvPr id="45" name="Gerader Verbinder 44"/>
+          <p:cNvCxnSpPr/>
+          <p:nvPr/>
+        </p:nvCxnSpPr>
+        <p:spPr>
+          <a:xfrm flipV="1">
+            <a:off x="4993858" y="1372849"/>
+            <a:ext cx="2387711" cy="2772254"/>
+          </a:xfrm>
+          <a:prstGeom prst="line">
+            <a:avLst/>
+          </a:prstGeom>
+        </p:spPr>
+        <p:style>
+          <a:lnRef idx="1">
+            <a:schemeClr val="accent1"/>
+          </a:lnRef>
+          <a:fillRef idx="0">
+            <a:schemeClr val="accent1"/>
+          </a:fillRef>
+          <a:effectRef idx="0">
+            <a:schemeClr val="accent1"/>
+          </a:effectRef>
+          <a:fontRef idx="minor">
+            <a:schemeClr val="tx1"/>
+          </a:fontRef>
+        </p:style>
+      </p:cxnSp>
+      <p:cxnSp>
+        <p:nvCxnSpPr>
+          <p:cNvPr id="46" name="Gerader Verbinder 45"/>
+          <p:cNvCxnSpPr/>
+          <p:nvPr/>
+        </p:nvCxnSpPr>
+        <p:spPr>
+          <a:xfrm flipV="1">
+            <a:off x="6871871" y="1372848"/>
+            <a:ext cx="509698" cy="1933303"/>
+          </a:xfrm>
+          <a:prstGeom prst="line">
+            <a:avLst/>
+          </a:prstGeom>
+        </p:spPr>
+        <p:style>
+          <a:lnRef idx="1">
+            <a:schemeClr val="accent1"/>
+          </a:lnRef>
+          <a:fillRef idx="0">
+            <a:schemeClr val="accent1"/>
+          </a:fillRef>
+          <a:effectRef idx="0">
+            <a:schemeClr val="accent1"/>
+          </a:effectRef>
+          <a:fontRef idx="minor">
+            <a:schemeClr val="tx1"/>
+          </a:fontRef>
+        </p:style>
+      </p:cxnSp>
+      <p:sp>
+        <p:nvSpPr>
+          <p:cNvPr id="48" name="Textfeld 47"/>
+          <p:cNvSpPr txBox="1"/>
+          <p:nvPr/>
+        </p:nvSpPr>
+        <p:spPr>
+          <a:xfrm>
+            <a:off x="5421345" y="3466456"/>
+            <a:ext cx="330540" cy="369332"/>
+          </a:xfrm>
+          <a:prstGeom prst="rect">
+            <a:avLst/>
+          </a:prstGeom>
+          <a:noFill/>
+        </p:spPr>
+        <p:txBody>
+          <a:bodyPr wrap="none" rtlCol="0">
+            <a:spAutoFit/>
+          </a:bodyPr>
+          <a:lstStyle/>
+          <a:p>
+            <a:r>
+              <a:rPr lang="de-DE" dirty="0" smtClean="0">
+                <a:latin typeface="Symbol" panose="05050102010706020507" pitchFamily="18" charset="2"/>
+              </a:rPr>
+              <a:t>a</a:t>
+            </a:r>
+            <a:endParaRPr lang="de-DE" dirty="0">
+              <a:latin typeface="Symbol" panose="05050102010706020507" pitchFamily="18" charset="2"/>
+            </a:endParaRPr>
+          </a:p>
+        </p:txBody>
+      </p:sp>
+      <p:sp>
+        <p:nvSpPr>
+          <p:cNvPr id="53" name="Bogen 52"/>
+          <p:cNvSpPr/>
+          <p:nvPr/>
+        </p:nvSpPr>
+        <p:spPr>
+          <a:xfrm>
+            <a:off x="4426315" y="3548919"/>
+            <a:ext cx="1252970" cy="1208768"/>
+          </a:xfrm>
+          <a:prstGeom prst="arc">
+            <a:avLst>
+              <a:gd name="adj1" fmla="val 18331192"/>
+              <a:gd name="adj2" fmla="val 19952646"/>
+            </a:avLst>
+          </a:prstGeom>
+        </p:spPr>
+        <p:style>
+          <a:lnRef idx="1">
+            <a:schemeClr val="accent1"/>
+          </a:lnRef>
+          <a:fillRef idx="0">
+            <a:schemeClr val="accent1"/>
+          </a:fillRef>
+          <a:effectRef idx="0">
+            <a:schemeClr val="accent1"/>
+          </a:effectRef>
+          <a:fontRef idx="minor">
+            <a:schemeClr val="tx1"/>
+          </a:fontRef>
+        </p:style>
+        <p:txBody>
+          <a:bodyPr rtlCol="0" anchor="ctr"/>
+          <a:lstStyle/>
+          <a:p>
+            <a:pPr algn="ctr"/>
+            <a:endParaRPr lang="de-DE"/>
+          </a:p>
+        </p:txBody>
+      </p:sp>
+      <p:sp>
+        <p:nvSpPr>
+          <p:cNvPr id="54" name="Textfeld 53"/>
+          <p:cNvSpPr txBox="1"/>
+          <p:nvPr/>
+        </p:nvSpPr>
+        <p:spPr>
+          <a:xfrm>
+            <a:off x="6605390" y="2949419"/>
+            <a:ext cx="279244" cy="369332"/>
+          </a:xfrm>
+          <a:prstGeom prst="rect">
+            <a:avLst/>
+          </a:prstGeom>
+          <a:noFill/>
+        </p:spPr>
+        <p:txBody>
+          <a:bodyPr wrap="none" rtlCol="0">
+            <a:spAutoFit/>
+          </a:bodyPr>
+          <a:lstStyle/>
+          <a:p>
+            <a:r>
+              <a:rPr lang="de-DE" dirty="0" smtClean="0">
+                <a:latin typeface="Symbol" panose="05050102010706020507" pitchFamily="18" charset="2"/>
+              </a:rPr>
+              <a:t>g</a:t>
+            </a:r>
+            <a:endParaRPr lang="de-DE" dirty="0">
+              <a:latin typeface="Symbol" panose="05050102010706020507" pitchFamily="18" charset="2"/>
+            </a:endParaRPr>
+          </a:p>
+        </p:txBody>
+      </p:sp>
+      <p:sp>
+        <p:nvSpPr>
+          <p:cNvPr id="65" name="Bogen 64"/>
+          <p:cNvSpPr/>
+          <p:nvPr/>
+        </p:nvSpPr>
+        <p:spPr>
+          <a:xfrm>
+            <a:off x="6409500" y="2863609"/>
+            <a:ext cx="914400" cy="914400"/>
+          </a:xfrm>
+          <a:prstGeom prst="arc">
+            <a:avLst>
+              <a:gd name="adj1" fmla="val 9411099"/>
+              <a:gd name="adj2" fmla="val 17110752"/>
+            </a:avLst>
+          </a:prstGeom>
+        </p:spPr>
+        <p:style>
+          <a:lnRef idx="1">
+            <a:schemeClr val="accent1"/>
+          </a:lnRef>
+          <a:fillRef idx="0">
+            <a:schemeClr val="accent1"/>
+          </a:fillRef>
+          <a:effectRef idx="0">
+            <a:schemeClr val="accent1"/>
+          </a:effectRef>
+          <a:fontRef idx="minor">
+            <a:schemeClr val="tx1"/>
+          </a:fontRef>
+        </p:style>
+        <p:txBody>
+          <a:bodyPr rtlCol="0" anchor="ctr"/>
+          <a:lstStyle/>
+          <a:p>
+            <a:pPr algn="ctr"/>
+            <a:endParaRPr lang="de-DE"/>
+          </a:p>
+        </p:txBody>
+      </p:sp>
+      <p:sp>
+        <p:nvSpPr>
+          <p:cNvPr id="67" name="Textfeld 66"/>
+          <p:cNvSpPr txBox="1"/>
+          <p:nvPr/>
+        </p:nvSpPr>
+        <p:spPr>
+          <a:xfrm>
+            <a:off x="7036074" y="1578225"/>
+            <a:ext cx="311304" cy="369332"/>
+          </a:xfrm>
+          <a:prstGeom prst="rect">
+            <a:avLst/>
+          </a:prstGeom>
+          <a:noFill/>
+        </p:spPr>
+        <p:txBody>
+          <a:bodyPr wrap="none" rtlCol="0">
+            <a:spAutoFit/>
+          </a:bodyPr>
+          <a:lstStyle/>
+          <a:p>
+            <a:r>
+              <a:rPr lang="de-DE" dirty="0" smtClean="0">
+                <a:latin typeface="Symbol" panose="05050102010706020507" pitchFamily="18" charset="2"/>
+              </a:rPr>
+              <a:t>b</a:t>
+            </a:r>
+            <a:endParaRPr lang="de-DE" dirty="0">
+              <a:latin typeface="Symbol" panose="05050102010706020507" pitchFamily="18" charset="2"/>
+            </a:endParaRPr>
+          </a:p>
+        </p:txBody>
+      </p:sp>
+      <p:sp>
+        <p:nvSpPr>
+          <p:cNvPr id="68" name="Bogen 67"/>
+          <p:cNvSpPr/>
+          <p:nvPr/>
+        </p:nvSpPr>
+        <p:spPr>
+          <a:xfrm>
+            <a:off x="6908485" y="987656"/>
+            <a:ext cx="914400" cy="914400"/>
+          </a:xfrm>
+          <a:prstGeom prst="arc">
+            <a:avLst>
+              <a:gd name="adj1" fmla="val 6340913"/>
+              <a:gd name="adj2" fmla="val 8147634"/>
+            </a:avLst>
+          </a:prstGeom>
+        </p:spPr>
+        <p:style>
+          <a:lnRef idx="1">
+            <a:schemeClr val="accent1"/>
+          </a:lnRef>
+          <a:fillRef idx="0">
+            <a:schemeClr val="accent1"/>
+          </a:fillRef>
+          <a:effectRef idx="0">
+            <a:schemeClr val="accent1"/>
+          </a:effectRef>
+          <a:fontRef idx="minor">
+            <a:schemeClr val="tx1"/>
+          </a:fontRef>
+        </p:style>
+        <p:txBody>
+          <a:bodyPr rtlCol="0" anchor="ctr"/>
+          <a:lstStyle/>
+          <a:p>
+            <a:pPr algn="ctr"/>
+            <a:endParaRPr lang="de-DE"/>
+          </a:p>
+        </p:txBody>
+      </p:sp>
+      <p:sp>
+        <p:nvSpPr>
+          <p:cNvPr id="73" name="Bogen 72"/>
+          <p:cNvSpPr/>
+          <p:nvPr/>
+        </p:nvSpPr>
+        <p:spPr>
+          <a:xfrm>
+            <a:off x="4567452" y="3635087"/>
+            <a:ext cx="1011770" cy="1051002"/>
+          </a:xfrm>
+          <a:prstGeom prst="arc">
+            <a:avLst>
+              <a:gd name="adj1" fmla="val 18161752"/>
+              <a:gd name="adj2" fmla="val 21409533"/>
+            </a:avLst>
+          </a:prstGeom>
+        </p:spPr>
+        <p:style>
+          <a:lnRef idx="1">
+            <a:schemeClr val="accent1"/>
+          </a:lnRef>
+          <a:fillRef idx="0">
+            <a:schemeClr val="accent1"/>
+          </a:fillRef>
+          <a:effectRef idx="0">
+            <a:schemeClr val="accent1"/>
+          </a:effectRef>
+          <a:fontRef idx="minor">
+            <a:schemeClr val="tx1"/>
+          </a:fontRef>
+        </p:style>
+        <p:txBody>
+          <a:bodyPr rtlCol="0" anchor="ctr"/>
+          <a:lstStyle/>
+          <a:p>
+            <a:pPr algn="ctr"/>
+            <a:endParaRPr lang="de-DE"/>
+          </a:p>
+        </p:txBody>
+      </p:sp>
+      <p:sp>
+        <p:nvSpPr>
+          <p:cNvPr id="74" name="Textfeld 73"/>
+          <p:cNvSpPr txBox="1"/>
+          <p:nvPr/>
+        </p:nvSpPr>
+        <p:spPr>
+          <a:xfrm>
+            <a:off x="4944539" y="3204701"/>
+            <a:ext cx="381836" cy="369332"/>
+          </a:xfrm>
+          <a:prstGeom prst="rect">
+            <a:avLst/>
+          </a:prstGeom>
+          <a:noFill/>
+        </p:spPr>
+        <p:txBody>
+          <a:bodyPr wrap="none" rtlCol="0">
+            <a:spAutoFit/>
+          </a:bodyPr>
+          <a:lstStyle/>
+          <a:p>
+            <a:r>
+              <a:rPr lang="de-DE" dirty="0" smtClean="0">
+                <a:latin typeface="Symbol" panose="05050102010706020507" pitchFamily="18" charset="2"/>
+              </a:rPr>
+              <a:t>q</a:t>
+            </a:r>
+            <a:r>
+              <a:rPr lang="de-DE" baseline="-25000" dirty="0" smtClean="0">
+                <a:latin typeface="Symbol" panose="05050102010706020507" pitchFamily="18" charset="2"/>
+              </a:rPr>
+              <a:t>1</a:t>
+            </a:r>
+            <a:endParaRPr lang="de-DE" baseline="-25000" dirty="0">
+              <a:latin typeface="Symbol" panose="05050102010706020507" pitchFamily="18" charset="2"/>
+            </a:endParaRPr>
+          </a:p>
+        </p:txBody>
+      </p:sp>
+      <p:sp>
+        <p:nvSpPr>
+          <p:cNvPr id="75" name="Textfeld 74"/>
+          <p:cNvSpPr txBox="1"/>
+          <p:nvPr/>
+        </p:nvSpPr>
+        <p:spPr>
+          <a:xfrm>
+            <a:off x="6974841" y="3233875"/>
+            <a:ext cx="381836" cy="369332"/>
+          </a:xfrm>
+          <a:prstGeom prst="rect">
+            <a:avLst/>
+          </a:prstGeom>
+          <a:noFill/>
+        </p:spPr>
+        <p:txBody>
+          <a:bodyPr wrap="none" rtlCol="0">
+            <a:spAutoFit/>
+          </a:bodyPr>
+          <a:lstStyle/>
+          <a:p>
+            <a:r>
+              <a:rPr lang="de-DE" dirty="0" smtClean="0">
+                <a:latin typeface="Symbol" panose="05050102010706020507" pitchFamily="18" charset="2"/>
+              </a:rPr>
+              <a:t>q</a:t>
+            </a:r>
+            <a:r>
+              <a:rPr lang="de-DE" baseline="-25000" dirty="0" smtClean="0">
+                <a:latin typeface="Symbol" panose="05050102010706020507" pitchFamily="18" charset="2"/>
+              </a:rPr>
+              <a:t>2</a:t>
+            </a:r>
+            <a:endParaRPr lang="de-DE" baseline="-25000" dirty="0">
+              <a:latin typeface="Symbol" panose="05050102010706020507" pitchFamily="18" charset="2"/>
+            </a:endParaRPr>
+          </a:p>
+        </p:txBody>
+      </p:sp>
+      <p:sp>
+        <p:nvSpPr>
+          <p:cNvPr id="76" name="Bogen 75"/>
+          <p:cNvSpPr/>
+          <p:nvPr/>
+        </p:nvSpPr>
+        <p:spPr>
+          <a:xfrm>
+            <a:off x="6525004" y="2944625"/>
+            <a:ext cx="822374" cy="789738"/>
+          </a:xfrm>
+          <a:prstGeom prst="arc">
+            <a:avLst>
+              <a:gd name="adj1" fmla="val 16617302"/>
+              <a:gd name="adj2" fmla="val 3911963"/>
+            </a:avLst>
+          </a:prstGeom>
+        </p:spPr>
+        <p:style>
+          <a:lnRef idx="1">
+            <a:schemeClr val="accent1"/>
+          </a:lnRef>
+          <a:fillRef idx="0">
+            <a:schemeClr val="accent1"/>
+          </a:fillRef>
+          <a:effectRef idx="0">
+            <a:schemeClr val="accent1"/>
+          </a:effectRef>
+          <a:fontRef idx="minor">
+            <a:schemeClr val="tx1"/>
+          </a:fontRef>
+        </p:style>
+        <p:txBody>
+          <a:bodyPr rtlCol="0" anchor="ctr"/>
+          <a:lstStyle/>
+          <a:p>
+            <a:pPr algn="ctr"/>
+            <a:endParaRPr lang="de-DE"/>
+          </a:p>
+        </p:txBody>
+      </p:sp>
+      <p:cxnSp>
+        <p:nvCxnSpPr>
+          <p:cNvPr id="77" name="Gerader Verbinder 76"/>
+          <p:cNvCxnSpPr/>
+          <p:nvPr/>
+        </p:nvCxnSpPr>
+        <p:spPr>
+          <a:xfrm>
+            <a:off x="6871406" y="3317173"/>
+            <a:ext cx="292882" cy="512829"/>
+          </a:xfrm>
+          <a:prstGeom prst="line">
+            <a:avLst/>
+          </a:prstGeom>
+        </p:spPr>
+        <p:style>
+          <a:lnRef idx="1">
+            <a:schemeClr val="accent1"/>
+          </a:lnRef>
+          <a:fillRef idx="0">
+            <a:schemeClr val="accent1"/>
+          </a:fillRef>
+          <a:effectRef idx="0">
+            <a:schemeClr val="accent1"/>
+          </a:effectRef>
+          <a:fontRef idx="minor">
+            <a:schemeClr val="tx1"/>
+          </a:fontRef>
+        </p:style>
+      </p:cxnSp>
+      <p:sp>
+        <p:nvSpPr>
+          <p:cNvPr id="78" name="Bogen 77"/>
+          <p:cNvSpPr/>
+          <p:nvPr/>
+        </p:nvSpPr>
+        <p:spPr>
+          <a:xfrm>
+            <a:off x="6815233" y="3247414"/>
+            <a:ext cx="105968" cy="132208"/>
+          </a:xfrm>
+          <a:prstGeom prst="arc">
+            <a:avLst>
+              <a:gd name="adj1" fmla="val 3492370"/>
+              <a:gd name="adj2" fmla="val 9518601"/>
+            </a:avLst>
+          </a:prstGeom>
+        </p:spPr>
+        <p:style>
+          <a:lnRef idx="1">
+            <a:schemeClr val="accent1"/>
+          </a:lnRef>
+          <a:fillRef idx="0">
+            <a:schemeClr val="accent1"/>
+          </a:fillRef>
+          <a:effectRef idx="0">
+            <a:schemeClr val="accent1"/>
+          </a:effectRef>
+          <a:fontRef idx="minor">
+            <a:schemeClr val="tx1"/>
+          </a:fontRef>
+        </p:style>
+        <p:txBody>
+          <a:bodyPr rtlCol="0" anchor="ctr"/>
+          <a:lstStyle/>
+          <a:p>
+            <a:pPr algn="ctr"/>
+            <a:endParaRPr lang="de-DE"/>
+          </a:p>
+        </p:txBody>
+      </p:sp>
+      <p:cxnSp>
+        <p:nvCxnSpPr>
+          <p:cNvPr id="79" name="Gerader Verbinder 78"/>
+          <p:cNvCxnSpPr/>
+          <p:nvPr/>
+        </p:nvCxnSpPr>
+        <p:spPr>
+          <a:xfrm flipV="1">
+            <a:off x="4995441" y="4109152"/>
+            <a:ext cx="2386128" cy="35951"/>
+          </a:xfrm>
+          <a:prstGeom prst="line">
+            <a:avLst/>
+          </a:prstGeom>
+        </p:spPr>
+        <p:style>
+          <a:lnRef idx="1">
+            <a:schemeClr val="accent1"/>
+          </a:lnRef>
+          <a:fillRef idx="0">
+            <a:schemeClr val="accent1"/>
+          </a:fillRef>
+          <a:effectRef idx="0">
+            <a:schemeClr val="accent1"/>
+          </a:effectRef>
+          <a:fontRef idx="minor">
+            <a:schemeClr val="tx1"/>
+          </a:fontRef>
+        </p:style>
+      </p:cxnSp>
+      <p:cxnSp>
+        <p:nvCxnSpPr>
+          <p:cNvPr id="80" name="Gerader Verbinder 79"/>
+          <p:cNvCxnSpPr/>
+          <p:nvPr/>
+        </p:nvCxnSpPr>
+        <p:spPr>
+          <a:xfrm>
+            <a:off x="7365685" y="1372848"/>
+            <a:ext cx="0" cy="2736304"/>
+          </a:xfrm>
+          <a:prstGeom prst="line">
+            <a:avLst/>
+          </a:prstGeom>
+        </p:spPr>
+        <p:style>
+          <a:lnRef idx="1">
+            <a:schemeClr val="accent1"/>
+          </a:lnRef>
+          <a:fillRef idx="0">
+            <a:schemeClr val="accent1"/>
+          </a:fillRef>
+          <a:effectRef idx="0">
+            <a:schemeClr val="accent1"/>
+          </a:effectRef>
+          <a:fontRef idx="minor">
+            <a:schemeClr val="tx1"/>
+          </a:fontRef>
+        </p:style>
+      </p:cxnSp>
+      <mc:AlternateContent xmlns:mc="http://schemas.openxmlformats.org/markup-compatibility/2006" xmlns:a14="http://schemas.microsoft.com/office/drawing/2010/main">
+        <mc:Choice Requires="a14">
+          <p:sp>
+            <p:nvSpPr>
+              <p:cNvPr id="82" name="Textfeld 81"/>
+              <p:cNvSpPr txBox="1"/>
+              <p:nvPr/>
+            </p:nvSpPr>
+            <p:spPr>
+              <a:xfrm>
+                <a:off x="5498800" y="4137297"/>
+                <a:ext cx="1893330" cy="468141"/>
+              </a:xfrm>
+              <a:prstGeom prst="rect">
+                <a:avLst/>
+              </a:prstGeom>
+              <a:noFill/>
+            </p:spPr>
+            <p:txBody>
+              <a:bodyPr wrap="square" rtlCol="0">
+                <a:spAutoFit/>
+              </a:bodyPr>
+              <a:lstStyle/>
+              <a:p>
+                <a:pPr/>
+                <a14:m>
+                  <m:oMathPara xmlns:m="http://schemas.openxmlformats.org/officeDocument/2006/math">
+                    <m:oMathParaPr>
+                      <m:jc m:val="centerGroup"/>
+                    </m:oMathParaPr>
+                    <m:oMath xmlns:m="http://schemas.openxmlformats.org/officeDocument/2006/math">
+                      <m:rad>
+                        <m:radPr>
+                          <m:degHide m:val="on"/>
+                          <m:ctrlPr>
+                            <a:rPr lang="de-DE" sz="1200" b="0" i="1" smtClean="0">
+                              <a:latin typeface="Cambria Math" panose="02040503050406030204" pitchFamily="18" charset="0"/>
+                            </a:rPr>
+                          </m:ctrlPr>
+                        </m:radPr>
+                        <m:deg/>
+                        <m:e>
+                          <m:d>
+                            <m:dPr>
+                              <m:ctrlPr>
+                                <a:rPr lang="de-DE" sz="1200" i="1">
+                                  <a:latin typeface="Cambria Math" panose="02040503050406030204" pitchFamily="18" charset="0"/>
+                                </a:rPr>
+                              </m:ctrlPr>
+                            </m:dPr>
+                            <m:e>
+                              <m:sSup>
+                                <m:sSupPr>
+                                  <m:ctrlPr>
+                                    <a:rPr lang="de-DE" sz="1200" i="1">
+                                      <a:latin typeface="Cambria Math" panose="02040503050406030204" pitchFamily="18" charset="0"/>
+                                    </a:rPr>
+                                  </m:ctrlPr>
+                                </m:sSupPr>
+                                <m:e>
+                                  <m:sSub>
+                                    <m:sSubPr>
+                                      <m:ctrlPr>
+                                        <a:rPr lang="de-DE" sz="1200" i="1">
+                                          <a:latin typeface="Cambria Math" panose="02040503050406030204" pitchFamily="18" charset="0"/>
+                                        </a:rPr>
+                                      </m:ctrlPr>
+                                    </m:sSubPr>
+                                    <m:e>
+                                      <m:r>
+                                        <a:rPr lang="de-DE" sz="1200" i="1">
+                                          <a:latin typeface="Cambria Math" panose="02040503050406030204" pitchFamily="18" charset="0"/>
+                                        </a:rPr>
+                                        <m:t>𝑊𝐶𝑃</m:t>
+                                      </m:r>
+                                    </m:e>
+                                    <m:sub>
+                                      <m:r>
+                                        <a:rPr lang="de-DE" sz="1200" i="1">
+                                          <a:latin typeface="Cambria Math" panose="02040503050406030204" pitchFamily="18" charset="0"/>
+                                        </a:rPr>
+                                        <m:t>𝑥</m:t>
+                                      </m:r>
+                                    </m:sub>
+                                  </m:sSub>
+                                </m:e>
+                                <m:sup>
+                                  <m:r>
+                                    <a:rPr lang="de-DE" sz="1200" i="1">
+                                      <a:latin typeface="Cambria Math" panose="02040503050406030204" pitchFamily="18" charset="0"/>
+                                    </a:rPr>
+                                    <m:t>2</m:t>
+                                  </m:r>
+                                </m:sup>
+                              </m:sSup>
+                              <m:sSup>
+                                <m:sSupPr>
+                                  <m:ctrlPr>
+                                    <a:rPr lang="de-DE" sz="1200" i="1">
+                                      <a:latin typeface="Cambria Math" panose="02040503050406030204" pitchFamily="18" charset="0"/>
+                                    </a:rPr>
+                                  </m:ctrlPr>
+                                </m:sSupPr>
+                                <m:e>
+                                  <m:sSub>
+                                    <m:sSubPr>
+                                      <m:ctrlPr>
+                                        <a:rPr lang="de-DE" sz="1200" i="1">
+                                          <a:latin typeface="Cambria Math" panose="02040503050406030204" pitchFamily="18" charset="0"/>
+                                        </a:rPr>
+                                      </m:ctrlPr>
+                                    </m:sSubPr>
+                                    <m:e>
+                                      <m:r>
+                                        <a:rPr lang="de-DE" sz="1200" i="1">
+                                          <a:latin typeface="Cambria Math" panose="02040503050406030204" pitchFamily="18" charset="0"/>
+                                        </a:rPr>
+                                        <m:t>+ </m:t>
+                                      </m:r>
+                                      <m:r>
+                                        <a:rPr lang="de-DE" sz="1200" i="1">
+                                          <a:latin typeface="Cambria Math" panose="02040503050406030204" pitchFamily="18" charset="0"/>
+                                        </a:rPr>
+                                        <m:t>𝑊𝐶𝑃</m:t>
+                                      </m:r>
+                                    </m:e>
+                                    <m:sub>
+                                      <m:r>
+                                        <a:rPr lang="de-DE" sz="1200" i="1">
+                                          <a:latin typeface="Cambria Math" panose="02040503050406030204" pitchFamily="18" charset="0"/>
+                                        </a:rPr>
+                                        <m:t>𝑦</m:t>
+                                      </m:r>
+                                    </m:sub>
+                                  </m:sSub>
+                                </m:e>
+                                <m:sup>
+                                  <m:r>
+                                    <a:rPr lang="de-DE" sz="1200" i="1">
+                                      <a:latin typeface="Cambria Math" panose="02040503050406030204" pitchFamily="18" charset="0"/>
+                                    </a:rPr>
+                                    <m:t>2</m:t>
+                                  </m:r>
+                                </m:sup>
+                              </m:sSup>
+                            </m:e>
+                          </m:d>
+                        </m:e>
+                      </m:rad>
+                    </m:oMath>
+                  </m:oMathPara>
+                </a14:m>
+                <a:endParaRPr lang="de-DE" sz="1200" baseline="-25000" dirty="0"/>
+              </a:p>
+            </p:txBody>
+          </p:sp>
+        </mc:Choice>
+        <mc:Fallback xmlns="">
+          <p:sp>
+            <p:nvSpPr>
+              <p:cNvPr id="82" name="Textfeld 81"/>
+              <p:cNvSpPr txBox="1">
+                <a:spLocks noRot="1" noChangeAspect="1" noMove="1" noResize="1" noEditPoints="1" noAdjustHandles="1" noChangeArrowheads="1" noChangeShapeType="1" noTextEdit="1"/>
+              </p:cNvSpPr>
+              <p:nvPr/>
+            </p:nvSpPr>
+            <p:spPr>
+              <a:xfrm>
+                <a:off x="5498800" y="4137297"/>
+                <a:ext cx="1893330" cy="468141"/>
+              </a:xfrm>
+              <a:prstGeom prst="rect">
+                <a:avLst/>
+              </a:prstGeom>
+              <a:blipFill rotWithShape="0">
+                <a:blip r:embed="rId3"/>
+                <a:stretch>
+                  <a:fillRect/>
+                </a:stretch>
+              </a:blipFill>
+            </p:spPr>
+            <p:txBody>
+              <a:bodyPr/>
+              <a:lstStyle/>
+              <a:p>
+                <a:r>
+                  <a:rPr lang="de-DE">
+                    <a:noFill/>
+                  </a:rPr>
+                  <a:t> </a:t>
+                </a:r>
+              </a:p>
+            </p:txBody>
+          </p:sp>
+        </mc:Fallback>
+      </mc:AlternateContent>
+      <p:sp>
+        <p:nvSpPr>
+          <p:cNvPr id="83" name="Textfeld 82"/>
+          <p:cNvSpPr txBox="1"/>
+          <p:nvPr/>
+        </p:nvSpPr>
+        <p:spPr>
+          <a:xfrm>
+            <a:off x="5341593" y="3841418"/>
+            <a:ext cx="298480" cy="369332"/>
+          </a:xfrm>
+          <a:prstGeom prst="rect">
+            <a:avLst/>
+          </a:prstGeom>
+          <a:noFill/>
+        </p:spPr>
+        <p:txBody>
+          <a:bodyPr wrap="none" rtlCol="0">
+            <a:spAutoFit/>
+          </a:bodyPr>
+          <a:lstStyle/>
+          <a:p>
+            <a:r>
+              <a:rPr lang="de-DE" dirty="0" smtClean="0">
+                <a:latin typeface="Symbol" panose="05050102010706020507" pitchFamily="18" charset="2"/>
+              </a:rPr>
+              <a:t>d</a:t>
+            </a:r>
+            <a:endParaRPr lang="de-DE" dirty="0">
+              <a:latin typeface="Symbol" panose="05050102010706020507" pitchFamily="18" charset="2"/>
+            </a:endParaRPr>
+          </a:p>
+        </p:txBody>
+      </p:sp>
+      <p:sp>
+        <p:nvSpPr>
+          <p:cNvPr id="84" name="Textfeld 83"/>
+          <p:cNvSpPr txBox="1"/>
+          <p:nvPr/>
+        </p:nvSpPr>
+        <p:spPr>
+          <a:xfrm>
+            <a:off x="5679286" y="848845"/>
+            <a:ext cx="1244251" cy="369332"/>
+          </a:xfrm>
+          <a:prstGeom prst="rect">
+            <a:avLst/>
+          </a:prstGeom>
+          <a:noFill/>
+        </p:spPr>
+        <p:txBody>
+          <a:bodyPr wrap="none" rtlCol="0">
+            <a:spAutoFit/>
+          </a:bodyPr>
+          <a:lstStyle/>
+          <a:p>
+            <a:r>
+              <a:rPr lang="de-DE" dirty="0" smtClean="0"/>
+              <a:t>Solution II: </a:t>
+            </a:r>
+            <a:endParaRPr lang="de-DE" dirty="0"/>
+          </a:p>
+        </p:txBody>
+      </p:sp>
+      <p:sp>
+        <p:nvSpPr>
+          <p:cNvPr id="85" name="Bogen 84"/>
+          <p:cNvSpPr/>
+          <p:nvPr/>
+        </p:nvSpPr>
+        <p:spPr>
+          <a:xfrm>
+            <a:off x="4033895" y="3091884"/>
+            <a:ext cx="1956728" cy="2106438"/>
+          </a:xfrm>
+          <a:prstGeom prst="arc">
+            <a:avLst>
+              <a:gd name="adj1" fmla="val 16205614"/>
+              <a:gd name="adj2" fmla="val 18561471"/>
+            </a:avLst>
+          </a:prstGeom>
+        </p:spPr>
+        <p:style>
+          <a:lnRef idx="1">
+            <a:schemeClr val="accent1"/>
+          </a:lnRef>
+          <a:fillRef idx="0">
+            <a:schemeClr val="accent1"/>
+          </a:fillRef>
+          <a:effectRef idx="0">
+            <a:schemeClr val="accent1"/>
+          </a:effectRef>
+          <a:fontRef idx="minor">
+            <a:schemeClr val="tx1"/>
+          </a:fontRef>
+        </p:style>
+        <p:txBody>
+          <a:bodyPr rtlCol="0" anchor="ctr"/>
+          <a:lstStyle/>
+          <a:p>
+            <a:pPr algn="ctr"/>
+            <a:endParaRPr lang="de-DE"/>
+          </a:p>
+        </p:txBody>
+      </p:sp>
+      <p:sp>
+        <p:nvSpPr>
+          <p:cNvPr id="11" name="Textfeld 10"/>
+          <p:cNvSpPr txBox="1"/>
+          <p:nvPr/>
+        </p:nvSpPr>
+        <p:spPr>
+          <a:xfrm>
+            <a:off x="1948510" y="1344096"/>
+            <a:ext cx="295274" cy="369332"/>
+          </a:xfrm>
+          <a:prstGeom prst="rect">
+            <a:avLst/>
+          </a:prstGeom>
+          <a:noFill/>
+        </p:spPr>
+        <p:txBody>
+          <a:bodyPr wrap="none" rtlCol="0">
+            <a:spAutoFit/>
+          </a:bodyPr>
+          <a:lstStyle/>
+          <a:p>
+            <a:r>
+              <a:rPr lang="de-DE" dirty="0" smtClean="0"/>
+              <a:t>a</a:t>
+            </a:r>
+            <a:endParaRPr lang="de-DE" dirty="0"/>
+          </a:p>
+        </p:txBody>
+      </p:sp>
+      <p:sp>
+        <p:nvSpPr>
+          <p:cNvPr id="86" name="Textfeld 85"/>
+          <p:cNvSpPr txBox="1"/>
+          <p:nvPr/>
+        </p:nvSpPr>
+        <p:spPr>
+          <a:xfrm>
+            <a:off x="993119" y="2583251"/>
+            <a:ext cx="306494" cy="369332"/>
+          </a:xfrm>
+          <a:prstGeom prst="rect">
+            <a:avLst/>
+          </a:prstGeom>
+          <a:noFill/>
+        </p:spPr>
+        <p:txBody>
+          <a:bodyPr wrap="none" rtlCol="0">
+            <a:spAutoFit/>
+          </a:bodyPr>
+          <a:lstStyle/>
+          <a:p>
+            <a:r>
+              <a:rPr lang="de-DE" dirty="0" smtClean="0"/>
+              <a:t>b</a:t>
+            </a:r>
+            <a:endParaRPr lang="de-DE" dirty="0"/>
+          </a:p>
+        </p:txBody>
+      </p:sp>
+      <p:sp>
+        <p:nvSpPr>
+          <p:cNvPr id="87" name="Textfeld 86"/>
+          <p:cNvSpPr txBox="1"/>
+          <p:nvPr/>
+        </p:nvSpPr>
+        <p:spPr>
+          <a:xfrm>
+            <a:off x="2061258" y="2614942"/>
+            <a:ext cx="282450" cy="369332"/>
+          </a:xfrm>
+          <a:prstGeom prst="rect">
+            <a:avLst/>
+          </a:prstGeom>
+          <a:noFill/>
+        </p:spPr>
+        <p:txBody>
+          <a:bodyPr wrap="none" rtlCol="0">
+            <a:spAutoFit/>
+          </a:bodyPr>
+          <a:lstStyle/>
+          <a:p>
+            <a:r>
+              <a:rPr lang="de-DE" dirty="0" smtClean="0"/>
+              <a:t>c</a:t>
+            </a:r>
+            <a:endParaRPr lang="de-DE" dirty="0"/>
+          </a:p>
+        </p:txBody>
+      </p:sp>
+      <p:sp>
+        <p:nvSpPr>
+          <p:cNvPr id="88" name="Textfeld 87"/>
+          <p:cNvSpPr txBox="1"/>
+          <p:nvPr/>
+        </p:nvSpPr>
+        <p:spPr>
+          <a:xfrm>
+            <a:off x="7051180" y="2254014"/>
+            <a:ext cx="295274" cy="369332"/>
+          </a:xfrm>
+          <a:prstGeom prst="rect">
+            <a:avLst/>
+          </a:prstGeom>
+          <a:noFill/>
+        </p:spPr>
+        <p:txBody>
+          <a:bodyPr wrap="none" rtlCol="0">
+            <a:spAutoFit/>
+          </a:bodyPr>
+          <a:lstStyle/>
+          <a:p>
+            <a:r>
+              <a:rPr lang="de-DE" dirty="0" smtClean="0"/>
+              <a:t>a</a:t>
+            </a:r>
+            <a:endParaRPr lang="de-DE" dirty="0"/>
+          </a:p>
+        </p:txBody>
+      </p:sp>
+      <p:sp>
+        <p:nvSpPr>
+          <p:cNvPr id="89" name="Textfeld 88"/>
+          <p:cNvSpPr txBox="1"/>
+          <p:nvPr/>
+        </p:nvSpPr>
+        <p:spPr>
+          <a:xfrm>
+            <a:off x="6119854" y="3534393"/>
+            <a:ext cx="306494" cy="369332"/>
+          </a:xfrm>
+          <a:prstGeom prst="rect">
+            <a:avLst/>
+          </a:prstGeom>
+          <a:noFill/>
+        </p:spPr>
+        <p:txBody>
+          <a:bodyPr wrap="none" rtlCol="0">
+            <a:spAutoFit/>
+          </a:bodyPr>
+          <a:lstStyle/>
+          <a:p>
+            <a:r>
+              <a:rPr lang="de-DE" dirty="0" smtClean="0"/>
+              <a:t>b</a:t>
+            </a:r>
+            <a:endParaRPr lang="de-DE" dirty="0"/>
+          </a:p>
+        </p:txBody>
+      </p:sp>
+      <p:sp>
+        <p:nvSpPr>
+          <p:cNvPr id="90" name="Textfeld 89"/>
+          <p:cNvSpPr txBox="1"/>
+          <p:nvPr/>
+        </p:nvSpPr>
+        <p:spPr>
+          <a:xfrm>
+            <a:off x="5999212" y="2394213"/>
+            <a:ext cx="282450" cy="369332"/>
+          </a:xfrm>
+          <a:prstGeom prst="rect">
+            <a:avLst/>
+          </a:prstGeom>
+          <a:noFill/>
+        </p:spPr>
+        <p:txBody>
+          <a:bodyPr wrap="none" rtlCol="0">
+            <a:spAutoFit/>
+          </a:bodyPr>
+          <a:lstStyle/>
+          <a:p>
+            <a:r>
+              <a:rPr lang="de-DE" dirty="0" smtClean="0"/>
+              <a:t>c</a:t>
+            </a:r>
+            <a:endParaRPr lang="de-DE" dirty="0"/>
+          </a:p>
+        </p:txBody>
+      </p:sp>
+      <p:sp>
+        <p:nvSpPr>
+          <p:cNvPr id="91" name="Textfeld 90"/>
+          <p:cNvSpPr txBox="1"/>
+          <p:nvPr/>
+        </p:nvSpPr>
+        <p:spPr>
+          <a:xfrm>
+            <a:off x="7525297" y="2949658"/>
+            <a:ext cx="806311" cy="307777"/>
+          </a:xfrm>
+          <a:prstGeom prst="rect">
+            <a:avLst/>
+          </a:prstGeom>
+          <a:noFill/>
+        </p:spPr>
+        <p:txBody>
+          <a:bodyPr wrap="none" rtlCol="0">
+            <a:spAutoFit/>
+          </a:bodyPr>
+          <a:lstStyle/>
+          <a:p>
+            <a:r>
+              <a:rPr lang="de-DE" sz="1400" dirty="0" smtClean="0"/>
+              <a:t>WCP</a:t>
+            </a:r>
+            <a:r>
+              <a:rPr lang="de-DE" sz="1400" baseline="-25000" dirty="0" smtClean="0"/>
+              <a:t>z</a:t>
+            </a:r>
+            <a:r>
+              <a:rPr lang="de-DE" sz="1400" dirty="0" smtClean="0"/>
+              <a:t>-d</a:t>
+            </a:r>
+            <a:r>
+              <a:rPr lang="de-DE" sz="1400" baseline="-25000" dirty="0" smtClean="0"/>
+              <a:t>0</a:t>
+            </a:r>
+            <a:endParaRPr lang="de-DE" sz="1400" baseline="-25000" dirty="0"/>
+          </a:p>
+        </p:txBody>
+      </p:sp>
+      <p:cxnSp>
+        <p:nvCxnSpPr>
+          <p:cNvPr id="14" name="Gerader Verbinder 13"/>
+          <p:cNvCxnSpPr/>
+          <p:nvPr/>
+        </p:nvCxnSpPr>
+        <p:spPr>
+          <a:xfrm flipV="1">
+            <a:off x="711251" y="2712855"/>
+            <a:ext cx="9299" cy="1404104"/>
+          </a:xfrm>
+          <a:prstGeom prst="line">
+            <a:avLst/>
+          </a:prstGeom>
+        </p:spPr>
+        <p:style>
+          <a:lnRef idx="1">
+            <a:schemeClr val="accent1"/>
+          </a:lnRef>
+          <a:fillRef idx="0">
+            <a:schemeClr val="accent1"/>
+          </a:fillRef>
+          <a:effectRef idx="0">
+            <a:schemeClr val="accent1"/>
+          </a:effectRef>
+          <a:fontRef idx="minor">
+            <a:schemeClr val="tx1"/>
+          </a:fontRef>
+        </p:style>
+      </p:cxnSp>
+      <p:cxnSp>
+        <p:nvCxnSpPr>
+          <p:cNvPr id="93" name="Gerader Verbinder 92"/>
+          <p:cNvCxnSpPr/>
+          <p:nvPr/>
+        </p:nvCxnSpPr>
+        <p:spPr>
+          <a:xfrm flipV="1">
+            <a:off x="4994645" y="2728339"/>
+            <a:ext cx="9299" cy="1404104"/>
+          </a:xfrm>
+          <a:prstGeom prst="line">
+            <a:avLst/>
+          </a:prstGeom>
+        </p:spPr>
+        <p:style>
+          <a:lnRef idx="1">
+            <a:schemeClr val="accent1"/>
+          </a:lnRef>
+          <a:fillRef idx="0">
+            <a:schemeClr val="accent1"/>
+          </a:fillRef>
+          <a:effectRef idx="0">
+            <a:schemeClr val="accent1"/>
+          </a:effectRef>
+          <a:fontRef idx="minor">
+            <a:schemeClr val="tx1"/>
+          </a:fontRef>
+        </p:style>
+      </p:cxnSp>
+      <p:cxnSp>
+        <p:nvCxnSpPr>
+          <p:cNvPr id="3" name="Gerade Verbindung mit Pfeil 2"/>
+          <p:cNvCxnSpPr/>
+          <p:nvPr/>
+        </p:nvCxnSpPr>
+        <p:spPr>
+          <a:xfrm>
+            <a:off x="771019" y="4869160"/>
+            <a:ext cx="2102667" cy="0"/>
+          </a:xfrm>
+          <a:prstGeom prst="straightConnector1">
+            <a:avLst/>
+          </a:prstGeom>
+          <a:ln>
+            <a:tailEnd type="triangle"/>
+          </a:ln>
+        </p:spPr>
+        <p:style>
+          <a:lnRef idx="1">
+            <a:schemeClr val="accent1"/>
+          </a:lnRef>
+          <a:fillRef idx="0">
+            <a:schemeClr val="accent1"/>
+          </a:fillRef>
+          <a:effectRef idx="0">
+            <a:schemeClr val="accent1"/>
+          </a:effectRef>
+          <a:fontRef idx="minor">
+            <a:schemeClr val="tx1"/>
+          </a:fontRef>
+        </p:style>
+      </p:cxnSp>
+      <p:sp>
+        <p:nvSpPr>
+          <p:cNvPr id="5" name="Textfeld 4"/>
+          <p:cNvSpPr txBox="1"/>
+          <p:nvPr/>
+        </p:nvSpPr>
+        <p:spPr>
+          <a:xfrm>
+            <a:off x="1211492" y="4546441"/>
+            <a:ext cx="925510" cy="369332"/>
+          </a:xfrm>
+          <a:prstGeom prst="rect">
+            <a:avLst/>
+          </a:prstGeom>
+          <a:noFill/>
+        </p:spPr>
+        <p:txBody>
+          <a:bodyPr wrap="none" rtlCol="0">
+            <a:spAutoFit/>
+          </a:bodyPr>
+          <a:lstStyle/>
+          <a:p>
+            <a:r>
+              <a:rPr lang="de-DE" dirty="0" err="1" smtClean="0"/>
+              <a:t>forward</a:t>
+            </a:r>
+            <a:endParaRPr lang="de-DE" dirty="0"/>
+          </a:p>
+        </p:txBody>
+      </p:sp>
+      <p:sp>
+        <p:nvSpPr>
+          <p:cNvPr id="56" name="Textfeld 55"/>
+          <p:cNvSpPr txBox="1"/>
+          <p:nvPr/>
+        </p:nvSpPr>
+        <p:spPr>
+          <a:xfrm>
+            <a:off x="504229" y="1519974"/>
+            <a:ext cx="707245" cy="307777"/>
+          </a:xfrm>
+          <a:prstGeom prst="rect">
+            <a:avLst/>
+          </a:prstGeom>
+          <a:noFill/>
+        </p:spPr>
+        <p:txBody>
+          <a:bodyPr wrap="none" rtlCol="0">
+            <a:spAutoFit/>
+          </a:bodyPr>
+          <a:lstStyle/>
+          <a:p>
+            <a:r>
+              <a:rPr lang="de-DE" sz="1400" dirty="0" err="1" smtClean="0"/>
+              <a:t>ellbow</a:t>
+            </a:r>
+            <a:endParaRPr lang="de-DE" sz="1400" baseline="-25000" dirty="0"/>
+          </a:p>
+        </p:txBody>
+      </p:sp>
+      <p:cxnSp>
+        <p:nvCxnSpPr>
+          <p:cNvPr id="4" name="Gerader Verbinder 3"/>
+          <p:cNvCxnSpPr>
+            <a:stCxn id="56" idx="2"/>
+          </p:cNvCxnSpPr>
+          <p:nvPr/>
+        </p:nvCxnSpPr>
+        <p:spPr>
+          <a:xfrm>
+            <a:off x="857852" y="1827751"/>
+            <a:ext cx="322077" cy="259365"/>
+          </a:xfrm>
+          <a:prstGeom prst="line">
+            <a:avLst/>
+          </a:prstGeom>
+          <a:ln>
+            <a:solidFill>
+              <a:schemeClr val="bg1">
+                <a:lumMod val="75000"/>
+              </a:schemeClr>
+            </a:solidFill>
+          </a:ln>
+        </p:spPr>
+        <p:style>
+          <a:lnRef idx="1">
+            <a:schemeClr val="accent1"/>
+          </a:lnRef>
+          <a:fillRef idx="0">
+            <a:schemeClr val="accent1"/>
+          </a:fillRef>
+          <a:effectRef idx="0">
+            <a:schemeClr val="accent1"/>
+          </a:effectRef>
+          <a:fontRef idx="minor">
+            <a:schemeClr val="tx1"/>
+          </a:fontRef>
+        </p:style>
+      </p:cxnSp>
+      <p:sp>
+        <p:nvSpPr>
+          <p:cNvPr id="61" name="Textfeld 60"/>
+          <p:cNvSpPr txBox="1"/>
+          <p:nvPr/>
+        </p:nvSpPr>
+        <p:spPr>
+          <a:xfrm>
+            <a:off x="5425729" y="1549893"/>
+            <a:ext cx="707245" cy="307777"/>
+          </a:xfrm>
+          <a:prstGeom prst="rect">
+            <a:avLst/>
+          </a:prstGeom>
+          <a:noFill/>
+        </p:spPr>
+        <p:txBody>
+          <a:bodyPr wrap="none" rtlCol="0">
+            <a:spAutoFit/>
+          </a:bodyPr>
+          <a:lstStyle/>
+          <a:p>
+            <a:r>
+              <a:rPr lang="de-DE" sz="1400" dirty="0" err="1" smtClean="0"/>
+              <a:t>ellbow</a:t>
+            </a:r>
+            <a:endParaRPr lang="de-DE" sz="1400" baseline="-25000" dirty="0"/>
+          </a:p>
+        </p:txBody>
+      </p:sp>
+      <p:cxnSp>
+        <p:nvCxnSpPr>
+          <p:cNvPr id="62" name="Gerader Verbinder 61"/>
+          <p:cNvCxnSpPr>
+            <a:stCxn id="61" idx="2"/>
+            <a:endCxn id="78" idx="0"/>
+          </p:cNvCxnSpPr>
+          <p:nvPr/>
+        </p:nvCxnSpPr>
+        <p:spPr>
+          <a:xfrm>
+            <a:off x="5779352" y="1857670"/>
+            <a:ext cx="1121279" cy="1508139"/>
+          </a:xfrm>
+          <a:prstGeom prst="line">
+            <a:avLst/>
+          </a:prstGeom>
+          <a:ln>
+            <a:solidFill>
+              <a:schemeClr val="bg1">
+                <a:lumMod val="75000"/>
+              </a:schemeClr>
+            </a:solidFill>
+          </a:ln>
+        </p:spPr>
+        <p:style>
+          <a:lnRef idx="1">
+            <a:schemeClr val="accent1"/>
+          </a:lnRef>
+          <a:fillRef idx="0">
+            <a:schemeClr val="accent1"/>
+          </a:fillRef>
+          <a:effectRef idx="0">
+            <a:schemeClr val="accent1"/>
+          </a:effectRef>
+          <a:fontRef idx="minor">
+            <a:schemeClr val="tx1"/>
+          </a:fontRef>
+        </p:style>
+      </p:cxnSp>
+    </p:spTree>
+    <p:extLst>
+      <p:ext uri="{BB962C8B-B14F-4D97-AF65-F5344CB8AC3E}">
+        <p14:creationId xmlns:p14="http://schemas.microsoft.com/office/powerpoint/2010/main" val="3557320500"/>
+      </p:ext>
+    </p:extLst>
+  </p:cSld>
+  <p:clrMapOvr>
+    <a:masterClrMapping/>
+  </p:clrMapOvr>
+</p:sld>
+</file>
+
+<file path=ppt/slides/slide4.xml><?xml version="1.0" encoding="utf-8"?>
+<p:sld xmlns:a="http://schemas.openxmlformats.org/drawingml/2006/main" xmlns:r="http://schemas.openxmlformats.org/officeDocument/2006/relationships" xmlns:p="http://schemas.openxmlformats.org/presentationml/2006/main">
+  <p:cSld>
+    <p:spTree>
+      <p:nvGrpSpPr>
+        <p:cNvPr id="1" name=""/>
+        <p:cNvGrpSpPr/>
+        <p:nvPr/>
+      </p:nvGrpSpPr>
+      <p:grpSpPr>
+        <a:xfrm>
+          <a:off x="0" y="0"/>
+          <a:ext cx="0" cy="0"/>
+          <a:chOff x="0" y="0"/>
+          <a:chExt cx="0" cy="0"/>
+        </a:xfrm>
+      </p:grpSpPr>
+      <p:cxnSp>
+        <p:nvCxnSpPr>
+          <p:cNvPr id="8" name="Gerade Verbindung mit Pfeil 7"/>
+          <p:cNvCxnSpPr/>
+          <p:nvPr/>
+        </p:nvCxnSpPr>
+        <p:spPr>
+          <a:xfrm>
+            <a:off x="631002" y="4658162"/>
+            <a:ext cx="2448272" cy="0"/>
+          </a:xfrm>
+          <a:prstGeom prst="straightConnector1">
+            <a:avLst/>
+          </a:prstGeom>
+          <a:ln>
+            <a:tailEnd type="triangle"/>
+          </a:ln>
+        </p:spPr>
+        <p:style>
+          <a:lnRef idx="1">
+            <a:schemeClr val="accent1"/>
+          </a:lnRef>
+          <a:fillRef idx="0">
+            <a:schemeClr val="accent1"/>
+          </a:fillRef>
+          <a:effectRef idx="0">
+            <a:schemeClr val="accent1"/>
+          </a:effectRef>
+          <a:fontRef idx="minor">
+            <a:schemeClr val="tx1"/>
+          </a:fontRef>
+        </p:style>
+      </p:cxnSp>
+      <p:cxnSp>
+        <p:nvCxnSpPr>
+          <p:cNvPr id="12" name="Gerade Verbindung mit Pfeil 11"/>
+          <p:cNvCxnSpPr/>
+          <p:nvPr/>
+        </p:nvCxnSpPr>
+        <p:spPr>
+          <a:xfrm flipV="1">
+            <a:off x="775018" y="2929970"/>
+            <a:ext cx="0" cy="1872208"/>
+          </a:xfrm>
+          <a:prstGeom prst="straightConnector1">
+            <a:avLst/>
+          </a:prstGeom>
+          <a:ln>
+            <a:tailEnd type="triangle"/>
+          </a:ln>
+        </p:spPr>
+        <p:style>
+          <a:lnRef idx="1">
+            <a:schemeClr val="accent1"/>
+          </a:lnRef>
+          <a:fillRef idx="0">
+            <a:schemeClr val="accent1"/>
+          </a:fillRef>
+          <a:effectRef idx="0">
+            <a:schemeClr val="accent1"/>
+          </a:effectRef>
+          <a:fontRef idx="minor">
+            <a:schemeClr val="tx1"/>
+          </a:fontRef>
+        </p:style>
+      </p:cxnSp>
+      <p:sp>
+        <p:nvSpPr>
+          <p:cNvPr id="15" name="Textfeld 14"/>
+          <p:cNvSpPr txBox="1"/>
+          <p:nvPr/>
+        </p:nvSpPr>
+        <p:spPr>
+          <a:xfrm>
+            <a:off x="3079274" y="4663091"/>
+            <a:ext cx="284052" cy="369332"/>
+          </a:xfrm>
+          <a:prstGeom prst="rect">
+            <a:avLst/>
+          </a:prstGeom>
+          <a:noFill/>
+        </p:spPr>
+        <p:txBody>
+          <a:bodyPr wrap="none" rtlCol="0">
+            <a:spAutoFit/>
+          </a:bodyPr>
+          <a:lstStyle/>
+          <a:p>
+            <a:r>
+              <a:rPr lang="de-DE" dirty="0" smtClean="0"/>
+              <a:t>x</a:t>
+            </a:r>
+            <a:endParaRPr lang="de-DE" dirty="0"/>
+          </a:p>
+        </p:txBody>
+      </p:sp>
+      <p:sp>
+        <p:nvSpPr>
+          <p:cNvPr id="63" name="Textfeld 62"/>
+          <p:cNvSpPr txBox="1"/>
+          <p:nvPr/>
+        </p:nvSpPr>
+        <p:spPr>
+          <a:xfrm>
+            <a:off x="441910" y="2844024"/>
+            <a:ext cx="288862" cy="369332"/>
+          </a:xfrm>
+          <a:prstGeom prst="rect">
+            <a:avLst/>
+          </a:prstGeom>
+          <a:noFill/>
+        </p:spPr>
+        <p:txBody>
+          <a:bodyPr wrap="none" rtlCol="0">
+            <a:spAutoFit/>
+          </a:bodyPr>
+          <a:lstStyle/>
+          <a:p>
+            <a:r>
+              <a:rPr lang="de-DE" dirty="0" smtClean="0"/>
+              <a:t>y</a:t>
+            </a:r>
+            <a:endParaRPr lang="de-DE" dirty="0"/>
+          </a:p>
+        </p:txBody>
+      </p:sp>
+      <p:sp>
+        <p:nvSpPr>
+          <p:cNvPr id="16" name="Textfeld 15"/>
+          <p:cNvSpPr txBox="1"/>
+          <p:nvPr/>
+        </p:nvSpPr>
+        <p:spPr>
+          <a:xfrm>
+            <a:off x="991042" y="2929970"/>
+            <a:ext cx="758926" cy="276999"/>
+          </a:xfrm>
+          <a:prstGeom prst="rect">
+            <a:avLst/>
+          </a:prstGeom>
+          <a:noFill/>
+        </p:spPr>
+        <p:txBody>
+          <a:bodyPr wrap="none" rtlCol="0">
+            <a:spAutoFit/>
+          </a:bodyPr>
+          <a:lstStyle/>
+          <a:p>
+            <a:r>
+              <a:rPr lang="de-DE" sz="1200" dirty="0" smtClean="0"/>
+              <a:t>top </a:t>
+            </a:r>
+            <a:r>
+              <a:rPr lang="de-DE" sz="1200" dirty="0" err="1" smtClean="0"/>
+              <a:t>view</a:t>
+            </a:r>
+            <a:endParaRPr lang="de-DE" sz="1200" dirty="0"/>
+          </a:p>
+        </p:txBody>
+      </p:sp>
+      <p:sp>
+        <p:nvSpPr>
+          <p:cNvPr id="17" name="Ellipse 16"/>
+          <p:cNvSpPr/>
+          <p:nvPr/>
+        </p:nvSpPr>
+        <p:spPr>
+          <a:xfrm>
+            <a:off x="644675" y="4527360"/>
+            <a:ext cx="260685" cy="261603"/>
+          </a:xfrm>
+          <a:prstGeom prst="ellipse">
+            <a:avLst/>
+          </a:prstGeom>
+          <a:noFill/>
+          <a:ln w="38100">
+            <a:solidFill>
+              <a:schemeClr val="accent1">
+                <a:lumMod val="75000"/>
+              </a:schemeClr>
+            </a:solidFill>
+          </a:ln>
+        </p:spPr>
+        <p:style>
+          <a:lnRef idx="2">
+            <a:schemeClr val="accent1">
+              <a:shade val="50000"/>
+            </a:schemeClr>
+          </a:lnRef>
+          <a:fillRef idx="1">
+            <a:schemeClr val="accent1"/>
+          </a:fillRef>
+          <a:effectRef idx="0">
+            <a:schemeClr val="accent1"/>
+          </a:effectRef>
+          <a:fontRef idx="minor">
+            <a:schemeClr val="lt1"/>
+          </a:fontRef>
+        </p:style>
+        <p:txBody>
+          <a:bodyPr rtlCol="0" anchor="ctr"/>
+          <a:lstStyle/>
+          <a:p>
+            <a:pPr algn="ctr"/>
+            <a:endParaRPr lang="de-DE"/>
+          </a:p>
+        </p:txBody>
+      </p:sp>
+      <p:cxnSp>
+        <p:nvCxnSpPr>
+          <p:cNvPr id="19" name="Gerader Verbinder 18"/>
+          <p:cNvCxnSpPr>
+            <a:stCxn id="17" idx="7"/>
+          </p:cNvCxnSpPr>
+          <p:nvPr/>
+        </p:nvCxnSpPr>
+        <p:spPr>
+          <a:xfrm flipV="1">
+            <a:off x="867184" y="3625379"/>
+            <a:ext cx="899952" cy="940292"/>
+          </a:xfrm>
+          <a:prstGeom prst="line">
+            <a:avLst/>
+          </a:prstGeom>
+          <a:ln w="38100">
+            <a:solidFill>
+              <a:schemeClr val="accent1">
+                <a:lumMod val="75000"/>
+              </a:schemeClr>
+            </a:solidFill>
+          </a:ln>
+        </p:spPr>
+        <p:style>
+          <a:lnRef idx="1">
+            <a:schemeClr val="accent1"/>
+          </a:lnRef>
+          <a:fillRef idx="0">
+            <a:schemeClr val="accent1"/>
+          </a:fillRef>
+          <a:effectRef idx="0">
+            <a:schemeClr val="accent1"/>
+          </a:effectRef>
+          <a:fontRef idx="minor">
+            <a:schemeClr val="tx1"/>
+          </a:fontRef>
+        </p:style>
+      </p:cxnSp>
+      <p:sp>
+        <p:nvSpPr>
+          <p:cNvPr id="69" name="Ellipse 68"/>
+          <p:cNvSpPr/>
+          <p:nvPr/>
+        </p:nvSpPr>
+        <p:spPr>
+          <a:xfrm>
+            <a:off x="1208971" y="3930613"/>
+            <a:ext cx="260685" cy="261603"/>
+          </a:xfrm>
+          <a:prstGeom prst="ellipse">
+            <a:avLst/>
+          </a:prstGeom>
+          <a:noFill/>
+          <a:ln w="38100">
+            <a:solidFill>
+              <a:schemeClr val="accent1">
+                <a:lumMod val="75000"/>
+              </a:schemeClr>
+            </a:solidFill>
+          </a:ln>
+        </p:spPr>
+        <p:style>
+          <a:lnRef idx="2">
+            <a:schemeClr val="accent1">
+              <a:shade val="50000"/>
+            </a:schemeClr>
+          </a:lnRef>
+          <a:fillRef idx="1">
+            <a:schemeClr val="accent1"/>
+          </a:fillRef>
+          <a:effectRef idx="0">
+            <a:schemeClr val="accent1"/>
+          </a:effectRef>
+          <a:fontRef idx="minor">
+            <a:schemeClr val="lt1"/>
+          </a:fontRef>
+        </p:style>
+        <p:txBody>
+          <a:bodyPr rtlCol="0" anchor="ctr"/>
+          <a:lstStyle/>
+          <a:p>
+            <a:pPr algn="ctr"/>
+            <a:endParaRPr lang="de-DE"/>
+          </a:p>
+        </p:txBody>
+      </p:sp>
+      <p:sp>
+        <p:nvSpPr>
+          <p:cNvPr id="81" name="Ellipse 80"/>
+          <p:cNvSpPr/>
+          <p:nvPr/>
+        </p:nvSpPr>
+        <p:spPr>
+          <a:xfrm>
+            <a:off x="1629052" y="3487032"/>
+            <a:ext cx="260685" cy="261603"/>
+          </a:xfrm>
+          <a:prstGeom prst="ellipse">
+            <a:avLst/>
+          </a:prstGeom>
+          <a:noFill/>
+          <a:ln w="38100">
+            <a:solidFill>
+              <a:schemeClr val="accent1">
+                <a:lumMod val="75000"/>
+              </a:schemeClr>
+            </a:solidFill>
+          </a:ln>
+        </p:spPr>
+        <p:style>
+          <a:lnRef idx="2">
+            <a:schemeClr val="accent1">
+              <a:shade val="50000"/>
+            </a:schemeClr>
+          </a:lnRef>
+          <a:fillRef idx="1">
+            <a:schemeClr val="accent1"/>
+          </a:fillRef>
+          <a:effectRef idx="0">
+            <a:schemeClr val="accent1"/>
+          </a:effectRef>
+          <a:fontRef idx="minor">
+            <a:schemeClr val="lt1"/>
+          </a:fontRef>
+        </p:style>
+        <p:txBody>
+          <a:bodyPr rtlCol="0" anchor="ctr"/>
+          <a:lstStyle/>
+          <a:p>
+            <a:pPr algn="ctr"/>
+            <a:endParaRPr lang="de-DE"/>
+          </a:p>
+        </p:txBody>
+      </p:sp>
+      <p:sp>
+        <p:nvSpPr>
+          <p:cNvPr id="37" name="Textfeld 36"/>
+          <p:cNvSpPr txBox="1"/>
+          <p:nvPr/>
+        </p:nvSpPr>
+        <p:spPr>
+          <a:xfrm>
+            <a:off x="2195215" y="3343506"/>
+            <a:ext cx="510076" cy="276999"/>
+          </a:xfrm>
+          <a:prstGeom prst="rect">
+            <a:avLst/>
+          </a:prstGeom>
+          <a:noFill/>
+        </p:spPr>
+        <p:txBody>
+          <a:bodyPr wrap="none" rtlCol="0">
+            <a:spAutoFit/>
+          </a:bodyPr>
+          <a:lstStyle/>
+          <a:p>
+            <a:r>
+              <a:rPr lang="de-DE" sz="1200" dirty="0" smtClean="0"/>
+              <a:t>WCP</a:t>
+            </a:r>
+            <a:endParaRPr lang="de-DE" sz="1200" dirty="0"/>
+          </a:p>
+        </p:txBody>
+      </p:sp>
+      <p:cxnSp>
+        <p:nvCxnSpPr>
+          <p:cNvPr id="40" name="Gerader Verbinder 39"/>
+          <p:cNvCxnSpPr/>
+          <p:nvPr/>
+        </p:nvCxnSpPr>
+        <p:spPr>
+          <a:xfrm flipV="1">
+            <a:off x="1767136" y="3487032"/>
+            <a:ext cx="472419" cy="130801"/>
+          </a:xfrm>
+          <a:prstGeom prst="line">
+            <a:avLst/>
+          </a:prstGeom>
+        </p:spPr>
+        <p:style>
+          <a:lnRef idx="1">
+            <a:schemeClr val="accent1"/>
+          </a:lnRef>
+          <a:fillRef idx="0">
+            <a:schemeClr val="accent1"/>
+          </a:fillRef>
+          <a:effectRef idx="0">
+            <a:schemeClr val="accent1"/>
+          </a:effectRef>
+          <a:fontRef idx="minor">
+            <a:schemeClr val="tx1"/>
+          </a:fontRef>
+        </p:style>
+      </p:cxnSp>
+      <p:sp>
+        <p:nvSpPr>
+          <p:cNvPr id="92" name="Textfeld 91"/>
+          <p:cNvSpPr txBox="1"/>
+          <p:nvPr/>
+        </p:nvSpPr>
+        <p:spPr>
+          <a:xfrm>
+            <a:off x="888049" y="4415962"/>
+            <a:ext cx="320922" cy="276999"/>
+          </a:xfrm>
+          <a:prstGeom prst="rect">
+            <a:avLst/>
+          </a:prstGeom>
+          <a:noFill/>
+        </p:spPr>
+        <p:txBody>
+          <a:bodyPr wrap="none" rtlCol="0">
+            <a:spAutoFit/>
+          </a:bodyPr>
+          <a:lstStyle/>
+          <a:p>
+            <a:r>
+              <a:rPr lang="de-DE" sz="1200" dirty="0">
+                <a:latin typeface="Symbol" panose="05050102010706020507" pitchFamily="18" charset="2"/>
+              </a:rPr>
+              <a:t>q</a:t>
+            </a:r>
+            <a:r>
+              <a:rPr lang="de-DE" sz="1200" baseline="-25000" dirty="0"/>
+              <a:t>0</a:t>
+            </a:r>
+          </a:p>
+        </p:txBody>
+      </p:sp>
+      <p:sp>
+        <p:nvSpPr>
+          <p:cNvPr id="42" name="Bogen 41"/>
+          <p:cNvSpPr/>
+          <p:nvPr/>
+        </p:nvSpPr>
+        <p:spPr>
+          <a:xfrm>
+            <a:off x="341062" y="4277463"/>
+            <a:ext cx="867910" cy="753202"/>
+          </a:xfrm>
+          <a:prstGeom prst="arc">
+            <a:avLst>
+              <a:gd name="adj1" fmla="val 18836191"/>
+              <a:gd name="adj2" fmla="val 0"/>
+            </a:avLst>
+          </a:prstGeom>
+        </p:spPr>
+        <p:style>
+          <a:lnRef idx="1">
+            <a:schemeClr val="accent1"/>
+          </a:lnRef>
+          <a:fillRef idx="0">
+            <a:schemeClr val="accent1"/>
+          </a:fillRef>
+          <a:effectRef idx="0">
+            <a:schemeClr val="accent1"/>
+          </a:effectRef>
+          <a:fontRef idx="minor">
+            <a:schemeClr val="tx1"/>
+          </a:fontRef>
+        </p:style>
+        <p:txBody>
+          <a:bodyPr rtlCol="0" anchor="ctr"/>
+          <a:lstStyle/>
+          <a:p>
+            <a:pPr algn="ctr"/>
+            <a:endParaRPr lang="de-DE"/>
+          </a:p>
+        </p:txBody>
+      </p:sp>
+      <p:cxnSp>
+        <p:nvCxnSpPr>
+          <p:cNvPr id="95" name="Gerade Verbindung mit Pfeil 94"/>
+          <p:cNvCxnSpPr/>
+          <p:nvPr/>
+        </p:nvCxnSpPr>
+        <p:spPr>
+          <a:xfrm>
+            <a:off x="4788024" y="4653136"/>
+            <a:ext cx="2448272" cy="0"/>
+          </a:xfrm>
+          <a:prstGeom prst="straightConnector1">
+            <a:avLst/>
+          </a:prstGeom>
+          <a:ln>
+            <a:tailEnd type="triangle"/>
+          </a:ln>
+        </p:spPr>
+        <p:style>
+          <a:lnRef idx="1">
+            <a:schemeClr val="accent1"/>
+          </a:lnRef>
+          <a:fillRef idx="0">
+            <a:schemeClr val="accent1"/>
+          </a:fillRef>
+          <a:effectRef idx="0">
+            <a:schemeClr val="accent1"/>
+          </a:effectRef>
+          <a:fontRef idx="minor">
+            <a:schemeClr val="tx1"/>
+          </a:fontRef>
+        </p:style>
+      </p:cxnSp>
+      <p:cxnSp>
+        <p:nvCxnSpPr>
+          <p:cNvPr id="96" name="Gerade Verbindung mit Pfeil 95"/>
+          <p:cNvCxnSpPr/>
+          <p:nvPr/>
+        </p:nvCxnSpPr>
+        <p:spPr>
+          <a:xfrm flipV="1">
+            <a:off x="4932040" y="2924944"/>
+            <a:ext cx="0" cy="1872208"/>
+          </a:xfrm>
+          <a:prstGeom prst="straightConnector1">
+            <a:avLst/>
+          </a:prstGeom>
+          <a:ln>
+            <a:tailEnd type="triangle"/>
+          </a:ln>
+        </p:spPr>
+        <p:style>
+          <a:lnRef idx="1">
+            <a:schemeClr val="accent1"/>
+          </a:lnRef>
+          <a:fillRef idx="0">
+            <a:schemeClr val="accent1"/>
+          </a:fillRef>
+          <a:effectRef idx="0">
+            <a:schemeClr val="accent1"/>
+          </a:effectRef>
+          <a:fontRef idx="minor">
+            <a:schemeClr val="tx1"/>
+          </a:fontRef>
+        </p:style>
+      </p:cxnSp>
+      <p:sp>
+        <p:nvSpPr>
+          <p:cNvPr id="97" name="Textfeld 96"/>
+          <p:cNvSpPr txBox="1"/>
+          <p:nvPr/>
+        </p:nvSpPr>
+        <p:spPr>
+          <a:xfrm>
+            <a:off x="7236296" y="4658065"/>
+            <a:ext cx="284052" cy="369332"/>
+          </a:xfrm>
+          <a:prstGeom prst="rect">
+            <a:avLst/>
+          </a:prstGeom>
+          <a:noFill/>
+        </p:spPr>
+        <p:txBody>
+          <a:bodyPr wrap="none" rtlCol="0">
+            <a:spAutoFit/>
+          </a:bodyPr>
+          <a:lstStyle/>
+          <a:p>
+            <a:r>
+              <a:rPr lang="de-DE" dirty="0" smtClean="0"/>
+              <a:t>x</a:t>
+            </a:r>
+            <a:endParaRPr lang="de-DE" dirty="0"/>
+          </a:p>
+        </p:txBody>
+      </p:sp>
+      <p:sp>
+        <p:nvSpPr>
+          <p:cNvPr id="98" name="Textfeld 97"/>
+          <p:cNvSpPr txBox="1"/>
+          <p:nvPr/>
+        </p:nvSpPr>
+        <p:spPr>
+          <a:xfrm>
+            <a:off x="4598932" y="2838998"/>
+            <a:ext cx="288862" cy="369332"/>
+          </a:xfrm>
+          <a:prstGeom prst="rect">
+            <a:avLst/>
+          </a:prstGeom>
+          <a:noFill/>
+        </p:spPr>
+        <p:txBody>
+          <a:bodyPr wrap="none" rtlCol="0">
+            <a:spAutoFit/>
+          </a:bodyPr>
+          <a:lstStyle/>
+          <a:p>
+            <a:r>
+              <a:rPr lang="de-DE" dirty="0" smtClean="0"/>
+              <a:t>y</a:t>
+            </a:r>
+            <a:endParaRPr lang="de-DE" dirty="0"/>
+          </a:p>
+        </p:txBody>
+      </p:sp>
+      <p:sp>
+        <p:nvSpPr>
+          <p:cNvPr id="99" name="Textfeld 98"/>
+          <p:cNvSpPr txBox="1"/>
+          <p:nvPr/>
+        </p:nvSpPr>
+        <p:spPr>
+          <a:xfrm>
+            <a:off x="5148064" y="2924944"/>
+            <a:ext cx="758926" cy="276999"/>
+          </a:xfrm>
+          <a:prstGeom prst="rect">
+            <a:avLst/>
+          </a:prstGeom>
+          <a:noFill/>
+        </p:spPr>
+        <p:txBody>
+          <a:bodyPr wrap="none" rtlCol="0">
+            <a:spAutoFit/>
+          </a:bodyPr>
+          <a:lstStyle/>
+          <a:p>
+            <a:r>
+              <a:rPr lang="de-DE" sz="1200" dirty="0" smtClean="0"/>
+              <a:t>top </a:t>
+            </a:r>
+            <a:r>
+              <a:rPr lang="de-DE" sz="1200" dirty="0" err="1" smtClean="0"/>
+              <a:t>view</a:t>
+            </a:r>
+            <a:endParaRPr lang="de-DE" sz="1200" dirty="0"/>
+          </a:p>
+        </p:txBody>
+      </p:sp>
+      <p:sp>
+        <p:nvSpPr>
+          <p:cNvPr id="100" name="Ellipse 99"/>
+          <p:cNvSpPr/>
+          <p:nvPr/>
+        </p:nvSpPr>
+        <p:spPr>
+          <a:xfrm>
+            <a:off x="4801697" y="4522334"/>
+            <a:ext cx="260685" cy="261603"/>
+          </a:xfrm>
+          <a:prstGeom prst="ellipse">
+            <a:avLst/>
+          </a:prstGeom>
+          <a:noFill/>
+          <a:ln w="38100">
+            <a:solidFill>
+              <a:schemeClr val="accent1">
+                <a:lumMod val="75000"/>
+              </a:schemeClr>
+            </a:solidFill>
+          </a:ln>
+        </p:spPr>
+        <p:style>
+          <a:lnRef idx="2">
+            <a:schemeClr val="accent1">
+              <a:shade val="50000"/>
+            </a:schemeClr>
+          </a:lnRef>
+          <a:fillRef idx="1">
+            <a:schemeClr val="accent1"/>
+          </a:fillRef>
+          <a:effectRef idx="0">
+            <a:schemeClr val="accent1"/>
+          </a:effectRef>
+          <a:fontRef idx="minor">
+            <a:schemeClr val="lt1"/>
+          </a:fontRef>
+        </p:style>
+        <p:txBody>
+          <a:bodyPr rtlCol="0" anchor="ctr"/>
+          <a:lstStyle/>
+          <a:p>
+            <a:pPr algn="ctr"/>
+            <a:endParaRPr lang="de-DE"/>
+          </a:p>
+        </p:txBody>
+      </p:sp>
+      <p:cxnSp>
+        <p:nvCxnSpPr>
+          <p:cNvPr id="101" name="Gerader Verbinder 100"/>
+          <p:cNvCxnSpPr/>
+          <p:nvPr/>
+        </p:nvCxnSpPr>
+        <p:spPr>
+          <a:xfrm flipV="1">
+            <a:off x="4290060" y="3620354"/>
+            <a:ext cx="1634098" cy="1721266"/>
+          </a:xfrm>
+          <a:prstGeom prst="line">
+            <a:avLst/>
+          </a:prstGeom>
+          <a:ln w="38100">
+            <a:solidFill>
+              <a:schemeClr val="accent1">
+                <a:lumMod val="75000"/>
+              </a:schemeClr>
+            </a:solidFill>
+          </a:ln>
+        </p:spPr>
+        <p:style>
+          <a:lnRef idx="1">
+            <a:schemeClr val="accent1"/>
+          </a:lnRef>
+          <a:fillRef idx="0">
+            <a:schemeClr val="accent1"/>
+          </a:fillRef>
+          <a:effectRef idx="0">
+            <a:schemeClr val="accent1"/>
+          </a:effectRef>
+          <a:fontRef idx="minor">
+            <a:schemeClr val="tx1"/>
+          </a:fontRef>
+        </p:style>
+      </p:cxnSp>
+      <p:sp>
+        <p:nvSpPr>
+          <p:cNvPr id="102" name="Ellipse 101"/>
+          <p:cNvSpPr/>
+          <p:nvPr/>
+        </p:nvSpPr>
+        <p:spPr>
+          <a:xfrm>
+            <a:off x="4167459" y="5210818"/>
+            <a:ext cx="260685" cy="261603"/>
+          </a:xfrm>
+          <a:prstGeom prst="ellipse">
+            <a:avLst/>
+          </a:prstGeom>
+          <a:noFill/>
+          <a:ln w="38100">
+            <a:solidFill>
+              <a:schemeClr val="accent1">
+                <a:lumMod val="75000"/>
+              </a:schemeClr>
+            </a:solidFill>
+          </a:ln>
+        </p:spPr>
+        <p:style>
+          <a:lnRef idx="2">
+            <a:schemeClr val="accent1">
+              <a:shade val="50000"/>
+            </a:schemeClr>
+          </a:lnRef>
+          <a:fillRef idx="1">
+            <a:schemeClr val="accent1"/>
+          </a:fillRef>
+          <a:effectRef idx="0">
+            <a:schemeClr val="accent1"/>
+          </a:effectRef>
+          <a:fontRef idx="minor">
+            <a:schemeClr val="lt1"/>
+          </a:fontRef>
+        </p:style>
+        <p:txBody>
+          <a:bodyPr rtlCol="0" anchor="ctr"/>
+          <a:lstStyle/>
+          <a:p>
+            <a:pPr algn="ctr"/>
+            <a:endParaRPr lang="de-DE"/>
+          </a:p>
+        </p:txBody>
+      </p:sp>
+      <p:sp>
+        <p:nvSpPr>
+          <p:cNvPr id="103" name="Ellipse 102"/>
+          <p:cNvSpPr/>
+          <p:nvPr/>
+        </p:nvSpPr>
+        <p:spPr>
+          <a:xfrm>
+            <a:off x="5786074" y="3482006"/>
+            <a:ext cx="260685" cy="261603"/>
+          </a:xfrm>
+          <a:prstGeom prst="ellipse">
+            <a:avLst/>
+          </a:prstGeom>
+          <a:noFill/>
+          <a:ln w="38100">
+            <a:solidFill>
+              <a:schemeClr val="accent1">
+                <a:lumMod val="75000"/>
+              </a:schemeClr>
+            </a:solidFill>
+          </a:ln>
+        </p:spPr>
+        <p:style>
+          <a:lnRef idx="2">
+            <a:schemeClr val="accent1">
+              <a:shade val="50000"/>
+            </a:schemeClr>
+          </a:lnRef>
+          <a:fillRef idx="1">
+            <a:schemeClr val="accent1"/>
+          </a:fillRef>
+          <a:effectRef idx="0">
+            <a:schemeClr val="accent1"/>
+          </a:effectRef>
+          <a:fontRef idx="minor">
+            <a:schemeClr val="lt1"/>
+          </a:fontRef>
+        </p:style>
+        <p:txBody>
+          <a:bodyPr rtlCol="0" anchor="ctr"/>
+          <a:lstStyle/>
+          <a:p>
+            <a:pPr algn="ctr"/>
+            <a:endParaRPr lang="de-DE"/>
+          </a:p>
+        </p:txBody>
+      </p:sp>
+      <p:sp>
+        <p:nvSpPr>
+          <p:cNvPr id="104" name="Textfeld 103"/>
+          <p:cNvSpPr txBox="1"/>
+          <p:nvPr/>
+        </p:nvSpPr>
+        <p:spPr>
+          <a:xfrm>
+            <a:off x="6352237" y="3338480"/>
+            <a:ext cx="510076" cy="276999"/>
+          </a:xfrm>
+          <a:prstGeom prst="rect">
+            <a:avLst/>
+          </a:prstGeom>
+          <a:noFill/>
+        </p:spPr>
+        <p:txBody>
+          <a:bodyPr wrap="none" rtlCol="0">
+            <a:spAutoFit/>
+          </a:bodyPr>
+          <a:lstStyle/>
+          <a:p>
+            <a:r>
+              <a:rPr lang="de-DE" sz="1200" dirty="0" smtClean="0"/>
+              <a:t>WCP</a:t>
+            </a:r>
+            <a:endParaRPr lang="de-DE" sz="1200" dirty="0"/>
+          </a:p>
+        </p:txBody>
+      </p:sp>
+      <p:cxnSp>
+        <p:nvCxnSpPr>
+          <p:cNvPr id="105" name="Gerader Verbinder 104"/>
+          <p:cNvCxnSpPr/>
+          <p:nvPr/>
+        </p:nvCxnSpPr>
+        <p:spPr>
+          <a:xfrm flipV="1">
+            <a:off x="5924158" y="3482006"/>
+            <a:ext cx="472419" cy="130801"/>
+          </a:xfrm>
+          <a:prstGeom prst="line">
+            <a:avLst/>
+          </a:prstGeom>
+        </p:spPr>
+        <p:style>
+          <a:lnRef idx="1">
+            <a:schemeClr val="accent1"/>
+          </a:lnRef>
+          <a:fillRef idx="0">
+            <a:schemeClr val="accent1"/>
+          </a:fillRef>
+          <a:effectRef idx="0">
+            <a:schemeClr val="accent1"/>
+          </a:effectRef>
+          <a:fontRef idx="minor">
+            <a:schemeClr val="tx1"/>
+          </a:fontRef>
+        </p:style>
+      </p:cxnSp>
+      <p:sp>
+        <p:nvSpPr>
+          <p:cNvPr id="106" name="Textfeld 105"/>
+          <p:cNvSpPr txBox="1"/>
+          <p:nvPr/>
+        </p:nvSpPr>
+        <p:spPr>
+          <a:xfrm>
+            <a:off x="5045071" y="4410936"/>
+            <a:ext cx="320922" cy="276999"/>
+          </a:xfrm>
+          <a:prstGeom prst="rect">
+            <a:avLst/>
+          </a:prstGeom>
+          <a:noFill/>
+        </p:spPr>
+        <p:txBody>
+          <a:bodyPr wrap="none" rtlCol="0">
+            <a:spAutoFit/>
+          </a:bodyPr>
+          <a:lstStyle/>
+          <a:p>
+            <a:r>
+              <a:rPr lang="de-DE" sz="1200" dirty="0">
+                <a:latin typeface="Symbol" panose="05050102010706020507" pitchFamily="18" charset="2"/>
+              </a:rPr>
+              <a:t>q</a:t>
+            </a:r>
+            <a:r>
+              <a:rPr lang="de-DE" sz="1200" baseline="-25000" dirty="0"/>
+              <a:t>0</a:t>
+            </a:r>
+          </a:p>
+        </p:txBody>
+      </p:sp>
+      <p:sp>
+        <p:nvSpPr>
+          <p:cNvPr id="107" name="Bogen 106"/>
+          <p:cNvSpPr/>
+          <p:nvPr/>
+        </p:nvSpPr>
+        <p:spPr>
+          <a:xfrm>
+            <a:off x="4498084" y="4272437"/>
+            <a:ext cx="867910" cy="753202"/>
+          </a:xfrm>
+          <a:prstGeom prst="arc">
+            <a:avLst>
+              <a:gd name="adj1" fmla="val 8298877"/>
+              <a:gd name="adj2" fmla="val 0"/>
+            </a:avLst>
+          </a:prstGeom>
+        </p:spPr>
+        <p:style>
+          <a:lnRef idx="1">
+            <a:schemeClr val="accent1"/>
+          </a:lnRef>
+          <a:fillRef idx="0">
+            <a:schemeClr val="accent1"/>
+          </a:fillRef>
+          <a:effectRef idx="0">
+            <a:schemeClr val="accent1"/>
+          </a:effectRef>
+          <a:fontRef idx="minor">
+            <a:schemeClr val="tx1"/>
+          </a:fontRef>
+        </p:style>
+        <p:txBody>
+          <a:bodyPr rtlCol="0" anchor="ctr"/>
+          <a:lstStyle/>
+          <a:p>
+            <a:pPr algn="ctr"/>
+            <a:endParaRPr lang="de-DE"/>
+          </a:p>
+        </p:txBody>
+      </p:sp>
+      <p:sp>
+        <p:nvSpPr>
+          <p:cNvPr id="108" name="Textfeld 107"/>
+          <p:cNvSpPr txBox="1"/>
+          <p:nvPr/>
+        </p:nvSpPr>
+        <p:spPr>
+          <a:xfrm>
+            <a:off x="1899040" y="3819341"/>
+            <a:ext cx="628698" cy="276999"/>
+          </a:xfrm>
+          <a:prstGeom prst="rect">
+            <a:avLst/>
+          </a:prstGeom>
+          <a:noFill/>
+        </p:spPr>
+        <p:txBody>
+          <a:bodyPr wrap="none" rtlCol="0">
+            <a:spAutoFit/>
+          </a:bodyPr>
+          <a:lstStyle/>
+          <a:p>
+            <a:r>
+              <a:rPr lang="de-DE" sz="1200" dirty="0" err="1" smtClean="0"/>
+              <a:t>ellbow</a:t>
+            </a:r>
+            <a:endParaRPr lang="de-DE" sz="1200" dirty="0"/>
+          </a:p>
+        </p:txBody>
+      </p:sp>
+      <p:cxnSp>
+        <p:nvCxnSpPr>
+          <p:cNvPr id="109" name="Gerader Verbinder 108"/>
+          <p:cNvCxnSpPr/>
+          <p:nvPr/>
+        </p:nvCxnSpPr>
+        <p:spPr>
+          <a:xfrm flipV="1">
+            <a:off x="1470961" y="3962867"/>
+            <a:ext cx="472419" cy="130801"/>
+          </a:xfrm>
+          <a:prstGeom prst="line">
+            <a:avLst/>
+          </a:prstGeom>
+        </p:spPr>
+        <p:style>
+          <a:lnRef idx="1">
+            <a:schemeClr val="accent1"/>
+          </a:lnRef>
+          <a:fillRef idx="0">
+            <a:schemeClr val="accent1"/>
+          </a:fillRef>
+          <a:effectRef idx="0">
+            <a:schemeClr val="accent1"/>
+          </a:effectRef>
+          <a:fontRef idx="minor">
+            <a:schemeClr val="tx1"/>
+          </a:fontRef>
+        </p:style>
+      </p:cxnSp>
+      <p:sp>
+        <p:nvSpPr>
+          <p:cNvPr id="110" name="Textfeld 109"/>
+          <p:cNvSpPr txBox="1"/>
+          <p:nvPr/>
+        </p:nvSpPr>
+        <p:spPr>
+          <a:xfrm>
+            <a:off x="4936238" y="5077063"/>
+            <a:ext cx="628698" cy="276999"/>
+          </a:xfrm>
+          <a:prstGeom prst="rect">
+            <a:avLst/>
+          </a:prstGeom>
+          <a:noFill/>
+        </p:spPr>
+        <p:txBody>
+          <a:bodyPr wrap="none" rtlCol="0">
+            <a:spAutoFit/>
+          </a:bodyPr>
+          <a:lstStyle/>
+          <a:p>
+            <a:r>
+              <a:rPr lang="de-DE" sz="1200" dirty="0" err="1" smtClean="0"/>
+              <a:t>ellbow</a:t>
+            </a:r>
+            <a:endParaRPr lang="de-DE" sz="1200" dirty="0"/>
+          </a:p>
+        </p:txBody>
+      </p:sp>
+      <p:cxnSp>
+        <p:nvCxnSpPr>
+          <p:cNvPr id="111" name="Gerader Verbinder 110"/>
+          <p:cNvCxnSpPr/>
+          <p:nvPr/>
+        </p:nvCxnSpPr>
+        <p:spPr>
+          <a:xfrm flipV="1">
+            <a:off x="4508159" y="5220589"/>
+            <a:ext cx="472419" cy="130801"/>
+          </a:xfrm>
+          <a:prstGeom prst="line">
+            <a:avLst/>
+          </a:prstGeom>
+        </p:spPr>
+        <p:style>
+          <a:lnRef idx="1">
+            <a:schemeClr val="accent1"/>
+          </a:lnRef>
+          <a:fillRef idx="0">
+            <a:schemeClr val="accent1"/>
+          </a:fillRef>
+          <a:effectRef idx="0">
+            <a:schemeClr val="accent1"/>
+          </a:effectRef>
+          <a:fontRef idx="minor">
+            <a:schemeClr val="tx1"/>
+          </a:fontRef>
+        </p:style>
+      </p:cxnSp>
+    </p:spTree>
+    <p:extLst>
+      <p:ext uri="{BB962C8B-B14F-4D97-AF65-F5344CB8AC3E}">
+        <p14:creationId xmlns:p14="http://schemas.microsoft.com/office/powerpoint/2010/main" val="3142990879"/>
+      </p:ext>
+    </p:extLst>
+  </p:cSld>
+  <p:clrMapOvr>
+    <a:masterClrMapping/>
+  </p:clrMapOvr>
+</p:sld>
+</file>
+
 <file path=ppt/theme/theme1.xml><?xml version="1.0" encoding="utf-8"?>
 <a:theme xmlns:a="http://schemas.openxmlformats.org/drawingml/2006/main" name="Larissa-Design">
   <a:themeElements>
@@ -12767,74 +17760,16 @@
         <a:srgbClr val="800080"/>
       </a:folHlink>
     </a:clrScheme>
-    <a:fontScheme name="Larissa">
+    <a:fontScheme name="Benutzerdefiniert 1">
       <a:majorFont>
-        <a:latin typeface="Calibri"/>
+        <a:latin typeface="Segoe UI"/>
         <a:ea typeface=""/>
         <a:cs typeface=""/>
-        <a:font script="Jpan" typeface="ＭＳ Ｐゴシック"/>
-        <a:font script="Hang" typeface="맑은 고딕"/>
-        <a:font script="Hans" typeface="宋体"/>
-        <a:font script="Hant" typeface="新細明體"/>
-        <a:font script="Arab" typeface="Times New Roman"/>
-        <a:font script="Hebr" typeface="Times New Roman"/>
-        <a:font script="Thai" typeface="Angsana New"/>
-        <a:font script="Ethi" typeface="Nyala"/>
-        <a:font script="Beng" typeface="Vrinda"/>
-        <a:font script="Gujr" typeface="Shruti"/>
-        <a:font script="Khmr" typeface="MoolBoran"/>
-        <a:font script="Knda" typeface="Tunga"/>
-        <a:font script="Guru" typeface="Raavi"/>
-        <a:font script="Cans" typeface="Euphemia"/>
-        <a:font script="Cher" typeface="Plantagenet Cherokee"/>
-        <a:font script="Yiii" typeface="Microsoft Yi Baiti"/>
-        <a:font script="Tibt" typeface="Microsoft Himalaya"/>
-        <a:font script="Thaa" typeface="MV Boli"/>
-        <a:font script="Deva" typeface="Mangal"/>
-        <a:font script="Telu" typeface="Gautami"/>
-        <a:font script="Taml" typeface="Latha"/>
-        <a:font script="Syrc" typeface="Estrangelo Edessa"/>
-        <a:font script="Orya" typeface="Kalinga"/>
-        <a:font script="Mlym" typeface="Kartika"/>
-        <a:font script="Laoo" typeface="DokChampa"/>
-        <a:font script="Sinh" typeface="Iskoola Pota"/>
-        <a:font script="Mong" typeface="Mongolian Baiti"/>
-        <a:font script="Viet" typeface="Times New Roman"/>
-        <a:font script="Uigh" typeface="Microsoft Uighur"/>
       </a:majorFont>
       <a:minorFont>
-        <a:latin typeface="Calibri"/>
+        <a:latin typeface="Segoe UI"/>
         <a:ea typeface=""/>
         <a:cs typeface=""/>
-        <a:font script="Jpan" typeface="ＭＳ Ｐゴシック"/>
-        <a:font script="Hang" typeface="맑은 고딕"/>
-        <a:font script="Hans" typeface="宋体"/>
-        <a:font script="Hant" typeface="新細明體"/>
-        <a:font script="Arab" typeface="Arial"/>
-        <a:font script="Hebr" typeface="Arial"/>
-        <a:font script="Thai" typeface="Cordia New"/>
-        <a:font script="Ethi" typeface="Nyala"/>
-        <a:font script="Beng" typeface="Vrinda"/>
-        <a:font script="Gujr" typeface="Shruti"/>
-        <a:font script="Khmr" typeface="DaunPenh"/>
-        <a:font script="Knda" typeface="Tunga"/>
-        <a:font script="Guru" typeface="Raavi"/>
-        <a:font script="Cans" typeface="Euphemia"/>
-        <a:font script="Cher" typeface="Plantagenet Cherokee"/>
-        <a:font script="Yiii" typeface="Microsoft Yi Baiti"/>
-        <a:font script="Tibt" typeface="Microsoft Himalaya"/>
-        <a:font script="Thaa" typeface="MV Boli"/>
-        <a:font script="Deva" typeface="Mangal"/>
-        <a:font script="Telu" typeface="Gautami"/>
-        <a:font script="Taml" typeface="Latha"/>
-        <a:font script="Syrc" typeface="Estrangelo Edessa"/>
-        <a:font script="Orya" typeface="Kalinga"/>
-        <a:font script="Mlym" typeface="Kartika"/>
-        <a:font script="Laoo" typeface="DokChampa"/>
-        <a:font script="Sinh" typeface="Iskoola Pota"/>
-        <a:font script="Mong" typeface="Mongolian Baiti"/>
-        <a:font script="Viet" typeface="Arial"/>
-        <a:font script="Uigh" typeface="Microsoft Uighur"/>
       </a:minorFont>
     </a:fontScheme>
     <a:fmtScheme name="Larissa">
